--- a/Philosophie.pptx
+++ b/Philosophie.pptx
@@ -9,15 +9,23 @@
     <p:sldId id="260" r:id="rId3"/>
     <p:sldId id="267" r:id="rId4"/>
     <p:sldId id="269" r:id="rId5"/>
-    <p:sldId id="271" r:id="rId6"/>
-    <p:sldId id="272" r:id="rId7"/>
-    <p:sldId id="259" r:id="rId8"/>
-    <p:sldId id="261" r:id="rId9"/>
-    <p:sldId id="262" r:id="rId10"/>
-    <p:sldId id="263" r:id="rId11"/>
-    <p:sldId id="264" r:id="rId12"/>
-    <p:sldId id="265" r:id="rId13"/>
-    <p:sldId id="270" r:id="rId14"/>
+    <p:sldId id="279" r:id="rId6"/>
+    <p:sldId id="271" r:id="rId7"/>
+    <p:sldId id="272" r:id="rId8"/>
+    <p:sldId id="273" r:id="rId9"/>
+    <p:sldId id="274" r:id="rId10"/>
+    <p:sldId id="275" r:id="rId11"/>
+    <p:sldId id="276" r:id="rId12"/>
+    <p:sldId id="277" r:id="rId13"/>
+    <p:sldId id="278" r:id="rId14"/>
+    <p:sldId id="280" r:id="rId15"/>
+    <p:sldId id="281" r:id="rId16"/>
+    <p:sldId id="282" r:id="rId17"/>
+    <p:sldId id="262" r:id="rId18"/>
+    <p:sldId id="263" r:id="rId19"/>
+    <p:sldId id="264" r:id="rId20"/>
+    <p:sldId id="265" r:id="rId21"/>
+    <p:sldId id="270" r:id="rId22"/>
   </p:sldIdLst>
   <p:sldSz cx="9144000" cy="6858000" type="screen4x3"/>
   <p:notesSz cx="6858000" cy="9144000"/>
@@ -4664,7 +4672,7 @@
           <a:p>
             <a:fld id="{AE48927D-6697-441A-B4FE-4B41A28AFB51}" type="datetimeFigureOut">
               <a:rPr lang="de-DE" smtClean="0"/>
-              <a:t>13.01.2017</a:t>
+              <a:t>14.01.2017</a:t>
             </a:fld>
             <a:endParaRPr lang="de-DE"/>
           </a:p>
@@ -4834,7 +4842,7 @@
           <a:p>
             <a:fld id="{AE48927D-6697-441A-B4FE-4B41A28AFB51}" type="datetimeFigureOut">
               <a:rPr lang="de-DE" smtClean="0"/>
-              <a:t>13.01.2017</a:t>
+              <a:t>14.01.2017</a:t>
             </a:fld>
             <a:endParaRPr lang="de-DE"/>
           </a:p>
@@ -5014,7 +5022,7 @@
           <a:p>
             <a:fld id="{AE48927D-6697-441A-B4FE-4B41A28AFB51}" type="datetimeFigureOut">
               <a:rPr lang="de-DE" smtClean="0"/>
-              <a:t>13.01.2017</a:t>
+              <a:t>14.01.2017</a:t>
             </a:fld>
             <a:endParaRPr lang="de-DE"/>
           </a:p>
@@ -5184,7 +5192,7 @@
           <a:p>
             <a:fld id="{AE48927D-6697-441A-B4FE-4B41A28AFB51}" type="datetimeFigureOut">
               <a:rPr lang="de-DE" smtClean="0"/>
-              <a:t>13.01.2017</a:t>
+              <a:t>14.01.2017</a:t>
             </a:fld>
             <a:endParaRPr lang="de-DE"/>
           </a:p>
@@ -5430,7 +5438,7 @@
           <a:p>
             <a:fld id="{AE48927D-6697-441A-B4FE-4B41A28AFB51}" type="datetimeFigureOut">
               <a:rPr lang="de-DE" smtClean="0"/>
-              <a:t>13.01.2017</a:t>
+              <a:t>14.01.2017</a:t>
             </a:fld>
             <a:endParaRPr lang="de-DE"/>
           </a:p>
@@ -5718,7 +5726,7 @@
           <a:p>
             <a:fld id="{AE48927D-6697-441A-B4FE-4B41A28AFB51}" type="datetimeFigureOut">
               <a:rPr lang="de-DE" smtClean="0"/>
-              <a:t>13.01.2017</a:t>
+              <a:t>14.01.2017</a:t>
             </a:fld>
             <a:endParaRPr lang="de-DE"/>
           </a:p>
@@ -6140,7 +6148,7 @@
           <a:p>
             <a:fld id="{AE48927D-6697-441A-B4FE-4B41A28AFB51}" type="datetimeFigureOut">
               <a:rPr lang="de-DE" smtClean="0"/>
-              <a:t>13.01.2017</a:t>
+              <a:t>14.01.2017</a:t>
             </a:fld>
             <a:endParaRPr lang="de-DE"/>
           </a:p>
@@ -6258,7 +6266,7 @@
           <a:p>
             <a:fld id="{AE48927D-6697-441A-B4FE-4B41A28AFB51}" type="datetimeFigureOut">
               <a:rPr lang="de-DE" smtClean="0"/>
-              <a:t>13.01.2017</a:t>
+              <a:t>14.01.2017</a:t>
             </a:fld>
             <a:endParaRPr lang="de-DE"/>
           </a:p>
@@ -6353,7 +6361,7 @@
           <a:p>
             <a:fld id="{AE48927D-6697-441A-B4FE-4B41A28AFB51}" type="datetimeFigureOut">
               <a:rPr lang="de-DE" smtClean="0"/>
-              <a:t>13.01.2017</a:t>
+              <a:t>14.01.2017</a:t>
             </a:fld>
             <a:endParaRPr lang="de-DE"/>
           </a:p>
@@ -6630,7 +6638,7 @@
           <a:p>
             <a:fld id="{AE48927D-6697-441A-B4FE-4B41A28AFB51}" type="datetimeFigureOut">
               <a:rPr lang="de-DE" smtClean="0"/>
-              <a:t>13.01.2017</a:t>
+              <a:t>14.01.2017</a:t>
             </a:fld>
             <a:endParaRPr lang="de-DE"/>
           </a:p>
@@ -6883,7 +6891,7 @@
           <a:p>
             <a:fld id="{AE48927D-6697-441A-B4FE-4B41A28AFB51}" type="datetimeFigureOut">
               <a:rPr lang="de-DE" smtClean="0"/>
-              <a:t>13.01.2017</a:t>
+              <a:t>14.01.2017</a:t>
             </a:fld>
             <a:endParaRPr lang="de-DE"/>
           </a:p>
@@ -7130,7 +7138,7 @@
           <a:p>
             <a:fld id="{AE48927D-6697-441A-B4FE-4B41A28AFB51}" type="datetimeFigureOut">
               <a:rPr lang="de-DE" smtClean="0"/>
-              <a:t>13.01.2017</a:t>
+              <a:t>14.01.2017</a:t>
             </a:fld>
             <a:endParaRPr lang="de-DE"/>
           </a:p>
@@ -7545,7 +7553,15 @@
           <a:p>
             <a:r>
               <a:rPr lang="de-DE" smtClean="0"/>
-              <a:t>Die Vorstellungen eines Philosophen über die Welt unter Ausgrenzung anderer Vorstellungen</a:t>
+              <a:t>Die Vorstellungen eines Philosophen </a:t>
+            </a:r>
+            <a:r>
+              <a:rPr lang="de-DE" smtClean="0"/>
+              <a:t>unter </a:t>
+            </a:r>
+            <a:r>
+              <a:rPr lang="de-DE" smtClean="0"/>
+              <a:t>Ausgrenzung anderer Vorstellungen</a:t>
             </a:r>
             <a:endParaRPr lang="de-DE"/>
           </a:p>
@@ -7572,6 +7588,4210 @@
 </file>
 
 <file path=ppt/slides/slide10.xml><?xml version="1.0" encoding="utf-8"?>
+<p:sld xmlns:a="http://schemas.openxmlformats.org/drawingml/2006/main" xmlns:r="http://schemas.openxmlformats.org/officeDocument/2006/relationships" xmlns:p="http://schemas.openxmlformats.org/presentationml/2006/main">
+  <p:cSld>
+    <p:bg>
+      <p:bgPr>
+        <a:solidFill>
+          <a:schemeClr val="tx1"/>
+        </a:solidFill>
+        <a:effectLst/>
+      </p:bgPr>
+    </p:bg>
+    <p:spTree>
+      <p:nvGrpSpPr>
+        <p:cNvPr id="1" name=""/>
+        <p:cNvGrpSpPr/>
+        <p:nvPr/>
+      </p:nvGrpSpPr>
+      <p:grpSpPr>
+        <a:xfrm>
+          <a:off x="0" y="0"/>
+          <a:ext cx="0" cy="0"/>
+          <a:chOff x="0" y="0"/>
+          <a:chExt cx="0" cy="0"/>
+        </a:xfrm>
+      </p:grpSpPr>
+      <p:pic>
+        <p:nvPicPr>
+          <p:cNvPr id="1026" name="Picture 2" descr="http://physikalismus.de/sites/default/files/pictures/carbon.jpg"/>
+          <p:cNvPicPr>
+            <a:picLocks noChangeAspect="1" noChangeArrowheads="1"/>
+          </p:cNvPicPr>
+          <p:nvPr/>
+        </p:nvPicPr>
+        <p:blipFill>
+          <a:blip r:embed="rId2">
+            <a:extLst>
+              <a:ext uri="{28A0092B-C50C-407E-A947-70E740481C1C}">
+                <a14:useLocalDpi xmlns:a14="http://schemas.microsoft.com/office/drawing/2010/main" val="0"/>
+              </a:ext>
+            </a:extLst>
+          </a:blip>
+          <a:srcRect/>
+          <a:stretch>
+            <a:fillRect/>
+          </a:stretch>
+        </p:blipFill>
+        <p:spPr bwMode="auto">
+          <a:xfrm>
+            <a:off x="899592" y="-213792"/>
+            <a:ext cx="7315200" cy="7315200"/>
+          </a:xfrm>
+          <a:prstGeom prst="rect">
+            <a:avLst/>
+          </a:prstGeom>
+          <a:noFill/>
+          <a:extLst>
+            <a:ext uri="{909E8E84-426E-40DD-AFC4-6F175D3DCCD1}">
+              <a14:hiddenFill xmlns:a14="http://schemas.microsoft.com/office/drawing/2010/main">
+                <a:solidFill>
+                  <a:srgbClr val="FFFFFF"/>
+                </a:solidFill>
+              </a14:hiddenFill>
+            </a:ext>
+          </a:extLst>
+        </p:spPr>
+      </p:pic>
+      <p:sp>
+        <p:nvSpPr>
+          <p:cNvPr id="5" name="Titel 4"/>
+          <p:cNvSpPr>
+            <a:spLocks noGrp="1"/>
+          </p:cNvSpPr>
+          <p:nvPr>
+            <p:ph type="title"/>
+          </p:nvPr>
+        </p:nvSpPr>
+        <p:spPr/>
+        <p:txBody>
+          <a:bodyPr>
+            <a:normAutofit/>
+          </a:bodyPr>
+          <a:lstStyle/>
+          <a:p>
+            <a:r>
+              <a:rPr lang="de-DE" smtClean="0">
+                <a:solidFill>
+                  <a:schemeClr val="bg1"/>
+                </a:solidFill>
+              </a:rPr>
+              <a:t>Mechanik</a:t>
+            </a:r>
+            <a:endParaRPr lang="de-DE">
+              <a:solidFill>
+                <a:schemeClr val="bg1"/>
+              </a:solidFill>
+            </a:endParaRPr>
+          </a:p>
+        </p:txBody>
+      </p:sp>
+      <p:sp>
+        <p:nvSpPr>
+          <p:cNvPr id="6" name="Inhaltsplatzhalter 5"/>
+          <p:cNvSpPr>
+            <a:spLocks noGrp="1"/>
+          </p:cNvSpPr>
+          <p:nvPr>
+            <p:ph idx="1"/>
+          </p:nvPr>
+        </p:nvSpPr>
+        <p:spPr/>
+        <p:txBody>
+          <a:bodyPr>
+            <a:normAutofit/>
+          </a:bodyPr>
+          <a:lstStyle/>
+          <a:p>
+            <a:endParaRPr lang="de-DE" smtClean="0"/>
+          </a:p>
+          <a:p>
+            <a:endParaRPr lang="de-DE" smtClean="0"/>
+          </a:p>
+        </p:txBody>
+      </p:sp>
+      <p:sp>
+        <p:nvSpPr>
+          <p:cNvPr id="4" name="Inhaltsplatzhalter 5"/>
+          <p:cNvSpPr txBox="1">
+            <a:spLocks/>
+          </p:cNvSpPr>
+          <p:nvPr/>
+        </p:nvSpPr>
+        <p:spPr>
+          <a:xfrm>
+            <a:off x="609600" y="1752600"/>
+            <a:ext cx="8229600" cy="4525963"/>
+          </a:xfrm>
+          <a:prstGeom prst="rect">
+            <a:avLst/>
+          </a:prstGeom>
+        </p:spPr>
+        <p:txBody>
+          <a:bodyPr vert="horz" lIns="91440" tIns="45720" rIns="91440" bIns="45720" rtlCol="0">
+            <a:normAutofit fontScale="92500" lnSpcReduction="10000"/>
+          </a:bodyPr>
+          <a:lstStyle>
+            <a:lvl1pPr marL="342900" indent="-342900" algn="l" defTabSz="914400" rtl="0" eaLnBrk="1" latinLnBrk="0" hangingPunct="1">
+              <a:spcBef>
+                <a:spcPct val="20000"/>
+              </a:spcBef>
+              <a:buFont typeface="Arial" pitchFamily="34" charset="0"/>
+              <a:buChar char="•"/>
+              <a:defRPr sz="3200" kern="1200">
+                <a:solidFill>
+                  <a:schemeClr val="tx1"/>
+                </a:solidFill>
+                <a:latin typeface="+mn-lt"/>
+                <a:ea typeface="+mn-ea"/>
+                <a:cs typeface="+mn-cs"/>
+              </a:defRPr>
+            </a:lvl1pPr>
+            <a:lvl2pPr marL="742950" indent="-285750" algn="l" defTabSz="914400" rtl="0" eaLnBrk="1" latinLnBrk="0" hangingPunct="1">
+              <a:spcBef>
+                <a:spcPct val="20000"/>
+              </a:spcBef>
+              <a:buFont typeface="Arial" pitchFamily="34" charset="0"/>
+              <a:buChar char="–"/>
+              <a:defRPr sz="2800" kern="1200">
+                <a:solidFill>
+                  <a:schemeClr val="tx1"/>
+                </a:solidFill>
+                <a:latin typeface="+mn-lt"/>
+                <a:ea typeface="+mn-ea"/>
+                <a:cs typeface="+mn-cs"/>
+              </a:defRPr>
+            </a:lvl2pPr>
+            <a:lvl3pPr marL="1143000" indent="-228600" algn="l" defTabSz="914400" rtl="0" eaLnBrk="1" latinLnBrk="0" hangingPunct="1">
+              <a:spcBef>
+                <a:spcPct val="20000"/>
+              </a:spcBef>
+              <a:buFont typeface="Arial" pitchFamily="34" charset="0"/>
+              <a:buChar char="•"/>
+              <a:defRPr sz="2400" kern="1200">
+                <a:solidFill>
+                  <a:schemeClr val="tx1"/>
+                </a:solidFill>
+                <a:latin typeface="+mn-lt"/>
+                <a:ea typeface="+mn-ea"/>
+                <a:cs typeface="+mn-cs"/>
+              </a:defRPr>
+            </a:lvl3pPr>
+            <a:lvl4pPr marL="1600200" indent="-228600" algn="l" defTabSz="914400" rtl="0" eaLnBrk="1" latinLnBrk="0" hangingPunct="1">
+              <a:spcBef>
+                <a:spcPct val="20000"/>
+              </a:spcBef>
+              <a:buFont typeface="Arial" pitchFamily="34" charset="0"/>
+              <a:buChar char="–"/>
+              <a:defRPr sz="2000" kern="1200">
+                <a:solidFill>
+                  <a:schemeClr val="tx1"/>
+                </a:solidFill>
+                <a:latin typeface="+mn-lt"/>
+                <a:ea typeface="+mn-ea"/>
+                <a:cs typeface="+mn-cs"/>
+              </a:defRPr>
+            </a:lvl4pPr>
+            <a:lvl5pPr marL="2057400" indent="-228600" algn="l" defTabSz="914400" rtl="0" eaLnBrk="1" latinLnBrk="0" hangingPunct="1">
+              <a:spcBef>
+                <a:spcPct val="20000"/>
+              </a:spcBef>
+              <a:buFont typeface="Arial" pitchFamily="34" charset="0"/>
+              <a:buChar char="»"/>
+              <a:defRPr sz="2000" kern="1200">
+                <a:solidFill>
+                  <a:schemeClr val="tx1"/>
+                </a:solidFill>
+                <a:latin typeface="+mn-lt"/>
+                <a:ea typeface="+mn-ea"/>
+                <a:cs typeface="+mn-cs"/>
+              </a:defRPr>
+            </a:lvl5pPr>
+            <a:lvl6pPr marL="2514600" indent="-228600" algn="l" defTabSz="914400" rtl="0" eaLnBrk="1" latinLnBrk="0" hangingPunct="1">
+              <a:spcBef>
+                <a:spcPct val="20000"/>
+              </a:spcBef>
+              <a:buFont typeface="Arial" pitchFamily="34" charset="0"/>
+              <a:buChar char="•"/>
+              <a:defRPr sz="2000" kern="1200">
+                <a:solidFill>
+                  <a:schemeClr val="tx1"/>
+                </a:solidFill>
+                <a:latin typeface="+mn-lt"/>
+                <a:ea typeface="+mn-ea"/>
+                <a:cs typeface="+mn-cs"/>
+              </a:defRPr>
+            </a:lvl6pPr>
+            <a:lvl7pPr marL="2971800" indent="-228600" algn="l" defTabSz="914400" rtl="0" eaLnBrk="1" latinLnBrk="0" hangingPunct="1">
+              <a:spcBef>
+                <a:spcPct val="20000"/>
+              </a:spcBef>
+              <a:buFont typeface="Arial" pitchFamily="34" charset="0"/>
+              <a:buChar char="•"/>
+              <a:defRPr sz="2000" kern="1200">
+                <a:solidFill>
+                  <a:schemeClr val="tx1"/>
+                </a:solidFill>
+                <a:latin typeface="+mn-lt"/>
+                <a:ea typeface="+mn-ea"/>
+                <a:cs typeface="+mn-cs"/>
+              </a:defRPr>
+            </a:lvl7pPr>
+            <a:lvl8pPr marL="3429000" indent="-228600" algn="l" defTabSz="914400" rtl="0" eaLnBrk="1" latinLnBrk="0" hangingPunct="1">
+              <a:spcBef>
+                <a:spcPct val="20000"/>
+              </a:spcBef>
+              <a:buFont typeface="Arial" pitchFamily="34" charset="0"/>
+              <a:buChar char="•"/>
+              <a:defRPr sz="2000" kern="1200">
+                <a:solidFill>
+                  <a:schemeClr val="tx1"/>
+                </a:solidFill>
+                <a:latin typeface="+mn-lt"/>
+                <a:ea typeface="+mn-ea"/>
+                <a:cs typeface="+mn-cs"/>
+              </a:defRPr>
+            </a:lvl8pPr>
+            <a:lvl9pPr marL="3886200" indent="-228600" algn="l" defTabSz="914400" rtl="0" eaLnBrk="1" latinLnBrk="0" hangingPunct="1">
+              <a:spcBef>
+                <a:spcPct val="20000"/>
+              </a:spcBef>
+              <a:buFont typeface="Arial" pitchFamily="34" charset="0"/>
+              <a:buChar char="•"/>
+              <a:defRPr sz="2000" kern="1200">
+                <a:solidFill>
+                  <a:schemeClr val="tx1"/>
+                </a:solidFill>
+                <a:latin typeface="+mn-lt"/>
+                <a:ea typeface="+mn-ea"/>
+                <a:cs typeface="+mn-cs"/>
+              </a:defRPr>
+            </a:lvl9pPr>
+          </a:lstStyle>
+          <a:p>
+            <a:r>
+              <a:rPr lang="de-DE" smtClean="0">
+                <a:solidFill>
+                  <a:schemeClr val="bg1"/>
+                </a:solidFill>
+              </a:rPr>
+              <a:t>Mechanik: Zerlegbarkeit als idealisierter Fall (lineare Näherung). Nichtlinearität → Ganzheit, deterministisches Chaos, Lebendigkeit?</a:t>
+            </a:r>
+          </a:p>
+          <a:p>
+            <a:r>
+              <a:rPr lang="de-DE" smtClean="0">
+                <a:solidFill>
+                  <a:schemeClr val="bg1"/>
+                </a:solidFill>
+              </a:rPr>
+              <a:t>Dürrsches 3-fach Pendel: nichtlinear, nur 3 Freiheitsgrade</a:t>
+            </a:r>
+            <a:endParaRPr lang="de-DE" smtClean="0">
+              <a:solidFill>
+                <a:schemeClr val="bg1"/>
+              </a:solidFill>
+            </a:endParaRPr>
+          </a:p>
+          <a:p>
+            <a:r>
+              <a:rPr lang="de-DE" smtClean="0">
+                <a:solidFill>
+                  <a:schemeClr val="bg1"/>
+                </a:solidFill>
+              </a:rPr>
+              <a:t>2 Gramm Kohlenstoff: 1000000000000000000000000000000000 Atome; jedes mit einem Proton nach Görnitz à 100000000000000000000000000000000000000000 Q-Bits (aber Vorsicht!)</a:t>
+            </a:r>
+            <a:endParaRPr lang="de-DE">
+              <a:solidFill>
+                <a:schemeClr val="bg1"/>
+              </a:solidFill>
+            </a:endParaRPr>
+          </a:p>
+        </p:txBody>
+      </p:sp>
+    </p:spTree>
+    <p:extLst>
+      <p:ext uri="{BB962C8B-B14F-4D97-AF65-F5344CB8AC3E}">
+        <p14:creationId xmlns:p14="http://schemas.microsoft.com/office/powerpoint/2010/main" val="3098827496"/>
+      </p:ext>
+    </p:extLst>
+  </p:cSld>
+  <p:clrMapOvr>
+    <a:masterClrMapping/>
+  </p:clrMapOvr>
+  <p:timing>
+    <p:tnLst>
+      <p:par>
+        <p:cTn id="1" dur="indefinite" restart="never" nodeType="tmRoot"/>
+      </p:par>
+    </p:tnLst>
+  </p:timing>
+</p:sld>
+</file>
+
+<file path=ppt/slides/slide11.xml><?xml version="1.0" encoding="utf-8"?>
+<p:sld xmlns:a="http://schemas.openxmlformats.org/drawingml/2006/main" xmlns:r="http://schemas.openxmlformats.org/officeDocument/2006/relationships" xmlns:p="http://schemas.openxmlformats.org/presentationml/2006/main">
+  <p:cSld>
+    <p:bg>
+      <p:bgPr>
+        <a:gradFill flip="none" rotWithShape="1">
+          <a:gsLst>
+            <a:gs pos="50854">
+              <a:schemeClr val="tx1"/>
+            </a:gs>
+            <a:gs pos="0">
+              <a:schemeClr val="tx1"/>
+            </a:gs>
+            <a:gs pos="21681">
+              <a:schemeClr val="accent1">
+                <a:lumMod val="20000"/>
+                <a:lumOff val="80000"/>
+              </a:schemeClr>
+            </a:gs>
+            <a:gs pos="78000">
+              <a:schemeClr val="accent2">
+                <a:lumMod val="20000"/>
+                <a:lumOff val="80000"/>
+              </a:schemeClr>
+            </a:gs>
+            <a:gs pos="100000">
+              <a:schemeClr val="tx1"/>
+            </a:gs>
+          </a:gsLst>
+          <a:lin ang="2700000" scaled="1"/>
+          <a:tileRect/>
+        </a:gradFill>
+        <a:effectLst/>
+      </p:bgPr>
+    </p:bg>
+    <p:spTree>
+      <p:nvGrpSpPr>
+        <p:cNvPr id="1" name=""/>
+        <p:cNvGrpSpPr/>
+        <p:nvPr/>
+      </p:nvGrpSpPr>
+      <p:grpSpPr>
+        <a:xfrm>
+          <a:off x="0" y="0"/>
+          <a:ext cx="0" cy="0"/>
+          <a:chOff x="0" y="0"/>
+          <a:chExt cx="0" cy="0"/>
+        </a:xfrm>
+      </p:grpSpPr>
+      <p:sp>
+        <p:nvSpPr>
+          <p:cNvPr id="5" name="Titel 4"/>
+          <p:cNvSpPr>
+            <a:spLocks noGrp="1"/>
+          </p:cNvSpPr>
+          <p:nvPr>
+            <p:ph type="title"/>
+          </p:nvPr>
+        </p:nvSpPr>
+        <p:spPr/>
+        <p:txBody>
+          <a:bodyPr>
+            <a:normAutofit/>
+          </a:bodyPr>
+          <a:lstStyle/>
+          <a:p>
+            <a:r>
+              <a:rPr lang="de-DE" smtClean="0">
+                <a:solidFill>
+                  <a:schemeClr val="bg1"/>
+                </a:solidFill>
+              </a:rPr>
+              <a:t>Relativitätstheorie</a:t>
+            </a:r>
+            <a:endParaRPr lang="de-DE">
+              <a:solidFill>
+                <a:schemeClr val="bg1"/>
+              </a:solidFill>
+            </a:endParaRPr>
+          </a:p>
+        </p:txBody>
+      </p:sp>
+      <p:sp>
+        <p:nvSpPr>
+          <p:cNvPr id="6" name="Inhaltsplatzhalter 5"/>
+          <p:cNvSpPr>
+            <a:spLocks noGrp="1"/>
+          </p:cNvSpPr>
+          <p:nvPr>
+            <p:ph idx="1"/>
+          </p:nvPr>
+        </p:nvSpPr>
+        <p:spPr/>
+        <p:txBody>
+          <a:bodyPr>
+            <a:normAutofit/>
+          </a:bodyPr>
+          <a:lstStyle/>
+          <a:p>
+            <a:endParaRPr lang="de-DE" smtClean="0"/>
+          </a:p>
+          <a:p>
+            <a:endParaRPr lang="de-DE" smtClean="0"/>
+          </a:p>
+        </p:txBody>
+      </p:sp>
+      <p:sp>
+        <p:nvSpPr>
+          <p:cNvPr id="4" name="Inhaltsplatzhalter 5"/>
+          <p:cNvSpPr txBox="1">
+            <a:spLocks/>
+          </p:cNvSpPr>
+          <p:nvPr/>
+        </p:nvSpPr>
+        <p:spPr>
+          <a:xfrm>
+            <a:off x="609600" y="1752600"/>
+            <a:ext cx="8229600" cy="4525963"/>
+          </a:xfrm>
+          <a:prstGeom prst="rect">
+            <a:avLst/>
+          </a:prstGeom>
+        </p:spPr>
+        <p:txBody>
+          <a:bodyPr vert="horz" lIns="91440" tIns="45720" rIns="91440" bIns="45720" rtlCol="0">
+            <a:normAutofit fontScale="85000" lnSpcReduction="10000"/>
+          </a:bodyPr>
+          <a:lstStyle>
+            <a:lvl1pPr marL="342900" indent="-342900" algn="l" defTabSz="914400" rtl="0" eaLnBrk="1" latinLnBrk="0" hangingPunct="1">
+              <a:spcBef>
+                <a:spcPct val="20000"/>
+              </a:spcBef>
+              <a:buFont typeface="Arial" pitchFamily="34" charset="0"/>
+              <a:buChar char="•"/>
+              <a:defRPr sz="3200" kern="1200">
+                <a:solidFill>
+                  <a:schemeClr val="tx1"/>
+                </a:solidFill>
+                <a:latin typeface="+mn-lt"/>
+                <a:ea typeface="+mn-ea"/>
+                <a:cs typeface="+mn-cs"/>
+              </a:defRPr>
+            </a:lvl1pPr>
+            <a:lvl2pPr marL="742950" indent="-285750" algn="l" defTabSz="914400" rtl="0" eaLnBrk="1" latinLnBrk="0" hangingPunct="1">
+              <a:spcBef>
+                <a:spcPct val="20000"/>
+              </a:spcBef>
+              <a:buFont typeface="Arial" pitchFamily="34" charset="0"/>
+              <a:buChar char="–"/>
+              <a:defRPr sz="2800" kern="1200">
+                <a:solidFill>
+                  <a:schemeClr val="tx1"/>
+                </a:solidFill>
+                <a:latin typeface="+mn-lt"/>
+                <a:ea typeface="+mn-ea"/>
+                <a:cs typeface="+mn-cs"/>
+              </a:defRPr>
+            </a:lvl2pPr>
+            <a:lvl3pPr marL="1143000" indent="-228600" algn="l" defTabSz="914400" rtl="0" eaLnBrk="1" latinLnBrk="0" hangingPunct="1">
+              <a:spcBef>
+                <a:spcPct val="20000"/>
+              </a:spcBef>
+              <a:buFont typeface="Arial" pitchFamily="34" charset="0"/>
+              <a:buChar char="•"/>
+              <a:defRPr sz="2400" kern="1200">
+                <a:solidFill>
+                  <a:schemeClr val="tx1"/>
+                </a:solidFill>
+                <a:latin typeface="+mn-lt"/>
+                <a:ea typeface="+mn-ea"/>
+                <a:cs typeface="+mn-cs"/>
+              </a:defRPr>
+            </a:lvl3pPr>
+            <a:lvl4pPr marL="1600200" indent="-228600" algn="l" defTabSz="914400" rtl="0" eaLnBrk="1" latinLnBrk="0" hangingPunct="1">
+              <a:spcBef>
+                <a:spcPct val="20000"/>
+              </a:spcBef>
+              <a:buFont typeface="Arial" pitchFamily="34" charset="0"/>
+              <a:buChar char="–"/>
+              <a:defRPr sz="2000" kern="1200">
+                <a:solidFill>
+                  <a:schemeClr val="tx1"/>
+                </a:solidFill>
+                <a:latin typeface="+mn-lt"/>
+                <a:ea typeface="+mn-ea"/>
+                <a:cs typeface="+mn-cs"/>
+              </a:defRPr>
+            </a:lvl4pPr>
+            <a:lvl5pPr marL="2057400" indent="-228600" algn="l" defTabSz="914400" rtl="0" eaLnBrk="1" latinLnBrk="0" hangingPunct="1">
+              <a:spcBef>
+                <a:spcPct val="20000"/>
+              </a:spcBef>
+              <a:buFont typeface="Arial" pitchFamily="34" charset="0"/>
+              <a:buChar char="»"/>
+              <a:defRPr sz="2000" kern="1200">
+                <a:solidFill>
+                  <a:schemeClr val="tx1"/>
+                </a:solidFill>
+                <a:latin typeface="+mn-lt"/>
+                <a:ea typeface="+mn-ea"/>
+                <a:cs typeface="+mn-cs"/>
+              </a:defRPr>
+            </a:lvl5pPr>
+            <a:lvl6pPr marL="2514600" indent="-228600" algn="l" defTabSz="914400" rtl="0" eaLnBrk="1" latinLnBrk="0" hangingPunct="1">
+              <a:spcBef>
+                <a:spcPct val="20000"/>
+              </a:spcBef>
+              <a:buFont typeface="Arial" pitchFamily="34" charset="0"/>
+              <a:buChar char="•"/>
+              <a:defRPr sz="2000" kern="1200">
+                <a:solidFill>
+                  <a:schemeClr val="tx1"/>
+                </a:solidFill>
+                <a:latin typeface="+mn-lt"/>
+                <a:ea typeface="+mn-ea"/>
+                <a:cs typeface="+mn-cs"/>
+              </a:defRPr>
+            </a:lvl6pPr>
+            <a:lvl7pPr marL="2971800" indent="-228600" algn="l" defTabSz="914400" rtl="0" eaLnBrk="1" latinLnBrk="0" hangingPunct="1">
+              <a:spcBef>
+                <a:spcPct val="20000"/>
+              </a:spcBef>
+              <a:buFont typeface="Arial" pitchFamily="34" charset="0"/>
+              <a:buChar char="•"/>
+              <a:defRPr sz="2000" kern="1200">
+                <a:solidFill>
+                  <a:schemeClr val="tx1"/>
+                </a:solidFill>
+                <a:latin typeface="+mn-lt"/>
+                <a:ea typeface="+mn-ea"/>
+                <a:cs typeface="+mn-cs"/>
+              </a:defRPr>
+            </a:lvl7pPr>
+            <a:lvl8pPr marL="3429000" indent="-228600" algn="l" defTabSz="914400" rtl="0" eaLnBrk="1" latinLnBrk="0" hangingPunct="1">
+              <a:spcBef>
+                <a:spcPct val="20000"/>
+              </a:spcBef>
+              <a:buFont typeface="Arial" pitchFamily="34" charset="0"/>
+              <a:buChar char="•"/>
+              <a:defRPr sz="2000" kern="1200">
+                <a:solidFill>
+                  <a:schemeClr val="tx1"/>
+                </a:solidFill>
+                <a:latin typeface="+mn-lt"/>
+                <a:ea typeface="+mn-ea"/>
+                <a:cs typeface="+mn-cs"/>
+              </a:defRPr>
+            </a:lvl8pPr>
+            <a:lvl9pPr marL="3886200" indent="-228600" algn="l" defTabSz="914400" rtl="0" eaLnBrk="1" latinLnBrk="0" hangingPunct="1">
+              <a:spcBef>
+                <a:spcPct val="20000"/>
+              </a:spcBef>
+              <a:buFont typeface="Arial" pitchFamily="34" charset="0"/>
+              <a:buChar char="•"/>
+              <a:defRPr sz="2000" kern="1200">
+                <a:solidFill>
+                  <a:schemeClr val="tx1"/>
+                </a:solidFill>
+                <a:latin typeface="+mn-lt"/>
+                <a:ea typeface="+mn-ea"/>
+                <a:cs typeface="+mn-cs"/>
+              </a:defRPr>
+            </a:lvl9pPr>
+          </a:lstStyle>
+          <a:p>
+            <a:pPr marL="0" indent="0">
+              <a:buNone/>
+            </a:pPr>
+            <a:r>
+              <a:rPr lang="de-DE" smtClean="0">
+                <a:solidFill>
+                  <a:schemeClr val="bg1"/>
+                </a:solidFill>
+              </a:rPr>
+              <a:t>Der Einzug der Subjektivität. Die Sicht bestimmt:</a:t>
+            </a:r>
+          </a:p>
+          <a:p>
+            <a:r>
+              <a:rPr lang="de-DE" smtClean="0">
+                <a:solidFill>
+                  <a:schemeClr val="bg1"/>
+                </a:solidFill>
+              </a:rPr>
+              <a:t>wie schnell Zeit vergeht (Zwillingsparadoxon)</a:t>
+            </a:r>
+          </a:p>
+          <a:p>
+            <a:r>
+              <a:rPr lang="de-DE" smtClean="0">
+                <a:solidFill>
+                  <a:schemeClr val="bg1"/>
+                </a:solidFill>
+              </a:rPr>
+              <a:t>wie lang ein Meterstab ist</a:t>
+            </a:r>
+          </a:p>
+          <a:p>
+            <a:r>
+              <a:rPr lang="de-DE" smtClean="0">
+                <a:solidFill>
+                  <a:schemeClr val="bg1"/>
+                </a:solidFill>
+              </a:rPr>
+              <a:t>ob es sich um Zeit oder Raum handelt</a:t>
+            </a:r>
+          </a:p>
+          <a:p>
+            <a:r>
+              <a:rPr lang="de-DE" smtClean="0">
+                <a:solidFill>
+                  <a:schemeClr val="bg1"/>
+                </a:solidFill>
+              </a:rPr>
+              <a:t>ob ein Feld elektrisch oder magnetisch ist</a:t>
+            </a:r>
+          </a:p>
+          <a:p>
+            <a:r>
+              <a:rPr lang="de-DE" smtClean="0">
+                <a:solidFill>
+                  <a:schemeClr val="bg1"/>
+                </a:solidFill>
+              </a:rPr>
+              <a:t>wie viele Teilchen „da sind“ (relativistische QFTen)</a:t>
+            </a:r>
+          </a:p>
+          <a:p>
+            <a:r>
+              <a:rPr lang="de-DE">
+                <a:solidFill>
+                  <a:schemeClr val="bg1"/>
+                </a:solidFill>
+              </a:rPr>
+              <a:t>w</a:t>
+            </a:r>
+            <a:r>
+              <a:rPr lang="de-DE" smtClean="0">
+                <a:solidFill>
+                  <a:schemeClr val="bg1"/>
+                </a:solidFill>
+              </a:rPr>
+              <a:t>ieviel Energie das Benzin im Tank „hat“</a:t>
+            </a:r>
+          </a:p>
+          <a:p>
+            <a:pPr marL="0" indent="0">
+              <a:buNone/>
+            </a:pPr>
+            <a:r>
+              <a:rPr lang="de-DE" smtClean="0">
+                <a:solidFill>
+                  <a:schemeClr val="bg1"/>
+                </a:solidFill>
+              </a:rPr>
+              <a:t>Die Theorie funktioniert! Wären da nicht die zeitartigen Schleifen, die Unvereinbarkeit mit der QT, …</a:t>
+            </a:r>
+          </a:p>
+          <a:p>
+            <a:endParaRPr lang="de-DE" smtClean="0">
+              <a:solidFill>
+                <a:schemeClr val="bg1"/>
+              </a:solidFill>
+            </a:endParaRPr>
+          </a:p>
+        </p:txBody>
+      </p:sp>
+      <p:pic>
+        <p:nvPicPr>
+          <p:cNvPr id="3" name="Grafik 2"/>
+          <p:cNvPicPr>
+            <a:picLocks noChangeAspect="1"/>
+          </p:cNvPicPr>
+          <p:nvPr>
+            <p:custDataLst>
+              <p:tags r:id="rId1"/>
+            </p:custDataLst>
+          </p:nvPr>
+        </p:nvPicPr>
+        <p:blipFill>
+          <a:blip r:embed="rId3" cstate="print">
+            <a:extLst>
+              <a:ext uri="{28A0092B-C50C-407E-A947-70E740481C1C}">
+                <a14:useLocalDpi xmlns:a14="http://schemas.microsoft.com/office/drawing/2010/main" val="0"/>
+              </a:ext>
+            </a:extLst>
+          </a:blip>
+          <a:stretch>
+            <a:fillRect/>
+          </a:stretch>
+        </p:blipFill>
+        <p:spPr>
+          <a:xfrm>
+            <a:off x="6804248" y="4478558"/>
+            <a:ext cx="1595311" cy="357349"/>
+          </a:xfrm>
+          <a:prstGeom prst="rect">
+            <a:avLst/>
+          </a:prstGeom>
+        </p:spPr>
+      </p:pic>
+    </p:spTree>
+    <p:extLst>
+      <p:ext uri="{BB962C8B-B14F-4D97-AF65-F5344CB8AC3E}">
+        <p14:creationId xmlns:p14="http://schemas.microsoft.com/office/powerpoint/2010/main" val="4026183695"/>
+      </p:ext>
+    </p:extLst>
+  </p:cSld>
+  <p:clrMapOvr>
+    <a:masterClrMapping/>
+  </p:clrMapOvr>
+  <p:timing>
+    <p:tnLst>
+      <p:par>
+        <p:cTn id="1" dur="indefinite" restart="never" nodeType="tmRoot"/>
+      </p:par>
+    </p:tnLst>
+  </p:timing>
+</p:sld>
+</file>
+
+<file path=ppt/slides/slide12.xml><?xml version="1.0" encoding="utf-8"?>
+<p:sld xmlns:a="http://schemas.openxmlformats.org/drawingml/2006/main" xmlns:r="http://schemas.openxmlformats.org/officeDocument/2006/relationships" xmlns:p="http://schemas.openxmlformats.org/presentationml/2006/main">
+  <p:cSld>
+    <p:bg>
+      <p:bgPr>
+        <a:gradFill flip="none" rotWithShape="1">
+          <a:gsLst>
+            <a:gs pos="50854">
+              <a:schemeClr val="tx1"/>
+            </a:gs>
+            <a:gs pos="0">
+              <a:schemeClr val="tx1"/>
+            </a:gs>
+            <a:gs pos="21681">
+              <a:schemeClr val="accent1">
+                <a:lumMod val="20000"/>
+                <a:lumOff val="80000"/>
+              </a:schemeClr>
+            </a:gs>
+            <a:gs pos="78000">
+              <a:schemeClr val="accent2">
+                <a:lumMod val="20000"/>
+                <a:lumOff val="80000"/>
+              </a:schemeClr>
+            </a:gs>
+            <a:gs pos="100000">
+              <a:schemeClr val="tx1"/>
+            </a:gs>
+          </a:gsLst>
+          <a:lin ang="2700000" scaled="1"/>
+          <a:tileRect/>
+        </a:gradFill>
+        <a:effectLst/>
+      </p:bgPr>
+    </p:bg>
+    <p:spTree>
+      <p:nvGrpSpPr>
+        <p:cNvPr id="1" name=""/>
+        <p:cNvGrpSpPr/>
+        <p:nvPr/>
+      </p:nvGrpSpPr>
+      <p:grpSpPr>
+        <a:xfrm>
+          <a:off x="0" y="0"/>
+          <a:ext cx="0" cy="0"/>
+          <a:chOff x="0" y="0"/>
+          <a:chExt cx="0" cy="0"/>
+        </a:xfrm>
+      </p:grpSpPr>
+      <p:sp>
+        <p:nvSpPr>
+          <p:cNvPr id="5" name="Titel 4"/>
+          <p:cNvSpPr>
+            <a:spLocks noGrp="1"/>
+          </p:cNvSpPr>
+          <p:nvPr>
+            <p:ph type="title"/>
+          </p:nvPr>
+        </p:nvSpPr>
+        <p:spPr/>
+        <p:txBody>
+          <a:bodyPr>
+            <a:normAutofit/>
+          </a:bodyPr>
+          <a:lstStyle/>
+          <a:p>
+            <a:r>
+              <a:rPr lang="de-DE" smtClean="0">
+                <a:solidFill>
+                  <a:schemeClr val="bg1"/>
+                </a:solidFill>
+              </a:rPr>
+              <a:t>Quantentheorie</a:t>
+            </a:r>
+            <a:endParaRPr lang="de-DE">
+              <a:solidFill>
+                <a:schemeClr val="bg1"/>
+              </a:solidFill>
+            </a:endParaRPr>
+          </a:p>
+        </p:txBody>
+      </p:sp>
+      <p:sp>
+        <p:nvSpPr>
+          <p:cNvPr id="4" name="Inhaltsplatzhalter 5"/>
+          <p:cNvSpPr txBox="1">
+            <a:spLocks/>
+          </p:cNvSpPr>
+          <p:nvPr/>
+        </p:nvSpPr>
+        <p:spPr>
+          <a:xfrm>
+            <a:off x="609600" y="1752600"/>
+            <a:ext cx="8229600" cy="4525963"/>
+          </a:xfrm>
+          <a:prstGeom prst="rect">
+            <a:avLst/>
+          </a:prstGeom>
+        </p:spPr>
+        <p:txBody>
+          <a:bodyPr vert="horz" lIns="91440" tIns="45720" rIns="91440" bIns="45720" rtlCol="0">
+            <a:normAutofit/>
+          </a:bodyPr>
+          <a:lstStyle>
+            <a:lvl1pPr marL="342900" indent="-342900" algn="l" defTabSz="914400" rtl="0" eaLnBrk="1" latinLnBrk="0" hangingPunct="1">
+              <a:spcBef>
+                <a:spcPct val="20000"/>
+              </a:spcBef>
+              <a:buFont typeface="Arial" pitchFamily="34" charset="0"/>
+              <a:buChar char="•"/>
+              <a:defRPr sz="3200" kern="1200">
+                <a:solidFill>
+                  <a:schemeClr val="tx1"/>
+                </a:solidFill>
+                <a:latin typeface="+mn-lt"/>
+                <a:ea typeface="+mn-ea"/>
+                <a:cs typeface="+mn-cs"/>
+              </a:defRPr>
+            </a:lvl1pPr>
+            <a:lvl2pPr marL="742950" indent="-285750" algn="l" defTabSz="914400" rtl="0" eaLnBrk="1" latinLnBrk="0" hangingPunct="1">
+              <a:spcBef>
+                <a:spcPct val="20000"/>
+              </a:spcBef>
+              <a:buFont typeface="Arial" pitchFamily="34" charset="0"/>
+              <a:buChar char="–"/>
+              <a:defRPr sz="2800" kern="1200">
+                <a:solidFill>
+                  <a:schemeClr val="tx1"/>
+                </a:solidFill>
+                <a:latin typeface="+mn-lt"/>
+                <a:ea typeface="+mn-ea"/>
+                <a:cs typeface="+mn-cs"/>
+              </a:defRPr>
+            </a:lvl2pPr>
+            <a:lvl3pPr marL="1143000" indent="-228600" algn="l" defTabSz="914400" rtl="0" eaLnBrk="1" latinLnBrk="0" hangingPunct="1">
+              <a:spcBef>
+                <a:spcPct val="20000"/>
+              </a:spcBef>
+              <a:buFont typeface="Arial" pitchFamily="34" charset="0"/>
+              <a:buChar char="•"/>
+              <a:defRPr sz="2400" kern="1200">
+                <a:solidFill>
+                  <a:schemeClr val="tx1"/>
+                </a:solidFill>
+                <a:latin typeface="+mn-lt"/>
+                <a:ea typeface="+mn-ea"/>
+                <a:cs typeface="+mn-cs"/>
+              </a:defRPr>
+            </a:lvl3pPr>
+            <a:lvl4pPr marL="1600200" indent="-228600" algn="l" defTabSz="914400" rtl="0" eaLnBrk="1" latinLnBrk="0" hangingPunct="1">
+              <a:spcBef>
+                <a:spcPct val="20000"/>
+              </a:spcBef>
+              <a:buFont typeface="Arial" pitchFamily="34" charset="0"/>
+              <a:buChar char="–"/>
+              <a:defRPr sz="2000" kern="1200">
+                <a:solidFill>
+                  <a:schemeClr val="tx1"/>
+                </a:solidFill>
+                <a:latin typeface="+mn-lt"/>
+                <a:ea typeface="+mn-ea"/>
+                <a:cs typeface="+mn-cs"/>
+              </a:defRPr>
+            </a:lvl4pPr>
+            <a:lvl5pPr marL="2057400" indent="-228600" algn="l" defTabSz="914400" rtl="0" eaLnBrk="1" latinLnBrk="0" hangingPunct="1">
+              <a:spcBef>
+                <a:spcPct val="20000"/>
+              </a:spcBef>
+              <a:buFont typeface="Arial" pitchFamily="34" charset="0"/>
+              <a:buChar char="»"/>
+              <a:defRPr sz="2000" kern="1200">
+                <a:solidFill>
+                  <a:schemeClr val="tx1"/>
+                </a:solidFill>
+                <a:latin typeface="+mn-lt"/>
+                <a:ea typeface="+mn-ea"/>
+                <a:cs typeface="+mn-cs"/>
+              </a:defRPr>
+            </a:lvl5pPr>
+            <a:lvl6pPr marL="2514600" indent="-228600" algn="l" defTabSz="914400" rtl="0" eaLnBrk="1" latinLnBrk="0" hangingPunct="1">
+              <a:spcBef>
+                <a:spcPct val="20000"/>
+              </a:spcBef>
+              <a:buFont typeface="Arial" pitchFamily="34" charset="0"/>
+              <a:buChar char="•"/>
+              <a:defRPr sz="2000" kern="1200">
+                <a:solidFill>
+                  <a:schemeClr val="tx1"/>
+                </a:solidFill>
+                <a:latin typeface="+mn-lt"/>
+                <a:ea typeface="+mn-ea"/>
+                <a:cs typeface="+mn-cs"/>
+              </a:defRPr>
+            </a:lvl6pPr>
+            <a:lvl7pPr marL="2971800" indent="-228600" algn="l" defTabSz="914400" rtl="0" eaLnBrk="1" latinLnBrk="0" hangingPunct="1">
+              <a:spcBef>
+                <a:spcPct val="20000"/>
+              </a:spcBef>
+              <a:buFont typeface="Arial" pitchFamily="34" charset="0"/>
+              <a:buChar char="•"/>
+              <a:defRPr sz="2000" kern="1200">
+                <a:solidFill>
+                  <a:schemeClr val="tx1"/>
+                </a:solidFill>
+                <a:latin typeface="+mn-lt"/>
+                <a:ea typeface="+mn-ea"/>
+                <a:cs typeface="+mn-cs"/>
+              </a:defRPr>
+            </a:lvl7pPr>
+            <a:lvl8pPr marL="3429000" indent="-228600" algn="l" defTabSz="914400" rtl="0" eaLnBrk="1" latinLnBrk="0" hangingPunct="1">
+              <a:spcBef>
+                <a:spcPct val="20000"/>
+              </a:spcBef>
+              <a:buFont typeface="Arial" pitchFamily="34" charset="0"/>
+              <a:buChar char="•"/>
+              <a:defRPr sz="2000" kern="1200">
+                <a:solidFill>
+                  <a:schemeClr val="tx1"/>
+                </a:solidFill>
+                <a:latin typeface="+mn-lt"/>
+                <a:ea typeface="+mn-ea"/>
+                <a:cs typeface="+mn-cs"/>
+              </a:defRPr>
+            </a:lvl8pPr>
+            <a:lvl9pPr marL="3886200" indent="-228600" algn="l" defTabSz="914400" rtl="0" eaLnBrk="1" latinLnBrk="0" hangingPunct="1">
+              <a:spcBef>
+                <a:spcPct val="20000"/>
+              </a:spcBef>
+              <a:buFont typeface="Arial" pitchFamily="34" charset="0"/>
+              <a:buChar char="•"/>
+              <a:defRPr sz="2000" kern="1200">
+                <a:solidFill>
+                  <a:schemeClr val="tx1"/>
+                </a:solidFill>
+                <a:latin typeface="+mn-lt"/>
+                <a:ea typeface="+mn-ea"/>
+                <a:cs typeface="+mn-cs"/>
+              </a:defRPr>
+            </a:lvl9pPr>
+          </a:lstStyle>
+          <a:p>
+            <a:endParaRPr lang="de-DE" smtClean="0">
+              <a:solidFill>
+                <a:schemeClr val="bg1"/>
+              </a:solidFill>
+            </a:endParaRPr>
+          </a:p>
+        </p:txBody>
+      </p:sp>
+      <p:sp>
+        <p:nvSpPr>
+          <p:cNvPr id="8" name="Inhaltsplatzhalter 5"/>
+          <p:cNvSpPr txBox="1">
+            <a:spLocks/>
+          </p:cNvSpPr>
+          <p:nvPr/>
+        </p:nvSpPr>
+        <p:spPr>
+          <a:xfrm>
+            <a:off x="467544" y="1700809"/>
+            <a:ext cx="8229600" cy="1656184"/>
+          </a:xfrm>
+          <a:prstGeom prst="rect">
+            <a:avLst/>
+          </a:prstGeom>
+        </p:spPr>
+        <p:txBody>
+          <a:bodyPr vert="horz" lIns="91440" tIns="45720" rIns="91440" bIns="45720" rtlCol="0">
+            <a:normAutofit fontScale="85000" lnSpcReduction="10000"/>
+          </a:bodyPr>
+          <a:lstStyle>
+            <a:lvl1pPr marL="342900" indent="-342900" algn="l" defTabSz="914400" rtl="0" eaLnBrk="1" latinLnBrk="0" hangingPunct="1">
+              <a:spcBef>
+                <a:spcPct val="20000"/>
+              </a:spcBef>
+              <a:buFont typeface="Arial" pitchFamily="34" charset="0"/>
+              <a:buChar char="•"/>
+              <a:defRPr sz="3200" kern="1200">
+                <a:solidFill>
+                  <a:schemeClr val="tx1"/>
+                </a:solidFill>
+                <a:latin typeface="+mn-lt"/>
+                <a:ea typeface="+mn-ea"/>
+                <a:cs typeface="+mn-cs"/>
+              </a:defRPr>
+            </a:lvl1pPr>
+            <a:lvl2pPr marL="742950" indent="-285750" algn="l" defTabSz="914400" rtl="0" eaLnBrk="1" latinLnBrk="0" hangingPunct="1">
+              <a:spcBef>
+                <a:spcPct val="20000"/>
+              </a:spcBef>
+              <a:buFont typeface="Arial" pitchFamily="34" charset="0"/>
+              <a:buChar char="–"/>
+              <a:defRPr sz="2800" kern="1200">
+                <a:solidFill>
+                  <a:schemeClr val="tx1"/>
+                </a:solidFill>
+                <a:latin typeface="+mn-lt"/>
+                <a:ea typeface="+mn-ea"/>
+                <a:cs typeface="+mn-cs"/>
+              </a:defRPr>
+            </a:lvl2pPr>
+            <a:lvl3pPr marL="1143000" indent="-228600" algn="l" defTabSz="914400" rtl="0" eaLnBrk="1" latinLnBrk="0" hangingPunct="1">
+              <a:spcBef>
+                <a:spcPct val="20000"/>
+              </a:spcBef>
+              <a:buFont typeface="Arial" pitchFamily="34" charset="0"/>
+              <a:buChar char="•"/>
+              <a:defRPr sz="2400" kern="1200">
+                <a:solidFill>
+                  <a:schemeClr val="tx1"/>
+                </a:solidFill>
+                <a:latin typeface="+mn-lt"/>
+                <a:ea typeface="+mn-ea"/>
+                <a:cs typeface="+mn-cs"/>
+              </a:defRPr>
+            </a:lvl3pPr>
+            <a:lvl4pPr marL="1600200" indent="-228600" algn="l" defTabSz="914400" rtl="0" eaLnBrk="1" latinLnBrk="0" hangingPunct="1">
+              <a:spcBef>
+                <a:spcPct val="20000"/>
+              </a:spcBef>
+              <a:buFont typeface="Arial" pitchFamily="34" charset="0"/>
+              <a:buChar char="–"/>
+              <a:defRPr sz="2000" kern="1200">
+                <a:solidFill>
+                  <a:schemeClr val="tx1"/>
+                </a:solidFill>
+                <a:latin typeface="+mn-lt"/>
+                <a:ea typeface="+mn-ea"/>
+                <a:cs typeface="+mn-cs"/>
+              </a:defRPr>
+            </a:lvl4pPr>
+            <a:lvl5pPr marL="2057400" indent="-228600" algn="l" defTabSz="914400" rtl="0" eaLnBrk="1" latinLnBrk="0" hangingPunct="1">
+              <a:spcBef>
+                <a:spcPct val="20000"/>
+              </a:spcBef>
+              <a:buFont typeface="Arial" pitchFamily="34" charset="0"/>
+              <a:buChar char="»"/>
+              <a:defRPr sz="2000" kern="1200">
+                <a:solidFill>
+                  <a:schemeClr val="tx1"/>
+                </a:solidFill>
+                <a:latin typeface="+mn-lt"/>
+                <a:ea typeface="+mn-ea"/>
+                <a:cs typeface="+mn-cs"/>
+              </a:defRPr>
+            </a:lvl5pPr>
+            <a:lvl6pPr marL="2514600" indent="-228600" algn="l" defTabSz="914400" rtl="0" eaLnBrk="1" latinLnBrk="0" hangingPunct="1">
+              <a:spcBef>
+                <a:spcPct val="20000"/>
+              </a:spcBef>
+              <a:buFont typeface="Arial" pitchFamily="34" charset="0"/>
+              <a:buChar char="•"/>
+              <a:defRPr sz="2000" kern="1200">
+                <a:solidFill>
+                  <a:schemeClr val="tx1"/>
+                </a:solidFill>
+                <a:latin typeface="+mn-lt"/>
+                <a:ea typeface="+mn-ea"/>
+                <a:cs typeface="+mn-cs"/>
+              </a:defRPr>
+            </a:lvl6pPr>
+            <a:lvl7pPr marL="2971800" indent="-228600" algn="l" defTabSz="914400" rtl="0" eaLnBrk="1" latinLnBrk="0" hangingPunct="1">
+              <a:spcBef>
+                <a:spcPct val="20000"/>
+              </a:spcBef>
+              <a:buFont typeface="Arial" pitchFamily="34" charset="0"/>
+              <a:buChar char="•"/>
+              <a:defRPr sz="2000" kern="1200">
+                <a:solidFill>
+                  <a:schemeClr val="tx1"/>
+                </a:solidFill>
+                <a:latin typeface="+mn-lt"/>
+                <a:ea typeface="+mn-ea"/>
+                <a:cs typeface="+mn-cs"/>
+              </a:defRPr>
+            </a:lvl7pPr>
+            <a:lvl8pPr marL="3429000" indent="-228600" algn="l" defTabSz="914400" rtl="0" eaLnBrk="1" latinLnBrk="0" hangingPunct="1">
+              <a:spcBef>
+                <a:spcPct val="20000"/>
+              </a:spcBef>
+              <a:buFont typeface="Arial" pitchFamily="34" charset="0"/>
+              <a:buChar char="•"/>
+              <a:defRPr sz="2000" kern="1200">
+                <a:solidFill>
+                  <a:schemeClr val="tx1"/>
+                </a:solidFill>
+                <a:latin typeface="+mn-lt"/>
+                <a:ea typeface="+mn-ea"/>
+                <a:cs typeface="+mn-cs"/>
+              </a:defRPr>
+            </a:lvl8pPr>
+            <a:lvl9pPr marL="3886200" indent="-228600" algn="l" defTabSz="914400" rtl="0" eaLnBrk="1" latinLnBrk="0" hangingPunct="1">
+              <a:spcBef>
+                <a:spcPct val="20000"/>
+              </a:spcBef>
+              <a:buFont typeface="Arial" pitchFamily="34" charset="0"/>
+              <a:buChar char="•"/>
+              <a:defRPr sz="2000" kern="1200">
+                <a:solidFill>
+                  <a:schemeClr val="tx1"/>
+                </a:solidFill>
+                <a:latin typeface="+mn-lt"/>
+                <a:ea typeface="+mn-ea"/>
+                <a:cs typeface="+mn-cs"/>
+              </a:defRPr>
+            </a:lvl9pPr>
+          </a:lstStyle>
+          <a:p>
+            <a:r>
+              <a:rPr lang="de-DE">
+                <a:solidFill>
+                  <a:schemeClr val="bg1"/>
+                </a:solidFill>
+              </a:rPr>
+              <a:t>Unsere genaueste Theorie. Vorhersagen mit 10-stelliger Genauigkeit. Genau = nah an der </a:t>
+            </a:r>
+            <a:r>
+              <a:rPr lang="de-DE">
+                <a:solidFill>
+                  <a:schemeClr val="bg1"/>
+                </a:solidFill>
+              </a:rPr>
+              <a:t>Wirklichkeit</a:t>
+            </a:r>
+            <a:r>
+              <a:rPr lang="de-DE" smtClean="0">
+                <a:solidFill>
+                  <a:schemeClr val="bg1"/>
+                </a:solidFill>
+              </a:rPr>
+              <a:t>.</a:t>
+            </a:r>
+          </a:p>
+          <a:p>
+            <a:r>
+              <a:rPr lang="de-DE" smtClean="0">
+                <a:solidFill>
+                  <a:schemeClr val="bg1"/>
+                </a:solidFill>
+              </a:rPr>
+              <a:t>Frisst die alte Naturwissenschaft experimentell immer mehr auf. Theorie hinkt nach.</a:t>
+            </a:r>
+            <a:endParaRPr lang="de-DE">
+              <a:solidFill>
+                <a:schemeClr val="bg1"/>
+              </a:solidFill>
+            </a:endParaRPr>
+          </a:p>
+        </p:txBody>
+      </p:sp>
+      <p:sp>
+        <p:nvSpPr>
+          <p:cNvPr id="2" name="Rechteck 1"/>
+          <p:cNvSpPr/>
+          <p:nvPr/>
+        </p:nvSpPr>
+        <p:spPr>
+          <a:xfrm>
+            <a:off x="446856" y="4942329"/>
+            <a:ext cx="8229600" cy="576064"/>
+          </a:xfrm>
+          <a:prstGeom prst="rect">
+            <a:avLst/>
+          </a:prstGeom>
+        </p:spPr>
+        <p:style>
+          <a:lnRef idx="1">
+            <a:schemeClr val="accent5"/>
+          </a:lnRef>
+          <a:fillRef idx="2">
+            <a:schemeClr val="accent5"/>
+          </a:fillRef>
+          <a:effectRef idx="1">
+            <a:schemeClr val="accent5"/>
+          </a:effectRef>
+          <a:fontRef idx="minor">
+            <a:schemeClr val="dk1"/>
+          </a:fontRef>
+        </p:style>
+        <p:txBody>
+          <a:bodyPr rtlCol="0" anchor="ctr"/>
+          <a:lstStyle/>
+          <a:p>
+            <a:pPr algn="ctr"/>
+            <a:r>
+              <a:rPr lang="de-DE" sz="2800" smtClean="0"/>
+              <a:t>Ein nichtverstandener nichtlinearer Prozess, Zufall?</a:t>
+            </a:r>
+            <a:endParaRPr lang="de-DE" sz="2800"/>
+          </a:p>
+        </p:txBody>
+      </p:sp>
+      <p:sp>
+        <p:nvSpPr>
+          <p:cNvPr id="10" name="Rechteck 9"/>
+          <p:cNvSpPr/>
+          <p:nvPr/>
+        </p:nvSpPr>
+        <p:spPr>
+          <a:xfrm>
+            <a:off x="1259632" y="5715253"/>
+            <a:ext cx="6596555" cy="954107"/>
+          </a:xfrm>
+          <a:prstGeom prst="rect">
+            <a:avLst/>
+          </a:prstGeom>
+        </p:spPr>
+        <p:txBody>
+          <a:bodyPr wrap="square">
+            <a:spAutoFit/>
+          </a:bodyPr>
+          <a:lstStyle/>
+          <a:p>
+            <a:pPr algn="ctr"/>
+            <a:r>
+              <a:rPr lang="de-DE" sz="2800" smtClean="0">
+                <a:solidFill>
+                  <a:schemeClr val="bg1"/>
+                </a:solidFill>
+              </a:rPr>
+              <a:t>linear, deterministisch, auf unendlich viele Arten in unabhängige Teile zerlegbar</a:t>
+            </a:r>
+            <a:endParaRPr lang="de-DE" sz="2800"/>
+          </a:p>
+        </p:txBody>
+      </p:sp>
+      <p:sp>
+        <p:nvSpPr>
+          <p:cNvPr id="12" name="Rechteck 11"/>
+          <p:cNvSpPr/>
+          <p:nvPr/>
+        </p:nvSpPr>
+        <p:spPr>
+          <a:xfrm>
+            <a:off x="683568" y="4203085"/>
+            <a:ext cx="7632848" cy="523220"/>
+          </a:xfrm>
+          <a:prstGeom prst="rect">
+            <a:avLst/>
+          </a:prstGeom>
+        </p:spPr>
+        <p:txBody>
+          <a:bodyPr wrap="square">
+            <a:spAutoFit/>
+          </a:bodyPr>
+          <a:lstStyle/>
+          <a:p>
+            <a:pPr algn="ctr"/>
+            <a:r>
+              <a:rPr lang="de-DE" sz="2800" smtClean="0">
+                <a:solidFill>
+                  <a:schemeClr val="bg1"/>
+                </a:solidFill>
+              </a:rPr>
+              <a:t>alles hängt mit allem zusammen, keine Teile mehr</a:t>
+            </a:r>
+            <a:endParaRPr lang="de-DE" sz="2800"/>
+          </a:p>
+        </p:txBody>
+      </p:sp>
+      <p:sp>
+        <p:nvSpPr>
+          <p:cNvPr id="13" name="Pfeil nach oben 12"/>
+          <p:cNvSpPr/>
+          <p:nvPr/>
+        </p:nvSpPr>
+        <p:spPr>
+          <a:xfrm>
+            <a:off x="4100573" y="3962966"/>
+            <a:ext cx="720080" cy="1782197"/>
+          </a:xfrm>
+          <a:prstGeom prst="upArrow">
+            <a:avLst/>
+          </a:prstGeom>
+          <a:solidFill>
+            <a:srgbClr val="FFFF00">
+              <a:alpha val="54000"/>
+            </a:srgbClr>
+          </a:solidFill>
+          <a:ln>
+            <a:noFill/>
+          </a:ln>
+        </p:spPr>
+        <p:style>
+          <a:lnRef idx="2">
+            <a:schemeClr val="accent1">
+              <a:shade val="50000"/>
+            </a:schemeClr>
+          </a:lnRef>
+          <a:fillRef idx="1">
+            <a:schemeClr val="accent1"/>
+          </a:fillRef>
+          <a:effectRef idx="0">
+            <a:schemeClr val="accent1"/>
+          </a:effectRef>
+          <a:fontRef idx="minor">
+            <a:schemeClr val="lt1"/>
+          </a:fontRef>
+        </p:style>
+        <p:txBody>
+          <a:bodyPr rtlCol="0" anchor="ctr"/>
+          <a:lstStyle/>
+          <a:p>
+            <a:pPr algn="ctr"/>
+            <a:endParaRPr lang="de-DE"/>
+          </a:p>
+        </p:txBody>
+      </p:sp>
+      <p:sp>
+        <p:nvSpPr>
+          <p:cNvPr id="14" name="Rechteck 13"/>
+          <p:cNvSpPr/>
+          <p:nvPr/>
+        </p:nvSpPr>
+        <p:spPr>
+          <a:xfrm>
+            <a:off x="611560" y="3481844"/>
+            <a:ext cx="7632848" cy="523220"/>
+          </a:xfrm>
+          <a:prstGeom prst="rect">
+            <a:avLst/>
+          </a:prstGeom>
+        </p:spPr>
+        <p:txBody>
+          <a:bodyPr wrap="square">
+            <a:spAutoFit/>
+          </a:bodyPr>
+          <a:lstStyle/>
+          <a:p>
+            <a:pPr algn="ctr"/>
+            <a:r>
+              <a:rPr lang="de-DE" sz="2800" smtClean="0">
+                <a:solidFill>
+                  <a:schemeClr val="bg1"/>
+                </a:solidFill>
+              </a:rPr>
+              <a:t>Bewusstsein</a:t>
+            </a:r>
+            <a:endParaRPr lang="de-DE" sz="2800"/>
+          </a:p>
+        </p:txBody>
+      </p:sp>
+    </p:spTree>
+    <p:extLst>
+      <p:ext uri="{BB962C8B-B14F-4D97-AF65-F5344CB8AC3E}">
+        <p14:creationId xmlns:p14="http://schemas.microsoft.com/office/powerpoint/2010/main" val="3404246957"/>
+      </p:ext>
+    </p:extLst>
+  </p:cSld>
+  <p:clrMapOvr>
+    <a:masterClrMapping/>
+  </p:clrMapOvr>
+  <p:timing>
+    <p:tnLst>
+      <p:par>
+        <p:cTn id="1" dur="indefinite" restart="never" nodeType="tmRoot"/>
+      </p:par>
+    </p:tnLst>
+  </p:timing>
+</p:sld>
+</file>
+
+<file path=ppt/slides/slide13.xml><?xml version="1.0" encoding="utf-8"?>
+<p:sld xmlns:a="http://schemas.openxmlformats.org/drawingml/2006/main" xmlns:r="http://schemas.openxmlformats.org/officeDocument/2006/relationships" xmlns:p="http://schemas.openxmlformats.org/presentationml/2006/main">
+  <p:cSld>
+    <p:bg>
+      <p:bgPr>
+        <a:gradFill flip="none" rotWithShape="1">
+          <a:gsLst>
+            <a:gs pos="50854">
+              <a:schemeClr val="tx1"/>
+            </a:gs>
+            <a:gs pos="0">
+              <a:schemeClr val="tx1"/>
+            </a:gs>
+            <a:gs pos="21681">
+              <a:schemeClr val="accent1">
+                <a:lumMod val="20000"/>
+                <a:lumOff val="80000"/>
+              </a:schemeClr>
+            </a:gs>
+            <a:gs pos="78000">
+              <a:schemeClr val="accent2">
+                <a:lumMod val="20000"/>
+                <a:lumOff val="80000"/>
+              </a:schemeClr>
+            </a:gs>
+            <a:gs pos="100000">
+              <a:schemeClr val="tx1"/>
+            </a:gs>
+          </a:gsLst>
+          <a:lin ang="2700000" scaled="1"/>
+          <a:tileRect/>
+        </a:gradFill>
+        <a:effectLst/>
+      </p:bgPr>
+    </p:bg>
+    <p:spTree>
+      <p:nvGrpSpPr>
+        <p:cNvPr id="1" name=""/>
+        <p:cNvGrpSpPr/>
+        <p:nvPr/>
+      </p:nvGrpSpPr>
+      <p:grpSpPr>
+        <a:xfrm>
+          <a:off x="0" y="0"/>
+          <a:ext cx="0" cy="0"/>
+          <a:chOff x="0" y="0"/>
+          <a:chExt cx="0" cy="0"/>
+        </a:xfrm>
+      </p:grpSpPr>
+      <p:sp>
+        <p:nvSpPr>
+          <p:cNvPr id="5" name="Titel 4"/>
+          <p:cNvSpPr>
+            <a:spLocks noGrp="1"/>
+          </p:cNvSpPr>
+          <p:nvPr>
+            <p:ph type="title"/>
+          </p:nvPr>
+        </p:nvSpPr>
+        <p:spPr/>
+        <p:txBody>
+          <a:bodyPr>
+            <a:normAutofit/>
+          </a:bodyPr>
+          <a:lstStyle/>
+          <a:p>
+            <a:r>
+              <a:rPr lang="de-DE" smtClean="0">
+                <a:solidFill>
+                  <a:schemeClr val="bg1"/>
+                </a:solidFill>
+              </a:rPr>
+              <a:t>Quantentheorie</a:t>
+            </a:r>
+            <a:endParaRPr lang="de-DE">
+              <a:solidFill>
+                <a:schemeClr val="bg1"/>
+              </a:solidFill>
+            </a:endParaRPr>
+          </a:p>
+        </p:txBody>
+      </p:sp>
+      <p:sp>
+        <p:nvSpPr>
+          <p:cNvPr id="4" name="Inhaltsplatzhalter 5"/>
+          <p:cNvSpPr txBox="1">
+            <a:spLocks/>
+          </p:cNvSpPr>
+          <p:nvPr/>
+        </p:nvSpPr>
+        <p:spPr>
+          <a:xfrm>
+            <a:off x="609600" y="1752600"/>
+            <a:ext cx="8229600" cy="4525963"/>
+          </a:xfrm>
+          <a:prstGeom prst="rect">
+            <a:avLst/>
+          </a:prstGeom>
+        </p:spPr>
+        <p:txBody>
+          <a:bodyPr vert="horz" lIns="91440" tIns="45720" rIns="91440" bIns="45720" rtlCol="0">
+            <a:normAutofit/>
+          </a:bodyPr>
+          <a:lstStyle>
+            <a:lvl1pPr marL="342900" indent="-342900" algn="l" defTabSz="914400" rtl="0" eaLnBrk="1" latinLnBrk="0" hangingPunct="1">
+              <a:spcBef>
+                <a:spcPct val="20000"/>
+              </a:spcBef>
+              <a:buFont typeface="Arial" pitchFamily="34" charset="0"/>
+              <a:buChar char="•"/>
+              <a:defRPr sz="3200" kern="1200">
+                <a:solidFill>
+                  <a:schemeClr val="tx1"/>
+                </a:solidFill>
+                <a:latin typeface="+mn-lt"/>
+                <a:ea typeface="+mn-ea"/>
+                <a:cs typeface="+mn-cs"/>
+              </a:defRPr>
+            </a:lvl1pPr>
+            <a:lvl2pPr marL="742950" indent="-285750" algn="l" defTabSz="914400" rtl="0" eaLnBrk="1" latinLnBrk="0" hangingPunct="1">
+              <a:spcBef>
+                <a:spcPct val="20000"/>
+              </a:spcBef>
+              <a:buFont typeface="Arial" pitchFamily="34" charset="0"/>
+              <a:buChar char="–"/>
+              <a:defRPr sz="2800" kern="1200">
+                <a:solidFill>
+                  <a:schemeClr val="tx1"/>
+                </a:solidFill>
+                <a:latin typeface="+mn-lt"/>
+                <a:ea typeface="+mn-ea"/>
+                <a:cs typeface="+mn-cs"/>
+              </a:defRPr>
+            </a:lvl2pPr>
+            <a:lvl3pPr marL="1143000" indent="-228600" algn="l" defTabSz="914400" rtl="0" eaLnBrk="1" latinLnBrk="0" hangingPunct="1">
+              <a:spcBef>
+                <a:spcPct val="20000"/>
+              </a:spcBef>
+              <a:buFont typeface="Arial" pitchFamily="34" charset="0"/>
+              <a:buChar char="•"/>
+              <a:defRPr sz="2400" kern="1200">
+                <a:solidFill>
+                  <a:schemeClr val="tx1"/>
+                </a:solidFill>
+                <a:latin typeface="+mn-lt"/>
+                <a:ea typeface="+mn-ea"/>
+                <a:cs typeface="+mn-cs"/>
+              </a:defRPr>
+            </a:lvl3pPr>
+            <a:lvl4pPr marL="1600200" indent="-228600" algn="l" defTabSz="914400" rtl="0" eaLnBrk="1" latinLnBrk="0" hangingPunct="1">
+              <a:spcBef>
+                <a:spcPct val="20000"/>
+              </a:spcBef>
+              <a:buFont typeface="Arial" pitchFamily="34" charset="0"/>
+              <a:buChar char="–"/>
+              <a:defRPr sz="2000" kern="1200">
+                <a:solidFill>
+                  <a:schemeClr val="tx1"/>
+                </a:solidFill>
+                <a:latin typeface="+mn-lt"/>
+                <a:ea typeface="+mn-ea"/>
+                <a:cs typeface="+mn-cs"/>
+              </a:defRPr>
+            </a:lvl4pPr>
+            <a:lvl5pPr marL="2057400" indent="-228600" algn="l" defTabSz="914400" rtl="0" eaLnBrk="1" latinLnBrk="0" hangingPunct="1">
+              <a:spcBef>
+                <a:spcPct val="20000"/>
+              </a:spcBef>
+              <a:buFont typeface="Arial" pitchFamily="34" charset="0"/>
+              <a:buChar char="»"/>
+              <a:defRPr sz="2000" kern="1200">
+                <a:solidFill>
+                  <a:schemeClr val="tx1"/>
+                </a:solidFill>
+                <a:latin typeface="+mn-lt"/>
+                <a:ea typeface="+mn-ea"/>
+                <a:cs typeface="+mn-cs"/>
+              </a:defRPr>
+            </a:lvl5pPr>
+            <a:lvl6pPr marL="2514600" indent="-228600" algn="l" defTabSz="914400" rtl="0" eaLnBrk="1" latinLnBrk="0" hangingPunct="1">
+              <a:spcBef>
+                <a:spcPct val="20000"/>
+              </a:spcBef>
+              <a:buFont typeface="Arial" pitchFamily="34" charset="0"/>
+              <a:buChar char="•"/>
+              <a:defRPr sz="2000" kern="1200">
+                <a:solidFill>
+                  <a:schemeClr val="tx1"/>
+                </a:solidFill>
+                <a:latin typeface="+mn-lt"/>
+                <a:ea typeface="+mn-ea"/>
+                <a:cs typeface="+mn-cs"/>
+              </a:defRPr>
+            </a:lvl6pPr>
+            <a:lvl7pPr marL="2971800" indent="-228600" algn="l" defTabSz="914400" rtl="0" eaLnBrk="1" latinLnBrk="0" hangingPunct="1">
+              <a:spcBef>
+                <a:spcPct val="20000"/>
+              </a:spcBef>
+              <a:buFont typeface="Arial" pitchFamily="34" charset="0"/>
+              <a:buChar char="•"/>
+              <a:defRPr sz="2000" kern="1200">
+                <a:solidFill>
+                  <a:schemeClr val="tx1"/>
+                </a:solidFill>
+                <a:latin typeface="+mn-lt"/>
+                <a:ea typeface="+mn-ea"/>
+                <a:cs typeface="+mn-cs"/>
+              </a:defRPr>
+            </a:lvl7pPr>
+            <a:lvl8pPr marL="3429000" indent="-228600" algn="l" defTabSz="914400" rtl="0" eaLnBrk="1" latinLnBrk="0" hangingPunct="1">
+              <a:spcBef>
+                <a:spcPct val="20000"/>
+              </a:spcBef>
+              <a:buFont typeface="Arial" pitchFamily="34" charset="0"/>
+              <a:buChar char="•"/>
+              <a:defRPr sz="2000" kern="1200">
+                <a:solidFill>
+                  <a:schemeClr val="tx1"/>
+                </a:solidFill>
+                <a:latin typeface="+mn-lt"/>
+                <a:ea typeface="+mn-ea"/>
+                <a:cs typeface="+mn-cs"/>
+              </a:defRPr>
+            </a:lvl8pPr>
+            <a:lvl9pPr marL="3886200" indent="-228600" algn="l" defTabSz="914400" rtl="0" eaLnBrk="1" latinLnBrk="0" hangingPunct="1">
+              <a:spcBef>
+                <a:spcPct val="20000"/>
+              </a:spcBef>
+              <a:buFont typeface="Arial" pitchFamily="34" charset="0"/>
+              <a:buChar char="•"/>
+              <a:defRPr sz="2000" kern="1200">
+                <a:solidFill>
+                  <a:schemeClr val="tx1"/>
+                </a:solidFill>
+                <a:latin typeface="+mn-lt"/>
+                <a:ea typeface="+mn-ea"/>
+                <a:cs typeface="+mn-cs"/>
+              </a:defRPr>
+            </a:lvl9pPr>
+          </a:lstStyle>
+          <a:p>
+            <a:endParaRPr lang="de-DE" smtClean="0">
+              <a:solidFill>
+                <a:schemeClr val="bg1"/>
+              </a:solidFill>
+            </a:endParaRPr>
+          </a:p>
+        </p:txBody>
+      </p:sp>
+      <p:sp>
+        <p:nvSpPr>
+          <p:cNvPr id="8" name="Inhaltsplatzhalter 5"/>
+          <p:cNvSpPr txBox="1">
+            <a:spLocks/>
+          </p:cNvSpPr>
+          <p:nvPr/>
+        </p:nvSpPr>
+        <p:spPr>
+          <a:xfrm>
+            <a:off x="467544" y="1700808"/>
+            <a:ext cx="8229600" cy="4752527"/>
+          </a:xfrm>
+          <a:prstGeom prst="rect">
+            <a:avLst/>
+          </a:prstGeom>
+        </p:spPr>
+        <p:txBody>
+          <a:bodyPr vert="horz" lIns="91440" tIns="45720" rIns="91440" bIns="45720" rtlCol="0">
+            <a:normAutofit fontScale="92500" lnSpcReduction="20000"/>
+          </a:bodyPr>
+          <a:lstStyle>
+            <a:lvl1pPr marL="342900" indent="-342900" algn="l" defTabSz="914400" rtl="0" eaLnBrk="1" latinLnBrk="0" hangingPunct="1">
+              <a:spcBef>
+                <a:spcPct val="20000"/>
+              </a:spcBef>
+              <a:buFont typeface="Arial" pitchFamily="34" charset="0"/>
+              <a:buChar char="•"/>
+              <a:defRPr sz="3200" kern="1200">
+                <a:solidFill>
+                  <a:schemeClr val="tx1"/>
+                </a:solidFill>
+                <a:latin typeface="+mn-lt"/>
+                <a:ea typeface="+mn-ea"/>
+                <a:cs typeface="+mn-cs"/>
+              </a:defRPr>
+            </a:lvl1pPr>
+            <a:lvl2pPr marL="742950" indent="-285750" algn="l" defTabSz="914400" rtl="0" eaLnBrk="1" latinLnBrk="0" hangingPunct="1">
+              <a:spcBef>
+                <a:spcPct val="20000"/>
+              </a:spcBef>
+              <a:buFont typeface="Arial" pitchFamily="34" charset="0"/>
+              <a:buChar char="–"/>
+              <a:defRPr sz="2800" kern="1200">
+                <a:solidFill>
+                  <a:schemeClr val="tx1"/>
+                </a:solidFill>
+                <a:latin typeface="+mn-lt"/>
+                <a:ea typeface="+mn-ea"/>
+                <a:cs typeface="+mn-cs"/>
+              </a:defRPr>
+            </a:lvl2pPr>
+            <a:lvl3pPr marL="1143000" indent="-228600" algn="l" defTabSz="914400" rtl="0" eaLnBrk="1" latinLnBrk="0" hangingPunct="1">
+              <a:spcBef>
+                <a:spcPct val="20000"/>
+              </a:spcBef>
+              <a:buFont typeface="Arial" pitchFamily="34" charset="0"/>
+              <a:buChar char="•"/>
+              <a:defRPr sz="2400" kern="1200">
+                <a:solidFill>
+                  <a:schemeClr val="tx1"/>
+                </a:solidFill>
+                <a:latin typeface="+mn-lt"/>
+                <a:ea typeface="+mn-ea"/>
+                <a:cs typeface="+mn-cs"/>
+              </a:defRPr>
+            </a:lvl3pPr>
+            <a:lvl4pPr marL="1600200" indent="-228600" algn="l" defTabSz="914400" rtl="0" eaLnBrk="1" latinLnBrk="0" hangingPunct="1">
+              <a:spcBef>
+                <a:spcPct val="20000"/>
+              </a:spcBef>
+              <a:buFont typeface="Arial" pitchFamily="34" charset="0"/>
+              <a:buChar char="–"/>
+              <a:defRPr sz="2000" kern="1200">
+                <a:solidFill>
+                  <a:schemeClr val="tx1"/>
+                </a:solidFill>
+                <a:latin typeface="+mn-lt"/>
+                <a:ea typeface="+mn-ea"/>
+                <a:cs typeface="+mn-cs"/>
+              </a:defRPr>
+            </a:lvl4pPr>
+            <a:lvl5pPr marL="2057400" indent="-228600" algn="l" defTabSz="914400" rtl="0" eaLnBrk="1" latinLnBrk="0" hangingPunct="1">
+              <a:spcBef>
+                <a:spcPct val="20000"/>
+              </a:spcBef>
+              <a:buFont typeface="Arial" pitchFamily="34" charset="0"/>
+              <a:buChar char="»"/>
+              <a:defRPr sz="2000" kern="1200">
+                <a:solidFill>
+                  <a:schemeClr val="tx1"/>
+                </a:solidFill>
+                <a:latin typeface="+mn-lt"/>
+                <a:ea typeface="+mn-ea"/>
+                <a:cs typeface="+mn-cs"/>
+              </a:defRPr>
+            </a:lvl5pPr>
+            <a:lvl6pPr marL="2514600" indent="-228600" algn="l" defTabSz="914400" rtl="0" eaLnBrk="1" latinLnBrk="0" hangingPunct="1">
+              <a:spcBef>
+                <a:spcPct val="20000"/>
+              </a:spcBef>
+              <a:buFont typeface="Arial" pitchFamily="34" charset="0"/>
+              <a:buChar char="•"/>
+              <a:defRPr sz="2000" kern="1200">
+                <a:solidFill>
+                  <a:schemeClr val="tx1"/>
+                </a:solidFill>
+                <a:latin typeface="+mn-lt"/>
+                <a:ea typeface="+mn-ea"/>
+                <a:cs typeface="+mn-cs"/>
+              </a:defRPr>
+            </a:lvl6pPr>
+            <a:lvl7pPr marL="2971800" indent="-228600" algn="l" defTabSz="914400" rtl="0" eaLnBrk="1" latinLnBrk="0" hangingPunct="1">
+              <a:spcBef>
+                <a:spcPct val="20000"/>
+              </a:spcBef>
+              <a:buFont typeface="Arial" pitchFamily="34" charset="0"/>
+              <a:buChar char="•"/>
+              <a:defRPr sz="2000" kern="1200">
+                <a:solidFill>
+                  <a:schemeClr val="tx1"/>
+                </a:solidFill>
+                <a:latin typeface="+mn-lt"/>
+                <a:ea typeface="+mn-ea"/>
+                <a:cs typeface="+mn-cs"/>
+              </a:defRPr>
+            </a:lvl7pPr>
+            <a:lvl8pPr marL="3429000" indent="-228600" algn="l" defTabSz="914400" rtl="0" eaLnBrk="1" latinLnBrk="0" hangingPunct="1">
+              <a:spcBef>
+                <a:spcPct val="20000"/>
+              </a:spcBef>
+              <a:buFont typeface="Arial" pitchFamily="34" charset="0"/>
+              <a:buChar char="•"/>
+              <a:defRPr sz="2000" kern="1200">
+                <a:solidFill>
+                  <a:schemeClr val="tx1"/>
+                </a:solidFill>
+                <a:latin typeface="+mn-lt"/>
+                <a:ea typeface="+mn-ea"/>
+                <a:cs typeface="+mn-cs"/>
+              </a:defRPr>
+            </a:lvl8pPr>
+            <a:lvl9pPr marL="3886200" indent="-228600" algn="l" defTabSz="914400" rtl="0" eaLnBrk="1" latinLnBrk="0" hangingPunct="1">
+              <a:spcBef>
+                <a:spcPct val="20000"/>
+              </a:spcBef>
+              <a:buFont typeface="Arial" pitchFamily="34" charset="0"/>
+              <a:buChar char="•"/>
+              <a:defRPr sz="2000" kern="1200">
+                <a:solidFill>
+                  <a:schemeClr val="tx1"/>
+                </a:solidFill>
+                <a:latin typeface="+mn-lt"/>
+                <a:ea typeface="+mn-ea"/>
+                <a:cs typeface="+mn-cs"/>
+              </a:defRPr>
+            </a:lvl9pPr>
+          </a:lstStyle>
+          <a:p>
+            <a:pPr marL="0" indent="0">
+              <a:buNone/>
+            </a:pPr>
+            <a:r>
+              <a:rPr lang="de-DE" smtClean="0">
+                <a:solidFill>
+                  <a:schemeClr val="bg1"/>
+                </a:solidFill>
+              </a:rPr>
+              <a:t>Die Dinge, die </a:t>
+            </a:r>
+            <a:r>
+              <a:rPr lang="de-DE" b="1" smtClean="0">
+                <a:solidFill>
+                  <a:schemeClr val="bg1"/>
+                </a:solidFill>
+              </a:rPr>
+              <a:t>wir</a:t>
+            </a:r>
+            <a:r>
+              <a:rPr lang="de-DE" smtClean="0">
+                <a:solidFill>
+                  <a:schemeClr val="bg1"/>
+                </a:solidFill>
+              </a:rPr>
+              <a:t> kennen sind alle sekundär, </a:t>
+            </a:r>
+            <a:r>
+              <a:rPr lang="de-DE" b="1" smtClean="0">
+                <a:solidFill>
+                  <a:schemeClr val="bg1"/>
+                </a:solidFill>
+              </a:rPr>
+              <a:t>nach</a:t>
+            </a:r>
+            <a:r>
+              <a:rPr lang="de-DE" smtClean="0">
+                <a:solidFill>
+                  <a:schemeClr val="bg1"/>
+                </a:solidFill>
+              </a:rPr>
+              <a:t> dem nichtlinearen Prozess.</a:t>
+            </a:r>
+          </a:p>
+          <a:p>
+            <a:r>
+              <a:rPr lang="de-DE" smtClean="0">
+                <a:solidFill>
+                  <a:schemeClr val="bg1"/>
+                </a:solidFill>
+              </a:rPr>
+              <a:t>Feynman: </a:t>
+            </a:r>
+            <a:r>
+              <a:rPr lang="de-DE" i="1" smtClean="0">
+                <a:solidFill>
+                  <a:schemeClr val="bg1"/>
+                </a:solidFill>
+              </a:rPr>
+              <a:t>niemand versteht die QT!</a:t>
+            </a:r>
+          </a:p>
+          <a:p>
+            <a:r>
+              <a:rPr lang="de-DE" smtClean="0">
+                <a:solidFill>
+                  <a:schemeClr val="bg1"/>
+                </a:solidFill>
+              </a:rPr>
+              <a:t>Joos: </a:t>
+            </a:r>
+            <a:r>
+              <a:rPr lang="de-DE" i="1" smtClean="0">
+                <a:solidFill>
+                  <a:schemeClr val="bg1"/>
+                </a:solidFill>
+              </a:rPr>
+              <a:t>There are no particles!</a:t>
+            </a:r>
+          </a:p>
+          <a:p>
+            <a:r>
+              <a:rPr lang="de-DE" smtClean="0">
+                <a:solidFill>
+                  <a:schemeClr val="bg1"/>
+                </a:solidFill>
+              </a:rPr>
+              <a:t>Baker:</a:t>
+            </a:r>
+            <a:r>
+              <a:rPr lang="de-DE" i="1" smtClean="0">
+                <a:solidFill>
+                  <a:schemeClr val="bg1"/>
+                </a:solidFill>
+              </a:rPr>
+              <a:t> Against </a:t>
+            </a:r>
+            <a:r>
+              <a:rPr lang="de-DE" i="1" smtClean="0">
+                <a:solidFill>
+                  <a:srgbClr val="FF0000"/>
+                </a:solidFill>
+              </a:rPr>
+              <a:t>f</a:t>
+            </a:r>
+            <a:r>
+              <a:rPr lang="de-DE" i="1" smtClean="0">
+                <a:solidFill>
+                  <a:schemeClr val="bg1"/>
+                </a:solidFill>
+              </a:rPr>
+              <a:t>ield interpretations of Q</a:t>
+            </a:r>
+            <a:r>
+              <a:rPr lang="de-DE" i="1" smtClean="0">
+                <a:solidFill>
+                  <a:srgbClr val="FF0000"/>
+                </a:solidFill>
+              </a:rPr>
+              <a:t>F</a:t>
+            </a:r>
+            <a:r>
+              <a:rPr lang="de-DE" i="1" smtClean="0">
+                <a:solidFill>
+                  <a:schemeClr val="bg1"/>
+                </a:solidFill>
+              </a:rPr>
+              <a:t>T</a:t>
+            </a:r>
+          </a:p>
+          <a:p>
+            <a:r>
+              <a:rPr lang="de-DE" smtClean="0">
+                <a:solidFill>
+                  <a:schemeClr val="bg1"/>
+                </a:solidFill>
+              </a:rPr>
+              <a:t>Dürr: </a:t>
+            </a:r>
+            <a:r>
+              <a:rPr lang="de-DE" i="1">
+                <a:solidFill>
+                  <a:schemeClr val="bg1"/>
+                </a:solidFill>
+              </a:rPr>
+              <a:t>Im Grunde gibt es Materie </a:t>
+            </a:r>
+            <a:r>
+              <a:rPr lang="de-DE" i="1">
+                <a:solidFill>
+                  <a:schemeClr val="bg1"/>
+                </a:solidFill>
+              </a:rPr>
+              <a:t>gar </a:t>
+            </a:r>
+            <a:r>
+              <a:rPr lang="de-DE" i="1" smtClean="0">
+                <a:solidFill>
+                  <a:schemeClr val="bg1"/>
+                </a:solidFill>
+              </a:rPr>
+              <a:t>nicht … Materie </a:t>
+            </a:r>
+            <a:r>
+              <a:rPr lang="de-DE" i="1">
+                <a:solidFill>
+                  <a:schemeClr val="bg1"/>
+                </a:solidFill>
+              </a:rPr>
+              <a:t>und Energie treten erst sekundär in Erscheinung – gewissermaßen als geronnener, erstarrter </a:t>
+            </a:r>
+            <a:r>
+              <a:rPr lang="de-DE" i="1">
+                <a:solidFill>
+                  <a:schemeClr val="bg1"/>
+                </a:solidFill>
+              </a:rPr>
+              <a:t>Geist</a:t>
+            </a:r>
+            <a:r>
+              <a:rPr lang="de-DE" i="1" smtClean="0">
+                <a:solidFill>
+                  <a:schemeClr val="bg1"/>
+                </a:solidFill>
+              </a:rPr>
+              <a:t>. </a:t>
+            </a:r>
+            <a:r>
+              <a:rPr lang="de-DE" smtClean="0">
+                <a:solidFill>
+                  <a:schemeClr val="bg1"/>
+                </a:solidFill>
+              </a:rPr>
+              <a:t>Und die Raumzeit?</a:t>
+            </a:r>
+          </a:p>
+          <a:p>
+            <a:r>
+              <a:rPr lang="de-DE" smtClean="0">
+                <a:solidFill>
+                  <a:schemeClr val="bg1"/>
+                </a:solidFill>
+              </a:rPr>
+              <a:t>Derezinski: But there is no Hamiltonian (= Energie)</a:t>
+            </a:r>
+            <a:endParaRPr lang="de-DE">
+              <a:solidFill>
+                <a:schemeClr val="bg1"/>
+              </a:solidFill>
+            </a:endParaRPr>
+          </a:p>
+        </p:txBody>
+      </p:sp>
+    </p:spTree>
+    <p:extLst>
+      <p:ext uri="{BB962C8B-B14F-4D97-AF65-F5344CB8AC3E}">
+        <p14:creationId xmlns:p14="http://schemas.microsoft.com/office/powerpoint/2010/main" val="2104422934"/>
+      </p:ext>
+    </p:extLst>
+  </p:cSld>
+  <p:clrMapOvr>
+    <a:masterClrMapping/>
+  </p:clrMapOvr>
+  <p:timing>
+    <p:tnLst>
+      <p:par>
+        <p:cTn id="1" dur="indefinite" restart="never" nodeType="tmRoot"/>
+      </p:par>
+    </p:tnLst>
+  </p:timing>
+</p:sld>
+</file>
+
+<file path=ppt/slides/slide14.xml><?xml version="1.0" encoding="utf-8"?>
+<p:sld xmlns:a="http://schemas.openxmlformats.org/drawingml/2006/main" xmlns:r="http://schemas.openxmlformats.org/officeDocument/2006/relationships" xmlns:p="http://schemas.openxmlformats.org/presentationml/2006/main">
+  <p:cSld>
+    <p:bg>
+      <p:bgPr>
+        <a:gradFill flip="none" rotWithShape="1">
+          <a:gsLst>
+            <a:gs pos="50854">
+              <a:schemeClr val="tx1"/>
+            </a:gs>
+            <a:gs pos="0">
+              <a:schemeClr val="tx1"/>
+            </a:gs>
+            <a:gs pos="21681">
+              <a:schemeClr val="accent1">
+                <a:lumMod val="20000"/>
+                <a:lumOff val="80000"/>
+              </a:schemeClr>
+            </a:gs>
+            <a:gs pos="78000">
+              <a:schemeClr val="accent2">
+                <a:lumMod val="20000"/>
+                <a:lumOff val="80000"/>
+              </a:schemeClr>
+            </a:gs>
+            <a:gs pos="100000">
+              <a:schemeClr val="tx1"/>
+            </a:gs>
+          </a:gsLst>
+          <a:lin ang="2700000" scaled="1"/>
+          <a:tileRect/>
+        </a:gradFill>
+        <a:effectLst/>
+      </p:bgPr>
+    </p:bg>
+    <p:spTree>
+      <p:nvGrpSpPr>
+        <p:cNvPr id="1" name=""/>
+        <p:cNvGrpSpPr/>
+        <p:nvPr/>
+      </p:nvGrpSpPr>
+      <p:grpSpPr>
+        <a:xfrm>
+          <a:off x="0" y="0"/>
+          <a:ext cx="0" cy="0"/>
+          <a:chOff x="0" y="0"/>
+          <a:chExt cx="0" cy="0"/>
+        </a:xfrm>
+      </p:grpSpPr>
+      <p:sp>
+        <p:nvSpPr>
+          <p:cNvPr id="5" name="Titel 4"/>
+          <p:cNvSpPr>
+            <a:spLocks noGrp="1"/>
+          </p:cNvSpPr>
+          <p:nvPr>
+            <p:ph type="title"/>
+          </p:nvPr>
+        </p:nvSpPr>
+        <p:spPr/>
+        <p:txBody>
+          <a:bodyPr>
+            <a:normAutofit/>
+          </a:bodyPr>
+          <a:lstStyle/>
+          <a:p>
+            <a:r>
+              <a:rPr lang="de-DE" smtClean="0">
+                <a:solidFill>
+                  <a:schemeClr val="bg1"/>
+                </a:solidFill>
+              </a:rPr>
+              <a:t>Das Messproblem</a:t>
+            </a:r>
+            <a:endParaRPr lang="de-DE">
+              <a:solidFill>
+                <a:schemeClr val="bg1"/>
+              </a:solidFill>
+            </a:endParaRPr>
+          </a:p>
+        </p:txBody>
+      </p:sp>
+      <p:sp>
+        <p:nvSpPr>
+          <p:cNvPr id="4" name="Inhaltsplatzhalter 5"/>
+          <p:cNvSpPr txBox="1">
+            <a:spLocks/>
+          </p:cNvSpPr>
+          <p:nvPr/>
+        </p:nvSpPr>
+        <p:spPr>
+          <a:xfrm>
+            <a:off x="609600" y="1752600"/>
+            <a:ext cx="8229600" cy="4525963"/>
+          </a:xfrm>
+          <a:prstGeom prst="rect">
+            <a:avLst/>
+          </a:prstGeom>
+        </p:spPr>
+        <p:txBody>
+          <a:bodyPr vert="horz" lIns="91440" tIns="45720" rIns="91440" bIns="45720" rtlCol="0">
+            <a:normAutofit/>
+          </a:bodyPr>
+          <a:lstStyle>
+            <a:lvl1pPr marL="342900" indent="-342900" algn="l" defTabSz="914400" rtl="0" eaLnBrk="1" latinLnBrk="0" hangingPunct="1">
+              <a:spcBef>
+                <a:spcPct val="20000"/>
+              </a:spcBef>
+              <a:buFont typeface="Arial" pitchFamily="34" charset="0"/>
+              <a:buChar char="•"/>
+              <a:defRPr sz="3200" kern="1200">
+                <a:solidFill>
+                  <a:schemeClr val="tx1"/>
+                </a:solidFill>
+                <a:latin typeface="+mn-lt"/>
+                <a:ea typeface="+mn-ea"/>
+                <a:cs typeface="+mn-cs"/>
+              </a:defRPr>
+            </a:lvl1pPr>
+            <a:lvl2pPr marL="742950" indent="-285750" algn="l" defTabSz="914400" rtl="0" eaLnBrk="1" latinLnBrk="0" hangingPunct="1">
+              <a:spcBef>
+                <a:spcPct val="20000"/>
+              </a:spcBef>
+              <a:buFont typeface="Arial" pitchFamily="34" charset="0"/>
+              <a:buChar char="–"/>
+              <a:defRPr sz="2800" kern="1200">
+                <a:solidFill>
+                  <a:schemeClr val="tx1"/>
+                </a:solidFill>
+                <a:latin typeface="+mn-lt"/>
+                <a:ea typeface="+mn-ea"/>
+                <a:cs typeface="+mn-cs"/>
+              </a:defRPr>
+            </a:lvl2pPr>
+            <a:lvl3pPr marL="1143000" indent="-228600" algn="l" defTabSz="914400" rtl="0" eaLnBrk="1" latinLnBrk="0" hangingPunct="1">
+              <a:spcBef>
+                <a:spcPct val="20000"/>
+              </a:spcBef>
+              <a:buFont typeface="Arial" pitchFamily="34" charset="0"/>
+              <a:buChar char="•"/>
+              <a:defRPr sz="2400" kern="1200">
+                <a:solidFill>
+                  <a:schemeClr val="tx1"/>
+                </a:solidFill>
+                <a:latin typeface="+mn-lt"/>
+                <a:ea typeface="+mn-ea"/>
+                <a:cs typeface="+mn-cs"/>
+              </a:defRPr>
+            </a:lvl3pPr>
+            <a:lvl4pPr marL="1600200" indent="-228600" algn="l" defTabSz="914400" rtl="0" eaLnBrk="1" latinLnBrk="0" hangingPunct="1">
+              <a:spcBef>
+                <a:spcPct val="20000"/>
+              </a:spcBef>
+              <a:buFont typeface="Arial" pitchFamily="34" charset="0"/>
+              <a:buChar char="–"/>
+              <a:defRPr sz="2000" kern="1200">
+                <a:solidFill>
+                  <a:schemeClr val="tx1"/>
+                </a:solidFill>
+                <a:latin typeface="+mn-lt"/>
+                <a:ea typeface="+mn-ea"/>
+                <a:cs typeface="+mn-cs"/>
+              </a:defRPr>
+            </a:lvl4pPr>
+            <a:lvl5pPr marL="2057400" indent="-228600" algn="l" defTabSz="914400" rtl="0" eaLnBrk="1" latinLnBrk="0" hangingPunct="1">
+              <a:spcBef>
+                <a:spcPct val="20000"/>
+              </a:spcBef>
+              <a:buFont typeface="Arial" pitchFamily="34" charset="0"/>
+              <a:buChar char="»"/>
+              <a:defRPr sz="2000" kern="1200">
+                <a:solidFill>
+                  <a:schemeClr val="tx1"/>
+                </a:solidFill>
+                <a:latin typeface="+mn-lt"/>
+                <a:ea typeface="+mn-ea"/>
+                <a:cs typeface="+mn-cs"/>
+              </a:defRPr>
+            </a:lvl5pPr>
+            <a:lvl6pPr marL="2514600" indent="-228600" algn="l" defTabSz="914400" rtl="0" eaLnBrk="1" latinLnBrk="0" hangingPunct="1">
+              <a:spcBef>
+                <a:spcPct val="20000"/>
+              </a:spcBef>
+              <a:buFont typeface="Arial" pitchFamily="34" charset="0"/>
+              <a:buChar char="•"/>
+              <a:defRPr sz="2000" kern="1200">
+                <a:solidFill>
+                  <a:schemeClr val="tx1"/>
+                </a:solidFill>
+                <a:latin typeface="+mn-lt"/>
+                <a:ea typeface="+mn-ea"/>
+                <a:cs typeface="+mn-cs"/>
+              </a:defRPr>
+            </a:lvl6pPr>
+            <a:lvl7pPr marL="2971800" indent="-228600" algn="l" defTabSz="914400" rtl="0" eaLnBrk="1" latinLnBrk="0" hangingPunct="1">
+              <a:spcBef>
+                <a:spcPct val="20000"/>
+              </a:spcBef>
+              <a:buFont typeface="Arial" pitchFamily="34" charset="0"/>
+              <a:buChar char="•"/>
+              <a:defRPr sz="2000" kern="1200">
+                <a:solidFill>
+                  <a:schemeClr val="tx1"/>
+                </a:solidFill>
+                <a:latin typeface="+mn-lt"/>
+                <a:ea typeface="+mn-ea"/>
+                <a:cs typeface="+mn-cs"/>
+              </a:defRPr>
+            </a:lvl7pPr>
+            <a:lvl8pPr marL="3429000" indent="-228600" algn="l" defTabSz="914400" rtl="0" eaLnBrk="1" latinLnBrk="0" hangingPunct="1">
+              <a:spcBef>
+                <a:spcPct val="20000"/>
+              </a:spcBef>
+              <a:buFont typeface="Arial" pitchFamily="34" charset="0"/>
+              <a:buChar char="•"/>
+              <a:defRPr sz="2000" kern="1200">
+                <a:solidFill>
+                  <a:schemeClr val="tx1"/>
+                </a:solidFill>
+                <a:latin typeface="+mn-lt"/>
+                <a:ea typeface="+mn-ea"/>
+                <a:cs typeface="+mn-cs"/>
+              </a:defRPr>
+            </a:lvl8pPr>
+            <a:lvl9pPr marL="3886200" indent="-228600" algn="l" defTabSz="914400" rtl="0" eaLnBrk="1" latinLnBrk="0" hangingPunct="1">
+              <a:spcBef>
+                <a:spcPct val="20000"/>
+              </a:spcBef>
+              <a:buFont typeface="Arial" pitchFamily="34" charset="0"/>
+              <a:buChar char="•"/>
+              <a:defRPr sz="2000" kern="1200">
+                <a:solidFill>
+                  <a:schemeClr val="tx1"/>
+                </a:solidFill>
+                <a:latin typeface="+mn-lt"/>
+                <a:ea typeface="+mn-ea"/>
+                <a:cs typeface="+mn-cs"/>
+              </a:defRPr>
+            </a:lvl9pPr>
+          </a:lstStyle>
+          <a:p>
+            <a:endParaRPr lang="de-DE" smtClean="0">
+              <a:solidFill>
+                <a:schemeClr val="bg1"/>
+              </a:solidFill>
+            </a:endParaRPr>
+          </a:p>
+        </p:txBody>
+      </p:sp>
+      <p:sp>
+        <p:nvSpPr>
+          <p:cNvPr id="8" name="Inhaltsplatzhalter 5"/>
+          <p:cNvSpPr txBox="1">
+            <a:spLocks/>
+          </p:cNvSpPr>
+          <p:nvPr/>
+        </p:nvSpPr>
+        <p:spPr>
+          <a:xfrm>
+            <a:off x="467544" y="1700808"/>
+            <a:ext cx="8229600" cy="4752527"/>
+          </a:xfrm>
+          <a:prstGeom prst="rect">
+            <a:avLst/>
+          </a:prstGeom>
+        </p:spPr>
+        <p:txBody>
+          <a:bodyPr vert="horz" lIns="91440" tIns="45720" rIns="91440" bIns="45720" rtlCol="0">
+            <a:normAutofit/>
+          </a:bodyPr>
+          <a:lstStyle>
+            <a:lvl1pPr marL="342900" indent="-342900" algn="l" defTabSz="914400" rtl="0" eaLnBrk="1" latinLnBrk="0" hangingPunct="1">
+              <a:spcBef>
+                <a:spcPct val="20000"/>
+              </a:spcBef>
+              <a:buFont typeface="Arial" pitchFamily="34" charset="0"/>
+              <a:buChar char="•"/>
+              <a:defRPr sz="3200" kern="1200">
+                <a:solidFill>
+                  <a:schemeClr val="tx1"/>
+                </a:solidFill>
+                <a:latin typeface="+mn-lt"/>
+                <a:ea typeface="+mn-ea"/>
+                <a:cs typeface="+mn-cs"/>
+              </a:defRPr>
+            </a:lvl1pPr>
+            <a:lvl2pPr marL="742950" indent="-285750" algn="l" defTabSz="914400" rtl="0" eaLnBrk="1" latinLnBrk="0" hangingPunct="1">
+              <a:spcBef>
+                <a:spcPct val="20000"/>
+              </a:spcBef>
+              <a:buFont typeface="Arial" pitchFamily="34" charset="0"/>
+              <a:buChar char="–"/>
+              <a:defRPr sz="2800" kern="1200">
+                <a:solidFill>
+                  <a:schemeClr val="tx1"/>
+                </a:solidFill>
+                <a:latin typeface="+mn-lt"/>
+                <a:ea typeface="+mn-ea"/>
+                <a:cs typeface="+mn-cs"/>
+              </a:defRPr>
+            </a:lvl2pPr>
+            <a:lvl3pPr marL="1143000" indent="-228600" algn="l" defTabSz="914400" rtl="0" eaLnBrk="1" latinLnBrk="0" hangingPunct="1">
+              <a:spcBef>
+                <a:spcPct val="20000"/>
+              </a:spcBef>
+              <a:buFont typeface="Arial" pitchFamily="34" charset="0"/>
+              <a:buChar char="•"/>
+              <a:defRPr sz="2400" kern="1200">
+                <a:solidFill>
+                  <a:schemeClr val="tx1"/>
+                </a:solidFill>
+                <a:latin typeface="+mn-lt"/>
+                <a:ea typeface="+mn-ea"/>
+                <a:cs typeface="+mn-cs"/>
+              </a:defRPr>
+            </a:lvl3pPr>
+            <a:lvl4pPr marL="1600200" indent="-228600" algn="l" defTabSz="914400" rtl="0" eaLnBrk="1" latinLnBrk="0" hangingPunct="1">
+              <a:spcBef>
+                <a:spcPct val="20000"/>
+              </a:spcBef>
+              <a:buFont typeface="Arial" pitchFamily="34" charset="0"/>
+              <a:buChar char="–"/>
+              <a:defRPr sz="2000" kern="1200">
+                <a:solidFill>
+                  <a:schemeClr val="tx1"/>
+                </a:solidFill>
+                <a:latin typeface="+mn-lt"/>
+                <a:ea typeface="+mn-ea"/>
+                <a:cs typeface="+mn-cs"/>
+              </a:defRPr>
+            </a:lvl4pPr>
+            <a:lvl5pPr marL="2057400" indent="-228600" algn="l" defTabSz="914400" rtl="0" eaLnBrk="1" latinLnBrk="0" hangingPunct="1">
+              <a:spcBef>
+                <a:spcPct val="20000"/>
+              </a:spcBef>
+              <a:buFont typeface="Arial" pitchFamily="34" charset="0"/>
+              <a:buChar char="»"/>
+              <a:defRPr sz="2000" kern="1200">
+                <a:solidFill>
+                  <a:schemeClr val="tx1"/>
+                </a:solidFill>
+                <a:latin typeface="+mn-lt"/>
+                <a:ea typeface="+mn-ea"/>
+                <a:cs typeface="+mn-cs"/>
+              </a:defRPr>
+            </a:lvl5pPr>
+            <a:lvl6pPr marL="2514600" indent="-228600" algn="l" defTabSz="914400" rtl="0" eaLnBrk="1" latinLnBrk="0" hangingPunct="1">
+              <a:spcBef>
+                <a:spcPct val="20000"/>
+              </a:spcBef>
+              <a:buFont typeface="Arial" pitchFamily="34" charset="0"/>
+              <a:buChar char="•"/>
+              <a:defRPr sz="2000" kern="1200">
+                <a:solidFill>
+                  <a:schemeClr val="tx1"/>
+                </a:solidFill>
+                <a:latin typeface="+mn-lt"/>
+                <a:ea typeface="+mn-ea"/>
+                <a:cs typeface="+mn-cs"/>
+              </a:defRPr>
+            </a:lvl6pPr>
+            <a:lvl7pPr marL="2971800" indent="-228600" algn="l" defTabSz="914400" rtl="0" eaLnBrk="1" latinLnBrk="0" hangingPunct="1">
+              <a:spcBef>
+                <a:spcPct val="20000"/>
+              </a:spcBef>
+              <a:buFont typeface="Arial" pitchFamily="34" charset="0"/>
+              <a:buChar char="•"/>
+              <a:defRPr sz="2000" kern="1200">
+                <a:solidFill>
+                  <a:schemeClr val="tx1"/>
+                </a:solidFill>
+                <a:latin typeface="+mn-lt"/>
+                <a:ea typeface="+mn-ea"/>
+                <a:cs typeface="+mn-cs"/>
+              </a:defRPr>
+            </a:lvl7pPr>
+            <a:lvl8pPr marL="3429000" indent="-228600" algn="l" defTabSz="914400" rtl="0" eaLnBrk="1" latinLnBrk="0" hangingPunct="1">
+              <a:spcBef>
+                <a:spcPct val="20000"/>
+              </a:spcBef>
+              <a:buFont typeface="Arial" pitchFamily="34" charset="0"/>
+              <a:buChar char="•"/>
+              <a:defRPr sz="2000" kern="1200">
+                <a:solidFill>
+                  <a:schemeClr val="tx1"/>
+                </a:solidFill>
+                <a:latin typeface="+mn-lt"/>
+                <a:ea typeface="+mn-ea"/>
+                <a:cs typeface="+mn-cs"/>
+              </a:defRPr>
+            </a:lvl8pPr>
+            <a:lvl9pPr marL="3886200" indent="-228600" algn="l" defTabSz="914400" rtl="0" eaLnBrk="1" latinLnBrk="0" hangingPunct="1">
+              <a:spcBef>
+                <a:spcPct val="20000"/>
+              </a:spcBef>
+              <a:buFont typeface="Arial" pitchFamily="34" charset="0"/>
+              <a:buChar char="•"/>
+              <a:defRPr sz="2000" kern="1200">
+                <a:solidFill>
+                  <a:schemeClr val="tx1"/>
+                </a:solidFill>
+                <a:latin typeface="+mn-lt"/>
+                <a:ea typeface="+mn-ea"/>
+                <a:cs typeface="+mn-cs"/>
+              </a:defRPr>
+            </a:lvl9pPr>
+          </a:lstStyle>
+          <a:p>
+            <a:pPr marL="0" indent="0">
+              <a:buNone/>
+            </a:pPr>
+            <a:endParaRPr lang="de-DE">
+              <a:solidFill>
+                <a:schemeClr val="bg1"/>
+              </a:solidFill>
+            </a:endParaRPr>
+          </a:p>
+        </p:txBody>
+      </p:sp>
+      <p:sp>
+        <p:nvSpPr>
+          <p:cNvPr id="6" name="Inhaltsplatzhalter 5"/>
+          <p:cNvSpPr txBox="1">
+            <a:spLocks/>
+          </p:cNvSpPr>
+          <p:nvPr/>
+        </p:nvSpPr>
+        <p:spPr>
+          <a:xfrm>
+            <a:off x="467544" y="1628800"/>
+            <a:ext cx="8229600" cy="4525963"/>
+          </a:xfrm>
+          <a:prstGeom prst="rect">
+            <a:avLst/>
+          </a:prstGeom>
+        </p:spPr>
+        <p:txBody>
+          <a:bodyPr vert="horz" lIns="91440" tIns="45720" rIns="91440" bIns="45720" rtlCol="0">
+            <a:normAutofit fontScale="92500" lnSpcReduction="10000"/>
+          </a:bodyPr>
+          <a:lstStyle>
+            <a:lvl1pPr marL="342900" indent="-342900" algn="l" defTabSz="914400" rtl="0" eaLnBrk="1" latinLnBrk="0" hangingPunct="1">
+              <a:spcBef>
+                <a:spcPct val="20000"/>
+              </a:spcBef>
+              <a:buFont typeface="Arial" pitchFamily="34" charset="0"/>
+              <a:buChar char="•"/>
+              <a:defRPr sz="3200" kern="1200">
+                <a:solidFill>
+                  <a:schemeClr val="tx1"/>
+                </a:solidFill>
+                <a:latin typeface="+mn-lt"/>
+                <a:ea typeface="+mn-ea"/>
+                <a:cs typeface="+mn-cs"/>
+              </a:defRPr>
+            </a:lvl1pPr>
+            <a:lvl2pPr marL="742950" indent="-285750" algn="l" defTabSz="914400" rtl="0" eaLnBrk="1" latinLnBrk="0" hangingPunct="1">
+              <a:spcBef>
+                <a:spcPct val="20000"/>
+              </a:spcBef>
+              <a:buFont typeface="Arial" pitchFamily="34" charset="0"/>
+              <a:buChar char="–"/>
+              <a:defRPr sz="2800" kern="1200">
+                <a:solidFill>
+                  <a:schemeClr val="tx1"/>
+                </a:solidFill>
+                <a:latin typeface="+mn-lt"/>
+                <a:ea typeface="+mn-ea"/>
+                <a:cs typeface="+mn-cs"/>
+              </a:defRPr>
+            </a:lvl2pPr>
+            <a:lvl3pPr marL="1143000" indent="-228600" algn="l" defTabSz="914400" rtl="0" eaLnBrk="1" latinLnBrk="0" hangingPunct="1">
+              <a:spcBef>
+                <a:spcPct val="20000"/>
+              </a:spcBef>
+              <a:buFont typeface="Arial" pitchFamily="34" charset="0"/>
+              <a:buChar char="•"/>
+              <a:defRPr sz="2400" kern="1200">
+                <a:solidFill>
+                  <a:schemeClr val="tx1"/>
+                </a:solidFill>
+                <a:latin typeface="+mn-lt"/>
+                <a:ea typeface="+mn-ea"/>
+                <a:cs typeface="+mn-cs"/>
+              </a:defRPr>
+            </a:lvl3pPr>
+            <a:lvl4pPr marL="1600200" indent="-228600" algn="l" defTabSz="914400" rtl="0" eaLnBrk="1" latinLnBrk="0" hangingPunct="1">
+              <a:spcBef>
+                <a:spcPct val="20000"/>
+              </a:spcBef>
+              <a:buFont typeface="Arial" pitchFamily="34" charset="0"/>
+              <a:buChar char="–"/>
+              <a:defRPr sz="2000" kern="1200">
+                <a:solidFill>
+                  <a:schemeClr val="tx1"/>
+                </a:solidFill>
+                <a:latin typeface="+mn-lt"/>
+                <a:ea typeface="+mn-ea"/>
+                <a:cs typeface="+mn-cs"/>
+              </a:defRPr>
+            </a:lvl4pPr>
+            <a:lvl5pPr marL="2057400" indent="-228600" algn="l" defTabSz="914400" rtl="0" eaLnBrk="1" latinLnBrk="0" hangingPunct="1">
+              <a:spcBef>
+                <a:spcPct val="20000"/>
+              </a:spcBef>
+              <a:buFont typeface="Arial" pitchFamily="34" charset="0"/>
+              <a:buChar char="»"/>
+              <a:defRPr sz="2000" kern="1200">
+                <a:solidFill>
+                  <a:schemeClr val="tx1"/>
+                </a:solidFill>
+                <a:latin typeface="+mn-lt"/>
+                <a:ea typeface="+mn-ea"/>
+                <a:cs typeface="+mn-cs"/>
+              </a:defRPr>
+            </a:lvl5pPr>
+            <a:lvl6pPr marL="2514600" indent="-228600" algn="l" defTabSz="914400" rtl="0" eaLnBrk="1" latinLnBrk="0" hangingPunct="1">
+              <a:spcBef>
+                <a:spcPct val="20000"/>
+              </a:spcBef>
+              <a:buFont typeface="Arial" pitchFamily="34" charset="0"/>
+              <a:buChar char="•"/>
+              <a:defRPr sz="2000" kern="1200">
+                <a:solidFill>
+                  <a:schemeClr val="tx1"/>
+                </a:solidFill>
+                <a:latin typeface="+mn-lt"/>
+                <a:ea typeface="+mn-ea"/>
+                <a:cs typeface="+mn-cs"/>
+              </a:defRPr>
+            </a:lvl6pPr>
+            <a:lvl7pPr marL="2971800" indent="-228600" algn="l" defTabSz="914400" rtl="0" eaLnBrk="1" latinLnBrk="0" hangingPunct="1">
+              <a:spcBef>
+                <a:spcPct val="20000"/>
+              </a:spcBef>
+              <a:buFont typeface="Arial" pitchFamily="34" charset="0"/>
+              <a:buChar char="•"/>
+              <a:defRPr sz="2000" kern="1200">
+                <a:solidFill>
+                  <a:schemeClr val="tx1"/>
+                </a:solidFill>
+                <a:latin typeface="+mn-lt"/>
+                <a:ea typeface="+mn-ea"/>
+                <a:cs typeface="+mn-cs"/>
+              </a:defRPr>
+            </a:lvl7pPr>
+            <a:lvl8pPr marL="3429000" indent="-228600" algn="l" defTabSz="914400" rtl="0" eaLnBrk="1" latinLnBrk="0" hangingPunct="1">
+              <a:spcBef>
+                <a:spcPct val="20000"/>
+              </a:spcBef>
+              <a:buFont typeface="Arial" pitchFamily="34" charset="0"/>
+              <a:buChar char="•"/>
+              <a:defRPr sz="2000" kern="1200">
+                <a:solidFill>
+                  <a:schemeClr val="tx1"/>
+                </a:solidFill>
+                <a:latin typeface="+mn-lt"/>
+                <a:ea typeface="+mn-ea"/>
+                <a:cs typeface="+mn-cs"/>
+              </a:defRPr>
+            </a:lvl8pPr>
+            <a:lvl9pPr marL="3886200" indent="-228600" algn="l" defTabSz="914400" rtl="0" eaLnBrk="1" latinLnBrk="0" hangingPunct="1">
+              <a:spcBef>
+                <a:spcPct val="20000"/>
+              </a:spcBef>
+              <a:buFont typeface="Arial" pitchFamily="34" charset="0"/>
+              <a:buChar char="•"/>
+              <a:defRPr sz="2000" kern="1200">
+                <a:solidFill>
+                  <a:schemeClr val="tx1"/>
+                </a:solidFill>
+                <a:latin typeface="+mn-lt"/>
+                <a:ea typeface="+mn-ea"/>
+                <a:cs typeface="+mn-cs"/>
+              </a:defRPr>
+            </a:lvl9pPr>
+          </a:lstStyle>
+          <a:p>
+            <a:r>
+              <a:rPr lang="de-DE" smtClean="0">
+                <a:solidFill>
+                  <a:schemeClr val="bg1"/>
+                </a:solidFill>
+              </a:rPr>
+              <a:t>Harmloser Titel für elementares Problem: wir verstehen das Werden nicht.</a:t>
+            </a:r>
+          </a:p>
+          <a:p>
+            <a:r>
+              <a:rPr lang="de-DE" smtClean="0">
+                <a:solidFill>
+                  <a:schemeClr val="bg1"/>
+                </a:solidFill>
+              </a:rPr>
+              <a:t>Wahrscheinlichkeitsinterpretation</a:t>
+            </a:r>
+            <a:endParaRPr lang="de-DE" smtClean="0">
+              <a:solidFill>
+                <a:schemeClr val="bg1"/>
+              </a:solidFill>
+            </a:endParaRPr>
+          </a:p>
+          <a:p>
+            <a:r>
+              <a:rPr lang="de-DE" smtClean="0">
+                <a:solidFill>
+                  <a:schemeClr val="bg1"/>
+                </a:solidFill>
+              </a:rPr>
+              <a:t>Die Schrödingerkatze</a:t>
+            </a:r>
+          </a:p>
+          <a:p>
+            <a:r>
+              <a:rPr lang="de-DE" smtClean="0">
+                <a:solidFill>
+                  <a:schemeClr val="bg1"/>
+                </a:solidFill>
+              </a:rPr>
+              <a:t>Wigners Freund</a:t>
+            </a:r>
+          </a:p>
+          <a:p>
+            <a:r>
+              <a:rPr lang="de-DE" smtClean="0">
+                <a:solidFill>
+                  <a:schemeClr val="bg1"/>
+                </a:solidFill>
+              </a:rPr>
+              <a:t>Everetts Auswege</a:t>
+            </a:r>
+          </a:p>
+          <a:p>
+            <a:r>
+              <a:rPr lang="de-DE" smtClean="0">
+                <a:solidFill>
+                  <a:schemeClr val="bg1"/>
+                </a:solidFill>
+              </a:rPr>
+              <a:t>Was die Dekohärenztheorie löst und was nicht</a:t>
+            </a:r>
+          </a:p>
+          <a:p>
+            <a:r>
+              <a:rPr lang="de-DE" smtClean="0">
+                <a:solidFill>
+                  <a:schemeClr val="bg1"/>
+                </a:solidFill>
+              </a:rPr>
+              <a:t>Heisenbergschnitte</a:t>
+            </a:r>
+          </a:p>
+          <a:p>
+            <a:r>
+              <a:rPr lang="de-DE" smtClean="0">
+                <a:solidFill>
+                  <a:schemeClr val="bg1"/>
+                </a:solidFill>
+              </a:rPr>
+              <a:t>Many Minds Interpretation</a:t>
+            </a:r>
+          </a:p>
+          <a:p>
+            <a:endParaRPr lang="de-DE" smtClean="0">
+              <a:solidFill>
+                <a:schemeClr val="bg1"/>
+              </a:solidFill>
+            </a:endParaRPr>
+          </a:p>
+        </p:txBody>
+      </p:sp>
+    </p:spTree>
+    <p:extLst>
+      <p:ext uri="{BB962C8B-B14F-4D97-AF65-F5344CB8AC3E}">
+        <p14:creationId xmlns:p14="http://schemas.microsoft.com/office/powerpoint/2010/main" val="1027756781"/>
+      </p:ext>
+    </p:extLst>
+  </p:cSld>
+  <p:clrMapOvr>
+    <a:masterClrMapping/>
+  </p:clrMapOvr>
+  <p:timing>
+    <p:tnLst>
+      <p:par>
+        <p:cTn id="1" dur="indefinite" restart="never" nodeType="tmRoot"/>
+      </p:par>
+    </p:tnLst>
+  </p:timing>
+</p:sld>
+</file>
+
+<file path=ppt/slides/slide15.xml><?xml version="1.0" encoding="utf-8"?>
+<p:sld xmlns:a="http://schemas.openxmlformats.org/drawingml/2006/main" xmlns:r="http://schemas.openxmlformats.org/officeDocument/2006/relationships" xmlns:p="http://schemas.openxmlformats.org/presentationml/2006/main">
+  <p:cSld>
+    <p:bg>
+      <p:bgPr>
+        <a:gradFill flip="none" rotWithShape="1">
+          <a:gsLst>
+            <a:gs pos="50854">
+              <a:schemeClr val="tx1"/>
+            </a:gs>
+            <a:gs pos="0">
+              <a:schemeClr val="tx1"/>
+            </a:gs>
+            <a:gs pos="21681">
+              <a:schemeClr val="accent1">
+                <a:lumMod val="20000"/>
+                <a:lumOff val="80000"/>
+              </a:schemeClr>
+            </a:gs>
+            <a:gs pos="78000">
+              <a:schemeClr val="accent2">
+                <a:lumMod val="20000"/>
+                <a:lumOff val="80000"/>
+              </a:schemeClr>
+            </a:gs>
+            <a:gs pos="100000">
+              <a:schemeClr val="tx1"/>
+            </a:gs>
+          </a:gsLst>
+          <a:lin ang="2700000" scaled="1"/>
+          <a:tileRect/>
+        </a:gradFill>
+        <a:effectLst/>
+      </p:bgPr>
+    </p:bg>
+    <p:spTree>
+      <p:nvGrpSpPr>
+        <p:cNvPr id="1" name=""/>
+        <p:cNvGrpSpPr/>
+        <p:nvPr/>
+      </p:nvGrpSpPr>
+      <p:grpSpPr>
+        <a:xfrm>
+          <a:off x="0" y="0"/>
+          <a:ext cx="0" cy="0"/>
+          <a:chOff x="0" y="0"/>
+          <a:chExt cx="0" cy="0"/>
+        </a:xfrm>
+      </p:grpSpPr>
+      <p:sp>
+        <p:nvSpPr>
+          <p:cNvPr id="5" name="Titel 4"/>
+          <p:cNvSpPr>
+            <a:spLocks noGrp="1"/>
+          </p:cNvSpPr>
+          <p:nvPr>
+            <p:ph type="title"/>
+          </p:nvPr>
+        </p:nvSpPr>
+        <p:spPr/>
+        <p:txBody>
+          <a:bodyPr>
+            <a:normAutofit/>
+          </a:bodyPr>
+          <a:lstStyle/>
+          <a:p>
+            <a:r>
+              <a:rPr lang="de-DE" smtClean="0">
+                <a:solidFill>
+                  <a:schemeClr val="bg1"/>
+                </a:solidFill>
+              </a:rPr>
+              <a:t>Information</a:t>
+            </a:r>
+            <a:endParaRPr lang="de-DE">
+              <a:solidFill>
+                <a:schemeClr val="bg1"/>
+              </a:solidFill>
+            </a:endParaRPr>
+          </a:p>
+        </p:txBody>
+      </p:sp>
+      <p:sp>
+        <p:nvSpPr>
+          <p:cNvPr id="4" name="Inhaltsplatzhalter 5"/>
+          <p:cNvSpPr txBox="1">
+            <a:spLocks/>
+          </p:cNvSpPr>
+          <p:nvPr/>
+        </p:nvSpPr>
+        <p:spPr>
+          <a:xfrm>
+            <a:off x="609600" y="1752600"/>
+            <a:ext cx="8229600" cy="4525963"/>
+          </a:xfrm>
+          <a:prstGeom prst="rect">
+            <a:avLst/>
+          </a:prstGeom>
+        </p:spPr>
+        <p:txBody>
+          <a:bodyPr vert="horz" lIns="91440" tIns="45720" rIns="91440" bIns="45720" rtlCol="0">
+            <a:normAutofit/>
+          </a:bodyPr>
+          <a:lstStyle>
+            <a:lvl1pPr marL="342900" indent="-342900" algn="l" defTabSz="914400" rtl="0" eaLnBrk="1" latinLnBrk="0" hangingPunct="1">
+              <a:spcBef>
+                <a:spcPct val="20000"/>
+              </a:spcBef>
+              <a:buFont typeface="Arial" pitchFamily="34" charset="0"/>
+              <a:buChar char="•"/>
+              <a:defRPr sz="3200" kern="1200">
+                <a:solidFill>
+                  <a:schemeClr val="tx1"/>
+                </a:solidFill>
+                <a:latin typeface="+mn-lt"/>
+                <a:ea typeface="+mn-ea"/>
+                <a:cs typeface="+mn-cs"/>
+              </a:defRPr>
+            </a:lvl1pPr>
+            <a:lvl2pPr marL="742950" indent="-285750" algn="l" defTabSz="914400" rtl="0" eaLnBrk="1" latinLnBrk="0" hangingPunct="1">
+              <a:spcBef>
+                <a:spcPct val="20000"/>
+              </a:spcBef>
+              <a:buFont typeface="Arial" pitchFamily="34" charset="0"/>
+              <a:buChar char="–"/>
+              <a:defRPr sz="2800" kern="1200">
+                <a:solidFill>
+                  <a:schemeClr val="tx1"/>
+                </a:solidFill>
+                <a:latin typeface="+mn-lt"/>
+                <a:ea typeface="+mn-ea"/>
+                <a:cs typeface="+mn-cs"/>
+              </a:defRPr>
+            </a:lvl2pPr>
+            <a:lvl3pPr marL="1143000" indent="-228600" algn="l" defTabSz="914400" rtl="0" eaLnBrk="1" latinLnBrk="0" hangingPunct="1">
+              <a:spcBef>
+                <a:spcPct val="20000"/>
+              </a:spcBef>
+              <a:buFont typeface="Arial" pitchFamily="34" charset="0"/>
+              <a:buChar char="•"/>
+              <a:defRPr sz="2400" kern="1200">
+                <a:solidFill>
+                  <a:schemeClr val="tx1"/>
+                </a:solidFill>
+                <a:latin typeface="+mn-lt"/>
+                <a:ea typeface="+mn-ea"/>
+                <a:cs typeface="+mn-cs"/>
+              </a:defRPr>
+            </a:lvl3pPr>
+            <a:lvl4pPr marL="1600200" indent="-228600" algn="l" defTabSz="914400" rtl="0" eaLnBrk="1" latinLnBrk="0" hangingPunct="1">
+              <a:spcBef>
+                <a:spcPct val="20000"/>
+              </a:spcBef>
+              <a:buFont typeface="Arial" pitchFamily="34" charset="0"/>
+              <a:buChar char="–"/>
+              <a:defRPr sz="2000" kern="1200">
+                <a:solidFill>
+                  <a:schemeClr val="tx1"/>
+                </a:solidFill>
+                <a:latin typeface="+mn-lt"/>
+                <a:ea typeface="+mn-ea"/>
+                <a:cs typeface="+mn-cs"/>
+              </a:defRPr>
+            </a:lvl4pPr>
+            <a:lvl5pPr marL="2057400" indent="-228600" algn="l" defTabSz="914400" rtl="0" eaLnBrk="1" latinLnBrk="0" hangingPunct="1">
+              <a:spcBef>
+                <a:spcPct val="20000"/>
+              </a:spcBef>
+              <a:buFont typeface="Arial" pitchFamily="34" charset="0"/>
+              <a:buChar char="»"/>
+              <a:defRPr sz="2000" kern="1200">
+                <a:solidFill>
+                  <a:schemeClr val="tx1"/>
+                </a:solidFill>
+                <a:latin typeface="+mn-lt"/>
+                <a:ea typeface="+mn-ea"/>
+                <a:cs typeface="+mn-cs"/>
+              </a:defRPr>
+            </a:lvl5pPr>
+            <a:lvl6pPr marL="2514600" indent="-228600" algn="l" defTabSz="914400" rtl="0" eaLnBrk="1" latinLnBrk="0" hangingPunct="1">
+              <a:spcBef>
+                <a:spcPct val="20000"/>
+              </a:spcBef>
+              <a:buFont typeface="Arial" pitchFamily="34" charset="0"/>
+              <a:buChar char="•"/>
+              <a:defRPr sz="2000" kern="1200">
+                <a:solidFill>
+                  <a:schemeClr val="tx1"/>
+                </a:solidFill>
+                <a:latin typeface="+mn-lt"/>
+                <a:ea typeface="+mn-ea"/>
+                <a:cs typeface="+mn-cs"/>
+              </a:defRPr>
+            </a:lvl6pPr>
+            <a:lvl7pPr marL="2971800" indent="-228600" algn="l" defTabSz="914400" rtl="0" eaLnBrk="1" latinLnBrk="0" hangingPunct="1">
+              <a:spcBef>
+                <a:spcPct val="20000"/>
+              </a:spcBef>
+              <a:buFont typeface="Arial" pitchFamily="34" charset="0"/>
+              <a:buChar char="•"/>
+              <a:defRPr sz="2000" kern="1200">
+                <a:solidFill>
+                  <a:schemeClr val="tx1"/>
+                </a:solidFill>
+                <a:latin typeface="+mn-lt"/>
+                <a:ea typeface="+mn-ea"/>
+                <a:cs typeface="+mn-cs"/>
+              </a:defRPr>
+            </a:lvl7pPr>
+            <a:lvl8pPr marL="3429000" indent="-228600" algn="l" defTabSz="914400" rtl="0" eaLnBrk="1" latinLnBrk="0" hangingPunct="1">
+              <a:spcBef>
+                <a:spcPct val="20000"/>
+              </a:spcBef>
+              <a:buFont typeface="Arial" pitchFamily="34" charset="0"/>
+              <a:buChar char="•"/>
+              <a:defRPr sz="2000" kern="1200">
+                <a:solidFill>
+                  <a:schemeClr val="tx1"/>
+                </a:solidFill>
+                <a:latin typeface="+mn-lt"/>
+                <a:ea typeface="+mn-ea"/>
+                <a:cs typeface="+mn-cs"/>
+              </a:defRPr>
+            </a:lvl8pPr>
+            <a:lvl9pPr marL="3886200" indent="-228600" algn="l" defTabSz="914400" rtl="0" eaLnBrk="1" latinLnBrk="0" hangingPunct="1">
+              <a:spcBef>
+                <a:spcPct val="20000"/>
+              </a:spcBef>
+              <a:buFont typeface="Arial" pitchFamily="34" charset="0"/>
+              <a:buChar char="•"/>
+              <a:defRPr sz="2000" kern="1200">
+                <a:solidFill>
+                  <a:schemeClr val="tx1"/>
+                </a:solidFill>
+                <a:latin typeface="+mn-lt"/>
+                <a:ea typeface="+mn-ea"/>
+                <a:cs typeface="+mn-cs"/>
+              </a:defRPr>
+            </a:lvl9pPr>
+          </a:lstStyle>
+          <a:p>
+            <a:endParaRPr lang="de-DE" smtClean="0">
+              <a:solidFill>
+                <a:schemeClr val="bg1"/>
+              </a:solidFill>
+            </a:endParaRPr>
+          </a:p>
+        </p:txBody>
+      </p:sp>
+      <p:sp>
+        <p:nvSpPr>
+          <p:cNvPr id="8" name="Inhaltsplatzhalter 5"/>
+          <p:cNvSpPr txBox="1">
+            <a:spLocks/>
+          </p:cNvSpPr>
+          <p:nvPr/>
+        </p:nvSpPr>
+        <p:spPr>
+          <a:xfrm>
+            <a:off x="467544" y="1700808"/>
+            <a:ext cx="8229600" cy="4752527"/>
+          </a:xfrm>
+          <a:prstGeom prst="rect">
+            <a:avLst/>
+          </a:prstGeom>
+        </p:spPr>
+        <p:txBody>
+          <a:bodyPr vert="horz" lIns="91440" tIns="45720" rIns="91440" bIns="45720" rtlCol="0">
+            <a:normAutofit/>
+          </a:bodyPr>
+          <a:lstStyle>
+            <a:lvl1pPr marL="342900" indent="-342900" algn="l" defTabSz="914400" rtl="0" eaLnBrk="1" latinLnBrk="0" hangingPunct="1">
+              <a:spcBef>
+                <a:spcPct val="20000"/>
+              </a:spcBef>
+              <a:buFont typeface="Arial" pitchFamily="34" charset="0"/>
+              <a:buChar char="•"/>
+              <a:defRPr sz="3200" kern="1200">
+                <a:solidFill>
+                  <a:schemeClr val="tx1"/>
+                </a:solidFill>
+                <a:latin typeface="+mn-lt"/>
+                <a:ea typeface="+mn-ea"/>
+                <a:cs typeface="+mn-cs"/>
+              </a:defRPr>
+            </a:lvl1pPr>
+            <a:lvl2pPr marL="742950" indent="-285750" algn="l" defTabSz="914400" rtl="0" eaLnBrk="1" latinLnBrk="0" hangingPunct="1">
+              <a:spcBef>
+                <a:spcPct val="20000"/>
+              </a:spcBef>
+              <a:buFont typeface="Arial" pitchFamily="34" charset="0"/>
+              <a:buChar char="–"/>
+              <a:defRPr sz="2800" kern="1200">
+                <a:solidFill>
+                  <a:schemeClr val="tx1"/>
+                </a:solidFill>
+                <a:latin typeface="+mn-lt"/>
+                <a:ea typeface="+mn-ea"/>
+                <a:cs typeface="+mn-cs"/>
+              </a:defRPr>
+            </a:lvl2pPr>
+            <a:lvl3pPr marL="1143000" indent="-228600" algn="l" defTabSz="914400" rtl="0" eaLnBrk="1" latinLnBrk="0" hangingPunct="1">
+              <a:spcBef>
+                <a:spcPct val="20000"/>
+              </a:spcBef>
+              <a:buFont typeface="Arial" pitchFamily="34" charset="0"/>
+              <a:buChar char="•"/>
+              <a:defRPr sz="2400" kern="1200">
+                <a:solidFill>
+                  <a:schemeClr val="tx1"/>
+                </a:solidFill>
+                <a:latin typeface="+mn-lt"/>
+                <a:ea typeface="+mn-ea"/>
+                <a:cs typeface="+mn-cs"/>
+              </a:defRPr>
+            </a:lvl3pPr>
+            <a:lvl4pPr marL="1600200" indent="-228600" algn="l" defTabSz="914400" rtl="0" eaLnBrk="1" latinLnBrk="0" hangingPunct="1">
+              <a:spcBef>
+                <a:spcPct val="20000"/>
+              </a:spcBef>
+              <a:buFont typeface="Arial" pitchFamily="34" charset="0"/>
+              <a:buChar char="–"/>
+              <a:defRPr sz="2000" kern="1200">
+                <a:solidFill>
+                  <a:schemeClr val="tx1"/>
+                </a:solidFill>
+                <a:latin typeface="+mn-lt"/>
+                <a:ea typeface="+mn-ea"/>
+                <a:cs typeface="+mn-cs"/>
+              </a:defRPr>
+            </a:lvl4pPr>
+            <a:lvl5pPr marL="2057400" indent="-228600" algn="l" defTabSz="914400" rtl="0" eaLnBrk="1" latinLnBrk="0" hangingPunct="1">
+              <a:spcBef>
+                <a:spcPct val="20000"/>
+              </a:spcBef>
+              <a:buFont typeface="Arial" pitchFamily="34" charset="0"/>
+              <a:buChar char="»"/>
+              <a:defRPr sz="2000" kern="1200">
+                <a:solidFill>
+                  <a:schemeClr val="tx1"/>
+                </a:solidFill>
+                <a:latin typeface="+mn-lt"/>
+                <a:ea typeface="+mn-ea"/>
+                <a:cs typeface="+mn-cs"/>
+              </a:defRPr>
+            </a:lvl5pPr>
+            <a:lvl6pPr marL="2514600" indent="-228600" algn="l" defTabSz="914400" rtl="0" eaLnBrk="1" latinLnBrk="0" hangingPunct="1">
+              <a:spcBef>
+                <a:spcPct val="20000"/>
+              </a:spcBef>
+              <a:buFont typeface="Arial" pitchFamily="34" charset="0"/>
+              <a:buChar char="•"/>
+              <a:defRPr sz="2000" kern="1200">
+                <a:solidFill>
+                  <a:schemeClr val="tx1"/>
+                </a:solidFill>
+                <a:latin typeface="+mn-lt"/>
+                <a:ea typeface="+mn-ea"/>
+                <a:cs typeface="+mn-cs"/>
+              </a:defRPr>
+            </a:lvl6pPr>
+            <a:lvl7pPr marL="2971800" indent="-228600" algn="l" defTabSz="914400" rtl="0" eaLnBrk="1" latinLnBrk="0" hangingPunct="1">
+              <a:spcBef>
+                <a:spcPct val="20000"/>
+              </a:spcBef>
+              <a:buFont typeface="Arial" pitchFamily="34" charset="0"/>
+              <a:buChar char="•"/>
+              <a:defRPr sz="2000" kern="1200">
+                <a:solidFill>
+                  <a:schemeClr val="tx1"/>
+                </a:solidFill>
+                <a:latin typeface="+mn-lt"/>
+                <a:ea typeface="+mn-ea"/>
+                <a:cs typeface="+mn-cs"/>
+              </a:defRPr>
+            </a:lvl7pPr>
+            <a:lvl8pPr marL="3429000" indent="-228600" algn="l" defTabSz="914400" rtl="0" eaLnBrk="1" latinLnBrk="0" hangingPunct="1">
+              <a:spcBef>
+                <a:spcPct val="20000"/>
+              </a:spcBef>
+              <a:buFont typeface="Arial" pitchFamily="34" charset="0"/>
+              <a:buChar char="•"/>
+              <a:defRPr sz="2000" kern="1200">
+                <a:solidFill>
+                  <a:schemeClr val="tx1"/>
+                </a:solidFill>
+                <a:latin typeface="+mn-lt"/>
+                <a:ea typeface="+mn-ea"/>
+                <a:cs typeface="+mn-cs"/>
+              </a:defRPr>
+            </a:lvl8pPr>
+            <a:lvl9pPr marL="3886200" indent="-228600" algn="l" defTabSz="914400" rtl="0" eaLnBrk="1" latinLnBrk="0" hangingPunct="1">
+              <a:spcBef>
+                <a:spcPct val="20000"/>
+              </a:spcBef>
+              <a:buFont typeface="Arial" pitchFamily="34" charset="0"/>
+              <a:buChar char="•"/>
+              <a:defRPr sz="2000" kern="1200">
+                <a:solidFill>
+                  <a:schemeClr val="tx1"/>
+                </a:solidFill>
+                <a:latin typeface="+mn-lt"/>
+                <a:ea typeface="+mn-ea"/>
+                <a:cs typeface="+mn-cs"/>
+              </a:defRPr>
+            </a:lvl9pPr>
+          </a:lstStyle>
+          <a:p>
+            <a:pPr marL="0" indent="0">
+              <a:buNone/>
+            </a:pPr>
+            <a:endParaRPr lang="de-DE">
+              <a:solidFill>
+                <a:schemeClr val="bg1"/>
+              </a:solidFill>
+            </a:endParaRPr>
+          </a:p>
+        </p:txBody>
+      </p:sp>
+      <p:sp>
+        <p:nvSpPr>
+          <p:cNvPr id="6" name="Inhaltsplatzhalter 5"/>
+          <p:cNvSpPr txBox="1">
+            <a:spLocks/>
+          </p:cNvSpPr>
+          <p:nvPr/>
+        </p:nvSpPr>
+        <p:spPr>
+          <a:xfrm>
+            <a:off x="467544" y="1340769"/>
+            <a:ext cx="8229600" cy="5040560"/>
+          </a:xfrm>
+          <a:prstGeom prst="rect">
+            <a:avLst/>
+          </a:prstGeom>
+        </p:spPr>
+        <p:txBody>
+          <a:bodyPr vert="horz" lIns="91440" tIns="45720" rIns="91440" bIns="45720" rtlCol="0">
+            <a:normAutofit/>
+          </a:bodyPr>
+          <a:lstStyle>
+            <a:lvl1pPr marL="342900" indent="-342900" algn="l" defTabSz="914400" rtl="0" eaLnBrk="1" latinLnBrk="0" hangingPunct="1">
+              <a:spcBef>
+                <a:spcPct val="20000"/>
+              </a:spcBef>
+              <a:buFont typeface="Arial" pitchFamily="34" charset="0"/>
+              <a:buChar char="•"/>
+              <a:defRPr sz="3200" kern="1200">
+                <a:solidFill>
+                  <a:schemeClr val="tx1"/>
+                </a:solidFill>
+                <a:latin typeface="+mn-lt"/>
+                <a:ea typeface="+mn-ea"/>
+                <a:cs typeface="+mn-cs"/>
+              </a:defRPr>
+            </a:lvl1pPr>
+            <a:lvl2pPr marL="742950" indent="-285750" algn="l" defTabSz="914400" rtl="0" eaLnBrk="1" latinLnBrk="0" hangingPunct="1">
+              <a:spcBef>
+                <a:spcPct val="20000"/>
+              </a:spcBef>
+              <a:buFont typeface="Arial" pitchFamily="34" charset="0"/>
+              <a:buChar char="–"/>
+              <a:defRPr sz="2800" kern="1200">
+                <a:solidFill>
+                  <a:schemeClr val="tx1"/>
+                </a:solidFill>
+                <a:latin typeface="+mn-lt"/>
+                <a:ea typeface="+mn-ea"/>
+                <a:cs typeface="+mn-cs"/>
+              </a:defRPr>
+            </a:lvl2pPr>
+            <a:lvl3pPr marL="1143000" indent="-228600" algn="l" defTabSz="914400" rtl="0" eaLnBrk="1" latinLnBrk="0" hangingPunct="1">
+              <a:spcBef>
+                <a:spcPct val="20000"/>
+              </a:spcBef>
+              <a:buFont typeface="Arial" pitchFamily="34" charset="0"/>
+              <a:buChar char="•"/>
+              <a:defRPr sz="2400" kern="1200">
+                <a:solidFill>
+                  <a:schemeClr val="tx1"/>
+                </a:solidFill>
+                <a:latin typeface="+mn-lt"/>
+                <a:ea typeface="+mn-ea"/>
+                <a:cs typeface="+mn-cs"/>
+              </a:defRPr>
+            </a:lvl3pPr>
+            <a:lvl4pPr marL="1600200" indent="-228600" algn="l" defTabSz="914400" rtl="0" eaLnBrk="1" latinLnBrk="0" hangingPunct="1">
+              <a:spcBef>
+                <a:spcPct val="20000"/>
+              </a:spcBef>
+              <a:buFont typeface="Arial" pitchFamily="34" charset="0"/>
+              <a:buChar char="–"/>
+              <a:defRPr sz="2000" kern="1200">
+                <a:solidFill>
+                  <a:schemeClr val="tx1"/>
+                </a:solidFill>
+                <a:latin typeface="+mn-lt"/>
+                <a:ea typeface="+mn-ea"/>
+                <a:cs typeface="+mn-cs"/>
+              </a:defRPr>
+            </a:lvl4pPr>
+            <a:lvl5pPr marL="2057400" indent="-228600" algn="l" defTabSz="914400" rtl="0" eaLnBrk="1" latinLnBrk="0" hangingPunct="1">
+              <a:spcBef>
+                <a:spcPct val="20000"/>
+              </a:spcBef>
+              <a:buFont typeface="Arial" pitchFamily="34" charset="0"/>
+              <a:buChar char="»"/>
+              <a:defRPr sz="2000" kern="1200">
+                <a:solidFill>
+                  <a:schemeClr val="tx1"/>
+                </a:solidFill>
+                <a:latin typeface="+mn-lt"/>
+                <a:ea typeface="+mn-ea"/>
+                <a:cs typeface="+mn-cs"/>
+              </a:defRPr>
+            </a:lvl5pPr>
+            <a:lvl6pPr marL="2514600" indent="-228600" algn="l" defTabSz="914400" rtl="0" eaLnBrk="1" latinLnBrk="0" hangingPunct="1">
+              <a:spcBef>
+                <a:spcPct val="20000"/>
+              </a:spcBef>
+              <a:buFont typeface="Arial" pitchFamily="34" charset="0"/>
+              <a:buChar char="•"/>
+              <a:defRPr sz="2000" kern="1200">
+                <a:solidFill>
+                  <a:schemeClr val="tx1"/>
+                </a:solidFill>
+                <a:latin typeface="+mn-lt"/>
+                <a:ea typeface="+mn-ea"/>
+                <a:cs typeface="+mn-cs"/>
+              </a:defRPr>
+            </a:lvl6pPr>
+            <a:lvl7pPr marL="2971800" indent="-228600" algn="l" defTabSz="914400" rtl="0" eaLnBrk="1" latinLnBrk="0" hangingPunct="1">
+              <a:spcBef>
+                <a:spcPct val="20000"/>
+              </a:spcBef>
+              <a:buFont typeface="Arial" pitchFamily="34" charset="0"/>
+              <a:buChar char="•"/>
+              <a:defRPr sz="2000" kern="1200">
+                <a:solidFill>
+                  <a:schemeClr val="tx1"/>
+                </a:solidFill>
+                <a:latin typeface="+mn-lt"/>
+                <a:ea typeface="+mn-ea"/>
+                <a:cs typeface="+mn-cs"/>
+              </a:defRPr>
+            </a:lvl7pPr>
+            <a:lvl8pPr marL="3429000" indent="-228600" algn="l" defTabSz="914400" rtl="0" eaLnBrk="1" latinLnBrk="0" hangingPunct="1">
+              <a:spcBef>
+                <a:spcPct val="20000"/>
+              </a:spcBef>
+              <a:buFont typeface="Arial" pitchFamily="34" charset="0"/>
+              <a:buChar char="•"/>
+              <a:defRPr sz="2000" kern="1200">
+                <a:solidFill>
+                  <a:schemeClr val="tx1"/>
+                </a:solidFill>
+                <a:latin typeface="+mn-lt"/>
+                <a:ea typeface="+mn-ea"/>
+                <a:cs typeface="+mn-cs"/>
+              </a:defRPr>
+            </a:lvl8pPr>
+            <a:lvl9pPr marL="3886200" indent="-228600" algn="l" defTabSz="914400" rtl="0" eaLnBrk="1" latinLnBrk="0" hangingPunct="1">
+              <a:spcBef>
+                <a:spcPct val="20000"/>
+              </a:spcBef>
+              <a:buFont typeface="Arial" pitchFamily="34" charset="0"/>
+              <a:buChar char="•"/>
+              <a:defRPr sz="2000" kern="1200">
+                <a:solidFill>
+                  <a:schemeClr val="tx1"/>
+                </a:solidFill>
+                <a:latin typeface="+mn-lt"/>
+                <a:ea typeface="+mn-ea"/>
+                <a:cs typeface="+mn-cs"/>
+              </a:defRPr>
+            </a:lvl9pPr>
+          </a:lstStyle>
+          <a:p>
+            <a:r>
+              <a:rPr lang="de-DE" smtClean="0">
+                <a:solidFill>
+                  <a:schemeClr val="bg1"/>
+                </a:solidFill>
+              </a:rPr>
+              <a:t>Zeilinger:</a:t>
+            </a:r>
+          </a:p>
+        </p:txBody>
+      </p:sp>
+    </p:spTree>
+    <p:extLst>
+      <p:ext uri="{BB962C8B-B14F-4D97-AF65-F5344CB8AC3E}">
+        <p14:creationId xmlns:p14="http://schemas.microsoft.com/office/powerpoint/2010/main" val="4153705159"/>
+      </p:ext>
+    </p:extLst>
+  </p:cSld>
+  <p:clrMapOvr>
+    <a:masterClrMapping/>
+  </p:clrMapOvr>
+  <p:timing>
+    <p:tnLst>
+      <p:par>
+        <p:cTn id="1" dur="indefinite" restart="never" nodeType="tmRoot"/>
+      </p:par>
+    </p:tnLst>
+  </p:timing>
+</p:sld>
+</file>
+
+<file path=ppt/slides/slide16.xml><?xml version="1.0" encoding="utf-8"?>
+<p:sld xmlns:a="http://schemas.openxmlformats.org/drawingml/2006/main" xmlns:r="http://schemas.openxmlformats.org/officeDocument/2006/relationships" xmlns:p="http://schemas.openxmlformats.org/presentationml/2006/main">
+  <p:cSld>
+    <p:bg>
+      <p:bgPr>
+        <a:gradFill flip="none" rotWithShape="1">
+          <a:gsLst>
+            <a:gs pos="50854">
+              <a:schemeClr val="tx1"/>
+            </a:gs>
+            <a:gs pos="0">
+              <a:schemeClr val="tx1"/>
+            </a:gs>
+            <a:gs pos="21681">
+              <a:schemeClr val="accent1">
+                <a:lumMod val="20000"/>
+                <a:lumOff val="80000"/>
+              </a:schemeClr>
+            </a:gs>
+            <a:gs pos="78000">
+              <a:schemeClr val="accent2">
+                <a:lumMod val="20000"/>
+                <a:lumOff val="80000"/>
+              </a:schemeClr>
+            </a:gs>
+            <a:gs pos="100000">
+              <a:schemeClr val="tx1"/>
+            </a:gs>
+          </a:gsLst>
+          <a:lin ang="2700000" scaled="1"/>
+          <a:tileRect/>
+        </a:gradFill>
+        <a:effectLst/>
+      </p:bgPr>
+    </p:bg>
+    <p:spTree>
+      <p:nvGrpSpPr>
+        <p:cNvPr id="1" name=""/>
+        <p:cNvGrpSpPr/>
+        <p:nvPr/>
+      </p:nvGrpSpPr>
+      <p:grpSpPr>
+        <a:xfrm>
+          <a:off x="0" y="0"/>
+          <a:ext cx="0" cy="0"/>
+          <a:chOff x="0" y="0"/>
+          <a:chExt cx="0" cy="0"/>
+        </a:xfrm>
+      </p:grpSpPr>
+      <p:sp>
+        <p:nvSpPr>
+          <p:cNvPr id="5" name="Titel 4"/>
+          <p:cNvSpPr>
+            <a:spLocks noGrp="1"/>
+          </p:cNvSpPr>
+          <p:nvPr>
+            <p:ph type="title"/>
+          </p:nvPr>
+        </p:nvSpPr>
+        <p:spPr/>
+        <p:txBody>
+          <a:bodyPr>
+            <a:normAutofit/>
+          </a:bodyPr>
+          <a:lstStyle/>
+          <a:p>
+            <a:r>
+              <a:rPr lang="de-DE" smtClean="0">
+                <a:solidFill>
+                  <a:schemeClr val="bg1"/>
+                </a:solidFill>
+              </a:rPr>
+              <a:t>Ontologie: was ist?</a:t>
+            </a:r>
+            <a:endParaRPr lang="de-DE">
+              <a:solidFill>
+                <a:schemeClr val="bg1"/>
+              </a:solidFill>
+            </a:endParaRPr>
+          </a:p>
+        </p:txBody>
+      </p:sp>
+      <p:sp>
+        <p:nvSpPr>
+          <p:cNvPr id="4" name="Inhaltsplatzhalter 5"/>
+          <p:cNvSpPr txBox="1">
+            <a:spLocks/>
+          </p:cNvSpPr>
+          <p:nvPr/>
+        </p:nvSpPr>
+        <p:spPr>
+          <a:xfrm>
+            <a:off x="609600" y="1752600"/>
+            <a:ext cx="8229600" cy="4525963"/>
+          </a:xfrm>
+          <a:prstGeom prst="rect">
+            <a:avLst/>
+          </a:prstGeom>
+        </p:spPr>
+        <p:txBody>
+          <a:bodyPr vert="horz" lIns="91440" tIns="45720" rIns="91440" bIns="45720" rtlCol="0">
+            <a:normAutofit/>
+          </a:bodyPr>
+          <a:lstStyle>
+            <a:lvl1pPr marL="342900" indent="-342900" algn="l" defTabSz="914400" rtl="0" eaLnBrk="1" latinLnBrk="0" hangingPunct="1">
+              <a:spcBef>
+                <a:spcPct val="20000"/>
+              </a:spcBef>
+              <a:buFont typeface="Arial" pitchFamily="34" charset="0"/>
+              <a:buChar char="•"/>
+              <a:defRPr sz="3200" kern="1200">
+                <a:solidFill>
+                  <a:schemeClr val="tx1"/>
+                </a:solidFill>
+                <a:latin typeface="+mn-lt"/>
+                <a:ea typeface="+mn-ea"/>
+                <a:cs typeface="+mn-cs"/>
+              </a:defRPr>
+            </a:lvl1pPr>
+            <a:lvl2pPr marL="742950" indent="-285750" algn="l" defTabSz="914400" rtl="0" eaLnBrk="1" latinLnBrk="0" hangingPunct="1">
+              <a:spcBef>
+                <a:spcPct val="20000"/>
+              </a:spcBef>
+              <a:buFont typeface="Arial" pitchFamily="34" charset="0"/>
+              <a:buChar char="–"/>
+              <a:defRPr sz="2800" kern="1200">
+                <a:solidFill>
+                  <a:schemeClr val="tx1"/>
+                </a:solidFill>
+                <a:latin typeface="+mn-lt"/>
+                <a:ea typeface="+mn-ea"/>
+                <a:cs typeface="+mn-cs"/>
+              </a:defRPr>
+            </a:lvl2pPr>
+            <a:lvl3pPr marL="1143000" indent="-228600" algn="l" defTabSz="914400" rtl="0" eaLnBrk="1" latinLnBrk="0" hangingPunct="1">
+              <a:spcBef>
+                <a:spcPct val="20000"/>
+              </a:spcBef>
+              <a:buFont typeface="Arial" pitchFamily="34" charset="0"/>
+              <a:buChar char="•"/>
+              <a:defRPr sz="2400" kern="1200">
+                <a:solidFill>
+                  <a:schemeClr val="tx1"/>
+                </a:solidFill>
+                <a:latin typeface="+mn-lt"/>
+                <a:ea typeface="+mn-ea"/>
+                <a:cs typeface="+mn-cs"/>
+              </a:defRPr>
+            </a:lvl3pPr>
+            <a:lvl4pPr marL="1600200" indent="-228600" algn="l" defTabSz="914400" rtl="0" eaLnBrk="1" latinLnBrk="0" hangingPunct="1">
+              <a:spcBef>
+                <a:spcPct val="20000"/>
+              </a:spcBef>
+              <a:buFont typeface="Arial" pitchFamily="34" charset="0"/>
+              <a:buChar char="–"/>
+              <a:defRPr sz="2000" kern="1200">
+                <a:solidFill>
+                  <a:schemeClr val="tx1"/>
+                </a:solidFill>
+                <a:latin typeface="+mn-lt"/>
+                <a:ea typeface="+mn-ea"/>
+                <a:cs typeface="+mn-cs"/>
+              </a:defRPr>
+            </a:lvl4pPr>
+            <a:lvl5pPr marL="2057400" indent="-228600" algn="l" defTabSz="914400" rtl="0" eaLnBrk="1" latinLnBrk="0" hangingPunct="1">
+              <a:spcBef>
+                <a:spcPct val="20000"/>
+              </a:spcBef>
+              <a:buFont typeface="Arial" pitchFamily="34" charset="0"/>
+              <a:buChar char="»"/>
+              <a:defRPr sz="2000" kern="1200">
+                <a:solidFill>
+                  <a:schemeClr val="tx1"/>
+                </a:solidFill>
+                <a:latin typeface="+mn-lt"/>
+                <a:ea typeface="+mn-ea"/>
+                <a:cs typeface="+mn-cs"/>
+              </a:defRPr>
+            </a:lvl5pPr>
+            <a:lvl6pPr marL="2514600" indent="-228600" algn="l" defTabSz="914400" rtl="0" eaLnBrk="1" latinLnBrk="0" hangingPunct="1">
+              <a:spcBef>
+                <a:spcPct val="20000"/>
+              </a:spcBef>
+              <a:buFont typeface="Arial" pitchFamily="34" charset="0"/>
+              <a:buChar char="•"/>
+              <a:defRPr sz="2000" kern="1200">
+                <a:solidFill>
+                  <a:schemeClr val="tx1"/>
+                </a:solidFill>
+                <a:latin typeface="+mn-lt"/>
+                <a:ea typeface="+mn-ea"/>
+                <a:cs typeface="+mn-cs"/>
+              </a:defRPr>
+            </a:lvl6pPr>
+            <a:lvl7pPr marL="2971800" indent="-228600" algn="l" defTabSz="914400" rtl="0" eaLnBrk="1" latinLnBrk="0" hangingPunct="1">
+              <a:spcBef>
+                <a:spcPct val="20000"/>
+              </a:spcBef>
+              <a:buFont typeface="Arial" pitchFamily="34" charset="0"/>
+              <a:buChar char="•"/>
+              <a:defRPr sz="2000" kern="1200">
+                <a:solidFill>
+                  <a:schemeClr val="tx1"/>
+                </a:solidFill>
+                <a:latin typeface="+mn-lt"/>
+                <a:ea typeface="+mn-ea"/>
+                <a:cs typeface="+mn-cs"/>
+              </a:defRPr>
+            </a:lvl7pPr>
+            <a:lvl8pPr marL="3429000" indent="-228600" algn="l" defTabSz="914400" rtl="0" eaLnBrk="1" latinLnBrk="0" hangingPunct="1">
+              <a:spcBef>
+                <a:spcPct val="20000"/>
+              </a:spcBef>
+              <a:buFont typeface="Arial" pitchFamily="34" charset="0"/>
+              <a:buChar char="•"/>
+              <a:defRPr sz="2000" kern="1200">
+                <a:solidFill>
+                  <a:schemeClr val="tx1"/>
+                </a:solidFill>
+                <a:latin typeface="+mn-lt"/>
+                <a:ea typeface="+mn-ea"/>
+                <a:cs typeface="+mn-cs"/>
+              </a:defRPr>
+            </a:lvl8pPr>
+            <a:lvl9pPr marL="3886200" indent="-228600" algn="l" defTabSz="914400" rtl="0" eaLnBrk="1" latinLnBrk="0" hangingPunct="1">
+              <a:spcBef>
+                <a:spcPct val="20000"/>
+              </a:spcBef>
+              <a:buFont typeface="Arial" pitchFamily="34" charset="0"/>
+              <a:buChar char="•"/>
+              <a:defRPr sz="2000" kern="1200">
+                <a:solidFill>
+                  <a:schemeClr val="tx1"/>
+                </a:solidFill>
+                <a:latin typeface="+mn-lt"/>
+                <a:ea typeface="+mn-ea"/>
+                <a:cs typeface="+mn-cs"/>
+              </a:defRPr>
+            </a:lvl9pPr>
+          </a:lstStyle>
+          <a:p>
+            <a:endParaRPr lang="de-DE" smtClean="0">
+              <a:solidFill>
+                <a:schemeClr val="bg1"/>
+              </a:solidFill>
+            </a:endParaRPr>
+          </a:p>
+        </p:txBody>
+      </p:sp>
+      <p:sp>
+        <p:nvSpPr>
+          <p:cNvPr id="8" name="Inhaltsplatzhalter 5"/>
+          <p:cNvSpPr txBox="1">
+            <a:spLocks/>
+          </p:cNvSpPr>
+          <p:nvPr/>
+        </p:nvSpPr>
+        <p:spPr>
+          <a:xfrm>
+            <a:off x="467544" y="1700808"/>
+            <a:ext cx="8229600" cy="4752527"/>
+          </a:xfrm>
+          <a:prstGeom prst="rect">
+            <a:avLst/>
+          </a:prstGeom>
+        </p:spPr>
+        <p:txBody>
+          <a:bodyPr vert="horz" lIns="91440" tIns="45720" rIns="91440" bIns="45720" rtlCol="0">
+            <a:normAutofit/>
+          </a:bodyPr>
+          <a:lstStyle>
+            <a:lvl1pPr marL="342900" indent="-342900" algn="l" defTabSz="914400" rtl="0" eaLnBrk="1" latinLnBrk="0" hangingPunct="1">
+              <a:spcBef>
+                <a:spcPct val="20000"/>
+              </a:spcBef>
+              <a:buFont typeface="Arial" pitchFamily="34" charset="0"/>
+              <a:buChar char="•"/>
+              <a:defRPr sz="3200" kern="1200">
+                <a:solidFill>
+                  <a:schemeClr val="tx1"/>
+                </a:solidFill>
+                <a:latin typeface="+mn-lt"/>
+                <a:ea typeface="+mn-ea"/>
+                <a:cs typeface="+mn-cs"/>
+              </a:defRPr>
+            </a:lvl1pPr>
+            <a:lvl2pPr marL="742950" indent="-285750" algn="l" defTabSz="914400" rtl="0" eaLnBrk="1" latinLnBrk="0" hangingPunct="1">
+              <a:spcBef>
+                <a:spcPct val="20000"/>
+              </a:spcBef>
+              <a:buFont typeface="Arial" pitchFamily="34" charset="0"/>
+              <a:buChar char="–"/>
+              <a:defRPr sz="2800" kern="1200">
+                <a:solidFill>
+                  <a:schemeClr val="tx1"/>
+                </a:solidFill>
+                <a:latin typeface="+mn-lt"/>
+                <a:ea typeface="+mn-ea"/>
+                <a:cs typeface="+mn-cs"/>
+              </a:defRPr>
+            </a:lvl2pPr>
+            <a:lvl3pPr marL="1143000" indent="-228600" algn="l" defTabSz="914400" rtl="0" eaLnBrk="1" latinLnBrk="0" hangingPunct="1">
+              <a:spcBef>
+                <a:spcPct val="20000"/>
+              </a:spcBef>
+              <a:buFont typeface="Arial" pitchFamily="34" charset="0"/>
+              <a:buChar char="•"/>
+              <a:defRPr sz="2400" kern="1200">
+                <a:solidFill>
+                  <a:schemeClr val="tx1"/>
+                </a:solidFill>
+                <a:latin typeface="+mn-lt"/>
+                <a:ea typeface="+mn-ea"/>
+                <a:cs typeface="+mn-cs"/>
+              </a:defRPr>
+            </a:lvl3pPr>
+            <a:lvl4pPr marL="1600200" indent="-228600" algn="l" defTabSz="914400" rtl="0" eaLnBrk="1" latinLnBrk="0" hangingPunct="1">
+              <a:spcBef>
+                <a:spcPct val="20000"/>
+              </a:spcBef>
+              <a:buFont typeface="Arial" pitchFamily="34" charset="0"/>
+              <a:buChar char="–"/>
+              <a:defRPr sz="2000" kern="1200">
+                <a:solidFill>
+                  <a:schemeClr val="tx1"/>
+                </a:solidFill>
+                <a:latin typeface="+mn-lt"/>
+                <a:ea typeface="+mn-ea"/>
+                <a:cs typeface="+mn-cs"/>
+              </a:defRPr>
+            </a:lvl4pPr>
+            <a:lvl5pPr marL="2057400" indent="-228600" algn="l" defTabSz="914400" rtl="0" eaLnBrk="1" latinLnBrk="0" hangingPunct="1">
+              <a:spcBef>
+                <a:spcPct val="20000"/>
+              </a:spcBef>
+              <a:buFont typeface="Arial" pitchFamily="34" charset="0"/>
+              <a:buChar char="»"/>
+              <a:defRPr sz="2000" kern="1200">
+                <a:solidFill>
+                  <a:schemeClr val="tx1"/>
+                </a:solidFill>
+                <a:latin typeface="+mn-lt"/>
+                <a:ea typeface="+mn-ea"/>
+                <a:cs typeface="+mn-cs"/>
+              </a:defRPr>
+            </a:lvl5pPr>
+            <a:lvl6pPr marL="2514600" indent="-228600" algn="l" defTabSz="914400" rtl="0" eaLnBrk="1" latinLnBrk="0" hangingPunct="1">
+              <a:spcBef>
+                <a:spcPct val="20000"/>
+              </a:spcBef>
+              <a:buFont typeface="Arial" pitchFamily="34" charset="0"/>
+              <a:buChar char="•"/>
+              <a:defRPr sz="2000" kern="1200">
+                <a:solidFill>
+                  <a:schemeClr val="tx1"/>
+                </a:solidFill>
+                <a:latin typeface="+mn-lt"/>
+                <a:ea typeface="+mn-ea"/>
+                <a:cs typeface="+mn-cs"/>
+              </a:defRPr>
+            </a:lvl6pPr>
+            <a:lvl7pPr marL="2971800" indent="-228600" algn="l" defTabSz="914400" rtl="0" eaLnBrk="1" latinLnBrk="0" hangingPunct="1">
+              <a:spcBef>
+                <a:spcPct val="20000"/>
+              </a:spcBef>
+              <a:buFont typeface="Arial" pitchFamily="34" charset="0"/>
+              <a:buChar char="•"/>
+              <a:defRPr sz="2000" kern="1200">
+                <a:solidFill>
+                  <a:schemeClr val="tx1"/>
+                </a:solidFill>
+                <a:latin typeface="+mn-lt"/>
+                <a:ea typeface="+mn-ea"/>
+                <a:cs typeface="+mn-cs"/>
+              </a:defRPr>
+            </a:lvl7pPr>
+            <a:lvl8pPr marL="3429000" indent="-228600" algn="l" defTabSz="914400" rtl="0" eaLnBrk="1" latinLnBrk="0" hangingPunct="1">
+              <a:spcBef>
+                <a:spcPct val="20000"/>
+              </a:spcBef>
+              <a:buFont typeface="Arial" pitchFamily="34" charset="0"/>
+              <a:buChar char="•"/>
+              <a:defRPr sz="2000" kern="1200">
+                <a:solidFill>
+                  <a:schemeClr val="tx1"/>
+                </a:solidFill>
+                <a:latin typeface="+mn-lt"/>
+                <a:ea typeface="+mn-ea"/>
+                <a:cs typeface="+mn-cs"/>
+              </a:defRPr>
+            </a:lvl8pPr>
+            <a:lvl9pPr marL="3886200" indent="-228600" algn="l" defTabSz="914400" rtl="0" eaLnBrk="1" latinLnBrk="0" hangingPunct="1">
+              <a:spcBef>
+                <a:spcPct val="20000"/>
+              </a:spcBef>
+              <a:buFont typeface="Arial" pitchFamily="34" charset="0"/>
+              <a:buChar char="•"/>
+              <a:defRPr sz="2000" kern="1200">
+                <a:solidFill>
+                  <a:schemeClr val="tx1"/>
+                </a:solidFill>
+                <a:latin typeface="+mn-lt"/>
+                <a:ea typeface="+mn-ea"/>
+                <a:cs typeface="+mn-cs"/>
+              </a:defRPr>
+            </a:lvl9pPr>
+          </a:lstStyle>
+          <a:p>
+            <a:pPr marL="0" indent="0">
+              <a:buNone/>
+            </a:pPr>
+            <a:endParaRPr lang="de-DE">
+              <a:solidFill>
+                <a:schemeClr val="bg1"/>
+              </a:solidFill>
+            </a:endParaRPr>
+          </a:p>
+        </p:txBody>
+      </p:sp>
+      <p:sp>
+        <p:nvSpPr>
+          <p:cNvPr id="6" name="Inhaltsplatzhalter 5"/>
+          <p:cNvSpPr txBox="1">
+            <a:spLocks/>
+          </p:cNvSpPr>
+          <p:nvPr/>
+        </p:nvSpPr>
+        <p:spPr>
+          <a:xfrm>
+            <a:off x="467544" y="1340769"/>
+            <a:ext cx="8229600" cy="5040560"/>
+          </a:xfrm>
+          <a:prstGeom prst="rect">
+            <a:avLst/>
+          </a:prstGeom>
+        </p:spPr>
+        <p:txBody>
+          <a:bodyPr vert="horz" lIns="91440" tIns="45720" rIns="91440" bIns="45720" rtlCol="0">
+            <a:normAutofit fontScale="77500" lnSpcReduction="20000"/>
+          </a:bodyPr>
+          <a:lstStyle>
+            <a:lvl1pPr marL="342900" indent="-342900" algn="l" defTabSz="914400" rtl="0" eaLnBrk="1" latinLnBrk="0" hangingPunct="1">
+              <a:spcBef>
+                <a:spcPct val="20000"/>
+              </a:spcBef>
+              <a:buFont typeface="Arial" pitchFamily="34" charset="0"/>
+              <a:buChar char="•"/>
+              <a:defRPr sz="3200" kern="1200">
+                <a:solidFill>
+                  <a:schemeClr val="tx1"/>
+                </a:solidFill>
+                <a:latin typeface="+mn-lt"/>
+                <a:ea typeface="+mn-ea"/>
+                <a:cs typeface="+mn-cs"/>
+              </a:defRPr>
+            </a:lvl1pPr>
+            <a:lvl2pPr marL="742950" indent="-285750" algn="l" defTabSz="914400" rtl="0" eaLnBrk="1" latinLnBrk="0" hangingPunct="1">
+              <a:spcBef>
+                <a:spcPct val="20000"/>
+              </a:spcBef>
+              <a:buFont typeface="Arial" pitchFamily="34" charset="0"/>
+              <a:buChar char="–"/>
+              <a:defRPr sz="2800" kern="1200">
+                <a:solidFill>
+                  <a:schemeClr val="tx1"/>
+                </a:solidFill>
+                <a:latin typeface="+mn-lt"/>
+                <a:ea typeface="+mn-ea"/>
+                <a:cs typeface="+mn-cs"/>
+              </a:defRPr>
+            </a:lvl2pPr>
+            <a:lvl3pPr marL="1143000" indent="-228600" algn="l" defTabSz="914400" rtl="0" eaLnBrk="1" latinLnBrk="0" hangingPunct="1">
+              <a:spcBef>
+                <a:spcPct val="20000"/>
+              </a:spcBef>
+              <a:buFont typeface="Arial" pitchFamily="34" charset="0"/>
+              <a:buChar char="•"/>
+              <a:defRPr sz="2400" kern="1200">
+                <a:solidFill>
+                  <a:schemeClr val="tx1"/>
+                </a:solidFill>
+                <a:latin typeface="+mn-lt"/>
+                <a:ea typeface="+mn-ea"/>
+                <a:cs typeface="+mn-cs"/>
+              </a:defRPr>
+            </a:lvl3pPr>
+            <a:lvl4pPr marL="1600200" indent="-228600" algn="l" defTabSz="914400" rtl="0" eaLnBrk="1" latinLnBrk="0" hangingPunct="1">
+              <a:spcBef>
+                <a:spcPct val="20000"/>
+              </a:spcBef>
+              <a:buFont typeface="Arial" pitchFamily="34" charset="0"/>
+              <a:buChar char="–"/>
+              <a:defRPr sz="2000" kern="1200">
+                <a:solidFill>
+                  <a:schemeClr val="tx1"/>
+                </a:solidFill>
+                <a:latin typeface="+mn-lt"/>
+                <a:ea typeface="+mn-ea"/>
+                <a:cs typeface="+mn-cs"/>
+              </a:defRPr>
+            </a:lvl4pPr>
+            <a:lvl5pPr marL="2057400" indent="-228600" algn="l" defTabSz="914400" rtl="0" eaLnBrk="1" latinLnBrk="0" hangingPunct="1">
+              <a:spcBef>
+                <a:spcPct val="20000"/>
+              </a:spcBef>
+              <a:buFont typeface="Arial" pitchFamily="34" charset="0"/>
+              <a:buChar char="»"/>
+              <a:defRPr sz="2000" kern="1200">
+                <a:solidFill>
+                  <a:schemeClr val="tx1"/>
+                </a:solidFill>
+                <a:latin typeface="+mn-lt"/>
+                <a:ea typeface="+mn-ea"/>
+                <a:cs typeface="+mn-cs"/>
+              </a:defRPr>
+            </a:lvl5pPr>
+            <a:lvl6pPr marL="2514600" indent="-228600" algn="l" defTabSz="914400" rtl="0" eaLnBrk="1" latinLnBrk="0" hangingPunct="1">
+              <a:spcBef>
+                <a:spcPct val="20000"/>
+              </a:spcBef>
+              <a:buFont typeface="Arial" pitchFamily="34" charset="0"/>
+              <a:buChar char="•"/>
+              <a:defRPr sz="2000" kern="1200">
+                <a:solidFill>
+                  <a:schemeClr val="tx1"/>
+                </a:solidFill>
+                <a:latin typeface="+mn-lt"/>
+                <a:ea typeface="+mn-ea"/>
+                <a:cs typeface="+mn-cs"/>
+              </a:defRPr>
+            </a:lvl6pPr>
+            <a:lvl7pPr marL="2971800" indent="-228600" algn="l" defTabSz="914400" rtl="0" eaLnBrk="1" latinLnBrk="0" hangingPunct="1">
+              <a:spcBef>
+                <a:spcPct val="20000"/>
+              </a:spcBef>
+              <a:buFont typeface="Arial" pitchFamily="34" charset="0"/>
+              <a:buChar char="•"/>
+              <a:defRPr sz="2000" kern="1200">
+                <a:solidFill>
+                  <a:schemeClr val="tx1"/>
+                </a:solidFill>
+                <a:latin typeface="+mn-lt"/>
+                <a:ea typeface="+mn-ea"/>
+                <a:cs typeface="+mn-cs"/>
+              </a:defRPr>
+            </a:lvl7pPr>
+            <a:lvl8pPr marL="3429000" indent="-228600" algn="l" defTabSz="914400" rtl="0" eaLnBrk="1" latinLnBrk="0" hangingPunct="1">
+              <a:spcBef>
+                <a:spcPct val="20000"/>
+              </a:spcBef>
+              <a:buFont typeface="Arial" pitchFamily="34" charset="0"/>
+              <a:buChar char="•"/>
+              <a:defRPr sz="2000" kern="1200">
+                <a:solidFill>
+                  <a:schemeClr val="tx1"/>
+                </a:solidFill>
+                <a:latin typeface="+mn-lt"/>
+                <a:ea typeface="+mn-ea"/>
+                <a:cs typeface="+mn-cs"/>
+              </a:defRPr>
+            </a:lvl8pPr>
+            <a:lvl9pPr marL="3886200" indent="-228600" algn="l" defTabSz="914400" rtl="0" eaLnBrk="1" latinLnBrk="0" hangingPunct="1">
+              <a:spcBef>
+                <a:spcPct val="20000"/>
+              </a:spcBef>
+              <a:buFont typeface="Arial" pitchFamily="34" charset="0"/>
+              <a:buChar char="•"/>
+              <a:defRPr sz="2000" kern="1200">
+                <a:solidFill>
+                  <a:schemeClr val="tx1"/>
+                </a:solidFill>
+                <a:latin typeface="+mn-lt"/>
+                <a:ea typeface="+mn-ea"/>
+                <a:cs typeface="+mn-cs"/>
+              </a:defRPr>
+            </a:lvl9pPr>
+          </a:lstStyle>
+          <a:p>
+            <a:r>
+              <a:rPr lang="de-DE" smtClean="0">
+                <a:solidFill>
+                  <a:schemeClr val="bg1"/>
+                </a:solidFill>
+              </a:rPr>
+              <a:t>QM halbklassische Theorie mit gemeinsamer Zeit → Energie &amp; Co. ist nur ein anderes Wort für das Seiende. [H,Co.] = 0. QM ist nicht der finale Maßstab!</a:t>
+            </a:r>
+          </a:p>
+          <a:p>
+            <a:r>
+              <a:rPr lang="de-DE" smtClean="0">
+                <a:solidFill>
+                  <a:schemeClr val="bg1"/>
+                </a:solidFill>
+              </a:rPr>
+              <a:t>QFT: Zeit ist subjektiv, Energie auch? Ist jetzt nur noch Werden?</a:t>
+            </a:r>
+          </a:p>
+          <a:p>
+            <a:r>
+              <a:rPr lang="de-DE" smtClean="0">
+                <a:solidFill>
+                  <a:schemeClr val="bg1"/>
+                </a:solidFill>
+              </a:rPr>
+              <a:t>Gesetze des Wandels scheinen da zu sein (ohne Gesetz keine Struktur)</a:t>
+            </a:r>
+          </a:p>
+          <a:p>
+            <a:r>
+              <a:rPr lang="de-DE" smtClean="0">
+                <a:solidFill>
+                  <a:schemeClr val="bg1"/>
+                </a:solidFill>
+              </a:rPr>
+              <a:t>Symmetrien (sehr strenge Gesetze)</a:t>
+            </a:r>
+          </a:p>
+          <a:p>
+            <a:r>
+              <a:rPr lang="de-DE" smtClean="0">
+                <a:solidFill>
+                  <a:schemeClr val="bg1"/>
+                </a:solidFill>
+              </a:rPr>
+              <a:t>Q-Bits als Ersatz für die klassischen Lego-Bausteine?</a:t>
+            </a:r>
+          </a:p>
+          <a:p>
+            <a:r>
+              <a:rPr lang="de-DE" smtClean="0">
+                <a:solidFill>
+                  <a:schemeClr val="bg1"/>
+                </a:solidFill>
+              </a:rPr>
+              <a:t>Bewusstsein und der Pfeil der Zeit</a:t>
+            </a:r>
+          </a:p>
+          <a:p>
+            <a:r>
+              <a:rPr lang="de-DE" smtClean="0">
+                <a:solidFill>
+                  <a:schemeClr val="bg1"/>
+                </a:solidFill>
+              </a:rPr>
+              <a:t>Lust, Schmerz, Liebe, Hass und Wille</a:t>
+            </a:r>
+          </a:p>
+          <a:p>
+            <a:r>
+              <a:rPr lang="de-DE" smtClean="0">
+                <a:solidFill>
+                  <a:schemeClr val="bg1"/>
+                </a:solidFill>
+              </a:rPr>
+              <a:t>Es gibt keine getrennten Dinge. Die Welt besteht nicht aus Dingen. Ihr seid alle dasselbe Ding. Geburt und Tod sind Illusion.</a:t>
+            </a:r>
+            <a:endParaRPr lang="de-DE" smtClean="0">
+              <a:solidFill>
+                <a:schemeClr val="bg1"/>
+              </a:solidFill>
+            </a:endParaRPr>
+          </a:p>
+        </p:txBody>
+      </p:sp>
+    </p:spTree>
+    <p:extLst>
+      <p:ext uri="{BB962C8B-B14F-4D97-AF65-F5344CB8AC3E}">
+        <p14:creationId xmlns:p14="http://schemas.microsoft.com/office/powerpoint/2010/main" val="2732609948"/>
+      </p:ext>
+    </p:extLst>
+  </p:cSld>
+  <p:clrMapOvr>
+    <a:masterClrMapping/>
+  </p:clrMapOvr>
+  <p:timing>
+    <p:tnLst>
+      <p:par>
+        <p:cTn id="1" dur="indefinite" restart="never" nodeType="tmRoot"/>
+      </p:par>
+    </p:tnLst>
+  </p:timing>
+</p:sld>
+</file>
+
+<file path=ppt/slides/slide17.xml><?xml version="1.0" encoding="utf-8"?>
+<p:sld xmlns:a="http://schemas.openxmlformats.org/drawingml/2006/main" xmlns:r="http://schemas.openxmlformats.org/officeDocument/2006/relationships" xmlns:p="http://schemas.openxmlformats.org/presentationml/2006/main">
+  <p:cSld>
+    <p:spTree>
+      <p:nvGrpSpPr>
+        <p:cNvPr id="1" name=""/>
+        <p:cNvGrpSpPr/>
+        <p:nvPr/>
+      </p:nvGrpSpPr>
+      <p:grpSpPr>
+        <a:xfrm>
+          <a:off x="0" y="0"/>
+          <a:ext cx="0" cy="0"/>
+          <a:chOff x="0" y="0"/>
+          <a:chExt cx="0" cy="0"/>
+        </a:xfrm>
+      </p:grpSpPr>
+      <p:sp>
+        <p:nvSpPr>
+          <p:cNvPr id="5" name="Titel 4"/>
+          <p:cNvSpPr>
+            <a:spLocks noGrp="1"/>
+          </p:cNvSpPr>
+          <p:nvPr>
+            <p:ph type="title"/>
+          </p:nvPr>
+        </p:nvSpPr>
+        <p:spPr/>
+        <p:txBody>
+          <a:bodyPr>
+            <a:normAutofit/>
+          </a:bodyPr>
+          <a:lstStyle/>
+          <a:p>
+            <a:r>
+              <a:rPr lang="de-DE" smtClean="0"/>
+              <a:t>Mathematische Grundlagen der QT</a:t>
+            </a:r>
+            <a:endParaRPr lang="de-DE"/>
+          </a:p>
+        </p:txBody>
+      </p:sp>
+      <p:sp>
+        <p:nvSpPr>
+          <p:cNvPr id="6" name="Inhaltsplatzhalter 5"/>
+          <p:cNvSpPr>
+            <a:spLocks noGrp="1"/>
+          </p:cNvSpPr>
+          <p:nvPr>
+            <p:ph idx="1"/>
+          </p:nvPr>
+        </p:nvSpPr>
+        <p:spPr/>
+        <p:txBody>
+          <a:bodyPr>
+            <a:normAutofit fontScale="55000" lnSpcReduction="20000"/>
+          </a:bodyPr>
+          <a:lstStyle/>
+          <a:p>
+            <a:r>
+              <a:rPr lang="de-DE" smtClean="0"/>
+              <a:t>Funktionen mehrerer Veränderlicher in Differentialgleichungen</a:t>
+            </a:r>
+          </a:p>
+          <a:p>
+            <a:r>
+              <a:rPr lang="de-DE" smtClean="0"/>
+              <a:t>n-Tupel: Vektoren, Spinoren</a:t>
+            </a:r>
+          </a:p>
+          <a:p>
+            <a:r>
+              <a:rPr lang="de-DE" smtClean="0"/>
+              <a:t>Differentialoperatoren für die Funktionen</a:t>
+            </a:r>
+          </a:p>
+          <a:p>
+            <a:r>
+              <a:rPr lang="de-DE" smtClean="0"/>
+              <a:t>Matrixoperatoren für die n-Tupel</a:t>
+            </a:r>
+          </a:p>
+          <a:p>
+            <a:r>
+              <a:rPr lang="de-DE" smtClean="0"/>
+              <a:t>wir bekommen gekoppelte lineare DGL-Systeme</a:t>
+            </a:r>
+          </a:p>
+          <a:p>
+            <a:r>
+              <a:rPr lang="de-DE" smtClean="0"/>
+              <a:t>komplexe Zahlen: nur eine besondere Algebra für die Multiplikation (es geht auch mit reellen Matrizen, es gibt noch mehr solche Algebras…)</a:t>
+            </a:r>
+          </a:p>
+          <a:p>
+            <a:r>
+              <a:rPr lang="de-DE" smtClean="0"/>
+              <a:t>alles über 1 Kamm scheren: Hilbertraum und lineare Operatoren als abstraktes Modell für Funktionen/n-Tupel und lineare Differential- und Matrixoperatoren</a:t>
+            </a:r>
+          </a:p>
+          <a:p>
+            <a:r>
+              <a:rPr lang="de-DE" smtClean="0"/>
+              <a:t>Die aufgrund der Linearität beliebige Zerlegbarkeit (freie Wahl der Basis), z.B. Fouriertransformation</a:t>
+            </a:r>
+          </a:p>
+          <a:p>
+            <a:r>
+              <a:rPr lang="de-DE" smtClean="0"/>
+              <a:t>Eigenwerte linearer Operatoren</a:t>
+            </a:r>
+          </a:p>
+          <a:p>
+            <a:r>
+              <a:rPr lang="de-DE" smtClean="0"/>
+              <a:t>Das Skalarprodukt. Die Zweischichtigkeit: linear und nichtlinear</a:t>
+            </a:r>
+          </a:p>
+          <a:p>
+            <a:r>
+              <a:rPr lang="de-DE" smtClean="0"/>
+              <a:t>Produkträume, offene Quantensysteme, Dichteoperatoren, Verschränkung und Ganzheit</a:t>
+            </a:r>
+            <a:br>
+              <a:rPr lang="de-DE" smtClean="0"/>
+            </a:br>
+            <a:endParaRPr lang="de-DE" smtClean="0"/>
+          </a:p>
+          <a:p>
+            <a:endParaRPr lang="de-DE" smtClean="0"/>
+          </a:p>
+        </p:txBody>
+      </p:sp>
+    </p:spTree>
+    <p:extLst>
+      <p:ext uri="{BB962C8B-B14F-4D97-AF65-F5344CB8AC3E}">
+        <p14:creationId xmlns:p14="http://schemas.microsoft.com/office/powerpoint/2010/main" val="2426154753"/>
+      </p:ext>
+    </p:extLst>
+  </p:cSld>
+  <p:clrMapOvr>
+    <a:masterClrMapping/>
+  </p:clrMapOvr>
+  <p:timing>
+    <p:tnLst>
+      <p:par>
+        <p:cTn id="1" dur="indefinite" restart="never" nodeType="tmRoot"/>
+      </p:par>
+    </p:tnLst>
+  </p:timing>
+</p:sld>
+</file>
+
+<file path=ppt/slides/slide18.xml><?xml version="1.0" encoding="utf-8"?>
 <p:sld xmlns:a="http://schemas.openxmlformats.org/drawingml/2006/main" xmlns:r="http://schemas.openxmlformats.org/officeDocument/2006/relationships" xmlns:p="http://schemas.openxmlformats.org/presentationml/2006/main">
   <p:cSld>
     <p:spTree>
@@ -7711,7 +11931,7 @@
 </p:sld>
 </file>
 
-<file path=ppt/slides/slide11.xml><?xml version="1.0" encoding="utf-8"?>
+<file path=ppt/slides/slide19.xml><?xml version="1.0" encoding="utf-8"?>
 <p:sld xmlns:a="http://schemas.openxmlformats.org/drawingml/2006/main" xmlns:r="http://schemas.openxmlformats.org/officeDocument/2006/relationships" xmlns:p="http://schemas.openxmlformats.org/presentationml/2006/main">
   <p:cSld>
     <p:spTree>
@@ -7824,208 +12044,6 @@
     <p:extLst>
       <p:ext uri="{BB962C8B-B14F-4D97-AF65-F5344CB8AC3E}">
         <p14:creationId xmlns:p14="http://schemas.microsoft.com/office/powerpoint/2010/main" val="3675307341"/>
-      </p:ext>
-    </p:extLst>
-  </p:cSld>
-  <p:clrMapOvr>
-    <a:masterClrMapping/>
-  </p:clrMapOvr>
-  <p:timing>
-    <p:tnLst>
-      <p:par>
-        <p:cTn id="1" dur="indefinite" restart="never" nodeType="tmRoot"/>
-      </p:par>
-    </p:tnLst>
-  </p:timing>
-</p:sld>
-</file>
-
-<file path=ppt/slides/slide12.xml><?xml version="1.0" encoding="utf-8"?>
-<p:sld xmlns:a="http://schemas.openxmlformats.org/drawingml/2006/main" xmlns:r="http://schemas.openxmlformats.org/officeDocument/2006/relationships" xmlns:p="http://schemas.openxmlformats.org/presentationml/2006/main">
-  <p:cSld>
-    <p:spTree>
-      <p:nvGrpSpPr>
-        <p:cNvPr id="1" name=""/>
-        <p:cNvGrpSpPr/>
-        <p:nvPr/>
-      </p:nvGrpSpPr>
-      <p:grpSpPr>
-        <a:xfrm>
-          <a:off x="0" y="0"/>
-          <a:ext cx="0" cy="0"/>
-          <a:chOff x="0" y="0"/>
-          <a:chExt cx="0" cy="0"/>
-        </a:xfrm>
-      </p:grpSpPr>
-      <p:sp>
-        <p:nvSpPr>
-          <p:cNvPr id="5" name="Titel 4"/>
-          <p:cNvSpPr>
-            <a:spLocks noGrp="1"/>
-          </p:cNvSpPr>
-          <p:nvPr>
-            <p:ph type="title"/>
-          </p:nvPr>
-        </p:nvSpPr>
-        <p:spPr/>
-        <p:txBody>
-          <a:bodyPr>
-            <a:normAutofit/>
-          </a:bodyPr>
-          <a:lstStyle/>
-          <a:p>
-            <a:r>
-              <a:rPr lang="de-DE" smtClean="0"/>
-              <a:t>Quantenrechner</a:t>
-            </a:r>
-            <a:endParaRPr lang="de-DE"/>
-          </a:p>
-        </p:txBody>
-      </p:sp>
-      <p:sp>
-        <p:nvSpPr>
-          <p:cNvPr id="6" name="Inhaltsplatzhalter 5"/>
-          <p:cNvSpPr>
-            <a:spLocks noGrp="1"/>
-          </p:cNvSpPr>
-          <p:nvPr>
-            <p:ph idx="1"/>
-          </p:nvPr>
-        </p:nvSpPr>
-        <p:spPr/>
-        <p:txBody>
-          <a:bodyPr>
-            <a:normAutofit fontScale="77500" lnSpcReduction="20000"/>
-          </a:bodyPr>
-          <a:lstStyle/>
-          <a:p>
-            <a:r>
-              <a:rPr lang="de-DE" smtClean="0"/>
-              <a:t>Klassische Informationstheorie: Information und Entropie nach Shannon</a:t>
-            </a:r>
-          </a:p>
-          <a:p>
-            <a:r>
-              <a:rPr lang="de-DE" smtClean="0"/>
-              <a:t>[Das Problem des Kontinuums mit der Information, die Willkür der Einteilung, absolute Information durch schwarze Löcher?]</a:t>
-            </a:r>
-          </a:p>
-          <a:p>
-            <a:r>
-              <a:rPr lang="de-DE" smtClean="0"/>
-              <a:t>Q-Bit als kleinste sinnvolle Einheit, die Beziehung zwischen Q-Bit und klassischem Bit</a:t>
-            </a:r>
-          </a:p>
-          <a:p>
-            <a:r>
-              <a:rPr lang="de-DE" smtClean="0"/>
-              <a:t>Q-Bit Beispiele (es gibt auch Q-Trits, …)</a:t>
-            </a:r>
-          </a:p>
-          <a:p>
-            <a:r>
-              <a:rPr lang="de-DE" smtClean="0"/>
-              <a:t>Produkträume von Q-Bits und unitäre Zeitentwicklung = Quantenrechner</a:t>
-            </a:r>
-          </a:p>
-          <a:p>
-            <a:r>
-              <a:rPr lang="de-DE" smtClean="0"/>
-              <a:t>In etwa bis zur Hälfte von https://quantiki.org/wiki/basic-concepts-quantum-computation</a:t>
-            </a:r>
-          </a:p>
-          <a:p>
-            <a:endParaRPr lang="de-DE" smtClean="0"/>
-          </a:p>
-        </p:txBody>
-      </p:sp>
-    </p:spTree>
-    <p:extLst>
-      <p:ext uri="{BB962C8B-B14F-4D97-AF65-F5344CB8AC3E}">
-        <p14:creationId xmlns:p14="http://schemas.microsoft.com/office/powerpoint/2010/main" val="1223933892"/>
-      </p:ext>
-    </p:extLst>
-  </p:cSld>
-  <p:clrMapOvr>
-    <a:masterClrMapping/>
-  </p:clrMapOvr>
-  <p:timing>
-    <p:tnLst>
-      <p:par>
-        <p:cTn id="1" dur="indefinite" restart="never" nodeType="tmRoot"/>
-      </p:par>
-    </p:tnLst>
-  </p:timing>
-</p:sld>
-</file>
-
-<file path=ppt/slides/slide13.xml><?xml version="1.0" encoding="utf-8"?>
-<p:sld xmlns:a="http://schemas.openxmlformats.org/drawingml/2006/main" xmlns:r="http://schemas.openxmlformats.org/officeDocument/2006/relationships" xmlns:p="http://schemas.openxmlformats.org/presentationml/2006/main">
-  <p:cSld>
-    <p:spTree>
-      <p:nvGrpSpPr>
-        <p:cNvPr id="1" name=""/>
-        <p:cNvGrpSpPr/>
-        <p:nvPr/>
-      </p:nvGrpSpPr>
-      <p:grpSpPr>
-        <a:xfrm>
-          <a:off x="0" y="0"/>
-          <a:ext cx="0" cy="0"/>
-          <a:chOff x="0" y="0"/>
-          <a:chExt cx="0" cy="0"/>
-        </a:xfrm>
-      </p:grpSpPr>
-      <p:sp>
-        <p:nvSpPr>
-          <p:cNvPr id="5" name="Titel 4"/>
-          <p:cNvSpPr>
-            <a:spLocks noGrp="1"/>
-          </p:cNvSpPr>
-          <p:nvPr>
-            <p:ph type="title"/>
-          </p:nvPr>
-        </p:nvSpPr>
-        <p:spPr/>
-        <p:txBody>
-          <a:bodyPr>
-            <a:normAutofit/>
-          </a:bodyPr>
-          <a:lstStyle/>
-          <a:p>
-            <a:r>
-              <a:rPr lang="de-DE" smtClean="0"/>
-              <a:t>Weiterführende Literatur</a:t>
-            </a:r>
-            <a:endParaRPr lang="de-DE"/>
-          </a:p>
-        </p:txBody>
-      </p:sp>
-      <p:sp>
-        <p:nvSpPr>
-          <p:cNvPr id="6" name="Inhaltsplatzhalter 5"/>
-          <p:cNvSpPr>
-            <a:spLocks noGrp="1"/>
-          </p:cNvSpPr>
-          <p:nvPr>
-            <p:ph idx="1"/>
-          </p:nvPr>
-        </p:nvSpPr>
-        <p:spPr/>
-        <p:txBody>
-          <a:bodyPr>
-            <a:normAutofit/>
-          </a:bodyPr>
-          <a:lstStyle/>
-          <a:p>
-            <a:endParaRPr lang="de-DE" smtClean="0"/>
-          </a:p>
-        </p:txBody>
-      </p:sp>
-    </p:spTree>
-    <p:extLst>
-      <p:ext uri="{BB962C8B-B14F-4D97-AF65-F5344CB8AC3E}">
-        <p14:creationId xmlns:p14="http://schemas.microsoft.com/office/powerpoint/2010/main" val="1040511091"/>
       </p:ext>
     </p:extLst>
   </p:cSld>
@@ -8120,15 +12138,7 @@
           <a:p>
             <a:r>
               <a:rPr lang="de-DE" smtClean="0"/>
-              <a:t>Descartes </a:t>
-            </a:r>
-            <a:r>
-              <a:rPr lang="de-DE" smtClean="0"/>
-              <a:t>unerschütterliches Fundament: cogito ergo sum (und der Fluss der Zeit</a:t>
-            </a:r>
-            <a:r>
-              <a:rPr lang="de-DE" smtClean="0"/>
-              <a:t>?). Nennen wir es mal </a:t>
+              <a:t>Descartes unerschütterliches Fundament: cogito ergo sum (und der Fluss der Zeit?). Nennen wir es mal </a:t>
             </a:r>
             <a:r>
               <a:rPr lang="de-DE" i="1" smtClean="0"/>
@@ -8138,7 +12148,6 @@
               <a:rPr lang="de-DE" smtClean="0"/>
               <a:t>.</a:t>
             </a:r>
-            <a:endParaRPr lang="de-DE" smtClean="0"/>
           </a:p>
           <a:p>
             <a:r>
@@ -8165,6 +12174,208 @@
     <p:extLst>
       <p:ext uri="{BB962C8B-B14F-4D97-AF65-F5344CB8AC3E}">
         <p14:creationId xmlns:p14="http://schemas.microsoft.com/office/powerpoint/2010/main" val="43100039"/>
+      </p:ext>
+    </p:extLst>
+  </p:cSld>
+  <p:clrMapOvr>
+    <a:masterClrMapping/>
+  </p:clrMapOvr>
+  <p:timing>
+    <p:tnLst>
+      <p:par>
+        <p:cTn id="1" dur="indefinite" restart="never" nodeType="tmRoot"/>
+      </p:par>
+    </p:tnLst>
+  </p:timing>
+</p:sld>
+</file>
+
+<file path=ppt/slides/slide20.xml><?xml version="1.0" encoding="utf-8"?>
+<p:sld xmlns:a="http://schemas.openxmlformats.org/drawingml/2006/main" xmlns:r="http://schemas.openxmlformats.org/officeDocument/2006/relationships" xmlns:p="http://schemas.openxmlformats.org/presentationml/2006/main">
+  <p:cSld>
+    <p:spTree>
+      <p:nvGrpSpPr>
+        <p:cNvPr id="1" name=""/>
+        <p:cNvGrpSpPr/>
+        <p:nvPr/>
+      </p:nvGrpSpPr>
+      <p:grpSpPr>
+        <a:xfrm>
+          <a:off x="0" y="0"/>
+          <a:ext cx="0" cy="0"/>
+          <a:chOff x="0" y="0"/>
+          <a:chExt cx="0" cy="0"/>
+        </a:xfrm>
+      </p:grpSpPr>
+      <p:sp>
+        <p:nvSpPr>
+          <p:cNvPr id="5" name="Titel 4"/>
+          <p:cNvSpPr>
+            <a:spLocks noGrp="1"/>
+          </p:cNvSpPr>
+          <p:nvPr>
+            <p:ph type="title"/>
+          </p:nvPr>
+        </p:nvSpPr>
+        <p:spPr/>
+        <p:txBody>
+          <a:bodyPr>
+            <a:normAutofit/>
+          </a:bodyPr>
+          <a:lstStyle/>
+          <a:p>
+            <a:r>
+              <a:rPr lang="de-DE" smtClean="0"/>
+              <a:t>Quantenrechner</a:t>
+            </a:r>
+            <a:endParaRPr lang="de-DE"/>
+          </a:p>
+        </p:txBody>
+      </p:sp>
+      <p:sp>
+        <p:nvSpPr>
+          <p:cNvPr id="6" name="Inhaltsplatzhalter 5"/>
+          <p:cNvSpPr>
+            <a:spLocks noGrp="1"/>
+          </p:cNvSpPr>
+          <p:nvPr>
+            <p:ph idx="1"/>
+          </p:nvPr>
+        </p:nvSpPr>
+        <p:spPr/>
+        <p:txBody>
+          <a:bodyPr>
+            <a:normAutofit fontScale="77500" lnSpcReduction="20000"/>
+          </a:bodyPr>
+          <a:lstStyle/>
+          <a:p>
+            <a:r>
+              <a:rPr lang="de-DE" smtClean="0"/>
+              <a:t>Klassische Informationstheorie: Information und Entropie nach Shannon</a:t>
+            </a:r>
+          </a:p>
+          <a:p>
+            <a:r>
+              <a:rPr lang="de-DE" smtClean="0"/>
+              <a:t>[Das Problem des Kontinuums mit der Information, die Willkür der Einteilung, absolute Information durch schwarze Löcher?]</a:t>
+            </a:r>
+          </a:p>
+          <a:p>
+            <a:r>
+              <a:rPr lang="de-DE" smtClean="0"/>
+              <a:t>Q-Bit als kleinste sinnvolle Einheit, die Beziehung zwischen Q-Bit und klassischem Bit</a:t>
+            </a:r>
+          </a:p>
+          <a:p>
+            <a:r>
+              <a:rPr lang="de-DE" smtClean="0"/>
+              <a:t>Q-Bit Beispiele (es gibt auch Q-Trits, …)</a:t>
+            </a:r>
+          </a:p>
+          <a:p>
+            <a:r>
+              <a:rPr lang="de-DE" smtClean="0"/>
+              <a:t>Produkträume von Q-Bits und unitäre Zeitentwicklung = Quantenrechner</a:t>
+            </a:r>
+          </a:p>
+          <a:p>
+            <a:r>
+              <a:rPr lang="de-DE" smtClean="0"/>
+              <a:t>In etwa bis zur Hälfte von https://quantiki.org/wiki/basic-concepts-quantum-computation</a:t>
+            </a:r>
+          </a:p>
+          <a:p>
+            <a:endParaRPr lang="de-DE" smtClean="0"/>
+          </a:p>
+        </p:txBody>
+      </p:sp>
+    </p:spTree>
+    <p:extLst>
+      <p:ext uri="{BB962C8B-B14F-4D97-AF65-F5344CB8AC3E}">
+        <p14:creationId xmlns:p14="http://schemas.microsoft.com/office/powerpoint/2010/main" val="1223933892"/>
+      </p:ext>
+    </p:extLst>
+  </p:cSld>
+  <p:clrMapOvr>
+    <a:masterClrMapping/>
+  </p:clrMapOvr>
+  <p:timing>
+    <p:tnLst>
+      <p:par>
+        <p:cTn id="1" dur="indefinite" restart="never" nodeType="tmRoot"/>
+      </p:par>
+    </p:tnLst>
+  </p:timing>
+</p:sld>
+</file>
+
+<file path=ppt/slides/slide21.xml><?xml version="1.0" encoding="utf-8"?>
+<p:sld xmlns:a="http://schemas.openxmlformats.org/drawingml/2006/main" xmlns:r="http://schemas.openxmlformats.org/officeDocument/2006/relationships" xmlns:p="http://schemas.openxmlformats.org/presentationml/2006/main">
+  <p:cSld>
+    <p:spTree>
+      <p:nvGrpSpPr>
+        <p:cNvPr id="1" name=""/>
+        <p:cNvGrpSpPr/>
+        <p:nvPr/>
+      </p:nvGrpSpPr>
+      <p:grpSpPr>
+        <a:xfrm>
+          <a:off x="0" y="0"/>
+          <a:ext cx="0" cy="0"/>
+          <a:chOff x="0" y="0"/>
+          <a:chExt cx="0" cy="0"/>
+        </a:xfrm>
+      </p:grpSpPr>
+      <p:sp>
+        <p:nvSpPr>
+          <p:cNvPr id="5" name="Titel 4"/>
+          <p:cNvSpPr>
+            <a:spLocks noGrp="1"/>
+          </p:cNvSpPr>
+          <p:nvPr>
+            <p:ph type="title"/>
+          </p:nvPr>
+        </p:nvSpPr>
+        <p:spPr/>
+        <p:txBody>
+          <a:bodyPr>
+            <a:normAutofit/>
+          </a:bodyPr>
+          <a:lstStyle/>
+          <a:p>
+            <a:r>
+              <a:rPr lang="de-DE" smtClean="0"/>
+              <a:t>Weiterführende Literatur</a:t>
+            </a:r>
+            <a:endParaRPr lang="de-DE"/>
+          </a:p>
+        </p:txBody>
+      </p:sp>
+      <p:sp>
+        <p:nvSpPr>
+          <p:cNvPr id="6" name="Inhaltsplatzhalter 5"/>
+          <p:cNvSpPr>
+            <a:spLocks noGrp="1"/>
+          </p:cNvSpPr>
+          <p:nvPr>
+            <p:ph idx="1"/>
+          </p:nvPr>
+        </p:nvSpPr>
+        <p:spPr/>
+        <p:txBody>
+          <a:bodyPr>
+            <a:normAutofit/>
+          </a:bodyPr>
+          <a:lstStyle/>
+          <a:p>
+            <a:endParaRPr lang="de-DE" smtClean="0"/>
+          </a:p>
+        </p:txBody>
+      </p:sp>
+    </p:spTree>
+    <p:extLst>
+      <p:ext uri="{BB962C8B-B14F-4D97-AF65-F5344CB8AC3E}">
+        <p14:creationId xmlns:p14="http://schemas.microsoft.com/office/powerpoint/2010/main" val="1040511091"/>
       </p:ext>
     </p:extLst>
   </p:cSld>
@@ -8249,25 +12460,32 @@
               <a:rPr lang="de-DE" sz="2400" smtClean="0"/>
               <a:t>Das räumliche Abgrenzungsproblem: wo höre ich auf? Welche Bakterien gehören noch zu mir und welche nicht?</a:t>
             </a:r>
+          </a:p>
+          <a:p>
+            <a:r>
+              <a:rPr lang="de-DE" sz="2400" smtClean="0"/>
+              <a:t>Das zeitliche Abgrenzungsproblem: bin ich wirklich geboren worden oder habe ich mich allmählich herauskristallisiert? Wieviele Ichs ist ein Säugling</a:t>
+            </a:r>
+            <a:r>
+              <a:rPr lang="de-DE" sz="2400" smtClean="0"/>
+              <a:t>? Null?</a:t>
+            </a:r>
             <a:endParaRPr lang="de-DE" sz="2400" smtClean="0"/>
-          </a:p>
-          <a:p>
-            <a:r>
-              <a:rPr lang="de-DE" sz="2400" smtClean="0"/>
-              <a:t>Das zeitliche Abgrenzungsproblem: bin ich wirklich geboren worden oder habe ich mich allmählich herauskristallisiert? Wieviele Ichs ist ein Säugling?</a:t>
-            </a:r>
           </a:p>
           <a:p>
             <a:r>
               <a:rPr lang="de-DE" sz="2400" smtClean="0"/>
               <a:t>Multiple Persönlichkeiten: warum sollen sie Gestörte sein?</a:t>
             </a:r>
-            <a:endParaRPr lang="de-DE" sz="2400" smtClean="0"/>
           </a:p>
           <a:p>
             <a:r>
               <a:rPr lang="de-DE" sz="2400" smtClean="0"/>
-              <a:t>Zeitlich Abgrenzung am Ende: </a:t>
+              <a:t>Zeitliche </a:t>
+            </a:r>
+            <a:r>
+              <a:rPr lang="de-DE" sz="2400" smtClean="0"/>
+              <a:t>Abgrenzung am Ende: </a:t>
             </a:r>
             <a:r>
               <a:rPr lang="de-DE" sz="2400" i="1" smtClean="0"/>
@@ -8275,11 +12493,7 @@
             </a:r>
             <a:r>
               <a:rPr lang="de-DE" sz="2400" i="1"/>
-              <a:t>Sage uns, wie unser Ende sein </a:t>
-            </a:r>
-            <a:r>
-              <a:rPr lang="de-DE" sz="2400" i="1"/>
-              <a:t>wird</a:t>
+              <a:t>Sage uns, wie unser Ende sein wird</a:t>
             </a:r>
             <a:r>
               <a:rPr lang="de-DE" sz="2400" i="1" smtClean="0"/>
@@ -8287,11 +12501,7 @@
             </a:r>
             <a:r>
               <a:rPr lang="de-DE" sz="2400" i="1"/>
-              <a:t>sprach: „Habt ihr denn schon den Anfang entdeckt, daß ihr </a:t>
-            </a:r>
-            <a:r>
-              <a:rPr lang="de-DE" sz="2400" i="1"/>
-              <a:t>nach </a:t>
+              <a:t>sprach: „Habt ihr denn schon den Anfang entdeckt, daß ihr nach </a:t>
             </a:r>
             <a:r>
               <a:rPr lang="de-DE" sz="2400" i="1" smtClean="0"/>
@@ -8299,11 +12509,7 @@
             </a:r>
             <a:r>
               <a:rPr lang="de-DE" sz="2400" i="1"/>
-              <a:t>fragt? Denn dort, wo der Anfang ist, dort wird auch das </a:t>
-            </a:r>
-            <a:r>
-              <a:rPr lang="de-DE" sz="2400" i="1"/>
-              <a:t>Ende </a:t>
+              <a:t>fragt? Denn dort, wo der Anfang ist, dort wird auch das Ende </a:t>
             </a:r>
             <a:r>
               <a:rPr lang="de-DE" sz="2400" i="1" smtClean="0"/>
@@ -8322,11 +12528,7 @@
             </a:br>
             <a:r>
               <a:rPr lang="de-DE" sz="2400" i="1"/>
-              <a:t>Tod nicht </a:t>
-            </a:r>
-            <a:r>
-              <a:rPr lang="de-DE" sz="2400" i="1"/>
-              <a:t>schmecken</a:t>
+              <a:t>Tod nicht schmecken</a:t>
             </a:r>
             <a:r>
               <a:rPr lang="de-DE" sz="2400" i="1" smtClean="0"/>
@@ -8336,9 +12538,16 @@
           <a:p>
             <a:r>
               <a:rPr lang="de-DE" sz="2400" smtClean="0"/>
-              <a:t>Entsteht Geist aus Lego-Baussteinen? „creatio ex nihilo“?</a:t>
-            </a:r>
-            <a:endParaRPr lang="de-DE" sz="2400" smtClean="0"/>
+              <a:t>Entsteht Geist aus </a:t>
+            </a:r>
+            <a:r>
+              <a:rPr lang="de-DE" sz="2400" smtClean="0"/>
+              <a:t>Lego-Bausteinen</a:t>
+            </a:r>
+            <a:r>
+              <a:rPr lang="de-DE" sz="2400" smtClean="0"/>
+              <a:t>? „creatio ex nihilo“?</a:t>
+            </a:r>
           </a:p>
         </p:txBody>
       </p:sp>
@@ -8417,7 +12626,7 @@
         <p:spPr/>
         <p:txBody>
           <a:bodyPr>
-            <a:normAutofit fontScale="92500" lnSpcReduction="20000"/>
+            <a:normAutofit fontScale="85000" lnSpcReduction="10000"/>
           </a:bodyPr>
           <a:lstStyle/>
           <a:p>
@@ -8429,8 +12638,17 @@
           <a:p>
             <a:r>
               <a:rPr lang="de-DE" smtClean="0"/>
-              <a:t>Erzeugt Information durch ihr zerhackendes Schubladenprinzip (-&gt; extra Thema, später)</a:t>
-            </a:r>
+              <a:t>Erzeugt Information durch ihr zerhackendes </a:t>
+            </a:r>
+            <a:r>
+              <a:rPr lang="de-DE" smtClean="0"/>
+              <a:t>Schubladenprinzip. Aber Heraklit mahnt: </a:t>
+            </a:r>
+            <a:r>
+              <a:rPr lang="de-DE" i="1" smtClean="0"/>
+              <a:t>Man kann nicht zweimal in denselben Fluss steigen.</a:t>
+            </a:r>
+            <a:endParaRPr lang="de-DE" i="1" smtClean="0"/>
           </a:p>
           <a:p>
             <a:r>
@@ -8439,11 +12657,7 @@
             </a:r>
             <a:r>
               <a:rPr lang="de-DE" i="1"/>
-              <a:t>Ich nenne daher unsere Umgangssprache gerne die „</a:t>
-            </a:r>
-            <a:r>
-              <a:rPr lang="de-DE" i="1"/>
-              <a:t>Apfel-Pflück-Sprache</a:t>
+              <a:t>Ich nenne daher unsere Umgangssprache gerne die „Apfel-Pflück-Sprache</a:t>
             </a:r>
             <a:r>
               <a:rPr lang="de-DE" i="1" smtClean="0"/>
@@ -8453,7 +12667,15 @@
           <a:p>
             <a:r>
               <a:rPr lang="de-DE" smtClean="0"/>
-              <a:t>Sie ist nicht zum Zweck der Erkenntnisfindung erfunden worden sondern zum Überleben. Deswegen vertrauen wir ihr so sehr.</a:t>
+              <a:t>Sie ist nicht zum Zweck der Erkenntnisfindung erfunden </a:t>
+            </a:r>
+            <a:r>
+              <a:rPr lang="de-DE" smtClean="0"/>
+              <a:t>worden, </a:t>
+            </a:r>
+            <a:r>
+              <a:rPr lang="de-DE" smtClean="0"/>
+              <a:t>sondern zum Überleben. Deswegen vertrauen wir ihr so sehr.</a:t>
             </a:r>
           </a:p>
           <a:p>
@@ -8469,7 +12691,6 @@
               <a:rPr lang="de-DE" smtClean="0"/>
               <a:t>).</a:t>
             </a:r>
-            <a:endParaRPr lang="de-DE" smtClean="0"/>
           </a:p>
         </p:txBody>
       </p:sp>
@@ -8529,7 +12750,7 @@
           <a:p>
             <a:r>
               <a:rPr lang="de-DE" smtClean="0"/>
-              <a:t>Freunde sind schlecht?</a:t>
+              <a:t>Das Mysterium von Lust &amp; Schmerz</a:t>
             </a:r>
             <a:endParaRPr lang="de-DE"/>
           </a:p>
@@ -8548,47 +12769,210 @@
         <p:spPr/>
         <p:txBody>
           <a:bodyPr>
+            <a:normAutofit/>
+          </a:bodyPr>
+          <a:lstStyle/>
+          <a:p>
+            <a:endParaRPr lang="de-DE" smtClean="0"/>
+          </a:p>
+          <a:p>
+            <a:endParaRPr lang="de-DE" smtClean="0"/>
+          </a:p>
+        </p:txBody>
+      </p:sp>
+      <p:sp>
+        <p:nvSpPr>
+          <p:cNvPr id="4" name="Inhaltsplatzhalter 5"/>
+          <p:cNvSpPr txBox="1">
+            <a:spLocks/>
+          </p:cNvSpPr>
+          <p:nvPr/>
+        </p:nvSpPr>
+        <p:spPr>
+          <a:xfrm>
+            <a:off x="609600" y="1752600"/>
+            <a:ext cx="8229600" cy="4525963"/>
+          </a:xfrm>
+          <a:prstGeom prst="rect">
+            <a:avLst/>
+          </a:prstGeom>
+        </p:spPr>
+        <p:txBody>
+          <a:bodyPr vert="horz" lIns="91440" tIns="45720" rIns="91440" bIns="45720" rtlCol="0">
             <a:normAutofit fontScale="92500" lnSpcReduction="10000"/>
           </a:bodyPr>
-          <a:lstStyle/>
-          <a:p>
-            <a:r>
-              <a:rPr lang="de-DE" smtClean="0"/>
-              <a:t>Die stabilisierende Wirkung der sozialen Umgebung</a:t>
-            </a:r>
-          </a:p>
-          <a:p>
-            <a:r>
-              <a:rPr lang="de-DE" smtClean="0"/>
-              <a:t>Die Verzweiflung des Einsamen: wenn niemand da ist, der einen bestätigt</a:t>
-            </a:r>
-          </a:p>
-          <a:p>
-            <a:r>
-              <a:rPr lang="de-DE" smtClean="0"/>
-              <a:t>Praxis im alten Indien: gehe in den Wald!</a:t>
-            </a:r>
-          </a:p>
-          <a:p>
-            <a:r>
-              <a:rPr lang="de-DE" smtClean="0"/>
-              <a:t>Gute Bücher sind auch Freunde</a:t>
-            </a:r>
-          </a:p>
-          <a:p>
-            <a:r>
-              <a:rPr lang="de-DE" smtClean="0"/>
-              <a:t>Wieso Genies und Wahnsinnige von meinem Standpunkt aus verwechselbar sein können</a:t>
-            </a:r>
-          </a:p>
-          <a:p>
-            <a:r>
-              <a:rPr lang="de-DE" smtClean="0"/>
-              <a:t>Das Ende: der Altersstarrsinn</a:t>
-            </a:r>
-            <a:endParaRPr lang="de-DE" smtClean="0"/>
-          </a:p>
-          <a:p>
+          <a:lstStyle>
+            <a:lvl1pPr marL="342900" indent="-342900" algn="l" defTabSz="914400" rtl="0" eaLnBrk="1" latinLnBrk="0" hangingPunct="1">
+              <a:spcBef>
+                <a:spcPct val="20000"/>
+              </a:spcBef>
+              <a:buFont typeface="Arial" pitchFamily="34" charset="0"/>
+              <a:buChar char="•"/>
+              <a:defRPr sz="3200" kern="1200">
+                <a:solidFill>
+                  <a:schemeClr val="tx1"/>
+                </a:solidFill>
+                <a:latin typeface="+mn-lt"/>
+                <a:ea typeface="+mn-ea"/>
+                <a:cs typeface="+mn-cs"/>
+              </a:defRPr>
+            </a:lvl1pPr>
+            <a:lvl2pPr marL="742950" indent="-285750" algn="l" defTabSz="914400" rtl="0" eaLnBrk="1" latinLnBrk="0" hangingPunct="1">
+              <a:spcBef>
+                <a:spcPct val="20000"/>
+              </a:spcBef>
+              <a:buFont typeface="Arial" pitchFamily="34" charset="0"/>
+              <a:buChar char="–"/>
+              <a:defRPr sz="2800" kern="1200">
+                <a:solidFill>
+                  <a:schemeClr val="tx1"/>
+                </a:solidFill>
+                <a:latin typeface="+mn-lt"/>
+                <a:ea typeface="+mn-ea"/>
+                <a:cs typeface="+mn-cs"/>
+              </a:defRPr>
+            </a:lvl2pPr>
+            <a:lvl3pPr marL="1143000" indent="-228600" algn="l" defTabSz="914400" rtl="0" eaLnBrk="1" latinLnBrk="0" hangingPunct="1">
+              <a:spcBef>
+                <a:spcPct val="20000"/>
+              </a:spcBef>
+              <a:buFont typeface="Arial" pitchFamily="34" charset="0"/>
+              <a:buChar char="•"/>
+              <a:defRPr sz="2400" kern="1200">
+                <a:solidFill>
+                  <a:schemeClr val="tx1"/>
+                </a:solidFill>
+                <a:latin typeface="+mn-lt"/>
+                <a:ea typeface="+mn-ea"/>
+                <a:cs typeface="+mn-cs"/>
+              </a:defRPr>
+            </a:lvl3pPr>
+            <a:lvl4pPr marL="1600200" indent="-228600" algn="l" defTabSz="914400" rtl="0" eaLnBrk="1" latinLnBrk="0" hangingPunct="1">
+              <a:spcBef>
+                <a:spcPct val="20000"/>
+              </a:spcBef>
+              <a:buFont typeface="Arial" pitchFamily="34" charset="0"/>
+              <a:buChar char="–"/>
+              <a:defRPr sz="2000" kern="1200">
+                <a:solidFill>
+                  <a:schemeClr val="tx1"/>
+                </a:solidFill>
+                <a:latin typeface="+mn-lt"/>
+                <a:ea typeface="+mn-ea"/>
+                <a:cs typeface="+mn-cs"/>
+              </a:defRPr>
+            </a:lvl4pPr>
+            <a:lvl5pPr marL="2057400" indent="-228600" algn="l" defTabSz="914400" rtl="0" eaLnBrk="1" latinLnBrk="0" hangingPunct="1">
+              <a:spcBef>
+                <a:spcPct val="20000"/>
+              </a:spcBef>
+              <a:buFont typeface="Arial" pitchFamily="34" charset="0"/>
+              <a:buChar char="»"/>
+              <a:defRPr sz="2000" kern="1200">
+                <a:solidFill>
+                  <a:schemeClr val="tx1"/>
+                </a:solidFill>
+                <a:latin typeface="+mn-lt"/>
+                <a:ea typeface="+mn-ea"/>
+                <a:cs typeface="+mn-cs"/>
+              </a:defRPr>
+            </a:lvl5pPr>
+            <a:lvl6pPr marL="2514600" indent="-228600" algn="l" defTabSz="914400" rtl="0" eaLnBrk="1" latinLnBrk="0" hangingPunct="1">
+              <a:spcBef>
+                <a:spcPct val="20000"/>
+              </a:spcBef>
+              <a:buFont typeface="Arial" pitchFamily="34" charset="0"/>
+              <a:buChar char="•"/>
+              <a:defRPr sz="2000" kern="1200">
+                <a:solidFill>
+                  <a:schemeClr val="tx1"/>
+                </a:solidFill>
+                <a:latin typeface="+mn-lt"/>
+                <a:ea typeface="+mn-ea"/>
+                <a:cs typeface="+mn-cs"/>
+              </a:defRPr>
+            </a:lvl6pPr>
+            <a:lvl7pPr marL="2971800" indent="-228600" algn="l" defTabSz="914400" rtl="0" eaLnBrk="1" latinLnBrk="0" hangingPunct="1">
+              <a:spcBef>
+                <a:spcPct val="20000"/>
+              </a:spcBef>
+              <a:buFont typeface="Arial" pitchFamily="34" charset="0"/>
+              <a:buChar char="•"/>
+              <a:defRPr sz="2000" kern="1200">
+                <a:solidFill>
+                  <a:schemeClr val="tx1"/>
+                </a:solidFill>
+                <a:latin typeface="+mn-lt"/>
+                <a:ea typeface="+mn-ea"/>
+                <a:cs typeface="+mn-cs"/>
+              </a:defRPr>
+            </a:lvl7pPr>
+            <a:lvl8pPr marL="3429000" indent="-228600" algn="l" defTabSz="914400" rtl="0" eaLnBrk="1" latinLnBrk="0" hangingPunct="1">
+              <a:spcBef>
+                <a:spcPct val="20000"/>
+              </a:spcBef>
+              <a:buFont typeface="Arial" pitchFamily="34" charset="0"/>
+              <a:buChar char="•"/>
+              <a:defRPr sz="2000" kern="1200">
+                <a:solidFill>
+                  <a:schemeClr val="tx1"/>
+                </a:solidFill>
+                <a:latin typeface="+mn-lt"/>
+                <a:ea typeface="+mn-ea"/>
+                <a:cs typeface="+mn-cs"/>
+              </a:defRPr>
+            </a:lvl8pPr>
+            <a:lvl9pPr marL="3886200" indent="-228600" algn="l" defTabSz="914400" rtl="0" eaLnBrk="1" latinLnBrk="0" hangingPunct="1">
+              <a:spcBef>
+                <a:spcPct val="20000"/>
+              </a:spcBef>
+              <a:buFont typeface="Arial" pitchFamily="34" charset="0"/>
+              <a:buChar char="•"/>
+              <a:defRPr sz="2000" kern="1200">
+                <a:solidFill>
+                  <a:schemeClr val="tx1"/>
+                </a:solidFill>
+                <a:latin typeface="+mn-lt"/>
+                <a:ea typeface="+mn-ea"/>
+                <a:cs typeface="+mn-cs"/>
+              </a:defRPr>
+            </a:lvl9pPr>
+          </a:lstStyle>
+          <a:p>
+            <a:r>
+              <a:rPr lang="de-DE" smtClean="0"/>
+              <a:t>Bewusstsein kein Problem, ist halt einfach da</a:t>
+            </a:r>
+          </a:p>
+          <a:p>
+            <a:r>
+              <a:rPr lang="de-DE" smtClean="0"/>
+              <a:t>Empfindungen, Erscheinungen vor dem Bewusstsein: kein Problem</a:t>
+            </a:r>
+          </a:p>
+          <a:p>
+            <a:r>
+              <a:rPr lang="de-DE" smtClean="0"/>
+              <a:t>Warum sind aber manche davon Lust und andere Schmerz? </a:t>
+            </a:r>
+          </a:p>
+          <a:p>
+            <a:r>
+              <a:rPr lang="de-DE" smtClean="0"/>
+              <a:t>Wieso für den einen dies Lust und für den anderen dies Schmerz? </a:t>
+            </a:r>
+          </a:p>
+          <a:p>
+            <a:r>
+              <a:rPr lang="de-DE" smtClean="0"/>
+              <a:t>Wieso heute Lust und morgen dasselbe Schmerz?</a:t>
+            </a:r>
+          </a:p>
+          <a:p>
+            <a:r>
+              <a:rPr lang="de-DE" smtClean="0"/>
+              <a:t>Dadurch wird der Wille geleitet.</a:t>
+            </a:r>
             <a:endParaRPr lang="de-DE" smtClean="0"/>
           </a:p>
         </p:txBody>
@@ -8596,7 +12980,7 @@
     </p:spTree>
     <p:extLst>
       <p:ext uri="{BB962C8B-B14F-4D97-AF65-F5344CB8AC3E}">
-        <p14:creationId xmlns:p14="http://schemas.microsoft.com/office/powerpoint/2010/main" val="462082089"/>
+        <p14:creationId xmlns:p14="http://schemas.microsoft.com/office/powerpoint/2010/main" val="2261870761"/>
       </p:ext>
     </p:extLst>
   </p:cSld>
@@ -8649,7 +13033,7 @@
           <a:p>
             <a:r>
               <a:rPr lang="de-DE" smtClean="0"/>
-              <a:t>Ethik - was sollen wir tun?</a:t>
+              <a:t>Freunde sind schlecht?</a:t>
             </a:r>
             <a:endParaRPr lang="de-DE"/>
           </a:p>
@@ -8668,210 +13052,55 @@
         <p:spPr/>
         <p:txBody>
           <a:bodyPr>
-            <a:normAutofit/>
+            <a:normAutofit fontScale="92500" lnSpcReduction="10000"/>
           </a:bodyPr>
           <a:lstStyle/>
           <a:p>
+            <a:r>
+              <a:rPr lang="de-DE" smtClean="0"/>
+              <a:t>Die stabilisierende Wirkung der sozialen Umgebung</a:t>
+            </a:r>
+          </a:p>
+          <a:p>
+            <a:r>
+              <a:rPr lang="de-DE" smtClean="0"/>
+              <a:t>Die Verzweiflung des Einsamen: wenn niemand da ist, der einen bestätigt</a:t>
+            </a:r>
+          </a:p>
+          <a:p>
+            <a:r>
+              <a:rPr lang="de-DE" smtClean="0"/>
+              <a:t>Praxis im alten Indien: gehe in den Wald!</a:t>
+            </a:r>
+          </a:p>
+          <a:p>
+            <a:r>
+              <a:rPr lang="de-DE" smtClean="0"/>
+              <a:t>Gute Bücher sind auch Freunde</a:t>
+            </a:r>
+          </a:p>
+          <a:p>
+            <a:r>
+              <a:rPr lang="de-DE" smtClean="0"/>
+              <a:t>Wieso Genies und Wahnsinnige </a:t>
+            </a:r>
+            <a:r>
+              <a:rPr lang="de-DE" smtClean="0"/>
+              <a:t>verwechselbar sind</a:t>
+            </a:r>
             <a:endParaRPr lang="de-DE" smtClean="0"/>
           </a:p>
           <a:p>
-            <a:endParaRPr lang="de-DE" smtClean="0"/>
-          </a:p>
-        </p:txBody>
-      </p:sp>
-      <p:sp>
-        <p:nvSpPr>
-          <p:cNvPr id="4" name="Inhaltsplatzhalter 5"/>
-          <p:cNvSpPr txBox="1">
-            <a:spLocks/>
-          </p:cNvSpPr>
-          <p:nvPr/>
-        </p:nvSpPr>
-        <p:spPr>
-          <a:xfrm>
-            <a:off x="609600" y="1752600"/>
-            <a:ext cx="8229600" cy="4525963"/>
-          </a:xfrm>
-          <a:prstGeom prst="rect">
-            <a:avLst/>
-          </a:prstGeom>
-        </p:spPr>
-        <p:txBody>
-          <a:bodyPr vert="horz" lIns="91440" tIns="45720" rIns="91440" bIns="45720" rtlCol="0">
-            <a:normAutofit fontScale="85000" lnSpcReduction="10000"/>
-          </a:bodyPr>
-          <a:lstStyle>
-            <a:lvl1pPr marL="342900" indent="-342900" algn="l" defTabSz="914400" rtl="0" eaLnBrk="1" latinLnBrk="0" hangingPunct="1">
-              <a:spcBef>
-                <a:spcPct val="20000"/>
-              </a:spcBef>
-              <a:buFont typeface="Arial" pitchFamily="34" charset="0"/>
-              <a:buChar char="•"/>
-              <a:defRPr sz="3200" kern="1200">
-                <a:solidFill>
-                  <a:schemeClr val="tx1"/>
-                </a:solidFill>
-                <a:latin typeface="+mn-lt"/>
-                <a:ea typeface="+mn-ea"/>
-                <a:cs typeface="+mn-cs"/>
-              </a:defRPr>
-            </a:lvl1pPr>
-            <a:lvl2pPr marL="742950" indent="-285750" algn="l" defTabSz="914400" rtl="0" eaLnBrk="1" latinLnBrk="0" hangingPunct="1">
-              <a:spcBef>
-                <a:spcPct val="20000"/>
-              </a:spcBef>
-              <a:buFont typeface="Arial" pitchFamily="34" charset="0"/>
-              <a:buChar char="–"/>
-              <a:defRPr sz="2800" kern="1200">
-                <a:solidFill>
-                  <a:schemeClr val="tx1"/>
-                </a:solidFill>
-                <a:latin typeface="+mn-lt"/>
-                <a:ea typeface="+mn-ea"/>
-                <a:cs typeface="+mn-cs"/>
-              </a:defRPr>
-            </a:lvl2pPr>
-            <a:lvl3pPr marL="1143000" indent="-228600" algn="l" defTabSz="914400" rtl="0" eaLnBrk="1" latinLnBrk="0" hangingPunct="1">
-              <a:spcBef>
-                <a:spcPct val="20000"/>
-              </a:spcBef>
-              <a:buFont typeface="Arial" pitchFamily="34" charset="0"/>
-              <a:buChar char="•"/>
-              <a:defRPr sz="2400" kern="1200">
-                <a:solidFill>
-                  <a:schemeClr val="tx1"/>
-                </a:solidFill>
-                <a:latin typeface="+mn-lt"/>
-                <a:ea typeface="+mn-ea"/>
-                <a:cs typeface="+mn-cs"/>
-              </a:defRPr>
-            </a:lvl3pPr>
-            <a:lvl4pPr marL="1600200" indent="-228600" algn="l" defTabSz="914400" rtl="0" eaLnBrk="1" latinLnBrk="0" hangingPunct="1">
-              <a:spcBef>
-                <a:spcPct val="20000"/>
-              </a:spcBef>
-              <a:buFont typeface="Arial" pitchFamily="34" charset="0"/>
-              <a:buChar char="–"/>
-              <a:defRPr sz="2000" kern="1200">
-                <a:solidFill>
-                  <a:schemeClr val="tx1"/>
-                </a:solidFill>
-                <a:latin typeface="+mn-lt"/>
-                <a:ea typeface="+mn-ea"/>
-                <a:cs typeface="+mn-cs"/>
-              </a:defRPr>
-            </a:lvl4pPr>
-            <a:lvl5pPr marL="2057400" indent="-228600" algn="l" defTabSz="914400" rtl="0" eaLnBrk="1" latinLnBrk="0" hangingPunct="1">
-              <a:spcBef>
-                <a:spcPct val="20000"/>
-              </a:spcBef>
-              <a:buFont typeface="Arial" pitchFamily="34" charset="0"/>
-              <a:buChar char="»"/>
-              <a:defRPr sz="2000" kern="1200">
-                <a:solidFill>
-                  <a:schemeClr val="tx1"/>
-                </a:solidFill>
-                <a:latin typeface="+mn-lt"/>
-                <a:ea typeface="+mn-ea"/>
-                <a:cs typeface="+mn-cs"/>
-              </a:defRPr>
-            </a:lvl5pPr>
-            <a:lvl6pPr marL="2514600" indent="-228600" algn="l" defTabSz="914400" rtl="0" eaLnBrk="1" latinLnBrk="0" hangingPunct="1">
-              <a:spcBef>
-                <a:spcPct val="20000"/>
-              </a:spcBef>
-              <a:buFont typeface="Arial" pitchFamily="34" charset="0"/>
-              <a:buChar char="•"/>
-              <a:defRPr sz="2000" kern="1200">
-                <a:solidFill>
-                  <a:schemeClr val="tx1"/>
-                </a:solidFill>
-                <a:latin typeface="+mn-lt"/>
-                <a:ea typeface="+mn-ea"/>
-                <a:cs typeface="+mn-cs"/>
-              </a:defRPr>
-            </a:lvl6pPr>
-            <a:lvl7pPr marL="2971800" indent="-228600" algn="l" defTabSz="914400" rtl="0" eaLnBrk="1" latinLnBrk="0" hangingPunct="1">
-              <a:spcBef>
-                <a:spcPct val="20000"/>
-              </a:spcBef>
-              <a:buFont typeface="Arial" pitchFamily="34" charset="0"/>
-              <a:buChar char="•"/>
-              <a:defRPr sz="2000" kern="1200">
-                <a:solidFill>
-                  <a:schemeClr val="tx1"/>
-                </a:solidFill>
-                <a:latin typeface="+mn-lt"/>
-                <a:ea typeface="+mn-ea"/>
-                <a:cs typeface="+mn-cs"/>
-              </a:defRPr>
-            </a:lvl7pPr>
-            <a:lvl8pPr marL="3429000" indent="-228600" algn="l" defTabSz="914400" rtl="0" eaLnBrk="1" latinLnBrk="0" hangingPunct="1">
-              <a:spcBef>
-                <a:spcPct val="20000"/>
-              </a:spcBef>
-              <a:buFont typeface="Arial" pitchFamily="34" charset="0"/>
-              <a:buChar char="•"/>
-              <a:defRPr sz="2000" kern="1200">
-                <a:solidFill>
-                  <a:schemeClr val="tx1"/>
-                </a:solidFill>
-                <a:latin typeface="+mn-lt"/>
-                <a:ea typeface="+mn-ea"/>
-                <a:cs typeface="+mn-cs"/>
-              </a:defRPr>
-            </a:lvl8pPr>
-            <a:lvl9pPr marL="3886200" indent="-228600" algn="l" defTabSz="914400" rtl="0" eaLnBrk="1" latinLnBrk="0" hangingPunct="1">
-              <a:spcBef>
-                <a:spcPct val="20000"/>
-              </a:spcBef>
-              <a:buFont typeface="Arial" pitchFamily="34" charset="0"/>
-              <a:buChar char="•"/>
-              <a:defRPr sz="2000" kern="1200">
-                <a:solidFill>
-                  <a:schemeClr val="tx1"/>
-                </a:solidFill>
-                <a:latin typeface="+mn-lt"/>
-                <a:ea typeface="+mn-ea"/>
-                <a:cs typeface="+mn-cs"/>
-              </a:defRPr>
-            </a:lvl9pPr>
-          </a:lstStyle>
-          <a:p>
-            <a:r>
-              <a:rPr lang="de-DE" smtClean="0"/>
-              <a:t>Die Bedeutung solcher Worte: gut, schlecht, schön, häßlich</a:t>
-            </a:r>
-          </a:p>
-          <a:p>
-            <a:r>
-              <a:rPr lang="de-DE" smtClean="0"/>
-              <a:t>Der Wille verschiedener Formen: Steine (Schopenhauer, Animismus), Bakterien, Pflanzen, Menschen, Vereine, Kirchen, Staaten. Daraus die Konflikte und die verschiedenen gut &amp; schlecht.</a:t>
-            </a:r>
-          </a:p>
-          <a:p>
-            <a:r>
-              <a:rPr lang="de-DE" smtClean="0"/>
-              <a:t>Löst der kategorische Imperativ das Problem?</a:t>
-            </a:r>
-          </a:p>
-          <a:p>
-            <a:r>
-              <a:rPr lang="de-DE" smtClean="0"/>
-              <a:t>Der Sinn des Lebens</a:t>
-            </a:r>
-          </a:p>
-          <a:p>
-            <a:r>
-              <a:rPr lang="de-DE" smtClean="0"/>
-              <a:t>Die Lösung der Theodizee</a:t>
-            </a:r>
-          </a:p>
-          <a:p>
-            <a:r>
-              <a:rPr lang="de-DE" smtClean="0"/>
-              <a:t>Als Trost: die vorübergehenden Momente der Liebe</a:t>
-            </a:r>
+            <a:r>
+              <a:rPr lang="de-DE" smtClean="0"/>
+              <a:t>Am </a:t>
+            </a:r>
+            <a:r>
+              <a:rPr lang="de-DE" smtClean="0"/>
+              <a:t>Ende: der Altersstarrsinn</a:t>
+            </a:r>
+          </a:p>
+          <a:p>
             <a:endParaRPr lang="de-DE" smtClean="0"/>
           </a:p>
         </p:txBody>
@@ -8879,7 +13108,7 @@
     </p:spTree>
     <p:extLst>
       <p:ext uri="{BB962C8B-B14F-4D97-AF65-F5344CB8AC3E}">
-        <p14:creationId xmlns:p14="http://schemas.microsoft.com/office/powerpoint/2010/main" val="2784933244"/>
+        <p14:creationId xmlns:p14="http://schemas.microsoft.com/office/powerpoint/2010/main" val="462082089"/>
       </p:ext>
     </p:extLst>
   </p:cSld>
@@ -8926,13 +13155,13 @@
         <p:spPr/>
         <p:txBody>
           <a:bodyPr>
-            <a:normAutofit fontScale="90000"/>
+            <a:normAutofit/>
           </a:bodyPr>
           <a:lstStyle/>
           <a:p>
             <a:r>
               <a:rPr lang="de-DE" smtClean="0"/>
-              <a:t>Warum ist Quantentheorie schwierig?</a:t>
+              <a:t>Die Formung</a:t>
             </a:r>
             <a:endParaRPr lang="de-DE"/>
           </a:p>
@@ -8950,36 +13179,221 @@
         </p:nvSpPr>
         <p:spPr/>
         <p:txBody>
-          <a:bodyPr/>
+          <a:bodyPr>
+            <a:normAutofit/>
+          </a:bodyPr>
           <a:lstStyle/>
           <a:p>
-            <a:r>
-              <a:rPr lang="de-DE" strike="sngStrike" smtClean="0"/>
-              <a:t>Man braucht etwas Mathematik, aber auch nicht schwieriger als sonst.</a:t>
-            </a:r>
-            <a:r>
-              <a:rPr lang="de-DE" smtClean="0"/>
-              <a:t> Deswegen nicht!</a:t>
-            </a:r>
-          </a:p>
-          <a:p>
-            <a:r>
-              <a:rPr lang="de-DE" smtClean="0"/>
-              <a:t>Die Wirklichkeit richtet sich nicht nach unseren Vorstellungen!</a:t>
-            </a:r>
-          </a:p>
-          <a:p>
-            <a:r>
-              <a:rPr lang="de-DE" smtClean="0"/>
-              <a:t>Die QT ist deutlich näher an der Wirklichkeit als unsere Alltagsvorstellungen, aber unsere Alltagsvorstellungen sind weit entfernt von QT und Wirklichkeit.</a:t>
-            </a:r>
+            <a:endParaRPr lang="de-DE" smtClean="0"/>
+          </a:p>
+          <a:p>
+            <a:endParaRPr lang="de-DE" smtClean="0"/>
+          </a:p>
+        </p:txBody>
+      </p:sp>
+      <p:sp>
+        <p:nvSpPr>
+          <p:cNvPr id="4" name="Inhaltsplatzhalter 5"/>
+          <p:cNvSpPr txBox="1">
+            <a:spLocks/>
+          </p:cNvSpPr>
+          <p:nvPr/>
+        </p:nvSpPr>
+        <p:spPr>
+          <a:xfrm>
+            <a:off x="609600" y="1752600"/>
+            <a:ext cx="8229600" cy="4525963"/>
+          </a:xfrm>
+          <a:prstGeom prst="rect">
+            <a:avLst/>
+          </a:prstGeom>
+        </p:spPr>
+        <p:txBody>
+          <a:bodyPr vert="horz" lIns="91440" tIns="45720" rIns="91440" bIns="45720" rtlCol="0">
+            <a:normAutofit lnSpcReduction="10000"/>
+          </a:bodyPr>
+          <a:lstStyle>
+            <a:lvl1pPr marL="342900" indent="-342900" algn="l" defTabSz="914400" rtl="0" eaLnBrk="1" latinLnBrk="0" hangingPunct="1">
+              <a:spcBef>
+                <a:spcPct val="20000"/>
+              </a:spcBef>
+              <a:buFont typeface="Arial" pitchFamily="34" charset="0"/>
+              <a:buChar char="•"/>
+              <a:defRPr sz="3200" kern="1200">
+                <a:solidFill>
+                  <a:schemeClr val="tx1"/>
+                </a:solidFill>
+                <a:latin typeface="+mn-lt"/>
+                <a:ea typeface="+mn-ea"/>
+                <a:cs typeface="+mn-cs"/>
+              </a:defRPr>
+            </a:lvl1pPr>
+            <a:lvl2pPr marL="742950" indent="-285750" algn="l" defTabSz="914400" rtl="0" eaLnBrk="1" latinLnBrk="0" hangingPunct="1">
+              <a:spcBef>
+                <a:spcPct val="20000"/>
+              </a:spcBef>
+              <a:buFont typeface="Arial" pitchFamily="34" charset="0"/>
+              <a:buChar char="–"/>
+              <a:defRPr sz="2800" kern="1200">
+                <a:solidFill>
+                  <a:schemeClr val="tx1"/>
+                </a:solidFill>
+                <a:latin typeface="+mn-lt"/>
+                <a:ea typeface="+mn-ea"/>
+                <a:cs typeface="+mn-cs"/>
+              </a:defRPr>
+            </a:lvl2pPr>
+            <a:lvl3pPr marL="1143000" indent="-228600" algn="l" defTabSz="914400" rtl="0" eaLnBrk="1" latinLnBrk="0" hangingPunct="1">
+              <a:spcBef>
+                <a:spcPct val="20000"/>
+              </a:spcBef>
+              <a:buFont typeface="Arial" pitchFamily="34" charset="0"/>
+              <a:buChar char="•"/>
+              <a:defRPr sz="2400" kern="1200">
+                <a:solidFill>
+                  <a:schemeClr val="tx1"/>
+                </a:solidFill>
+                <a:latin typeface="+mn-lt"/>
+                <a:ea typeface="+mn-ea"/>
+                <a:cs typeface="+mn-cs"/>
+              </a:defRPr>
+            </a:lvl3pPr>
+            <a:lvl4pPr marL="1600200" indent="-228600" algn="l" defTabSz="914400" rtl="0" eaLnBrk="1" latinLnBrk="0" hangingPunct="1">
+              <a:spcBef>
+                <a:spcPct val="20000"/>
+              </a:spcBef>
+              <a:buFont typeface="Arial" pitchFamily="34" charset="0"/>
+              <a:buChar char="–"/>
+              <a:defRPr sz="2000" kern="1200">
+                <a:solidFill>
+                  <a:schemeClr val="tx1"/>
+                </a:solidFill>
+                <a:latin typeface="+mn-lt"/>
+                <a:ea typeface="+mn-ea"/>
+                <a:cs typeface="+mn-cs"/>
+              </a:defRPr>
+            </a:lvl4pPr>
+            <a:lvl5pPr marL="2057400" indent="-228600" algn="l" defTabSz="914400" rtl="0" eaLnBrk="1" latinLnBrk="0" hangingPunct="1">
+              <a:spcBef>
+                <a:spcPct val="20000"/>
+              </a:spcBef>
+              <a:buFont typeface="Arial" pitchFamily="34" charset="0"/>
+              <a:buChar char="»"/>
+              <a:defRPr sz="2000" kern="1200">
+                <a:solidFill>
+                  <a:schemeClr val="tx1"/>
+                </a:solidFill>
+                <a:latin typeface="+mn-lt"/>
+                <a:ea typeface="+mn-ea"/>
+                <a:cs typeface="+mn-cs"/>
+              </a:defRPr>
+            </a:lvl5pPr>
+            <a:lvl6pPr marL="2514600" indent="-228600" algn="l" defTabSz="914400" rtl="0" eaLnBrk="1" latinLnBrk="0" hangingPunct="1">
+              <a:spcBef>
+                <a:spcPct val="20000"/>
+              </a:spcBef>
+              <a:buFont typeface="Arial" pitchFamily="34" charset="0"/>
+              <a:buChar char="•"/>
+              <a:defRPr sz="2000" kern="1200">
+                <a:solidFill>
+                  <a:schemeClr val="tx1"/>
+                </a:solidFill>
+                <a:latin typeface="+mn-lt"/>
+                <a:ea typeface="+mn-ea"/>
+                <a:cs typeface="+mn-cs"/>
+              </a:defRPr>
+            </a:lvl6pPr>
+            <a:lvl7pPr marL="2971800" indent="-228600" algn="l" defTabSz="914400" rtl="0" eaLnBrk="1" latinLnBrk="0" hangingPunct="1">
+              <a:spcBef>
+                <a:spcPct val="20000"/>
+              </a:spcBef>
+              <a:buFont typeface="Arial" pitchFamily="34" charset="0"/>
+              <a:buChar char="•"/>
+              <a:defRPr sz="2000" kern="1200">
+                <a:solidFill>
+                  <a:schemeClr val="tx1"/>
+                </a:solidFill>
+                <a:latin typeface="+mn-lt"/>
+                <a:ea typeface="+mn-ea"/>
+                <a:cs typeface="+mn-cs"/>
+              </a:defRPr>
+            </a:lvl7pPr>
+            <a:lvl8pPr marL="3429000" indent="-228600" algn="l" defTabSz="914400" rtl="0" eaLnBrk="1" latinLnBrk="0" hangingPunct="1">
+              <a:spcBef>
+                <a:spcPct val="20000"/>
+              </a:spcBef>
+              <a:buFont typeface="Arial" pitchFamily="34" charset="0"/>
+              <a:buChar char="•"/>
+              <a:defRPr sz="2000" kern="1200">
+                <a:solidFill>
+                  <a:schemeClr val="tx1"/>
+                </a:solidFill>
+                <a:latin typeface="+mn-lt"/>
+                <a:ea typeface="+mn-ea"/>
+                <a:cs typeface="+mn-cs"/>
+              </a:defRPr>
+            </a:lvl8pPr>
+            <a:lvl9pPr marL="3886200" indent="-228600" algn="l" defTabSz="914400" rtl="0" eaLnBrk="1" latinLnBrk="0" hangingPunct="1">
+              <a:spcBef>
+                <a:spcPct val="20000"/>
+              </a:spcBef>
+              <a:buFont typeface="Arial" pitchFamily="34" charset="0"/>
+              <a:buChar char="•"/>
+              <a:defRPr sz="2000" kern="1200">
+                <a:solidFill>
+                  <a:schemeClr val="tx1"/>
+                </a:solidFill>
+                <a:latin typeface="+mn-lt"/>
+                <a:ea typeface="+mn-ea"/>
+                <a:cs typeface="+mn-cs"/>
+              </a:defRPr>
+            </a:lvl9pPr>
+          </a:lstStyle>
+          <a:p>
+            <a:pPr marL="0" indent="0">
+              <a:buNone/>
+            </a:pPr>
+            <a:r>
+              <a:rPr lang="de-DE" smtClean="0"/>
+              <a:t>Die Tautologie: eine Form, die durch ihr Dasein die Wahrscheinlichkeit für die Entstehung ähnlicher Formen erhöht, erscheint uns in ähnlicher Form häufiger (dann lohnt sich dafür eine extra Begriff).</a:t>
+            </a:r>
+          </a:p>
+          <a:p>
+            <a:r>
+              <a:rPr lang="de-DE" smtClean="0"/>
+              <a:t>Darwinismus, Sozialdarwinismus</a:t>
+            </a:r>
+          </a:p>
+          <a:p>
+            <a:r>
+              <a:rPr lang="de-DE" smtClean="0"/>
+              <a:t>Pflanzen, Tiere, Gruppen, Vereine, Staaten, Bräuche, Gesetze, Software</a:t>
+            </a:r>
+          </a:p>
+          <a:p>
+            <a:r>
+              <a:rPr lang="de-DE" smtClean="0"/>
+              <a:t>Endliche Resourcen </a:t>
+            </a:r>
+            <a:r>
+              <a:rPr lang="de-DE"/>
+              <a:t>→</a:t>
+            </a:r>
+            <a:r>
+              <a:rPr lang="de-DE" smtClean="0"/>
+              <a:t> Kampf, Kooperation</a:t>
+            </a:r>
+            <a:endParaRPr lang="de-DE" smtClean="0"/>
+          </a:p>
+          <a:p>
+            <a:endParaRPr lang="de-DE" smtClean="0"/>
           </a:p>
         </p:txBody>
       </p:sp>
     </p:spTree>
     <p:extLst>
       <p:ext uri="{BB962C8B-B14F-4D97-AF65-F5344CB8AC3E}">
-        <p14:creationId xmlns:p14="http://schemas.microsoft.com/office/powerpoint/2010/main" val="3226119934"/>
+        <p14:creationId xmlns:p14="http://schemas.microsoft.com/office/powerpoint/2010/main" val="2784933244"/>
       </p:ext>
     </p:extLst>
   </p:cSld>
@@ -9032,7 +13446,7 @@
           <a:p>
             <a:r>
               <a:rPr lang="de-DE" smtClean="0"/>
-              <a:t>Wie funktioniert Physik?</a:t>
+              <a:t>Ethik - was sollen wir tun?</a:t>
             </a:r>
             <a:endParaRPr lang="de-DE"/>
           </a:p>
@@ -9051,61 +13465,272 @@
         <p:spPr/>
         <p:txBody>
           <a:bodyPr>
+            <a:normAutofit/>
+          </a:bodyPr>
+          <a:lstStyle/>
+          <a:p>
+            <a:endParaRPr lang="de-DE" smtClean="0"/>
+          </a:p>
+          <a:p>
+            <a:endParaRPr lang="de-DE" smtClean="0"/>
+          </a:p>
+        </p:txBody>
+      </p:sp>
+      <p:sp>
+        <p:nvSpPr>
+          <p:cNvPr id="4" name="Inhaltsplatzhalter 5"/>
+          <p:cNvSpPr txBox="1">
+            <a:spLocks/>
+          </p:cNvSpPr>
+          <p:nvPr/>
+        </p:nvSpPr>
+        <p:spPr>
+          <a:xfrm>
+            <a:off x="609600" y="1752600"/>
+            <a:ext cx="8229600" cy="4525963"/>
+          </a:xfrm>
+          <a:prstGeom prst="rect">
+            <a:avLst/>
+          </a:prstGeom>
+        </p:spPr>
+        <p:txBody>
+          <a:bodyPr vert="horz" lIns="91440" tIns="45720" rIns="91440" bIns="45720" rtlCol="0">
             <a:normAutofit fontScale="85000" lnSpcReduction="10000"/>
           </a:bodyPr>
-          <a:lstStyle/>
-          <a:p>
-            <a:r>
-              <a:rPr lang="de-DE" smtClean="0"/>
-              <a:t>Differentialgleichungen sind das Modell</a:t>
-            </a:r>
-          </a:p>
-          <a:p>
-            <a:pPr lvl="1"/>
-            <a:r>
-              <a:rPr lang="de-DE" smtClean="0"/>
-              <a:t>darin Funktionen mehrerer Veränderlicher</a:t>
-            </a:r>
-          </a:p>
-          <a:p>
-            <a:pPr lvl="1"/>
-            <a:r>
-              <a:rPr lang="de-DE" smtClean="0"/>
-              <a:t>kurze Wissensauffrischung anhand von Beispielen</a:t>
-            </a:r>
-          </a:p>
-          <a:p>
-            <a:pPr lvl="1"/>
-            <a:r>
-              <a:rPr lang="de-DE" smtClean="0"/>
-              <a:t>welche Sorten gibt‘s denn so und was kann welche? Partiell, linear, nichtlinear.</a:t>
-            </a:r>
-          </a:p>
-          <a:p>
-            <a:r>
-              <a:rPr lang="de-DE" smtClean="0"/>
-              <a:t>„Für den Physiker ist eine Kuh eine Kugel, die gleichmäßig mit Milch gefüllt ist.“ Die Theorie ist nicht die Wirklichkeit.</a:t>
-            </a:r>
-          </a:p>
-          <a:p>
-            <a:r>
-              <a:rPr lang="de-DE" smtClean="0"/>
-              <a:t>„Physiker können außer dem harmomischen Oszillator nichts.“ Warum wir linear denken und zerlegen.</a:t>
-            </a:r>
-            <a:br>
-              <a:rPr lang="de-DE" smtClean="0"/>
-            </a:br>
+          <a:lstStyle>
+            <a:lvl1pPr marL="342900" indent="-342900" algn="l" defTabSz="914400" rtl="0" eaLnBrk="1" latinLnBrk="0" hangingPunct="1">
+              <a:spcBef>
+                <a:spcPct val="20000"/>
+              </a:spcBef>
+              <a:buFont typeface="Arial" pitchFamily="34" charset="0"/>
+              <a:buChar char="•"/>
+              <a:defRPr sz="3200" kern="1200">
+                <a:solidFill>
+                  <a:schemeClr val="tx1"/>
+                </a:solidFill>
+                <a:latin typeface="+mn-lt"/>
+                <a:ea typeface="+mn-ea"/>
+                <a:cs typeface="+mn-cs"/>
+              </a:defRPr>
+            </a:lvl1pPr>
+            <a:lvl2pPr marL="742950" indent="-285750" algn="l" defTabSz="914400" rtl="0" eaLnBrk="1" latinLnBrk="0" hangingPunct="1">
+              <a:spcBef>
+                <a:spcPct val="20000"/>
+              </a:spcBef>
+              <a:buFont typeface="Arial" pitchFamily="34" charset="0"/>
+              <a:buChar char="–"/>
+              <a:defRPr sz="2800" kern="1200">
+                <a:solidFill>
+                  <a:schemeClr val="tx1"/>
+                </a:solidFill>
+                <a:latin typeface="+mn-lt"/>
+                <a:ea typeface="+mn-ea"/>
+                <a:cs typeface="+mn-cs"/>
+              </a:defRPr>
+            </a:lvl2pPr>
+            <a:lvl3pPr marL="1143000" indent="-228600" algn="l" defTabSz="914400" rtl="0" eaLnBrk="1" latinLnBrk="0" hangingPunct="1">
+              <a:spcBef>
+                <a:spcPct val="20000"/>
+              </a:spcBef>
+              <a:buFont typeface="Arial" pitchFamily="34" charset="0"/>
+              <a:buChar char="•"/>
+              <a:defRPr sz="2400" kern="1200">
+                <a:solidFill>
+                  <a:schemeClr val="tx1"/>
+                </a:solidFill>
+                <a:latin typeface="+mn-lt"/>
+                <a:ea typeface="+mn-ea"/>
+                <a:cs typeface="+mn-cs"/>
+              </a:defRPr>
+            </a:lvl3pPr>
+            <a:lvl4pPr marL="1600200" indent="-228600" algn="l" defTabSz="914400" rtl="0" eaLnBrk="1" latinLnBrk="0" hangingPunct="1">
+              <a:spcBef>
+                <a:spcPct val="20000"/>
+              </a:spcBef>
+              <a:buFont typeface="Arial" pitchFamily="34" charset="0"/>
+              <a:buChar char="–"/>
+              <a:defRPr sz="2000" kern="1200">
+                <a:solidFill>
+                  <a:schemeClr val="tx1"/>
+                </a:solidFill>
+                <a:latin typeface="+mn-lt"/>
+                <a:ea typeface="+mn-ea"/>
+                <a:cs typeface="+mn-cs"/>
+              </a:defRPr>
+            </a:lvl4pPr>
+            <a:lvl5pPr marL="2057400" indent="-228600" algn="l" defTabSz="914400" rtl="0" eaLnBrk="1" latinLnBrk="0" hangingPunct="1">
+              <a:spcBef>
+                <a:spcPct val="20000"/>
+              </a:spcBef>
+              <a:buFont typeface="Arial" pitchFamily="34" charset="0"/>
+              <a:buChar char="»"/>
+              <a:defRPr sz="2000" kern="1200">
+                <a:solidFill>
+                  <a:schemeClr val="tx1"/>
+                </a:solidFill>
+                <a:latin typeface="+mn-lt"/>
+                <a:ea typeface="+mn-ea"/>
+                <a:cs typeface="+mn-cs"/>
+              </a:defRPr>
+            </a:lvl5pPr>
+            <a:lvl6pPr marL="2514600" indent="-228600" algn="l" defTabSz="914400" rtl="0" eaLnBrk="1" latinLnBrk="0" hangingPunct="1">
+              <a:spcBef>
+                <a:spcPct val="20000"/>
+              </a:spcBef>
+              <a:buFont typeface="Arial" pitchFamily="34" charset="0"/>
+              <a:buChar char="•"/>
+              <a:defRPr sz="2000" kern="1200">
+                <a:solidFill>
+                  <a:schemeClr val="tx1"/>
+                </a:solidFill>
+                <a:latin typeface="+mn-lt"/>
+                <a:ea typeface="+mn-ea"/>
+                <a:cs typeface="+mn-cs"/>
+              </a:defRPr>
+            </a:lvl6pPr>
+            <a:lvl7pPr marL="2971800" indent="-228600" algn="l" defTabSz="914400" rtl="0" eaLnBrk="1" latinLnBrk="0" hangingPunct="1">
+              <a:spcBef>
+                <a:spcPct val="20000"/>
+              </a:spcBef>
+              <a:buFont typeface="Arial" pitchFamily="34" charset="0"/>
+              <a:buChar char="•"/>
+              <a:defRPr sz="2000" kern="1200">
+                <a:solidFill>
+                  <a:schemeClr val="tx1"/>
+                </a:solidFill>
+                <a:latin typeface="+mn-lt"/>
+                <a:ea typeface="+mn-ea"/>
+                <a:cs typeface="+mn-cs"/>
+              </a:defRPr>
+            </a:lvl7pPr>
+            <a:lvl8pPr marL="3429000" indent="-228600" algn="l" defTabSz="914400" rtl="0" eaLnBrk="1" latinLnBrk="0" hangingPunct="1">
+              <a:spcBef>
+                <a:spcPct val="20000"/>
+              </a:spcBef>
+              <a:buFont typeface="Arial" pitchFamily="34" charset="0"/>
+              <a:buChar char="•"/>
+              <a:defRPr sz="2000" kern="1200">
+                <a:solidFill>
+                  <a:schemeClr val="tx1"/>
+                </a:solidFill>
+                <a:latin typeface="+mn-lt"/>
+                <a:ea typeface="+mn-ea"/>
+                <a:cs typeface="+mn-cs"/>
+              </a:defRPr>
+            </a:lvl8pPr>
+            <a:lvl9pPr marL="3886200" indent="-228600" algn="l" defTabSz="914400" rtl="0" eaLnBrk="1" latinLnBrk="0" hangingPunct="1">
+              <a:spcBef>
+                <a:spcPct val="20000"/>
+              </a:spcBef>
+              <a:buFont typeface="Arial" pitchFamily="34" charset="0"/>
+              <a:buChar char="•"/>
+              <a:defRPr sz="2000" kern="1200">
+                <a:solidFill>
+                  <a:schemeClr val="tx1"/>
+                </a:solidFill>
+                <a:latin typeface="+mn-lt"/>
+                <a:ea typeface="+mn-ea"/>
+                <a:cs typeface="+mn-cs"/>
+              </a:defRPr>
+            </a:lvl9pPr>
+          </a:lstStyle>
+          <a:p>
+            <a:r>
+              <a:rPr lang="de-DE" smtClean="0"/>
+              <a:t>Die Bedeutung solcher Worte: gut, schlecht, schön, häßlich</a:t>
+            </a:r>
+          </a:p>
+          <a:p>
+            <a:r>
+              <a:rPr lang="de-DE" smtClean="0"/>
+              <a:t>Der Wille </a:t>
+            </a:r>
+            <a:r>
+              <a:rPr lang="de-DE" smtClean="0"/>
+              <a:t>der verschiedener </a:t>
+            </a:r>
+            <a:r>
+              <a:rPr lang="de-DE" smtClean="0"/>
+              <a:t>Formen: Steine (Schopenhauer, Animismus), Bakterien, </a:t>
+            </a:r>
+            <a:r>
+              <a:rPr lang="de-DE" smtClean="0"/>
+              <a:t>…, </a:t>
+            </a:r>
+            <a:r>
+              <a:rPr lang="de-DE" smtClean="0"/>
+              <a:t>Staaten. Daraus die </a:t>
+            </a:r>
+            <a:r>
+              <a:rPr lang="de-DE" smtClean="0"/>
+              <a:t>verschiedenen </a:t>
+            </a:r>
+            <a:r>
+              <a:rPr lang="de-DE" smtClean="0"/>
+              <a:t>gut &amp; </a:t>
+            </a:r>
+            <a:r>
+              <a:rPr lang="de-DE" smtClean="0"/>
+              <a:t>schlecht und die ziellosen Diskussionen.</a:t>
+            </a:r>
             <a:endParaRPr lang="de-DE" smtClean="0"/>
           </a:p>
           <a:p>
+            <a:r>
+              <a:rPr lang="de-DE" smtClean="0"/>
+              <a:t>K</a:t>
+            </a:r>
+            <a:r>
+              <a:rPr lang="de-DE" smtClean="0"/>
+              <a:t>ategorischer Imperativ/goldene Regel als Antwort?</a:t>
+            </a:r>
             <a:endParaRPr lang="de-DE" smtClean="0"/>
+          </a:p>
+          <a:p>
+            <a:r>
+              <a:rPr lang="de-DE" smtClean="0"/>
+              <a:t>Der Sinn des </a:t>
+            </a:r>
+            <a:r>
+              <a:rPr lang="de-DE" smtClean="0"/>
+              <a:t>Lebens</a:t>
+            </a:r>
+          </a:p>
+          <a:p>
+            <a:r>
+              <a:rPr lang="de-DE" smtClean="0"/>
+              <a:t>Die </a:t>
+            </a:r>
+            <a:r>
+              <a:rPr lang="de-DE" smtClean="0"/>
+              <a:t>Lösung der </a:t>
+            </a:r>
+            <a:r>
+              <a:rPr lang="de-DE" smtClean="0"/>
+              <a:t>Theodizee: Verwechslung mit Gott</a:t>
+            </a:r>
+            <a:endParaRPr lang="de-DE" smtClean="0"/>
+          </a:p>
+          <a:p>
+            <a:r>
+              <a:rPr lang="de-DE" smtClean="0"/>
+              <a:t>Als Trost: die vorübergehenden </a:t>
+            </a:r>
+            <a:r>
+              <a:rPr lang="de-DE" smtClean="0"/>
+              <a:t>Augenblicke der </a:t>
+            </a:r>
+            <a:r>
+              <a:rPr lang="de-DE" smtClean="0"/>
+              <a:t>Liebe</a:t>
+            </a:r>
           </a:p>
         </p:txBody>
       </p:sp>
     </p:spTree>
     <p:extLst>
       <p:ext uri="{BB962C8B-B14F-4D97-AF65-F5344CB8AC3E}">
-        <p14:creationId xmlns:p14="http://schemas.microsoft.com/office/powerpoint/2010/main" val="832593226"/>
+        <p14:creationId xmlns:p14="http://schemas.microsoft.com/office/powerpoint/2010/main" val="1541576201"/>
       </p:ext>
     </p:extLst>
   </p:cSld>
@@ -9158,7 +13783,7 @@
           <a:p>
             <a:r>
               <a:rPr lang="de-DE" smtClean="0"/>
-              <a:t>Mathematische Grundlagen der QT</a:t>
+              <a:t>Die Schleier (z.T. Wdh.)</a:t>
             </a:r>
             <a:endParaRPr lang="de-DE"/>
           </a:p>
@@ -9177,80 +13802,255 @@
         <p:spPr/>
         <p:txBody>
           <a:bodyPr>
-            <a:normAutofit fontScale="55000" lnSpcReduction="20000"/>
+            <a:normAutofit/>
           </a:bodyPr>
           <a:lstStyle/>
           <a:p>
-            <a:r>
-              <a:rPr lang="de-DE" smtClean="0"/>
-              <a:t>Funktionen mehrerer Veränderlicher in Differentialgleichungen</a:t>
-            </a:r>
-          </a:p>
-          <a:p>
-            <a:r>
-              <a:rPr lang="de-DE" smtClean="0"/>
-              <a:t>n-Tupel: Vektoren, Spinoren</a:t>
-            </a:r>
-          </a:p>
-          <a:p>
-            <a:r>
-              <a:rPr lang="de-DE" smtClean="0"/>
-              <a:t>Differentialoperatoren für die Funktionen</a:t>
-            </a:r>
-          </a:p>
-          <a:p>
-            <a:r>
-              <a:rPr lang="de-DE" smtClean="0"/>
-              <a:t>Matrixoperatoren für die n-Tupel</a:t>
-            </a:r>
-          </a:p>
-          <a:p>
-            <a:r>
-              <a:rPr lang="de-DE" smtClean="0"/>
-              <a:t>wir bekommen gekoppelte lineare DGL-Systeme</a:t>
-            </a:r>
-          </a:p>
-          <a:p>
-            <a:r>
-              <a:rPr lang="de-DE" smtClean="0"/>
-              <a:t>komplexe Zahlen: nur eine besondere Algebra für die Multiplikation (es geht auch mit reellen Matrizen, es gibt noch mehr solche Algebras…)</a:t>
-            </a:r>
-          </a:p>
-          <a:p>
-            <a:r>
-              <a:rPr lang="de-DE" smtClean="0"/>
-              <a:t>alles über 1 Kamm scheren: Hilbertraum und lineare Operatoren als abstraktes Modell für Funktionen/n-Tupel und lineare Differential- und Matrixoperatoren</a:t>
-            </a:r>
-          </a:p>
-          <a:p>
-            <a:r>
-              <a:rPr lang="de-DE" smtClean="0"/>
-              <a:t>Die aufgrund der Linearität beliebige Zerlegbarkeit (freie Wahl der Basis), z.B. Fouriertransformation</a:t>
-            </a:r>
-          </a:p>
-          <a:p>
-            <a:r>
-              <a:rPr lang="de-DE" smtClean="0"/>
-              <a:t>Eigenwerte linearer Operatoren</a:t>
-            </a:r>
-          </a:p>
-          <a:p>
-            <a:r>
-              <a:rPr lang="de-DE" smtClean="0"/>
-              <a:t>Das Skalarprodukt. Die Zweischichtigkeit: linear und nichtlinear</a:t>
-            </a:r>
-          </a:p>
-          <a:p>
-            <a:r>
-              <a:rPr lang="de-DE" smtClean="0"/>
-              <a:t>Produkträume, offene Quantensysteme, Dichteoperatoren, Verschränkung und Ganzheit</a:t>
+            <a:endParaRPr lang="de-DE" smtClean="0"/>
+          </a:p>
+          <a:p>
+            <a:endParaRPr lang="de-DE" smtClean="0"/>
+          </a:p>
+        </p:txBody>
+      </p:sp>
+      <p:sp>
+        <p:nvSpPr>
+          <p:cNvPr id="4" name="Inhaltsplatzhalter 5"/>
+          <p:cNvSpPr txBox="1">
+            <a:spLocks/>
+          </p:cNvSpPr>
+          <p:nvPr/>
+        </p:nvSpPr>
+        <p:spPr>
+          <a:xfrm>
+            <a:off x="609600" y="1752600"/>
+            <a:ext cx="8229600" cy="4525963"/>
+          </a:xfrm>
+          <a:prstGeom prst="rect">
+            <a:avLst/>
+          </a:prstGeom>
+        </p:spPr>
+        <p:txBody>
+          <a:bodyPr vert="horz" lIns="91440" tIns="45720" rIns="91440" bIns="45720" rtlCol="0">
+            <a:normAutofit fontScale="92500" lnSpcReduction="20000"/>
+          </a:bodyPr>
+          <a:lstStyle>
+            <a:lvl1pPr marL="342900" indent="-342900" algn="l" defTabSz="914400" rtl="0" eaLnBrk="1" latinLnBrk="0" hangingPunct="1">
+              <a:spcBef>
+                <a:spcPct val="20000"/>
+              </a:spcBef>
+              <a:buFont typeface="Arial" pitchFamily="34" charset="0"/>
+              <a:buChar char="•"/>
+              <a:defRPr sz="3200" kern="1200">
+                <a:solidFill>
+                  <a:schemeClr val="tx1"/>
+                </a:solidFill>
+                <a:latin typeface="+mn-lt"/>
+                <a:ea typeface="+mn-ea"/>
+                <a:cs typeface="+mn-cs"/>
+              </a:defRPr>
+            </a:lvl1pPr>
+            <a:lvl2pPr marL="742950" indent="-285750" algn="l" defTabSz="914400" rtl="0" eaLnBrk="1" latinLnBrk="0" hangingPunct="1">
+              <a:spcBef>
+                <a:spcPct val="20000"/>
+              </a:spcBef>
+              <a:buFont typeface="Arial" pitchFamily="34" charset="0"/>
+              <a:buChar char="–"/>
+              <a:defRPr sz="2800" kern="1200">
+                <a:solidFill>
+                  <a:schemeClr val="tx1"/>
+                </a:solidFill>
+                <a:latin typeface="+mn-lt"/>
+                <a:ea typeface="+mn-ea"/>
+                <a:cs typeface="+mn-cs"/>
+              </a:defRPr>
+            </a:lvl2pPr>
+            <a:lvl3pPr marL="1143000" indent="-228600" algn="l" defTabSz="914400" rtl="0" eaLnBrk="1" latinLnBrk="0" hangingPunct="1">
+              <a:spcBef>
+                <a:spcPct val="20000"/>
+              </a:spcBef>
+              <a:buFont typeface="Arial" pitchFamily="34" charset="0"/>
+              <a:buChar char="•"/>
+              <a:defRPr sz="2400" kern="1200">
+                <a:solidFill>
+                  <a:schemeClr val="tx1"/>
+                </a:solidFill>
+                <a:latin typeface="+mn-lt"/>
+                <a:ea typeface="+mn-ea"/>
+                <a:cs typeface="+mn-cs"/>
+              </a:defRPr>
+            </a:lvl3pPr>
+            <a:lvl4pPr marL="1600200" indent="-228600" algn="l" defTabSz="914400" rtl="0" eaLnBrk="1" latinLnBrk="0" hangingPunct="1">
+              <a:spcBef>
+                <a:spcPct val="20000"/>
+              </a:spcBef>
+              <a:buFont typeface="Arial" pitchFamily="34" charset="0"/>
+              <a:buChar char="–"/>
+              <a:defRPr sz="2000" kern="1200">
+                <a:solidFill>
+                  <a:schemeClr val="tx1"/>
+                </a:solidFill>
+                <a:latin typeface="+mn-lt"/>
+                <a:ea typeface="+mn-ea"/>
+                <a:cs typeface="+mn-cs"/>
+              </a:defRPr>
+            </a:lvl4pPr>
+            <a:lvl5pPr marL="2057400" indent="-228600" algn="l" defTabSz="914400" rtl="0" eaLnBrk="1" latinLnBrk="0" hangingPunct="1">
+              <a:spcBef>
+                <a:spcPct val="20000"/>
+              </a:spcBef>
+              <a:buFont typeface="Arial" pitchFamily="34" charset="0"/>
+              <a:buChar char="»"/>
+              <a:defRPr sz="2000" kern="1200">
+                <a:solidFill>
+                  <a:schemeClr val="tx1"/>
+                </a:solidFill>
+                <a:latin typeface="+mn-lt"/>
+                <a:ea typeface="+mn-ea"/>
+                <a:cs typeface="+mn-cs"/>
+              </a:defRPr>
+            </a:lvl5pPr>
+            <a:lvl6pPr marL="2514600" indent="-228600" algn="l" defTabSz="914400" rtl="0" eaLnBrk="1" latinLnBrk="0" hangingPunct="1">
+              <a:spcBef>
+                <a:spcPct val="20000"/>
+              </a:spcBef>
+              <a:buFont typeface="Arial" pitchFamily="34" charset="0"/>
+              <a:buChar char="•"/>
+              <a:defRPr sz="2000" kern="1200">
+                <a:solidFill>
+                  <a:schemeClr val="tx1"/>
+                </a:solidFill>
+                <a:latin typeface="+mn-lt"/>
+                <a:ea typeface="+mn-ea"/>
+                <a:cs typeface="+mn-cs"/>
+              </a:defRPr>
+            </a:lvl6pPr>
+            <a:lvl7pPr marL="2971800" indent="-228600" algn="l" defTabSz="914400" rtl="0" eaLnBrk="1" latinLnBrk="0" hangingPunct="1">
+              <a:spcBef>
+                <a:spcPct val="20000"/>
+              </a:spcBef>
+              <a:buFont typeface="Arial" pitchFamily="34" charset="0"/>
+              <a:buChar char="•"/>
+              <a:defRPr sz="2000" kern="1200">
+                <a:solidFill>
+                  <a:schemeClr val="tx1"/>
+                </a:solidFill>
+                <a:latin typeface="+mn-lt"/>
+                <a:ea typeface="+mn-ea"/>
+                <a:cs typeface="+mn-cs"/>
+              </a:defRPr>
+            </a:lvl7pPr>
+            <a:lvl8pPr marL="3429000" indent="-228600" algn="l" defTabSz="914400" rtl="0" eaLnBrk="1" latinLnBrk="0" hangingPunct="1">
+              <a:spcBef>
+                <a:spcPct val="20000"/>
+              </a:spcBef>
+              <a:buFont typeface="Arial" pitchFamily="34" charset="0"/>
+              <a:buChar char="•"/>
+              <a:defRPr sz="2000" kern="1200">
+                <a:solidFill>
+                  <a:schemeClr val="tx1"/>
+                </a:solidFill>
+                <a:latin typeface="+mn-lt"/>
+                <a:ea typeface="+mn-ea"/>
+                <a:cs typeface="+mn-cs"/>
+              </a:defRPr>
+            </a:lvl8pPr>
+            <a:lvl9pPr marL="3886200" indent="-228600" algn="l" defTabSz="914400" rtl="0" eaLnBrk="1" latinLnBrk="0" hangingPunct="1">
+              <a:spcBef>
+                <a:spcPct val="20000"/>
+              </a:spcBef>
+              <a:buFont typeface="Arial" pitchFamily="34" charset="0"/>
+              <a:buChar char="•"/>
+              <a:defRPr sz="2000" kern="1200">
+                <a:solidFill>
+                  <a:schemeClr val="tx1"/>
+                </a:solidFill>
+                <a:latin typeface="+mn-lt"/>
+                <a:ea typeface="+mn-ea"/>
+                <a:cs typeface="+mn-cs"/>
+              </a:defRPr>
+            </a:lvl9pPr>
+          </a:lstStyle>
+          <a:p>
+            <a:pPr marL="514350" indent="-514350">
+              <a:buFont typeface="+mj-lt"/>
+              <a:buAutoNum type="arabicPeriod"/>
+            </a:pPr>
+            <a:r>
+              <a:rPr lang="de-DE" smtClean="0"/>
+              <a:t>Der weite Weg vom Ereignis bis zur Empfindung. Waches Erleben ist auch nur ein Traum.</a:t>
+            </a:r>
+          </a:p>
+          <a:p>
+            <a:pPr marL="514350" indent="-514350">
+              <a:buFont typeface="+mj-lt"/>
+              <a:buAutoNum type="arabicPeriod"/>
+            </a:pPr>
+            <a:r>
+              <a:rPr lang="de-DE"/>
+              <a:t>Der </a:t>
+            </a:r>
+            <a:r>
+              <a:rPr lang="de-DE"/>
+              <a:t>leibliche </a:t>
+            </a:r>
+            <a:r>
+              <a:rPr lang="de-DE" smtClean="0"/>
+              <a:t>Wille will nicht erkennen sondern die Form bewahren.</a:t>
+            </a:r>
+          </a:p>
+          <a:p>
+            <a:pPr marL="514350" indent="-514350">
+              <a:buFont typeface="+mj-lt"/>
+              <a:buAutoNum type="arabicPeriod"/>
+            </a:pPr>
+            <a:r>
+              <a:rPr lang="de-DE" smtClean="0"/>
+              <a:t>Die Freunde</a:t>
+            </a:r>
+            <a:endParaRPr lang="de-DE"/>
+          </a:p>
+          <a:p>
+            <a:pPr marL="514350" indent="-514350">
+              <a:buFont typeface="+mj-lt"/>
+              <a:buAutoNum type="arabicPeriod"/>
+            </a:pPr>
+            <a:r>
+              <a:rPr lang="de-DE" smtClean="0"/>
+              <a:t>Die Wortsprache</a:t>
+            </a:r>
+          </a:p>
+          <a:p>
+            <a:pPr marL="514350" indent="-514350">
+              <a:buFont typeface="+mj-lt"/>
+              <a:buAutoNum type="arabicPeriod"/>
+            </a:pPr>
+            <a:r>
+              <a:rPr lang="de-DE" i="1" smtClean="0"/>
+              <a:t>Neu</a:t>
+            </a:r>
+            <a:r>
+              <a:rPr lang="de-DE" smtClean="0"/>
+              <a:t>: die Digitalisierung / digitale Demenz</a:t>
             </a:r>
             <a:br>
               <a:rPr lang="de-DE" smtClean="0"/>
             </a:br>
-            <a:endParaRPr lang="de-DE" smtClean="0"/>
-          </a:p>
-          <a:p>
+            <a:r>
+              <a:rPr lang="de-DE" smtClean="0"/>
+              <a:t>Nur das darf in die digitale Welt, was von unserem kleinen Verstand erfasst werden kann.</a:t>
+            </a:r>
+            <a:r>
+              <a:rPr lang="de-DE"/>
+              <a:t/>
+            </a:r>
+            <a:br>
+              <a:rPr lang="de-DE"/>
+            </a:br>
+            <a:r>
+              <a:rPr lang="de-DE" smtClean="0"/>
+              <a:t>Dient wieder der Formung, nicht der Erkenntnis.</a:t>
+            </a:r>
             <a:endParaRPr lang="de-DE" smtClean="0"/>
           </a:p>
         </p:txBody>
@@ -9258,7 +14058,7 @@
     </p:spTree>
     <p:extLst>
       <p:ext uri="{BB962C8B-B14F-4D97-AF65-F5344CB8AC3E}">
-        <p14:creationId xmlns:p14="http://schemas.microsoft.com/office/powerpoint/2010/main" val="2426154753"/>
+        <p14:creationId xmlns:p14="http://schemas.microsoft.com/office/powerpoint/2010/main" val="3135132110"/>
       </p:ext>
     </p:extLst>
   </p:cSld>
@@ -9273,6 +14073,25 @@
     </p:tnLst>
   </p:timing>
 </p:sld>
+</file>
+
+<file path=ppt/tags/tag1.xml><?xml version="1.0" encoding="utf-8"?>
+<p:tagLst xmlns:a="http://schemas.openxmlformats.org/drawingml/2006/main" xmlns:r="http://schemas.openxmlformats.org/officeDocument/2006/relationships" xmlns:p="http://schemas.openxmlformats.org/presentationml/2006/main">
+  <p:tag name="OUTPUTDPI" val="1200"/>
+  <p:tag name="ORIGINALHEIGHT" val="104,9868"/>
+  <p:tag name="ORIGINALWIDTH" val="468,6914"/>
+  <p:tag name="LATEXADDIN" val="\documentclass{article}&#10;\usepackage{amsmath}&#10;\pagestyle{empty}&#10;\begin{document}&#10;&#10;\(E = m c^2\)&#10;&#10;&#10;\end{document}"/>
+  <p:tag name="IGUANATEXSIZE" val="20"/>
+  <p:tag name="IGUANATEXCURSOR" val="94"/>
+  <p:tag name="TRANSPARENCY" val="Wahr"/>
+  <p:tag name="FILENAME" val=""/>
+  <p:tag name="LATEXENGINEID" val="0"/>
+  <p:tag name="TEMPFOLDER" val="c:\temp\"/>
+  <p:tag name="LATEXFORMHEIGHT" val="312"/>
+  <p:tag name="LATEXFORMWIDTH" val="384"/>
+  <p:tag name="LATEXFORMWRAP" val="Wahr"/>
+  <p:tag name="BITMAPVECTOR" val="0"/>
+</p:tagLst>
 </file>
 
 <file path=ppt/theme/theme1.xml><?xml version="1.0" encoding="utf-8"?>

--- a/Philosophie.pptx
+++ b/Philosophie.pptx
@@ -17,14 +17,14 @@
     <p:sldId id="275" r:id="rId11"/>
     <p:sldId id="276" r:id="rId12"/>
     <p:sldId id="277" r:id="rId13"/>
-    <p:sldId id="278" r:id="rId14"/>
-    <p:sldId id="280" r:id="rId15"/>
-    <p:sldId id="281" r:id="rId16"/>
-    <p:sldId id="282" r:id="rId17"/>
-    <p:sldId id="262" r:id="rId18"/>
-    <p:sldId id="263" r:id="rId19"/>
-    <p:sldId id="264" r:id="rId20"/>
-    <p:sldId id="265" r:id="rId21"/>
+    <p:sldId id="284" r:id="rId14"/>
+    <p:sldId id="278" r:id="rId15"/>
+    <p:sldId id="280" r:id="rId16"/>
+    <p:sldId id="283" r:id="rId17"/>
+    <p:sldId id="281" r:id="rId18"/>
+    <p:sldId id="282" r:id="rId19"/>
+    <p:sldId id="262" r:id="rId20"/>
+    <p:sldId id="285" r:id="rId21"/>
     <p:sldId id="270" r:id="rId22"/>
   </p:sldIdLst>
   <p:sldSz cx="9144000" cy="6858000" type="screen4x3"/>
@@ -929,7 +929,7 @@
       <dgm:prSet phldrT="[Text]"/>
       <dgm:spPr>
         <a:solidFill>
-          <a:srgbClr val="C00000"/>
+          <a:schemeClr val="accent1"/>
         </a:solidFill>
       </dgm:spPr>
       <dgm:t>
@@ -1468,70 +1468,70 @@
   </dgm:ptLst>
   <dgm:cxnLst>
     <dgm:cxn modelId="{E13A0664-9CD7-4A7A-B0CD-75314CF1CD12}" srcId="{1768CF14-CDC1-412E-AF3B-96D692F9DD16}" destId="{E9BDC47C-8849-4808-A469-F63DFD0ABC3F}" srcOrd="0" destOrd="0" parTransId="{85231033-84D8-42DD-BD79-AFE63EA3E94B}" sibTransId="{99E7AEF5-A2AD-4318-BC48-2868BA65BA7B}"/>
-    <dgm:cxn modelId="{E9260414-F794-48A7-B43F-D295673F2159}" type="presOf" srcId="{CBA3F4EE-7B59-4672-B51A-4BC215B7B346}" destId="{5273C629-8CBC-47C6-A5AC-8F137C9641EB}" srcOrd="0" destOrd="0" presId="urn:microsoft.com/office/officeart/2005/8/layout/orgChart1"/>
-    <dgm:cxn modelId="{2FA13EE5-F743-463A-9491-36F1794CDE35}" type="presOf" srcId="{03C05D07-B4F3-4C58-8163-CA8A8DF77776}" destId="{8FAE5D03-9F48-4B6E-B11B-70A5B2155BEE}" srcOrd="0" destOrd="0" presId="urn:microsoft.com/office/officeart/2005/8/layout/orgChart1"/>
-    <dgm:cxn modelId="{2CB30DCC-D094-4D06-AD90-32F4563BC679}" type="presOf" srcId="{E9BDC47C-8849-4808-A469-F63DFD0ABC3F}" destId="{4AD97273-D195-478C-97C9-7D3ED07763DD}" srcOrd="1" destOrd="0" presId="urn:microsoft.com/office/officeart/2005/8/layout/orgChart1"/>
-    <dgm:cxn modelId="{1E774709-8ABB-429F-B782-B4DF7A82F370}" type="presOf" srcId="{E9BDC47C-8849-4808-A469-F63DFD0ABC3F}" destId="{6476180F-7273-49DE-8DAC-8768F798324B}" srcOrd="0" destOrd="0" presId="urn:microsoft.com/office/officeart/2005/8/layout/orgChart1"/>
-    <dgm:cxn modelId="{E3A8E22E-6E19-4E8A-8E50-26479A8D2B54}" type="presOf" srcId="{D53E1A77-9D83-44E9-8250-973994FC4A7C}" destId="{B699E823-BB83-4E40-805A-6B6013E2CE2F}" srcOrd="0" destOrd="0" presId="urn:microsoft.com/office/officeart/2005/8/layout/orgChart1"/>
-    <dgm:cxn modelId="{62764102-BA1E-4A30-B1E0-BD5D718D4BC9}" type="presOf" srcId="{03C05D07-B4F3-4C58-8163-CA8A8DF77776}" destId="{8ECE3276-F05A-4B71-80FC-89B480F3F2A8}" srcOrd="1" destOrd="0" presId="urn:microsoft.com/office/officeart/2005/8/layout/orgChart1"/>
-    <dgm:cxn modelId="{E7C81CDC-FC99-4258-A41C-0BFB4C946BDE}" type="presOf" srcId="{1FFD1013-4D9A-4D81-B7BF-2334EB01EAC4}" destId="{83F61404-A508-4F8E-9A05-D87E06B0EBF1}" srcOrd="0" destOrd="0" presId="urn:microsoft.com/office/officeart/2005/8/layout/orgChart1"/>
-    <dgm:cxn modelId="{BF371B92-EC15-46A1-812C-299EAA2F3F9E}" type="presOf" srcId="{97FA423A-CD52-4AE5-A8AA-0BE2D657950D}" destId="{61045771-888B-49C1-9B0E-AFE41FA9766A}" srcOrd="0" destOrd="0" presId="urn:microsoft.com/office/officeart/2005/8/layout/orgChart1"/>
-    <dgm:cxn modelId="{055A220F-1191-4167-B842-E578497D43BE}" type="presOf" srcId="{A5E530E2-38F2-42A8-94FB-2805269FE429}" destId="{01709A7C-EA68-4033-A051-F723CA61FED8}" srcOrd="0" destOrd="0" presId="urn:microsoft.com/office/officeart/2005/8/layout/orgChart1"/>
-    <dgm:cxn modelId="{70D93351-FA39-446E-A087-E30531EB373F}" type="presOf" srcId="{7C33D346-FBA0-47B2-8747-73745C5D640C}" destId="{8B327A1C-C5DD-49BE-B1E1-DDB6F8BE2562}" srcOrd="0" destOrd="0" presId="urn:microsoft.com/office/officeart/2005/8/layout/orgChart1"/>
-    <dgm:cxn modelId="{D42CC317-6567-49FB-A9F2-6616E2094C49}" type="presOf" srcId="{1768CF14-CDC1-412E-AF3B-96D692F9DD16}" destId="{B7439230-7180-43E4-9093-B8C2408D1498}" srcOrd="0" destOrd="0" presId="urn:microsoft.com/office/officeart/2005/8/layout/orgChart1"/>
-    <dgm:cxn modelId="{84B3B50B-55F4-443A-9458-FC164E9F330F}" type="presOf" srcId="{FE875166-BB64-4082-939B-4EEA03720427}" destId="{74E187B4-9ED9-4BEA-BCF3-E8E1505D07C8}" srcOrd="0" destOrd="0" presId="urn:microsoft.com/office/officeart/2005/8/layout/orgChart1"/>
+    <dgm:cxn modelId="{1BDC00E1-4B4D-421E-9463-1AE2C001D82F}" type="presOf" srcId="{CBA3F4EE-7B59-4672-B51A-4BC215B7B346}" destId="{749577BE-9476-4C0D-9E31-E40C82C0E80D}" srcOrd="1" destOrd="0" presId="urn:microsoft.com/office/officeart/2005/8/layout/orgChart1"/>
+    <dgm:cxn modelId="{D9750CFB-754B-461A-ACAC-49B60258CFC8}" type="presOf" srcId="{1FFD1013-4D9A-4D81-B7BF-2334EB01EAC4}" destId="{83F61404-A508-4F8E-9A05-D87E06B0EBF1}" srcOrd="0" destOrd="0" presId="urn:microsoft.com/office/officeart/2005/8/layout/orgChart1"/>
+    <dgm:cxn modelId="{52D5DB74-1BEB-450E-A483-9B67009958A6}" type="presOf" srcId="{FE875166-BB64-4082-939B-4EEA03720427}" destId="{74E187B4-9ED9-4BEA-BCF3-E8E1505D07C8}" srcOrd="0" destOrd="0" presId="urn:microsoft.com/office/officeart/2005/8/layout/orgChart1"/>
+    <dgm:cxn modelId="{B3E47F03-4993-4F58-A1D7-F949AD20C524}" type="presOf" srcId="{435D7312-17F6-4465-87D1-CEE68E151B46}" destId="{04A00C93-7AE3-4ABE-92CA-6179A1CE1E77}" srcOrd="0" destOrd="0" presId="urn:microsoft.com/office/officeart/2005/8/layout/orgChart1"/>
+    <dgm:cxn modelId="{4372BCA8-9923-4DBD-B8E5-2F1BBF680368}" type="presOf" srcId="{A5E530E2-38F2-42A8-94FB-2805269FE429}" destId="{01709A7C-EA68-4033-A051-F723CA61FED8}" srcOrd="0" destOrd="0" presId="urn:microsoft.com/office/officeart/2005/8/layout/orgChart1"/>
     <dgm:cxn modelId="{18A8E644-DBA9-4361-A8B5-C1B325A674B3}" srcId="{E9BDC47C-8849-4808-A469-F63DFD0ABC3F}" destId="{CBA3F4EE-7B59-4672-B51A-4BC215B7B346}" srcOrd="4" destOrd="0" parTransId="{435D7312-17F6-4465-87D1-CEE68E151B46}" sibTransId="{358B7B86-642A-415C-9B2A-96B89072612A}"/>
-    <dgm:cxn modelId="{A2490A34-3184-4A1B-89D5-0BA3D0779109}" type="presOf" srcId="{D4C0904F-2B40-45D0-86AF-D8B2324ED141}" destId="{660B5F51-6E0F-46A5-A08E-6196366BAACC}" srcOrd="0" destOrd="0" presId="urn:microsoft.com/office/officeart/2005/8/layout/orgChart1"/>
-    <dgm:cxn modelId="{03381CE3-D512-4395-8CF9-7922AEEC6125}" type="presOf" srcId="{7C33D346-FBA0-47B2-8747-73745C5D640C}" destId="{27E6E2B8-A6C2-4D15-BED6-98B796566097}" srcOrd="1" destOrd="0" presId="urn:microsoft.com/office/officeart/2005/8/layout/orgChart1"/>
-    <dgm:cxn modelId="{D69C18AD-FEAD-45BE-8FCF-EB3F17222A52}" type="presOf" srcId="{435D7312-17F6-4465-87D1-CEE68E151B46}" destId="{04A00C93-7AE3-4ABE-92CA-6179A1CE1E77}" srcOrd="0" destOrd="0" presId="urn:microsoft.com/office/officeart/2005/8/layout/orgChart1"/>
-    <dgm:cxn modelId="{DB5F5FFA-A8F6-4889-854E-CEEDF0ABF3A9}" type="presOf" srcId="{D4C0904F-2B40-45D0-86AF-D8B2324ED141}" destId="{81E708D0-BD7F-4AA9-8B06-8BE92C8F8CB1}" srcOrd="1" destOrd="0" presId="urn:microsoft.com/office/officeart/2005/8/layout/orgChart1"/>
-    <dgm:cxn modelId="{335C95B5-0516-46D2-ADE4-B6B0EB8C6400}" type="presOf" srcId="{CBA3F4EE-7B59-4672-B51A-4BC215B7B346}" destId="{749577BE-9476-4C0D-9E31-E40C82C0E80D}" srcOrd="1" destOrd="0" presId="urn:microsoft.com/office/officeart/2005/8/layout/orgChart1"/>
-    <dgm:cxn modelId="{B7948E66-D209-4316-91BB-7D5EE56B1BE4}" type="presOf" srcId="{FE875166-BB64-4082-939B-4EEA03720427}" destId="{FFC28DF9-2B08-4F2B-9BD7-A39C0D178941}" srcOrd="1" destOrd="0" presId="urn:microsoft.com/office/officeart/2005/8/layout/orgChart1"/>
+    <dgm:cxn modelId="{F0BE6981-079B-4C7C-A5A1-551F49D8C968}" type="presOf" srcId="{E9BDC47C-8849-4808-A469-F63DFD0ABC3F}" destId="{4AD97273-D195-478C-97C9-7D3ED07763DD}" srcOrd="1" destOrd="0" presId="urn:microsoft.com/office/officeart/2005/8/layout/orgChart1"/>
+    <dgm:cxn modelId="{3E0A88B8-A4E2-4D38-9C87-0AE7D2E531E5}" type="presOf" srcId="{7C33D346-FBA0-47B2-8747-73745C5D640C}" destId="{27E6E2B8-A6C2-4D15-BED6-98B796566097}" srcOrd="1" destOrd="0" presId="urn:microsoft.com/office/officeart/2005/8/layout/orgChart1"/>
+    <dgm:cxn modelId="{FB8B9A89-4D8C-4FB1-AB06-DA2E9B4BCD9C}" type="presOf" srcId="{D53E1A77-9D83-44E9-8250-973994FC4A7C}" destId="{B699E823-BB83-4E40-805A-6B6013E2CE2F}" srcOrd="0" destOrd="0" presId="urn:microsoft.com/office/officeart/2005/8/layout/orgChart1"/>
+    <dgm:cxn modelId="{84E42495-E7B4-44EE-9AB3-60047CFEB61C}" type="presOf" srcId="{D4C0904F-2B40-45D0-86AF-D8B2324ED141}" destId="{660B5F51-6E0F-46A5-A08E-6196366BAACC}" srcOrd="0" destOrd="0" presId="urn:microsoft.com/office/officeart/2005/8/layout/orgChart1"/>
+    <dgm:cxn modelId="{192FDBA5-B47B-47C6-A412-0C750089B2F0}" type="presOf" srcId="{97FA423A-CD52-4AE5-A8AA-0BE2D657950D}" destId="{61045771-888B-49C1-9B0E-AFE41FA9766A}" srcOrd="0" destOrd="0" presId="urn:microsoft.com/office/officeart/2005/8/layout/orgChart1"/>
+    <dgm:cxn modelId="{1FC0DDC6-B6EB-4392-9E43-ACB2F2EC2CC7}" type="presOf" srcId="{D4C0904F-2B40-45D0-86AF-D8B2324ED141}" destId="{81E708D0-BD7F-4AA9-8B06-8BE92C8F8CB1}" srcOrd="1" destOrd="0" presId="urn:microsoft.com/office/officeart/2005/8/layout/orgChart1"/>
+    <dgm:cxn modelId="{5DAC6A89-D4C6-4F50-9A1F-22F844B2FC36}" type="presOf" srcId="{7C33D346-FBA0-47B2-8747-73745C5D640C}" destId="{8B327A1C-C5DD-49BE-B1E1-DDB6F8BE2562}" srcOrd="0" destOrd="0" presId="urn:microsoft.com/office/officeart/2005/8/layout/orgChart1"/>
+    <dgm:cxn modelId="{954D27B9-4F0D-4179-9FB0-F8BF5564EF69}" type="presOf" srcId="{E9BDC47C-8849-4808-A469-F63DFD0ABC3F}" destId="{6476180F-7273-49DE-8DAC-8768F798324B}" srcOrd="0" destOrd="0" presId="urn:microsoft.com/office/officeart/2005/8/layout/orgChart1"/>
+    <dgm:cxn modelId="{D1BDF702-0715-41C8-809E-FA6C06BF1F2C}" type="presOf" srcId="{FE875166-BB64-4082-939B-4EEA03720427}" destId="{FFC28DF9-2B08-4F2B-9BD7-A39C0D178941}" srcOrd="1" destOrd="0" presId="urn:microsoft.com/office/officeart/2005/8/layout/orgChart1"/>
+    <dgm:cxn modelId="{F3F38ED9-3BC9-492B-93E8-FD7B12DD3E85}" type="presOf" srcId="{CBA3F4EE-7B59-4672-B51A-4BC215B7B346}" destId="{5273C629-8CBC-47C6-A5AC-8F137C9641EB}" srcOrd="0" destOrd="0" presId="urn:microsoft.com/office/officeart/2005/8/layout/orgChart1"/>
+    <dgm:cxn modelId="{C02104F2-43E9-4221-B8B0-13D40DB67474}" type="presOf" srcId="{03C05D07-B4F3-4C58-8163-CA8A8DF77776}" destId="{8FAE5D03-9F48-4B6E-B11B-70A5B2155BEE}" srcOrd="0" destOrd="0" presId="urn:microsoft.com/office/officeart/2005/8/layout/orgChart1"/>
+    <dgm:cxn modelId="{124D2107-B5A0-41DE-AB30-99BEDDE54277}" type="presOf" srcId="{1768CF14-CDC1-412E-AF3B-96D692F9DD16}" destId="{B7439230-7180-43E4-9093-B8C2408D1498}" srcOrd="0" destOrd="0" presId="urn:microsoft.com/office/officeart/2005/8/layout/orgChart1"/>
+    <dgm:cxn modelId="{D6A3BC5A-8512-4F90-B57A-F5FEF71CCC65}" type="presOf" srcId="{03C05D07-B4F3-4C58-8163-CA8A8DF77776}" destId="{8ECE3276-F05A-4B71-80FC-89B480F3F2A8}" srcOrd="1" destOrd="0" presId="urn:microsoft.com/office/officeart/2005/8/layout/orgChart1"/>
     <dgm:cxn modelId="{B91A8715-0654-44BE-8DBE-C6B452D6F3F0}" srcId="{E9BDC47C-8849-4808-A469-F63DFD0ABC3F}" destId="{7C33D346-FBA0-47B2-8747-73745C5D640C}" srcOrd="1" destOrd="0" parTransId="{A5E530E2-38F2-42A8-94FB-2805269FE429}" sibTransId="{6F55D76B-6DCB-4730-B03B-4732A178446E}"/>
     <dgm:cxn modelId="{BD096D6E-3BA3-40E9-810D-6CBF5D2BAE59}" srcId="{E9BDC47C-8849-4808-A469-F63DFD0ABC3F}" destId="{FE875166-BB64-4082-939B-4EEA03720427}" srcOrd="2" destOrd="0" parTransId="{97FA423A-CD52-4AE5-A8AA-0BE2D657950D}" sibTransId="{1F9714A4-6B01-4D55-931B-706CAD0E9126}"/>
+    <dgm:cxn modelId="{FAF63B97-47B9-4961-BEEF-37727D3ABD8F}" srcId="{E9BDC47C-8849-4808-A469-F63DFD0ABC3F}" destId="{03C05D07-B4F3-4C58-8163-CA8A8DF77776}" srcOrd="0" destOrd="0" parTransId="{1FFD1013-4D9A-4D81-B7BF-2334EB01EAC4}" sibTransId="{03531937-4E67-4E7C-8427-0345F71FECFB}"/>
     <dgm:cxn modelId="{7C66E2B1-4497-4A07-A279-271CA5CD4016}" srcId="{E9BDC47C-8849-4808-A469-F63DFD0ABC3F}" destId="{D4C0904F-2B40-45D0-86AF-D8B2324ED141}" srcOrd="3" destOrd="0" parTransId="{D53E1A77-9D83-44E9-8250-973994FC4A7C}" sibTransId="{E97F4B42-CC12-42A1-ADCB-C83F73D1F1F5}"/>
-    <dgm:cxn modelId="{FAF63B97-47B9-4961-BEEF-37727D3ABD8F}" srcId="{E9BDC47C-8849-4808-A469-F63DFD0ABC3F}" destId="{03C05D07-B4F3-4C58-8163-CA8A8DF77776}" srcOrd="0" destOrd="0" parTransId="{1FFD1013-4D9A-4D81-B7BF-2334EB01EAC4}" sibTransId="{03531937-4E67-4E7C-8427-0345F71FECFB}"/>
-    <dgm:cxn modelId="{2A67C5F1-8CCD-46A5-9B1C-7244B2B19BDF}" type="presParOf" srcId="{B7439230-7180-43E4-9093-B8C2408D1498}" destId="{43580C5D-2FA6-44CF-8A26-EEEE8FFDA1E5}" srcOrd="0" destOrd="0" presId="urn:microsoft.com/office/officeart/2005/8/layout/orgChart1"/>
-    <dgm:cxn modelId="{BF1D80F4-26AB-462D-AC7E-16B91B1F3D47}" type="presParOf" srcId="{43580C5D-2FA6-44CF-8A26-EEEE8FFDA1E5}" destId="{620E4EC1-B22D-4492-BE01-00785F7CC7E7}" srcOrd="0" destOrd="0" presId="urn:microsoft.com/office/officeart/2005/8/layout/orgChart1"/>
-    <dgm:cxn modelId="{6D381A3F-716A-4C64-82CA-0604F8E7F03D}" type="presParOf" srcId="{620E4EC1-B22D-4492-BE01-00785F7CC7E7}" destId="{6476180F-7273-49DE-8DAC-8768F798324B}" srcOrd="0" destOrd="0" presId="urn:microsoft.com/office/officeart/2005/8/layout/orgChart1"/>
-    <dgm:cxn modelId="{A13A108C-27D0-4453-8FE0-BCF46F3396A6}" type="presParOf" srcId="{620E4EC1-B22D-4492-BE01-00785F7CC7E7}" destId="{4AD97273-D195-478C-97C9-7D3ED07763DD}" srcOrd="1" destOrd="0" presId="urn:microsoft.com/office/officeart/2005/8/layout/orgChart1"/>
-    <dgm:cxn modelId="{10944FCE-CE71-48D5-9767-8741E6581D6C}" type="presParOf" srcId="{43580C5D-2FA6-44CF-8A26-EEEE8FFDA1E5}" destId="{AD7FCEF1-DA20-416E-B17E-7A7A73F30A48}" srcOrd="1" destOrd="0" presId="urn:microsoft.com/office/officeart/2005/8/layout/orgChart1"/>
-    <dgm:cxn modelId="{5383E020-3CC1-4B3C-A549-1D5CDF0D7587}" type="presParOf" srcId="{AD7FCEF1-DA20-416E-B17E-7A7A73F30A48}" destId="{83F61404-A508-4F8E-9A05-D87E06B0EBF1}" srcOrd="0" destOrd="0" presId="urn:microsoft.com/office/officeart/2005/8/layout/orgChart1"/>
-    <dgm:cxn modelId="{2ACED613-3C66-49B6-B802-3F3FCD95793C}" type="presParOf" srcId="{AD7FCEF1-DA20-416E-B17E-7A7A73F30A48}" destId="{4E04BDCC-646C-4E58-BA23-984D5F3EC45C}" srcOrd="1" destOrd="0" presId="urn:microsoft.com/office/officeart/2005/8/layout/orgChart1"/>
-    <dgm:cxn modelId="{5F316646-40EB-491D-9E72-B4F69DCC8B4F}" type="presParOf" srcId="{4E04BDCC-646C-4E58-BA23-984D5F3EC45C}" destId="{F120DD96-5C7B-4DB9-BE96-515D8578F2E0}" srcOrd="0" destOrd="0" presId="urn:microsoft.com/office/officeart/2005/8/layout/orgChart1"/>
-    <dgm:cxn modelId="{32A35D88-61D8-4698-8E7E-AB093CB22A1C}" type="presParOf" srcId="{F120DD96-5C7B-4DB9-BE96-515D8578F2E0}" destId="{8FAE5D03-9F48-4B6E-B11B-70A5B2155BEE}" srcOrd="0" destOrd="0" presId="urn:microsoft.com/office/officeart/2005/8/layout/orgChart1"/>
-    <dgm:cxn modelId="{A6E9110E-8DF5-4DB8-A653-E98BD02AACE3}" type="presParOf" srcId="{F120DD96-5C7B-4DB9-BE96-515D8578F2E0}" destId="{8ECE3276-F05A-4B71-80FC-89B480F3F2A8}" srcOrd="1" destOrd="0" presId="urn:microsoft.com/office/officeart/2005/8/layout/orgChart1"/>
-    <dgm:cxn modelId="{D1BFB4DE-8853-4CD6-96D0-4A02CFEF07A8}" type="presParOf" srcId="{4E04BDCC-646C-4E58-BA23-984D5F3EC45C}" destId="{45CD90D2-B824-464C-9AF5-DA137464F4C6}" srcOrd="1" destOrd="0" presId="urn:microsoft.com/office/officeart/2005/8/layout/orgChart1"/>
-    <dgm:cxn modelId="{F39AB8E5-4D24-4163-A93D-28C96B394977}" type="presParOf" srcId="{4E04BDCC-646C-4E58-BA23-984D5F3EC45C}" destId="{B1247A72-614C-489B-ADB6-025B285B5773}" srcOrd="2" destOrd="0" presId="urn:microsoft.com/office/officeart/2005/8/layout/orgChart1"/>
-    <dgm:cxn modelId="{37CD7CF3-1B39-4DB4-A141-B2DDAA684137}" type="presParOf" srcId="{AD7FCEF1-DA20-416E-B17E-7A7A73F30A48}" destId="{01709A7C-EA68-4033-A051-F723CA61FED8}" srcOrd="2" destOrd="0" presId="urn:microsoft.com/office/officeart/2005/8/layout/orgChart1"/>
-    <dgm:cxn modelId="{6B12A9C9-A912-4074-8671-45CA4CC78923}" type="presParOf" srcId="{AD7FCEF1-DA20-416E-B17E-7A7A73F30A48}" destId="{C225B059-25C2-4496-9D12-37710094F6AD}" srcOrd="3" destOrd="0" presId="urn:microsoft.com/office/officeart/2005/8/layout/orgChart1"/>
-    <dgm:cxn modelId="{D0D31986-1E7E-4919-9F83-86A57ED79779}" type="presParOf" srcId="{C225B059-25C2-4496-9D12-37710094F6AD}" destId="{C7446D12-422E-4F68-963A-E57DA9430473}" srcOrd="0" destOrd="0" presId="urn:microsoft.com/office/officeart/2005/8/layout/orgChart1"/>
-    <dgm:cxn modelId="{A1A25D81-58FA-45B9-9176-733D14081FFD}" type="presParOf" srcId="{C7446D12-422E-4F68-963A-E57DA9430473}" destId="{8B327A1C-C5DD-49BE-B1E1-DDB6F8BE2562}" srcOrd="0" destOrd="0" presId="urn:microsoft.com/office/officeart/2005/8/layout/orgChart1"/>
-    <dgm:cxn modelId="{9A4EAB11-8387-4CEF-94C4-1FBEDA699A64}" type="presParOf" srcId="{C7446D12-422E-4F68-963A-E57DA9430473}" destId="{27E6E2B8-A6C2-4D15-BED6-98B796566097}" srcOrd="1" destOrd="0" presId="urn:microsoft.com/office/officeart/2005/8/layout/orgChart1"/>
-    <dgm:cxn modelId="{1331981B-3A16-4CD9-A0D9-A5CD05EACB0B}" type="presParOf" srcId="{C225B059-25C2-4496-9D12-37710094F6AD}" destId="{9D8DD32F-AF25-47D1-90A6-BB3CE6DFDF31}" srcOrd="1" destOrd="0" presId="urn:microsoft.com/office/officeart/2005/8/layout/orgChart1"/>
-    <dgm:cxn modelId="{D64EF32A-8B5E-4D8B-8A69-C7F14D0D83F3}" type="presParOf" srcId="{C225B059-25C2-4496-9D12-37710094F6AD}" destId="{C965AF95-C0BF-4D19-AA89-1A65CEB7BF48}" srcOrd="2" destOrd="0" presId="urn:microsoft.com/office/officeart/2005/8/layout/orgChart1"/>
-    <dgm:cxn modelId="{4436BB5D-E8E7-4901-AB08-D5FB3BC619BC}" type="presParOf" srcId="{AD7FCEF1-DA20-416E-B17E-7A7A73F30A48}" destId="{61045771-888B-49C1-9B0E-AFE41FA9766A}" srcOrd="4" destOrd="0" presId="urn:microsoft.com/office/officeart/2005/8/layout/orgChart1"/>
-    <dgm:cxn modelId="{98738A30-213A-42AD-ABCB-01479C761846}" type="presParOf" srcId="{AD7FCEF1-DA20-416E-B17E-7A7A73F30A48}" destId="{5E39A7B4-50EE-46F7-BFEF-DA31AA5E482C}" srcOrd="5" destOrd="0" presId="urn:microsoft.com/office/officeart/2005/8/layout/orgChart1"/>
-    <dgm:cxn modelId="{ADEDA4E0-C1D5-4848-97FA-2DFF03E2C455}" type="presParOf" srcId="{5E39A7B4-50EE-46F7-BFEF-DA31AA5E482C}" destId="{81556BD9-D12F-4205-BE96-4116C23E8AF6}" srcOrd="0" destOrd="0" presId="urn:microsoft.com/office/officeart/2005/8/layout/orgChart1"/>
-    <dgm:cxn modelId="{0D56A0CE-91A5-41A9-BE9E-022846785F04}" type="presParOf" srcId="{81556BD9-D12F-4205-BE96-4116C23E8AF6}" destId="{74E187B4-9ED9-4BEA-BCF3-E8E1505D07C8}" srcOrd="0" destOrd="0" presId="urn:microsoft.com/office/officeart/2005/8/layout/orgChart1"/>
-    <dgm:cxn modelId="{1AFBB984-A49E-414D-8AB9-6A38A39BB36B}" type="presParOf" srcId="{81556BD9-D12F-4205-BE96-4116C23E8AF6}" destId="{FFC28DF9-2B08-4F2B-9BD7-A39C0D178941}" srcOrd="1" destOrd="0" presId="urn:microsoft.com/office/officeart/2005/8/layout/orgChart1"/>
-    <dgm:cxn modelId="{0C8A87CC-0E66-44E4-8262-2EC8E155C4BF}" type="presParOf" srcId="{5E39A7B4-50EE-46F7-BFEF-DA31AA5E482C}" destId="{3AEC5A9F-F3F2-49A3-8FA4-86D578BB26D7}" srcOrd="1" destOrd="0" presId="urn:microsoft.com/office/officeart/2005/8/layout/orgChart1"/>
-    <dgm:cxn modelId="{CE524732-CD7D-43E1-8C31-C703E3A83A09}" type="presParOf" srcId="{5E39A7B4-50EE-46F7-BFEF-DA31AA5E482C}" destId="{E2DB5E36-2C16-404E-9161-AF2CEB18844A}" srcOrd="2" destOrd="0" presId="urn:microsoft.com/office/officeart/2005/8/layout/orgChart1"/>
-    <dgm:cxn modelId="{CC4C86DA-6E19-417B-B5CE-7713E5EDC1D0}" type="presParOf" srcId="{AD7FCEF1-DA20-416E-B17E-7A7A73F30A48}" destId="{B699E823-BB83-4E40-805A-6B6013E2CE2F}" srcOrd="6" destOrd="0" presId="urn:microsoft.com/office/officeart/2005/8/layout/orgChart1"/>
-    <dgm:cxn modelId="{986F711B-B65E-4494-8D74-CCA7089D3F8B}" type="presParOf" srcId="{AD7FCEF1-DA20-416E-B17E-7A7A73F30A48}" destId="{F769B865-883D-4CCD-8472-7DA7C24C86A1}" srcOrd="7" destOrd="0" presId="urn:microsoft.com/office/officeart/2005/8/layout/orgChart1"/>
-    <dgm:cxn modelId="{1C061740-682F-43F2-81F4-DC64EC33F8EE}" type="presParOf" srcId="{F769B865-883D-4CCD-8472-7DA7C24C86A1}" destId="{A22F90AD-50DC-431D-BD94-0C02249B51B2}" srcOrd="0" destOrd="0" presId="urn:microsoft.com/office/officeart/2005/8/layout/orgChart1"/>
-    <dgm:cxn modelId="{85A0EDBA-7631-4016-9704-46CAE4B1B74D}" type="presParOf" srcId="{A22F90AD-50DC-431D-BD94-0C02249B51B2}" destId="{660B5F51-6E0F-46A5-A08E-6196366BAACC}" srcOrd="0" destOrd="0" presId="urn:microsoft.com/office/officeart/2005/8/layout/orgChart1"/>
-    <dgm:cxn modelId="{895A3A5A-AA0B-4A41-A93A-1F9EBEA9919C}" type="presParOf" srcId="{A22F90AD-50DC-431D-BD94-0C02249B51B2}" destId="{81E708D0-BD7F-4AA9-8B06-8BE92C8F8CB1}" srcOrd="1" destOrd="0" presId="urn:microsoft.com/office/officeart/2005/8/layout/orgChart1"/>
-    <dgm:cxn modelId="{8EDC2FE8-E639-4A70-915F-637DF14866DD}" type="presParOf" srcId="{F769B865-883D-4CCD-8472-7DA7C24C86A1}" destId="{88E56D95-E057-4B97-8470-1A4288299827}" srcOrd="1" destOrd="0" presId="urn:microsoft.com/office/officeart/2005/8/layout/orgChart1"/>
-    <dgm:cxn modelId="{7C763078-6ECB-4CC3-9F9B-F2BFD94D84CE}" type="presParOf" srcId="{F769B865-883D-4CCD-8472-7DA7C24C86A1}" destId="{44B3B0D8-D4C9-4FE5-9D9C-AF5EAE58E77F}" srcOrd="2" destOrd="0" presId="urn:microsoft.com/office/officeart/2005/8/layout/orgChart1"/>
-    <dgm:cxn modelId="{7343807D-4276-4B59-8D84-97D4861E7614}" type="presParOf" srcId="{AD7FCEF1-DA20-416E-B17E-7A7A73F30A48}" destId="{04A00C93-7AE3-4ABE-92CA-6179A1CE1E77}" srcOrd="8" destOrd="0" presId="urn:microsoft.com/office/officeart/2005/8/layout/orgChart1"/>
-    <dgm:cxn modelId="{C94615F5-D689-469D-8688-757037C6F453}" type="presParOf" srcId="{AD7FCEF1-DA20-416E-B17E-7A7A73F30A48}" destId="{35D54CF5-AD0C-4110-99EA-DAF190F6A988}" srcOrd="9" destOrd="0" presId="urn:microsoft.com/office/officeart/2005/8/layout/orgChart1"/>
-    <dgm:cxn modelId="{ACD687F6-89FC-43F2-B1DF-5F63C194AD92}" type="presParOf" srcId="{35D54CF5-AD0C-4110-99EA-DAF190F6A988}" destId="{822C229A-2DD0-43D3-90E6-FDA31EFF7E4D}" srcOrd="0" destOrd="0" presId="urn:microsoft.com/office/officeart/2005/8/layout/orgChart1"/>
-    <dgm:cxn modelId="{48143B10-ECCF-42B8-9522-0A609F814DC7}" type="presParOf" srcId="{822C229A-2DD0-43D3-90E6-FDA31EFF7E4D}" destId="{5273C629-8CBC-47C6-A5AC-8F137C9641EB}" srcOrd="0" destOrd="0" presId="urn:microsoft.com/office/officeart/2005/8/layout/orgChart1"/>
-    <dgm:cxn modelId="{BB5229F3-21F0-43D9-A401-A886C27438F6}" type="presParOf" srcId="{822C229A-2DD0-43D3-90E6-FDA31EFF7E4D}" destId="{749577BE-9476-4C0D-9E31-E40C82C0E80D}" srcOrd="1" destOrd="0" presId="urn:microsoft.com/office/officeart/2005/8/layout/orgChart1"/>
-    <dgm:cxn modelId="{A5F1684F-6518-4839-B978-04C3C093D4B5}" type="presParOf" srcId="{35D54CF5-AD0C-4110-99EA-DAF190F6A988}" destId="{F8826116-F8F4-4143-905E-7121BC4639B8}" srcOrd="1" destOrd="0" presId="urn:microsoft.com/office/officeart/2005/8/layout/orgChart1"/>
-    <dgm:cxn modelId="{A92BB8C4-10CE-4691-80D6-4331FA26E332}" type="presParOf" srcId="{35D54CF5-AD0C-4110-99EA-DAF190F6A988}" destId="{494B3680-7C1E-4FF5-94FC-3795A7EE320A}" srcOrd="2" destOrd="0" presId="urn:microsoft.com/office/officeart/2005/8/layout/orgChart1"/>
-    <dgm:cxn modelId="{0B130481-63CC-41C1-B920-8CFF1D724EE6}" type="presParOf" srcId="{43580C5D-2FA6-44CF-8A26-EEEE8FFDA1E5}" destId="{E396A441-D7F5-4A9E-A413-16DA543173B2}" srcOrd="2" destOrd="0" presId="urn:microsoft.com/office/officeart/2005/8/layout/orgChart1"/>
+    <dgm:cxn modelId="{FCBD200D-73AB-4AA6-9FC7-FE94B102E1BE}" type="presParOf" srcId="{B7439230-7180-43E4-9093-B8C2408D1498}" destId="{43580C5D-2FA6-44CF-8A26-EEEE8FFDA1E5}" srcOrd="0" destOrd="0" presId="urn:microsoft.com/office/officeart/2005/8/layout/orgChart1"/>
+    <dgm:cxn modelId="{DB38D254-EB91-4DA7-948B-DF05B7DED8C7}" type="presParOf" srcId="{43580C5D-2FA6-44CF-8A26-EEEE8FFDA1E5}" destId="{620E4EC1-B22D-4492-BE01-00785F7CC7E7}" srcOrd="0" destOrd="0" presId="urn:microsoft.com/office/officeart/2005/8/layout/orgChart1"/>
+    <dgm:cxn modelId="{56C09E03-FC38-4F4C-AA35-8AD3C5119126}" type="presParOf" srcId="{620E4EC1-B22D-4492-BE01-00785F7CC7E7}" destId="{6476180F-7273-49DE-8DAC-8768F798324B}" srcOrd="0" destOrd="0" presId="urn:microsoft.com/office/officeart/2005/8/layout/orgChart1"/>
+    <dgm:cxn modelId="{42437C3C-2CF0-41D2-B72F-D59B1AEADB5F}" type="presParOf" srcId="{620E4EC1-B22D-4492-BE01-00785F7CC7E7}" destId="{4AD97273-D195-478C-97C9-7D3ED07763DD}" srcOrd="1" destOrd="0" presId="urn:microsoft.com/office/officeart/2005/8/layout/orgChart1"/>
+    <dgm:cxn modelId="{CC512C39-21C3-474A-A4D8-2F6571540EE1}" type="presParOf" srcId="{43580C5D-2FA6-44CF-8A26-EEEE8FFDA1E5}" destId="{AD7FCEF1-DA20-416E-B17E-7A7A73F30A48}" srcOrd="1" destOrd="0" presId="urn:microsoft.com/office/officeart/2005/8/layout/orgChart1"/>
+    <dgm:cxn modelId="{E58A39AF-BA91-422C-92DF-0DFF9D4399C1}" type="presParOf" srcId="{AD7FCEF1-DA20-416E-B17E-7A7A73F30A48}" destId="{83F61404-A508-4F8E-9A05-D87E06B0EBF1}" srcOrd="0" destOrd="0" presId="urn:microsoft.com/office/officeart/2005/8/layout/orgChart1"/>
+    <dgm:cxn modelId="{5D55DFB4-8A10-4905-A84C-B0D9FE595EBE}" type="presParOf" srcId="{AD7FCEF1-DA20-416E-B17E-7A7A73F30A48}" destId="{4E04BDCC-646C-4E58-BA23-984D5F3EC45C}" srcOrd="1" destOrd="0" presId="urn:microsoft.com/office/officeart/2005/8/layout/orgChart1"/>
+    <dgm:cxn modelId="{74787E52-1975-42C9-900B-3635C8393D4C}" type="presParOf" srcId="{4E04BDCC-646C-4E58-BA23-984D5F3EC45C}" destId="{F120DD96-5C7B-4DB9-BE96-515D8578F2E0}" srcOrd="0" destOrd="0" presId="urn:microsoft.com/office/officeart/2005/8/layout/orgChart1"/>
+    <dgm:cxn modelId="{C878D2D8-5F34-4187-9EB2-0F1872A079A4}" type="presParOf" srcId="{F120DD96-5C7B-4DB9-BE96-515D8578F2E0}" destId="{8FAE5D03-9F48-4B6E-B11B-70A5B2155BEE}" srcOrd="0" destOrd="0" presId="urn:microsoft.com/office/officeart/2005/8/layout/orgChart1"/>
+    <dgm:cxn modelId="{AB8D70FA-8268-4066-944F-D7A8C80FF9B7}" type="presParOf" srcId="{F120DD96-5C7B-4DB9-BE96-515D8578F2E0}" destId="{8ECE3276-F05A-4B71-80FC-89B480F3F2A8}" srcOrd="1" destOrd="0" presId="urn:microsoft.com/office/officeart/2005/8/layout/orgChart1"/>
+    <dgm:cxn modelId="{92CED1F5-6CA6-4310-845A-E53E817D2308}" type="presParOf" srcId="{4E04BDCC-646C-4E58-BA23-984D5F3EC45C}" destId="{45CD90D2-B824-464C-9AF5-DA137464F4C6}" srcOrd="1" destOrd="0" presId="urn:microsoft.com/office/officeart/2005/8/layout/orgChart1"/>
+    <dgm:cxn modelId="{2E255959-4751-4EFD-8DAB-86B2C34448E4}" type="presParOf" srcId="{4E04BDCC-646C-4E58-BA23-984D5F3EC45C}" destId="{B1247A72-614C-489B-ADB6-025B285B5773}" srcOrd="2" destOrd="0" presId="urn:microsoft.com/office/officeart/2005/8/layout/orgChart1"/>
+    <dgm:cxn modelId="{08E0902A-1A7D-4FA9-A516-EA37AFFCCE6D}" type="presParOf" srcId="{AD7FCEF1-DA20-416E-B17E-7A7A73F30A48}" destId="{01709A7C-EA68-4033-A051-F723CA61FED8}" srcOrd="2" destOrd="0" presId="urn:microsoft.com/office/officeart/2005/8/layout/orgChart1"/>
+    <dgm:cxn modelId="{420D3A7B-C337-4A05-BF9C-2C6B2AA75475}" type="presParOf" srcId="{AD7FCEF1-DA20-416E-B17E-7A7A73F30A48}" destId="{C225B059-25C2-4496-9D12-37710094F6AD}" srcOrd="3" destOrd="0" presId="urn:microsoft.com/office/officeart/2005/8/layout/orgChart1"/>
+    <dgm:cxn modelId="{240C4397-589C-4B22-A6A4-0387D2FF293A}" type="presParOf" srcId="{C225B059-25C2-4496-9D12-37710094F6AD}" destId="{C7446D12-422E-4F68-963A-E57DA9430473}" srcOrd="0" destOrd="0" presId="urn:microsoft.com/office/officeart/2005/8/layout/orgChart1"/>
+    <dgm:cxn modelId="{4205B888-64DF-4CF6-933B-4ECC24BC6388}" type="presParOf" srcId="{C7446D12-422E-4F68-963A-E57DA9430473}" destId="{8B327A1C-C5DD-49BE-B1E1-DDB6F8BE2562}" srcOrd="0" destOrd="0" presId="urn:microsoft.com/office/officeart/2005/8/layout/orgChart1"/>
+    <dgm:cxn modelId="{E36F99D7-4727-49E5-ADA3-21BD76E812B2}" type="presParOf" srcId="{C7446D12-422E-4F68-963A-E57DA9430473}" destId="{27E6E2B8-A6C2-4D15-BED6-98B796566097}" srcOrd="1" destOrd="0" presId="urn:microsoft.com/office/officeart/2005/8/layout/orgChart1"/>
+    <dgm:cxn modelId="{DCC7AA20-4502-48F9-BBF4-CC90894EF16A}" type="presParOf" srcId="{C225B059-25C2-4496-9D12-37710094F6AD}" destId="{9D8DD32F-AF25-47D1-90A6-BB3CE6DFDF31}" srcOrd="1" destOrd="0" presId="urn:microsoft.com/office/officeart/2005/8/layout/orgChart1"/>
+    <dgm:cxn modelId="{81199182-5B25-4FBF-A7CC-40DFA5F31E86}" type="presParOf" srcId="{C225B059-25C2-4496-9D12-37710094F6AD}" destId="{C965AF95-C0BF-4D19-AA89-1A65CEB7BF48}" srcOrd="2" destOrd="0" presId="urn:microsoft.com/office/officeart/2005/8/layout/orgChart1"/>
+    <dgm:cxn modelId="{F93DC7A0-9200-4E67-9527-E76EE8EEAEF5}" type="presParOf" srcId="{AD7FCEF1-DA20-416E-B17E-7A7A73F30A48}" destId="{61045771-888B-49C1-9B0E-AFE41FA9766A}" srcOrd="4" destOrd="0" presId="urn:microsoft.com/office/officeart/2005/8/layout/orgChart1"/>
+    <dgm:cxn modelId="{307C2934-A3AB-431C-A76E-A0B49E438EF6}" type="presParOf" srcId="{AD7FCEF1-DA20-416E-B17E-7A7A73F30A48}" destId="{5E39A7B4-50EE-46F7-BFEF-DA31AA5E482C}" srcOrd="5" destOrd="0" presId="urn:microsoft.com/office/officeart/2005/8/layout/orgChart1"/>
+    <dgm:cxn modelId="{C152FC3D-5C3E-44D7-9F8A-E1CDD38F80E3}" type="presParOf" srcId="{5E39A7B4-50EE-46F7-BFEF-DA31AA5E482C}" destId="{81556BD9-D12F-4205-BE96-4116C23E8AF6}" srcOrd="0" destOrd="0" presId="urn:microsoft.com/office/officeart/2005/8/layout/orgChart1"/>
+    <dgm:cxn modelId="{6E8A22C1-957E-4E3E-91CE-2578047A3A78}" type="presParOf" srcId="{81556BD9-D12F-4205-BE96-4116C23E8AF6}" destId="{74E187B4-9ED9-4BEA-BCF3-E8E1505D07C8}" srcOrd="0" destOrd="0" presId="urn:microsoft.com/office/officeart/2005/8/layout/orgChart1"/>
+    <dgm:cxn modelId="{672374DE-1EA9-4A62-939D-9219E3625BC7}" type="presParOf" srcId="{81556BD9-D12F-4205-BE96-4116C23E8AF6}" destId="{FFC28DF9-2B08-4F2B-9BD7-A39C0D178941}" srcOrd="1" destOrd="0" presId="urn:microsoft.com/office/officeart/2005/8/layout/orgChart1"/>
+    <dgm:cxn modelId="{D4E6B24E-3B66-40BD-9B5D-3336D25262D4}" type="presParOf" srcId="{5E39A7B4-50EE-46F7-BFEF-DA31AA5E482C}" destId="{3AEC5A9F-F3F2-49A3-8FA4-86D578BB26D7}" srcOrd="1" destOrd="0" presId="urn:microsoft.com/office/officeart/2005/8/layout/orgChart1"/>
+    <dgm:cxn modelId="{E69606A5-FF87-4871-9E42-DC73C62BA0BB}" type="presParOf" srcId="{5E39A7B4-50EE-46F7-BFEF-DA31AA5E482C}" destId="{E2DB5E36-2C16-404E-9161-AF2CEB18844A}" srcOrd="2" destOrd="0" presId="urn:microsoft.com/office/officeart/2005/8/layout/orgChart1"/>
+    <dgm:cxn modelId="{A99CE7B5-2D87-4697-AA30-E51478EAACB9}" type="presParOf" srcId="{AD7FCEF1-DA20-416E-B17E-7A7A73F30A48}" destId="{B699E823-BB83-4E40-805A-6B6013E2CE2F}" srcOrd="6" destOrd="0" presId="urn:microsoft.com/office/officeart/2005/8/layout/orgChart1"/>
+    <dgm:cxn modelId="{4C18007D-F4F7-4D24-B23F-19FCA66ED9AA}" type="presParOf" srcId="{AD7FCEF1-DA20-416E-B17E-7A7A73F30A48}" destId="{F769B865-883D-4CCD-8472-7DA7C24C86A1}" srcOrd="7" destOrd="0" presId="urn:microsoft.com/office/officeart/2005/8/layout/orgChart1"/>
+    <dgm:cxn modelId="{ACEFFDC1-C2C9-410E-B99D-FB4CA93723D2}" type="presParOf" srcId="{F769B865-883D-4CCD-8472-7DA7C24C86A1}" destId="{A22F90AD-50DC-431D-BD94-0C02249B51B2}" srcOrd="0" destOrd="0" presId="urn:microsoft.com/office/officeart/2005/8/layout/orgChart1"/>
+    <dgm:cxn modelId="{4059ED88-7376-4948-BB44-C2B6A1C7182D}" type="presParOf" srcId="{A22F90AD-50DC-431D-BD94-0C02249B51B2}" destId="{660B5F51-6E0F-46A5-A08E-6196366BAACC}" srcOrd="0" destOrd="0" presId="urn:microsoft.com/office/officeart/2005/8/layout/orgChart1"/>
+    <dgm:cxn modelId="{3BDBFB2B-3191-4870-8BE8-5404877EB603}" type="presParOf" srcId="{A22F90AD-50DC-431D-BD94-0C02249B51B2}" destId="{81E708D0-BD7F-4AA9-8B06-8BE92C8F8CB1}" srcOrd="1" destOrd="0" presId="urn:microsoft.com/office/officeart/2005/8/layout/orgChart1"/>
+    <dgm:cxn modelId="{D7650F92-E757-4E1A-B6C6-7B52708FCBEA}" type="presParOf" srcId="{F769B865-883D-4CCD-8472-7DA7C24C86A1}" destId="{88E56D95-E057-4B97-8470-1A4288299827}" srcOrd="1" destOrd="0" presId="urn:microsoft.com/office/officeart/2005/8/layout/orgChart1"/>
+    <dgm:cxn modelId="{C16F66CA-364B-4F96-8E27-EF02DF5B177A}" type="presParOf" srcId="{F769B865-883D-4CCD-8472-7DA7C24C86A1}" destId="{44B3B0D8-D4C9-4FE5-9D9C-AF5EAE58E77F}" srcOrd="2" destOrd="0" presId="urn:microsoft.com/office/officeart/2005/8/layout/orgChart1"/>
+    <dgm:cxn modelId="{D7CE2224-9402-4FAC-B77A-46A20A0959B5}" type="presParOf" srcId="{AD7FCEF1-DA20-416E-B17E-7A7A73F30A48}" destId="{04A00C93-7AE3-4ABE-92CA-6179A1CE1E77}" srcOrd="8" destOrd="0" presId="urn:microsoft.com/office/officeart/2005/8/layout/orgChart1"/>
+    <dgm:cxn modelId="{8F7A80ED-8886-4D51-96F4-0A17A28125F8}" type="presParOf" srcId="{AD7FCEF1-DA20-416E-B17E-7A7A73F30A48}" destId="{35D54CF5-AD0C-4110-99EA-DAF190F6A988}" srcOrd="9" destOrd="0" presId="urn:microsoft.com/office/officeart/2005/8/layout/orgChart1"/>
+    <dgm:cxn modelId="{B6EBCC0C-8857-448E-A14E-ED42BB4B58DE}" type="presParOf" srcId="{35D54CF5-AD0C-4110-99EA-DAF190F6A988}" destId="{822C229A-2DD0-43D3-90E6-FDA31EFF7E4D}" srcOrd="0" destOrd="0" presId="urn:microsoft.com/office/officeart/2005/8/layout/orgChart1"/>
+    <dgm:cxn modelId="{6DBC73FA-80C6-4AB1-AFB5-E7120F9E9031}" type="presParOf" srcId="{822C229A-2DD0-43D3-90E6-FDA31EFF7E4D}" destId="{5273C629-8CBC-47C6-A5AC-8F137C9641EB}" srcOrd="0" destOrd="0" presId="urn:microsoft.com/office/officeart/2005/8/layout/orgChart1"/>
+    <dgm:cxn modelId="{6D23A521-ECF0-47C6-B5C9-422FEBA2B9EC}" type="presParOf" srcId="{822C229A-2DD0-43D3-90E6-FDA31EFF7E4D}" destId="{749577BE-9476-4C0D-9E31-E40C82C0E80D}" srcOrd="1" destOrd="0" presId="urn:microsoft.com/office/officeart/2005/8/layout/orgChart1"/>
+    <dgm:cxn modelId="{1A4AA6D0-EBC8-4EEE-97D8-A2ADCD57DC3E}" type="presParOf" srcId="{35D54CF5-AD0C-4110-99EA-DAF190F6A988}" destId="{F8826116-F8F4-4143-905E-7121BC4639B8}" srcOrd="1" destOrd="0" presId="urn:microsoft.com/office/officeart/2005/8/layout/orgChart1"/>
+    <dgm:cxn modelId="{00C0AA5C-8B02-4DD6-B8A5-45525953EB4E}" type="presParOf" srcId="{35D54CF5-AD0C-4110-99EA-DAF190F6A988}" destId="{494B3680-7C1E-4FF5-94FC-3795A7EE320A}" srcOrd="2" destOrd="0" presId="urn:microsoft.com/office/officeart/2005/8/layout/orgChart1"/>
+    <dgm:cxn modelId="{4DFD1158-87F4-4BE6-9F20-33A753E7BF42}" type="presParOf" srcId="{43580C5D-2FA6-44CF-8A26-EEEE8FFDA1E5}" destId="{E396A441-D7F5-4A9E-A413-16DA543173B2}" srcOrd="2" destOrd="0" presId="urn:microsoft.com/office/officeart/2005/8/layout/orgChart1"/>
   </dgm:cxnLst>
   <dgm:bg/>
   <dgm:whole/>
@@ -1558,8 +1558,8 @@
       </dsp:nvSpPr>
       <dsp:spPr>
         <a:xfrm>
-          <a:off x="4212468" y="1180698"/>
-          <a:ext cx="3490558" cy="302899"/>
+          <a:off x="3456384" y="1027861"/>
+          <a:ext cx="2864047" cy="248533"/>
         </a:xfrm>
         <a:custGeom>
           <a:avLst/>
@@ -1573,13 +1573,13 @@
                 <a:pt x="0" y="0"/>
               </a:moveTo>
               <a:lnTo>
-                <a:pt x="0" y="151449"/>
+                <a:pt x="0" y="124266"/>
               </a:lnTo>
               <a:lnTo>
-                <a:pt x="3490558" y="151449"/>
+                <a:pt x="2864047" y="124266"/>
               </a:lnTo>
               <a:lnTo>
-                <a:pt x="3490558" y="302899"/>
+                <a:pt x="2864047" y="248533"/>
               </a:lnTo>
             </a:path>
           </a:pathLst>
@@ -1619,8 +1619,8 @@
       </dsp:nvSpPr>
       <dsp:spPr>
         <a:xfrm>
-          <a:off x="4212468" y="1180698"/>
-          <a:ext cx="1745279" cy="302899"/>
+          <a:off x="3456384" y="1027861"/>
+          <a:ext cx="1432023" cy="248533"/>
         </a:xfrm>
         <a:custGeom>
           <a:avLst/>
@@ -1634,13 +1634,13 @@
                 <a:pt x="0" y="0"/>
               </a:moveTo>
               <a:lnTo>
-                <a:pt x="0" y="151449"/>
+                <a:pt x="0" y="124266"/>
               </a:lnTo>
               <a:lnTo>
-                <a:pt x="1745279" y="151449"/>
+                <a:pt x="1432023" y="124266"/>
               </a:lnTo>
               <a:lnTo>
-                <a:pt x="1745279" y="302899"/>
+                <a:pt x="1432023" y="248533"/>
               </a:lnTo>
             </a:path>
           </a:pathLst>
@@ -1680,8 +1680,8 @@
       </dsp:nvSpPr>
       <dsp:spPr>
         <a:xfrm>
-          <a:off x="4166748" y="1180698"/>
-          <a:ext cx="91440" cy="302899"/>
+          <a:off x="3410664" y="1027861"/>
+          <a:ext cx="91440" cy="248533"/>
         </a:xfrm>
         <a:custGeom>
           <a:avLst/>
@@ -1695,7 +1695,7 @@
                 <a:pt x="45720" y="0"/>
               </a:moveTo>
               <a:lnTo>
-                <a:pt x="45720" y="302899"/>
+                <a:pt x="45720" y="248533"/>
               </a:lnTo>
             </a:path>
           </a:pathLst>
@@ -1735,8 +1735,8 @@
       </dsp:nvSpPr>
       <dsp:spPr>
         <a:xfrm>
-          <a:off x="2467188" y="1180698"/>
-          <a:ext cx="1745279" cy="302899"/>
+          <a:off x="2024360" y="1027861"/>
+          <a:ext cx="1432023" cy="248533"/>
         </a:xfrm>
         <a:custGeom>
           <a:avLst/>
@@ -1747,16 +1747,16 @@
           <a:pathLst>
             <a:path>
               <a:moveTo>
-                <a:pt x="1745279" y="0"/>
+                <a:pt x="1432023" y="0"/>
               </a:moveTo>
               <a:lnTo>
-                <a:pt x="1745279" y="151449"/>
+                <a:pt x="1432023" y="124266"/>
               </a:lnTo>
               <a:lnTo>
-                <a:pt x="0" y="151449"/>
+                <a:pt x="0" y="124266"/>
               </a:lnTo>
               <a:lnTo>
-                <a:pt x="0" y="302899"/>
+                <a:pt x="0" y="248533"/>
               </a:lnTo>
             </a:path>
           </a:pathLst>
@@ -1796,8 +1796,8 @@
       </dsp:nvSpPr>
       <dsp:spPr>
         <a:xfrm>
-          <a:off x="721909" y="1180698"/>
-          <a:ext cx="3490558" cy="302899"/>
+          <a:off x="592336" y="1027861"/>
+          <a:ext cx="2864047" cy="248533"/>
         </a:xfrm>
         <a:custGeom>
           <a:avLst/>
@@ -1808,16 +1808,16 @@
           <a:pathLst>
             <a:path>
               <a:moveTo>
-                <a:pt x="3490558" y="0"/>
+                <a:pt x="2864047" y="0"/>
               </a:moveTo>
               <a:lnTo>
-                <a:pt x="3490558" y="151449"/>
+                <a:pt x="2864047" y="124266"/>
               </a:lnTo>
               <a:lnTo>
-                <a:pt x="0" y="151449"/>
+                <a:pt x="0" y="124266"/>
               </a:lnTo>
               <a:lnTo>
-                <a:pt x="0" y="302899"/>
+                <a:pt x="0" y="248533"/>
               </a:lnTo>
             </a:path>
           </a:pathLst>
@@ -1857,8 +1857,8 @@
       </dsp:nvSpPr>
       <dsp:spPr>
         <a:xfrm>
-          <a:off x="3491278" y="459508"/>
-          <a:ext cx="1442379" cy="721189"/>
+          <a:off x="2864638" y="436116"/>
+          <a:ext cx="1183490" cy="591745"/>
         </a:xfrm>
         <a:prstGeom prst="rect">
           <a:avLst/>
@@ -1899,12 +1899,12 @@
         </a:fontRef>
       </dsp:style>
       <dsp:txBody>
-        <a:bodyPr spcFirstLastPara="0" vert="horz" wrap="square" lIns="10160" tIns="10160" rIns="10160" bIns="10160" numCol="1" spcCol="1270" anchor="ctr" anchorCtr="0">
+        <a:bodyPr spcFirstLastPara="0" vert="horz" wrap="square" lIns="8255" tIns="8255" rIns="8255" bIns="8255" numCol="1" spcCol="1270" anchor="ctr" anchorCtr="0">
           <a:noAutofit/>
         </a:bodyPr>
         <a:lstStyle/>
         <a:p>
-          <a:pPr lvl="0" algn="ctr" defTabSz="711200">
+          <a:pPr lvl="0" algn="ctr" defTabSz="577850">
             <a:lnSpc>
               <a:spcPct val="90000"/>
             </a:lnSpc>
@@ -1916,15 +1916,15 @@
             </a:spcAft>
           </a:pPr>
           <a:r>
-            <a:rPr lang="de-DE" sz="1600" kern="1200" smtClean="0"/>
+            <a:rPr lang="de-DE" sz="1300" kern="1200" smtClean="0"/>
             <a:t>Quantentheorie</a:t>
           </a:r>
-          <a:endParaRPr lang="de-DE" sz="1600" kern="1200"/>
+          <a:endParaRPr lang="de-DE" sz="1300" kern="1200"/>
         </a:p>
       </dsp:txBody>
       <dsp:txXfrm>
-        <a:off x="3491278" y="459508"/>
-        <a:ext cx="1442379" cy="721189"/>
+        <a:off x="2864638" y="436116"/>
+        <a:ext cx="1183490" cy="591745"/>
       </dsp:txXfrm>
     </dsp:sp>
     <dsp:sp modelId="{8FAE5D03-9F48-4B6E-B11B-70A5B2155BEE}">
@@ -1934,14 +1934,14 @@
       </dsp:nvSpPr>
       <dsp:spPr>
         <a:xfrm>
-          <a:off x="719" y="1483597"/>
-          <a:ext cx="1442379" cy="721189"/>
+          <a:off x="590" y="1276394"/>
+          <a:ext cx="1183490" cy="591745"/>
         </a:xfrm>
         <a:prstGeom prst="rect">
           <a:avLst/>
         </a:prstGeom>
         <a:solidFill>
-          <a:srgbClr val="C00000"/>
+          <a:schemeClr val="accent1"/>
         </a:solidFill>
         <a:ln w="25400" cap="flat" cmpd="sng" algn="ctr">
           <a:solidFill>
@@ -1971,12 +1971,12 @@
         </a:fontRef>
       </dsp:style>
       <dsp:txBody>
-        <a:bodyPr spcFirstLastPara="0" vert="horz" wrap="square" lIns="10160" tIns="10160" rIns="10160" bIns="10160" numCol="1" spcCol="1270" anchor="ctr" anchorCtr="0">
+        <a:bodyPr spcFirstLastPara="0" vert="horz" wrap="square" lIns="8255" tIns="8255" rIns="8255" bIns="8255" numCol="1" spcCol="1270" anchor="ctr" anchorCtr="0">
           <a:noAutofit/>
         </a:bodyPr>
         <a:lstStyle/>
         <a:p>
-          <a:pPr lvl="0" algn="ctr" defTabSz="711200">
+          <a:pPr lvl="0" algn="ctr" defTabSz="577850">
             <a:lnSpc>
               <a:spcPct val="90000"/>
             </a:lnSpc>
@@ -1988,15 +1988,15 @@
             </a:spcAft>
           </a:pPr>
           <a:r>
-            <a:rPr lang="de-DE" sz="1600" kern="1200" smtClean="0"/>
+            <a:rPr lang="de-DE" sz="1300" kern="1200" smtClean="0"/>
             <a:t>Quanten-mechanik</a:t>
           </a:r>
-          <a:endParaRPr lang="de-DE" sz="1600" kern="1200"/>
+          <a:endParaRPr lang="de-DE" sz="1300" kern="1200"/>
         </a:p>
       </dsp:txBody>
       <dsp:txXfrm>
-        <a:off x="719" y="1483597"/>
-        <a:ext cx="1442379" cy="721189"/>
+        <a:off x="590" y="1276394"/>
+        <a:ext cx="1183490" cy="591745"/>
       </dsp:txXfrm>
     </dsp:sp>
     <dsp:sp modelId="{8B327A1C-C5DD-49BE-B1E1-DDB6F8BE2562}">
@@ -2006,8 +2006,8 @@
       </dsp:nvSpPr>
       <dsp:spPr>
         <a:xfrm>
-          <a:off x="1745999" y="1483597"/>
-          <a:ext cx="1442379" cy="721189"/>
+          <a:off x="1432614" y="1276394"/>
+          <a:ext cx="1183490" cy="591745"/>
         </a:xfrm>
         <a:prstGeom prst="rect">
           <a:avLst/>
@@ -2048,12 +2048,12 @@
         </a:fontRef>
       </dsp:style>
       <dsp:txBody>
-        <a:bodyPr spcFirstLastPara="0" vert="horz" wrap="square" lIns="10160" tIns="10160" rIns="10160" bIns="10160" numCol="1" spcCol="1270" anchor="ctr" anchorCtr="0">
+        <a:bodyPr spcFirstLastPara="0" vert="horz" wrap="square" lIns="8255" tIns="8255" rIns="8255" bIns="8255" numCol="1" spcCol="1270" anchor="ctr" anchorCtr="0">
           <a:noAutofit/>
         </a:bodyPr>
         <a:lstStyle/>
         <a:p>
-          <a:pPr lvl="0" algn="ctr" defTabSz="711200">
+          <a:pPr lvl="0" algn="ctr" defTabSz="577850">
             <a:lnSpc>
               <a:spcPct val="90000"/>
             </a:lnSpc>
@@ -2065,15 +2065,15 @@
             </a:spcAft>
           </a:pPr>
           <a:r>
-            <a:rPr lang="de-DE" sz="1600" kern="1200" smtClean="0"/>
+            <a:rPr lang="de-DE" sz="1300" kern="1200" smtClean="0"/>
             <a:t>Quanten-feldtheorie</a:t>
           </a:r>
-          <a:endParaRPr lang="de-DE" sz="1600" kern="1200"/>
+          <a:endParaRPr lang="de-DE" sz="1300" kern="1200"/>
         </a:p>
       </dsp:txBody>
       <dsp:txXfrm>
-        <a:off x="1745999" y="1483597"/>
-        <a:ext cx="1442379" cy="721189"/>
+        <a:off x="1432614" y="1276394"/>
+        <a:ext cx="1183490" cy="591745"/>
       </dsp:txXfrm>
     </dsp:sp>
     <dsp:sp modelId="{74E187B4-9ED9-4BEA-BCF3-E8E1505D07C8}">
@@ -2083,8 +2083,8 @@
       </dsp:nvSpPr>
       <dsp:spPr>
         <a:xfrm>
-          <a:off x="3491278" y="1483597"/>
-          <a:ext cx="1442379" cy="721189"/>
+          <a:off x="2864638" y="1276394"/>
+          <a:ext cx="1183490" cy="591745"/>
         </a:xfrm>
         <a:prstGeom prst="rect">
           <a:avLst/>
@@ -2125,12 +2125,12 @@
         </a:fontRef>
       </dsp:style>
       <dsp:txBody>
-        <a:bodyPr spcFirstLastPara="0" vert="horz" wrap="square" lIns="10160" tIns="10160" rIns="10160" bIns="10160" numCol="1" spcCol="1270" anchor="ctr" anchorCtr="0">
+        <a:bodyPr spcFirstLastPara="0" vert="horz" wrap="square" lIns="8255" tIns="8255" rIns="8255" bIns="8255" numCol="1" spcCol="1270" anchor="ctr" anchorCtr="0">
           <a:noAutofit/>
         </a:bodyPr>
         <a:lstStyle/>
         <a:p>
-          <a:pPr lvl="0" algn="ctr" defTabSz="711200">
+          <a:pPr lvl="0" algn="ctr" defTabSz="577850">
             <a:lnSpc>
               <a:spcPct val="90000"/>
             </a:lnSpc>
@@ -2142,15 +2142,15 @@
             </a:spcAft>
           </a:pPr>
           <a:r>
-            <a:rPr lang="de-DE" sz="1600" kern="1200" smtClean="0"/>
+            <a:rPr lang="de-DE" sz="1300" kern="1200" smtClean="0"/>
             <a:t>String-Theorie</a:t>
           </a:r>
-          <a:endParaRPr lang="de-DE" sz="1600" kern="1200"/>
+          <a:endParaRPr lang="de-DE" sz="1300" kern="1200"/>
         </a:p>
       </dsp:txBody>
       <dsp:txXfrm>
-        <a:off x="3491278" y="1483597"/>
-        <a:ext cx="1442379" cy="721189"/>
+        <a:off x="2864638" y="1276394"/>
+        <a:ext cx="1183490" cy="591745"/>
       </dsp:txXfrm>
     </dsp:sp>
     <dsp:sp modelId="{660B5F51-6E0F-46A5-A08E-6196366BAACC}">
@@ -2160,8 +2160,8 @@
       </dsp:nvSpPr>
       <dsp:spPr>
         <a:xfrm>
-          <a:off x="5236557" y="1483597"/>
-          <a:ext cx="1442379" cy="721189"/>
+          <a:off x="4296662" y="1276394"/>
+          <a:ext cx="1183490" cy="591745"/>
         </a:xfrm>
         <a:prstGeom prst="rect">
           <a:avLst/>
@@ -2202,12 +2202,12 @@
         </a:fontRef>
       </dsp:style>
       <dsp:txBody>
-        <a:bodyPr spcFirstLastPara="0" vert="horz" wrap="square" lIns="10160" tIns="10160" rIns="10160" bIns="10160" numCol="1" spcCol="1270" anchor="ctr" anchorCtr="0">
+        <a:bodyPr spcFirstLastPara="0" vert="horz" wrap="square" lIns="8255" tIns="8255" rIns="8255" bIns="8255" numCol="1" spcCol="1270" anchor="ctr" anchorCtr="0">
           <a:noAutofit/>
         </a:bodyPr>
         <a:lstStyle/>
         <a:p>
-          <a:pPr lvl="0" algn="ctr" defTabSz="711200">
+          <a:pPr lvl="0" algn="ctr" defTabSz="577850">
             <a:lnSpc>
               <a:spcPct val="90000"/>
             </a:lnSpc>
@@ -2219,15 +2219,15 @@
             </a:spcAft>
           </a:pPr>
           <a:r>
-            <a:rPr lang="de-DE" sz="1600" kern="1200" smtClean="0"/>
+            <a:rPr lang="de-DE" sz="1300" kern="1200" smtClean="0"/>
             <a:t>Schleifen-quanten-gravitation</a:t>
           </a:r>
-          <a:endParaRPr lang="de-DE" sz="1600" kern="1200"/>
+          <a:endParaRPr lang="de-DE" sz="1300" kern="1200"/>
         </a:p>
       </dsp:txBody>
       <dsp:txXfrm>
-        <a:off x="5236557" y="1483597"/>
-        <a:ext cx="1442379" cy="721189"/>
+        <a:off x="4296662" y="1276394"/>
+        <a:ext cx="1183490" cy="591745"/>
       </dsp:txXfrm>
     </dsp:sp>
     <dsp:sp modelId="{5273C629-8CBC-47C6-A5AC-8F137C9641EB}">
@@ -2237,8 +2237,8 @@
       </dsp:nvSpPr>
       <dsp:spPr>
         <a:xfrm>
-          <a:off x="6981836" y="1483597"/>
-          <a:ext cx="1442379" cy="721189"/>
+          <a:off x="5728686" y="1276394"/>
+          <a:ext cx="1183490" cy="591745"/>
         </a:xfrm>
         <a:prstGeom prst="rect">
           <a:avLst/>
@@ -2279,12 +2279,12 @@
         </a:fontRef>
       </dsp:style>
       <dsp:txBody>
-        <a:bodyPr spcFirstLastPara="0" vert="horz" wrap="square" lIns="10160" tIns="10160" rIns="10160" bIns="10160" numCol="1" spcCol="1270" anchor="ctr" anchorCtr="0">
+        <a:bodyPr spcFirstLastPara="0" vert="horz" wrap="square" lIns="8255" tIns="8255" rIns="8255" bIns="8255" numCol="1" spcCol="1270" anchor="ctr" anchorCtr="0">
           <a:noAutofit/>
         </a:bodyPr>
         <a:lstStyle/>
         <a:p>
-          <a:pPr lvl="0" algn="ctr" defTabSz="711200">
+          <a:pPr lvl="0" algn="ctr" defTabSz="577850">
             <a:lnSpc>
               <a:spcPct val="90000"/>
             </a:lnSpc>
@@ -2296,15 +2296,15 @@
             </a:spcAft>
           </a:pPr>
           <a:r>
-            <a:rPr lang="de-DE" sz="1600" kern="1200" smtClean="0"/>
+            <a:rPr lang="de-DE" sz="1300" kern="1200" smtClean="0"/>
             <a:t>…</a:t>
           </a:r>
-          <a:endParaRPr lang="de-DE" sz="1600" kern="1200"/>
+          <a:endParaRPr lang="de-DE" sz="1300" kern="1200"/>
         </a:p>
       </dsp:txBody>
       <dsp:txXfrm>
-        <a:off x="6981836" y="1483597"/>
-        <a:ext cx="1442379" cy="721189"/>
+        <a:off x="5728686" y="1276394"/>
+        <a:ext cx="1183490" cy="591745"/>
       </dsp:txXfrm>
     </dsp:sp>
   </dsp:spTree>
@@ -4672,7 +4672,7 @@
           <a:p>
             <a:fld id="{AE48927D-6697-441A-B4FE-4B41A28AFB51}" type="datetimeFigureOut">
               <a:rPr lang="de-DE" smtClean="0"/>
-              <a:t>14.01.2017</a:t>
+              <a:t>16.01.2017</a:t>
             </a:fld>
             <a:endParaRPr lang="de-DE"/>
           </a:p>
@@ -4842,7 +4842,7 @@
           <a:p>
             <a:fld id="{AE48927D-6697-441A-B4FE-4B41A28AFB51}" type="datetimeFigureOut">
               <a:rPr lang="de-DE" smtClean="0"/>
-              <a:t>14.01.2017</a:t>
+              <a:t>16.01.2017</a:t>
             </a:fld>
             <a:endParaRPr lang="de-DE"/>
           </a:p>
@@ -5022,7 +5022,7 @@
           <a:p>
             <a:fld id="{AE48927D-6697-441A-B4FE-4B41A28AFB51}" type="datetimeFigureOut">
               <a:rPr lang="de-DE" smtClean="0"/>
-              <a:t>14.01.2017</a:t>
+              <a:t>16.01.2017</a:t>
             </a:fld>
             <a:endParaRPr lang="de-DE"/>
           </a:p>
@@ -5192,7 +5192,7 @@
           <a:p>
             <a:fld id="{AE48927D-6697-441A-B4FE-4B41A28AFB51}" type="datetimeFigureOut">
               <a:rPr lang="de-DE" smtClean="0"/>
-              <a:t>14.01.2017</a:t>
+              <a:t>16.01.2017</a:t>
             </a:fld>
             <a:endParaRPr lang="de-DE"/>
           </a:p>
@@ -5438,7 +5438,7 @@
           <a:p>
             <a:fld id="{AE48927D-6697-441A-B4FE-4B41A28AFB51}" type="datetimeFigureOut">
               <a:rPr lang="de-DE" smtClean="0"/>
-              <a:t>14.01.2017</a:t>
+              <a:t>16.01.2017</a:t>
             </a:fld>
             <a:endParaRPr lang="de-DE"/>
           </a:p>
@@ -5726,7 +5726,7 @@
           <a:p>
             <a:fld id="{AE48927D-6697-441A-B4FE-4B41A28AFB51}" type="datetimeFigureOut">
               <a:rPr lang="de-DE" smtClean="0"/>
-              <a:t>14.01.2017</a:t>
+              <a:t>16.01.2017</a:t>
             </a:fld>
             <a:endParaRPr lang="de-DE"/>
           </a:p>
@@ -6148,7 +6148,7 @@
           <a:p>
             <a:fld id="{AE48927D-6697-441A-B4FE-4B41A28AFB51}" type="datetimeFigureOut">
               <a:rPr lang="de-DE" smtClean="0"/>
-              <a:t>14.01.2017</a:t>
+              <a:t>16.01.2017</a:t>
             </a:fld>
             <a:endParaRPr lang="de-DE"/>
           </a:p>
@@ -6266,7 +6266,7 @@
           <a:p>
             <a:fld id="{AE48927D-6697-441A-B4FE-4B41A28AFB51}" type="datetimeFigureOut">
               <a:rPr lang="de-DE" smtClean="0"/>
-              <a:t>14.01.2017</a:t>
+              <a:t>16.01.2017</a:t>
             </a:fld>
             <a:endParaRPr lang="de-DE"/>
           </a:p>
@@ -6361,7 +6361,7 @@
           <a:p>
             <a:fld id="{AE48927D-6697-441A-B4FE-4B41A28AFB51}" type="datetimeFigureOut">
               <a:rPr lang="de-DE" smtClean="0"/>
-              <a:t>14.01.2017</a:t>
+              <a:t>16.01.2017</a:t>
             </a:fld>
             <a:endParaRPr lang="de-DE"/>
           </a:p>
@@ -6638,7 +6638,7 @@
           <a:p>
             <a:fld id="{AE48927D-6697-441A-B4FE-4B41A28AFB51}" type="datetimeFigureOut">
               <a:rPr lang="de-DE" smtClean="0"/>
-              <a:t>14.01.2017</a:t>
+              <a:t>16.01.2017</a:t>
             </a:fld>
             <a:endParaRPr lang="de-DE"/>
           </a:p>
@@ -6891,7 +6891,7 @@
           <a:p>
             <a:fld id="{AE48927D-6697-441A-B4FE-4B41A28AFB51}" type="datetimeFigureOut">
               <a:rPr lang="de-DE" smtClean="0"/>
-              <a:t>14.01.2017</a:t>
+              <a:t>16.01.2017</a:t>
             </a:fld>
             <a:endParaRPr lang="de-DE"/>
           </a:p>
@@ -7138,7 +7138,7 @@
           <a:p>
             <a:fld id="{AE48927D-6697-441A-B4FE-4B41A28AFB51}" type="datetimeFigureOut">
               <a:rPr lang="de-DE" smtClean="0"/>
-              <a:t>14.01.2017</a:t>
+              <a:t>16.01.2017</a:t>
             </a:fld>
             <a:endParaRPr lang="de-DE"/>
           </a:p>
@@ -7553,15 +7553,7 @@
           <a:p>
             <a:r>
               <a:rPr lang="de-DE" smtClean="0"/>
-              <a:t>Die Vorstellungen eines Philosophen </a:t>
-            </a:r>
-            <a:r>
-              <a:rPr lang="de-DE" smtClean="0"/>
-              <a:t>unter </a:t>
-            </a:r>
-            <a:r>
-              <a:rPr lang="de-DE" smtClean="0"/>
-              <a:t>Ausgrenzung anderer Vorstellungen</a:t>
+              <a:t>Die Vorstellungen eines Philosophen unter Ausgrenzung anderer Vorstellungen</a:t>
             </a:r>
             <a:endParaRPr lang="de-DE"/>
           </a:p>
@@ -7885,13 +7877,16 @@
                   <a:schemeClr val="bg1"/>
                 </a:solidFill>
               </a:rPr>
-              <a:t>Dürrsches 3-fach Pendel: nichtlinear, nur 3 Freiheitsgrade</a:t>
-            </a:r>
-            <a:endParaRPr lang="de-DE" smtClean="0">
-              <a:solidFill>
-                <a:schemeClr val="bg1"/>
-              </a:solidFill>
-            </a:endParaRPr>
+              <a:t>Beispielfilm Dürrsches </a:t>
+            </a:r>
+            <a:r>
+              <a:rPr lang="de-DE" smtClean="0">
+                <a:solidFill>
+                  <a:schemeClr val="bg1"/>
+                </a:solidFill>
+              </a:rPr>
+              <a:t>3-fach Pendel: nichtlinear, nur 3 Freiheitsgrade</a:t>
+            </a:r>
           </a:p>
           <a:p>
             <a:r>
@@ -8047,7 +8042,7 @@
         <p:spPr>
           <a:xfrm>
             <a:off x="609600" y="1752600"/>
-            <a:ext cx="8229600" cy="4525963"/>
+            <a:ext cx="8229600" cy="4916760"/>
           </a:xfrm>
           <a:prstGeom prst="rect">
             <a:avLst/>
@@ -8055,7 +8050,7 @@
         </p:spPr>
         <p:txBody>
           <a:bodyPr vert="horz" lIns="91440" tIns="45720" rIns="91440" bIns="45720" rtlCol="0">
-            <a:normAutofit fontScale="85000" lnSpcReduction="10000"/>
+            <a:normAutofit fontScale="85000" lnSpcReduction="20000"/>
           </a:bodyPr>
           <a:lstStyle>
             <a:lvl1pPr marL="342900" indent="-342900" algn="l" defTabSz="914400" rtl="0" eaLnBrk="1" latinLnBrk="0" hangingPunct="1">
@@ -8285,7 +8280,28 @@
                   <a:schemeClr val="bg1"/>
                 </a:solidFill>
               </a:rPr>
-              <a:t>Die Theorie funktioniert! Wären da nicht die zeitartigen Schleifen, die Unvereinbarkeit mit der QT, …</a:t>
+              <a:t>Beispiel: wie kann die Welt plötzlich so viel mehr Energie haben nur dadurch, dass ich mich selbst beschleunigt habe?</a:t>
+            </a:r>
+          </a:p>
+          <a:p>
+            <a:pPr marL="0" indent="0">
+              <a:buNone/>
+            </a:pPr>
+            <a:r>
+              <a:rPr lang="de-DE" smtClean="0">
+                <a:solidFill>
+                  <a:schemeClr val="bg1"/>
+                </a:solidFill>
+              </a:rPr>
+              <a:t>Die </a:t>
+            </a:r>
+            <a:r>
+              <a:rPr lang="de-DE" smtClean="0">
+                <a:solidFill>
+                  <a:schemeClr val="bg1"/>
+                </a:solidFill>
+              </a:rPr>
+              <a:t>Theorie funktioniert! Wären da nicht die zeitartigen Schleifen, die Unvereinbarkeit mit der QT, …</a:t>
             </a:r>
           </a:p>
           <a:p>
@@ -8299,7 +8315,7 @@
       </p:sp>
       <p:pic>
         <p:nvPicPr>
-          <p:cNvPr id="3" name="Grafik 2"/>
+          <p:cNvPr id="8" name="Grafik 7"/>
           <p:cNvPicPr>
             <a:picLocks noChangeAspect="1"/>
           </p:cNvPicPr>
@@ -8323,8 +8339,8 @@
         </p:blipFill>
         <p:spPr>
           <a:xfrm>
-            <a:off x="6804248" y="4478558"/>
-            <a:ext cx="1595311" cy="357349"/>
+            <a:off x="6921995" y="4061327"/>
+            <a:ext cx="2052701" cy="632207"/>
           </a:xfrm>
           <a:prstGeom prst="rect">
             <a:avLst/>
@@ -8423,7 +8439,7 @@
                   <a:schemeClr val="bg1"/>
                 </a:solidFill>
               </a:rPr>
-              <a:t>Quantentheorie</a:t>
+              <a:t> </a:t>
             </a:r>
             <a:endParaRPr lang="de-DE">
               <a:solidFill>
@@ -8765,15 +8781,7 @@
                   <a:schemeClr val="bg1"/>
                 </a:solidFill>
               </a:rPr>
-              <a:t>Unsere genaueste Theorie. Vorhersagen mit 10-stelliger Genauigkeit. Genau = nah an der </a:t>
-            </a:r>
-            <a:r>
-              <a:rPr lang="de-DE">
-                <a:solidFill>
-                  <a:schemeClr val="bg1"/>
-                </a:solidFill>
-              </a:rPr>
-              <a:t>Wirklichkeit</a:t>
+              <a:t>Unsere genaueste Theorie. Vorhersagen mit 10-stelliger Genauigkeit. Genau = nah an der Wirklichkeit</a:t>
             </a:r>
             <a:r>
               <a:rPr lang="de-DE" smtClean="0">
@@ -8993,6 +9001,28 @@
           </a:p>
         </p:txBody>
       </p:sp>
+      <p:graphicFrame>
+        <p:nvGraphicFramePr>
+          <p:cNvPr id="11" name="Diagramm 10"/>
+          <p:cNvGraphicFramePr/>
+          <p:nvPr>
+            <p:extLst>
+              <p:ext uri="{D42A27DB-BD31-4B8C-83A1-F6EECF244321}">
+                <p14:modId xmlns:p14="http://schemas.microsoft.com/office/powerpoint/2010/main" val="2825066571"/>
+              </p:ext>
+            </p:extLst>
+          </p:nvPr>
+        </p:nvGraphicFramePr>
+        <p:xfrm>
+          <a:off x="1115616" y="-243408"/>
+          <a:ext cx="6912768" cy="2304256"/>
+        </p:xfrm>
+        <a:graphic>
+          <a:graphicData uri="http://schemas.openxmlformats.org/drawingml/2006/diagram">
+            <dgm:relIds xmlns:dgm="http://schemas.openxmlformats.org/drawingml/2006/diagram" xmlns:r="http://schemas.openxmlformats.org/officeDocument/2006/relationships" r:dm="rId2" r:lo="rId3" r:qs="rId4" r:cs="rId5"/>
+          </a:graphicData>
+        </a:graphic>
+      </p:graphicFrame>
     </p:spTree>
     <p:extLst>
       <p:ext uri="{BB962C8B-B14F-4D97-AF65-F5344CB8AC3E}">
@@ -9281,7 +9311,7 @@
         </p:spPr>
         <p:txBody>
           <a:bodyPr vert="horz" lIns="91440" tIns="45720" rIns="91440" bIns="45720" rtlCol="0">
-            <a:normAutofit fontScale="92500" lnSpcReduction="20000"/>
+            <a:normAutofit/>
           </a:bodyPr>
           <a:lstStyle>
             <a:lvl1pPr marL="342900" indent="-342900" algn="l" defTabSz="914400" rtl="0" eaLnBrk="1" latinLnBrk="0" hangingPunct="1">
@@ -9421,211 +9451,31 @@
             </a:lvl9pPr>
           </a:lstStyle>
           <a:p>
-            <a:pPr marL="0" indent="0">
-              <a:buNone/>
-            </a:pPr>
             <a:r>
               <a:rPr lang="de-DE" smtClean="0">
                 <a:solidFill>
                   <a:schemeClr val="bg1"/>
                 </a:solidFill>
               </a:rPr>
-              <a:t>Die Dinge, die </a:t>
-            </a:r>
-            <a:r>
-              <a:rPr lang="de-DE" b="1" smtClean="0">
+              <a:t>Das Ganze der linearen Schicht ist das Produkt der Teile, nicht die Summe. 2 dreidimensionale Räume werden nicht zu einem 6-dimensionalen sondern zu einem 9-dimensionalen.</a:t>
+            </a:r>
+          </a:p>
+          <a:p>
+            <a:r>
+              <a:rPr lang="de-DE" smtClean="0">
                 <a:solidFill>
                   <a:schemeClr val="bg1"/>
                 </a:solidFill>
               </a:rPr>
-              <a:t>wir</a:t>
-            </a:r>
-            <a:r>
-              <a:rPr lang="de-DE" smtClean="0">
-                <a:solidFill>
-                  <a:schemeClr val="bg1"/>
-                </a:solidFill>
-              </a:rPr>
-              <a:t> kennen sind alle sekundär, </a:t>
-            </a:r>
-            <a:r>
-              <a:rPr lang="de-DE" b="1" smtClean="0">
-                <a:solidFill>
-                  <a:schemeClr val="bg1"/>
-                </a:solidFill>
-              </a:rPr>
-              <a:t>nach</a:t>
-            </a:r>
-            <a:r>
-              <a:rPr lang="de-DE" smtClean="0">
-                <a:solidFill>
-                  <a:schemeClr val="bg1"/>
-                </a:solidFill>
-              </a:rPr>
-              <a:t> dem nichtlinearen Prozess.</a:t>
-            </a:r>
-          </a:p>
-          <a:p>
-            <a:r>
-              <a:rPr lang="de-DE" smtClean="0">
-                <a:solidFill>
-                  <a:schemeClr val="bg1"/>
-                </a:solidFill>
-              </a:rPr>
-              <a:t>Feynman: </a:t>
-            </a:r>
-            <a:r>
-              <a:rPr lang="de-DE" i="1" smtClean="0">
-                <a:solidFill>
-                  <a:schemeClr val="bg1"/>
-                </a:solidFill>
-              </a:rPr>
-              <a:t>niemand versteht die QT!</a:t>
-            </a:r>
-          </a:p>
-          <a:p>
-            <a:r>
-              <a:rPr lang="de-DE" smtClean="0">
-                <a:solidFill>
-                  <a:schemeClr val="bg1"/>
-                </a:solidFill>
-              </a:rPr>
-              <a:t>Joos: </a:t>
-            </a:r>
-            <a:r>
-              <a:rPr lang="de-DE" i="1" smtClean="0">
-                <a:solidFill>
-                  <a:schemeClr val="bg1"/>
-                </a:solidFill>
-              </a:rPr>
-              <a:t>There are no particles!</a:t>
-            </a:r>
-          </a:p>
-          <a:p>
-            <a:r>
-              <a:rPr lang="de-DE" smtClean="0">
-                <a:solidFill>
-                  <a:schemeClr val="bg1"/>
-                </a:solidFill>
-              </a:rPr>
-              <a:t>Baker:</a:t>
-            </a:r>
-            <a:r>
-              <a:rPr lang="de-DE" i="1" smtClean="0">
-                <a:solidFill>
-                  <a:schemeClr val="bg1"/>
-                </a:solidFill>
-              </a:rPr>
-              <a:t> Against </a:t>
-            </a:r>
-            <a:r>
-              <a:rPr lang="de-DE" i="1" smtClean="0">
-                <a:solidFill>
-                  <a:srgbClr val="FF0000"/>
-                </a:solidFill>
-              </a:rPr>
-              <a:t>f</a:t>
-            </a:r>
-            <a:r>
-              <a:rPr lang="de-DE" i="1" smtClean="0">
-                <a:solidFill>
-                  <a:schemeClr val="bg1"/>
-                </a:solidFill>
-              </a:rPr>
-              <a:t>ield interpretations of Q</a:t>
-            </a:r>
-            <a:r>
-              <a:rPr lang="de-DE" i="1" smtClean="0">
-                <a:solidFill>
-                  <a:srgbClr val="FF0000"/>
-                </a:solidFill>
-              </a:rPr>
-              <a:t>F</a:t>
-            </a:r>
-            <a:r>
-              <a:rPr lang="de-DE" i="1" smtClean="0">
-                <a:solidFill>
-                  <a:schemeClr val="bg1"/>
-                </a:solidFill>
-              </a:rPr>
-              <a:t>T</a:t>
-            </a:r>
-          </a:p>
-          <a:p>
-            <a:r>
-              <a:rPr lang="de-DE" smtClean="0">
-                <a:solidFill>
-                  <a:schemeClr val="bg1"/>
-                </a:solidFill>
-              </a:rPr>
-              <a:t>Dürr: </a:t>
-            </a:r>
-            <a:r>
-              <a:rPr lang="de-DE" i="1">
-                <a:solidFill>
-                  <a:schemeClr val="bg1"/>
-                </a:solidFill>
-              </a:rPr>
-              <a:t>Im Grunde gibt es Materie </a:t>
-            </a:r>
-            <a:r>
-              <a:rPr lang="de-DE" i="1">
-                <a:solidFill>
-                  <a:schemeClr val="bg1"/>
-                </a:solidFill>
-              </a:rPr>
-              <a:t>gar </a:t>
-            </a:r>
-            <a:r>
-              <a:rPr lang="de-DE" i="1" smtClean="0">
-                <a:solidFill>
-                  <a:schemeClr val="bg1"/>
-                </a:solidFill>
-              </a:rPr>
-              <a:t>nicht … Materie </a:t>
-            </a:r>
-            <a:r>
-              <a:rPr lang="de-DE" i="1">
-                <a:solidFill>
-                  <a:schemeClr val="bg1"/>
-                </a:solidFill>
-              </a:rPr>
-              <a:t>und Energie treten erst sekundär in Erscheinung – gewissermaßen als geronnener, erstarrter </a:t>
-            </a:r>
-            <a:r>
-              <a:rPr lang="de-DE" i="1">
-                <a:solidFill>
-                  <a:schemeClr val="bg1"/>
-                </a:solidFill>
-              </a:rPr>
-              <a:t>Geist</a:t>
-            </a:r>
-            <a:r>
-              <a:rPr lang="de-DE" i="1" smtClean="0">
-                <a:solidFill>
-                  <a:schemeClr val="bg1"/>
-                </a:solidFill>
-              </a:rPr>
-              <a:t>. </a:t>
-            </a:r>
-            <a:r>
-              <a:rPr lang="de-DE" smtClean="0">
-                <a:solidFill>
-                  <a:schemeClr val="bg1"/>
-                </a:solidFill>
-              </a:rPr>
-              <a:t>Und die Raumzeit?</a:t>
-            </a:r>
-          </a:p>
-          <a:p>
-            <a:r>
-              <a:rPr lang="de-DE" smtClean="0">
-                <a:solidFill>
-                  <a:schemeClr val="bg1"/>
-                </a:solidFill>
-              </a:rPr>
-              <a:t>Derezinski: But there is no Hamiltonian (= Energie)</a:t>
-            </a:r>
+              <a:t>Es ergeben sich andere Häufigkeitsvoraussagen. Bellsche Ungleichung → 2016 † Hier ruht der lokale Realismus.</a:t>
+            </a:r>
+            <a:endParaRPr lang="de-DE" smtClean="0">
+              <a:solidFill>
+                <a:schemeClr val="bg1"/>
+              </a:solidFill>
+            </a:endParaRPr>
+          </a:p>
+          <a:p>
             <a:endParaRPr lang="de-DE">
               <a:solidFill>
                 <a:schemeClr val="bg1"/>
@@ -9637,7 +9487,7 @@
     </p:spTree>
     <p:extLst>
       <p:ext uri="{BB962C8B-B14F-4D97-AF65-F5344CB8AC3E}">
-        <p14:creationId xmlns:p14="http://schemas.microsoft.com/office/powerpoint/2010/main" val="2104422934"/>
+        <p14:creationId xmlns:p14="http://schemas.microsoft.com/office/powerpoint/2010/main" val="3589352708"/>
       </p:ext>
     </p:extLst>
   </p:cSld>
@@ -9726,7 +9576,7 @@
                   <a:schemeClr val="bg1"/>
                 </a:solidFill>
               </a:rPr>
-              <a:t>Das Messproblem</a:t>
+              <a:t>Quantentheorie</a:t>
             </a:r>
             <a:endParaRPr lang="de-DE">
               <a:solidFill>
@@ -9922,7 +9772,7 @@
         </p:spPr>
         <p:txBody>
           <a:bodyPr vert="horz" lIns="91440" tIns="45720" rIns="91440" bIns="45720" rtlCol="0">
-            <a:normAutofit/>
+            <a:normAutofit fontScale="92500" lnSpcReduction="20000"/>
           </a:bodyPr>
           <a:lstStyle>
             <a:lvl1pPr marL="342900" indent="-342900" algn="l" defTabSz="914400" rtl="0" eaLnBrk="1" latinLnBrk="0" hangingPunct="1">
@@ -10065,6 +9915,200 @@
             <a:pPr marL="0" indent="0">
               <a:buNone/>
             </a:pPr>
+            <a:r>
+              <a:rPr lang="de-DE" smtClean="0">
+                <a:solidFill>
+                  <a:schemeClr val="bg1"/>
+                </a:solidFill>
+              </a:rPr>
+              <a:t>Die Dinge, die </a:t>
+            </a:r>
+            <a:r>
+              <a:rPr lang="de-DE" b="1" smtClean="0">
+                <a:solidFill>
+                  <a:schemeClr val="bg1"/>
+                </a:solidFill>
+              </a:rPr>
+              <a:t>wir</a:t>
+            </a:r>
+            <a:r>
+              <a:rPr lang="de-DE" smtClean="0">
+                <a:solidFill>
+                  <a:schemeClr val="bg1"/>
+                </a:solidFill>
+              </a:rPr>
+              <a:t> kennen sind alle sekundär, </a:t>
+            </a:r>
+            <a:r>
+              <a:rPr lang="de-DE" b="1" smtClean="0">
+                <a:solidFill>
+                  <a:schemeClr val="bg1"/>
+                </a:solidFill>
+              </a:rPr>
+              <a:t>nach</a:t>
+            </a:r>
+            <a:r>
+              <a:rPr lang="de-DE" smtClean="0">
+                <a:solidFill>
+                  <a:schemeClr val="bg1"/>
+                </a:solidFill>
+              </a:rPr>
+              <a:t> dem nichtlinearen Prozess.</a:t>
+            </a:r>
+          </a:p>
+          <a:p>
+            <a:r>
+              <a:rPr lang="de-DE" smtClean="0">
+                <a:solidFill>
+                  <a:schemeClr val="bg1"/>
+                </a:solidFill>
+              </a:rPr>
+              <a:t>Feynman: </a:t>
+            </a:r>
+            <a:r>
+              <a:rPr lang="de-DE" i="1" smtClean="0">
+                <a:solidFill>
+                  <a:schemeClr val="bg1"/>
+                </a:solidFill>
+              </a:rPr>
+              <a:t>niemand versteht die QT!</a:t>
+            </a:r>
+          </a:p>
+          <a:p>
+            <a:r>
+              <a:rPr lang="de-DE" smtClean="0">
+                <a:solidFill>
+                  <a:schemeClr val="bg1"/>
+                </a:solidFill>
+              </a:rPr>
+              <a:t>Joos: </a:t>
+            </a:r>
+            <a:r>
+              <a:rPr lang="de-DE" i="1" smtClean="0">
+                <a:solidFill>
+                  <a:schemeClr val="bg1"/>
+                </a:solidFill>
+              </a:rPr>
+              <a:t>There are no particles!</a:t>
+            </a:r>
+          </a:p>
+          <a:p>
+            <a:r>
+              <a:rPr lang="de-DE" smtClean="0">
+                <a:solidFill>
+                  <a:schemeClr val="bg1"/>
+                </a:solidFill>
+              </a:rPr>
+              <a:t>Baker:</a:t>
+            </a:r>
+            <a:r>
+              <a:rPr lang="de-DE" i="1" smtClean="0">
+                <a:solidFill>
+                  <a:schemeClr val="bg1"/>
+                </a:solidFill>
+              </a:rPr>
+              <a:t> Against </a:t>
+            </a:r>
+            <a:r>
+              <a:rPr lang="de-DE" i="1" smtClean="0">
+                <a:solidFill>
+                  <a:srgbClr val="FF0000"/>
+                </a:solidFill>
+              </a:rPr>
+              <a:t>f</a:t>
+            </a:r>
+            <a:r>
+              <a:rPr lang="de-DE" i="1" smtClean="0">
+                <a:solidFill>
+                  <a:schemeClr val="bg1"/>
+                </a:solidFill>
+              </a:rPr>
+              <a:t>ield interpretations of Q</a:t>
+            </a:r>
+            <a:r>
+              <a:rPr lang="de-DE" i="1" smtClean="0">
+                <a:solidFill>
+                  <a:srgbClr val="FF0000"/>
+                </a:solidFill>
+              </a:rPr>
+              <a:t>F</a:t>
+            </a:r>
+            <a:r>
+              <a:rPr lang="de-DE" i="1" smtClean="0">
+                <a:solidFill>
+                  <a:schemeClr val="bg1"/>
+                </a:solidFill>
+              </a:rPr>
+              <a:t>T</a:t>
+            </a:r>
+          </a:p>
+          <a:p>
+            <a:r>
+              <a:rPr lang="de-DE" smtClean="0">
+                <a:solidFill>
+                  <a:schemeClr val="bg1"/>
+                </a:solidFill>
+              </a:rPr>
+              <a:t>Dürr: </a:t>
+            </a:r>
+            <a:r>
+              <a:rPr lang="de-DE" i="1">
+                <a:solidFill>
+                  <a:schemeClr val="bg1"/>
+                </a:solidFill>
+              </a:rPr>
+              <a:t>Im Grunde gibt es Materie gar </a:t>
+            </a:r>
+            <a:r>
+              <a:rPr lang="de-DE" i="1" smtClean="0">
+                <a:solidFill>
+                  <a:schemeClr val="bg1"/>
+                </a:solidFill>
+              </a:rPr>
+              <a:t>nicht … Materie </a:t>
+            </a:r>
+            <a:r>
+              <a:rPr lang="de-DE" i="1">
+                <a:solidFill>
+                  <a:schemeClr val="bg1"/>
+                </a:solidFill>
+              </a:rPr>
+              <a:t>und Energie treten erst sekundär in Erscheinung – gewissermaßen als geronnener, erstarrter Geist</a:t>
+            </a:r>
+            <a:r>
+              <a:rPr lang="de-DE" i="1" smtClean="0">
+                <a:solidFill>
+                  <a:schemeClr val="bg1"/>
+                </a:solidFill>
+              </a:rPr>
+              <a:t>. </a:t>
+            </a:r>
+            <a:r>
+              <a:rPr lang="de-DE" smtClean="0">
+                <a:solidFill>
+                  <a:schemeClr val="bg1"/>
+                </a:solidFill>
+              </a:rPr>
+              <a:t>Und die Raumzeit?</a:t>
+            </a:r>
+          </a:p>
+          <a:p>
+            <a:r>
+              <a:rPr lang="de-DE" smtClean="0">
+                <a:solidFill>
+                  <a:schemeClr val="bg1"/>
+                </a:solidFill>
+              </a:rPr>
+              <a:t>Derezinski: But there is no Hamiltonian (= Energie</a:t>
+            </a:r>
+            <a:r>
+              <a:rPr lang="de-DE" smtClean="0">
+                <a:solidFill>
+                  <a:schemeClr val="bg1"/>
+                </a:solidFill>
+              </a:rPr>
+              <a:t>) in QFT</a:t>
+            </a:r>
             <a:endParaRPr lang="de-DE">
               <a:solidFill>
                 <a:schemeClr val="bg1"/>
@@ -10073,262 +10117,10 @@
           </a:p>
         </p:txBody>
       </p:sp>
-      <p:sp>
-        <p:nvSpPr>
-          <p:cNvPr id="6" name="Inhaltsplatzhalter 5"/>
-          <p:cNvSpPr txBox="1">
-            <a:spLocks/>
-          </p:cNvSpPr>
-          <p:nvPr/>
-        </p:nvSpPr>
-        <p:spPr>
-          <a:xfrm>
-            <a:off x="467544" y="1628800"/>
-            <a:ext cx="8229600" cy="4525963"/>
-          </a:xfrm>
-          <a:prstGeom prst="rect">
-            <a:avLst/>
-          </a:prstGeom>
-        </p:spPr>
-        <p:txBody>
-          <a:bodyPr vert="horz" lIns="91440" tIns="45720" rIns="91440" bIns="45720" rtlCol="0">
-            <a:normAutofit fontScale="92500" lnSpcReduction="10000"/>
-          </a:bodyPr>
-          <a:lstStyle>
-            <a:lvl1pPr marL="342900" indent="-342900" algn="l" defTabSz="914400" rtl="0" eaLnBrk="1" latinLnBrk="0" hangingPunct="1">
-              <a:spcBef>
-                <a:spcPct val="20000"/>
-              </a:spcBef>
-              <a:buFont typeface="Arial" pitchFamily="34" charset="0"/>
-              <a:buChar char="•"/>
-              <a:defRPr sz="3200" kern="1200">
-                <a:solidFill>
-                  <a:schemeClr val="tx1"/>
-                </a:solidFill>
-                <a:latin typeface="+mn-lt"/>
-                <a:ea typeface="+mn-ea"/>
-                <a:cs typeface="+mn-cs"/>
-              </a:defRPr>
-            </a:lvl1pPr>
-            <a:lvl2pPr marL="742950" indent="-285750" algn="l" defTabSz="914400" rtl="0" eaLnBrk="1" latinLnBrk="0" hangingPunct="1">
-              <a:spcBef>
-                <a:spcPct val="20000"/>
-              </a:spcBef>
-              <a:buFont typeface="Arial" pitchFamily="34" charset="0"/>
-              <a:buChar char="–"/>
-              <a:defRPr sz="2800" kern="1200">
-                <a:solidFill>
-                  <a:schemeClr val="tx1"/>
-                </a:solidFill>
-                <a:latin typeface="+mn-lt"/>
-                <a:ea typeface="+mn-ea"/>
-                <a:cs typeface="+mn-cs"/>
-              </a:defRPr>
-            </a:lvl2pPr>
-            <a:lvl3pPr marL="1143000" indent="-228600" algn="l" defTabSz="914400" rtl="0" eaLnBrk="1" latinLnBrk="0" hangingPunct="1">
-              <a:spcBef>
-                <a:spcPct val="20000"/>
-              </a:spcBef>
-              <a:buFont typeface="Arial" pitchFamily="34" charset="0"/>
-              <a:buChar char="•"/>
-              <a:defRPr sz="2400" kern="1200">
-                <a:solidFill>
-                  <a:schemeClr val="tx1"/>
-                </a:solidFill>
-                <a:latin typeface="+mn-lt"/>
-                <a:ea typeface="+mn-ea"/>
-                <a:cs typeface="+mn-cs"/>
-              </a:defRPr>
-            </a:lvl3pPr>
-            <a:lvl4pPr marL="1600200" indent="-228600" algn="l" defTabSz="914400" rtl="0" eaLnBrk="1" latinLnBrk="0" hangingPunct="1">
-              <a:spcBef>
-                <a:spcPct val="20000"/>
-              </a:spcBef>
-              <a:buFont typeface="Arial" pitchFamily="34" charset="0"/>
-              <a:buChar char="–"/>
-              <a:defRPr sz="2000" kern="1200">
-                <a:solidFill>
-                  <a:schemeClr val="tx1"/>
-                </a:solidFill>
-                <a:latin typeface="+mn-lt"/>
-                <a:ea typeface="+mn-ea"/>
-                <a:cs typeface="+mn-cs"/>
-              </a:defRPr>
-            </a:lvl4pPr>
-            <a:lvl5pPr marL="2057400" indent="-228600" algn="l" defTabSz="914400" rtl="0" eaLnBrk="1" latinLnBrk="0" hangingPunct="1">
-              <a:spcBef>
-                <a:spcPct val="20000"/>
-              </a:spcBef>
-              <a:buFont typeface="Arial" pitchFamily="34" charset="0"/>
-              <a:buChar char="»"/>
-              <a:defRPr sz="2000" kern="1200">
-                <a:solidFill>
-                  <a:schemeClr val="tx1"/>
-                </a:solidFill>
-                <a:latin typeface="+mn-lt"/>
-                <a:ea typeface="+mn-ea"/>
-                <a:cs typeface="+mn-cs"/>
-              </a:defRPr>
-            </a:lvl5pPr>
-            <a:lvl6pPr marL="2514600" indent="-228600" algn="l" defTabSz="914400" rtl="0" eaLnBrk="1" latinLnBrk="0" hangingPunct="1">
-              <a:spcBef>
-                <a:spcPct val="20000"/>
-              </a:spcBef>
-              <a:buFont typeface="Arial" pitchFamily="34" charset="0"/>
-              <a:buChar char="•"/>
-              <a:defRPr sz="2000" kern="1200">
-                <a:solidFill>
-                  <a:schemeClr val="tx1"/>
-                </a:solidFill>
-                <a:latin typeface="+mn-lt"/>
-                <a:ea typeface="+mn-ea"/>
-                <a:cs typeface="+mn-cs"/>
-              </a:defRPr>
-            </a:lvl6pPr>
-            <a:lvl7pPr marL="2971800" indent="-228600" algn="l" defTabSz="914400" rtl="0" eaLnBrk="1" latinLnBrk="0" hangingPunct="1">
-              <a:spcBef>
-                <a:spcPct val="20000"/>
-              </a:spcBef>
-              <a:buFont typeface="Arial" pitchFamily="34" charset="0"/>
-              <a:buChar char="•"/>
-              <a:defRPr sz="2000" kern="1200">
-                <a:solidFill>
-                  <a:schemeClr val="tx1"/>
-                </a:solidFill>
-                <a:latin typeface="+mn-lt"/>
-                <a:ea typeface="+mn-ea"/>
-                <a:cs typeface="+mn-cs"/>
-              </a:defRPr>
-            </a:lvl7pPr>
-            <a:lvl8pPr marL="3429000" indent="-228600" algn="l" defTabSz="914400" rtl="0" eaLnBrk="1" latinLnBrk="0" hangingPunct="1">
-              <a:spcBef>
-                <a:spcPct val="20000"/>
-              </a:spcBef>
-              <a:buFont typeface="Arial" pitchFamily="34" charset="0"/>
-              <a:buChar char="•"/>
-              <a:defRPr sz="2000" kern="1200">
-                <a:solidFill>
-                  <a:schemeClr val="tx1"/>
-                </a:solidFill>
-                <a:latin typeface="+mn-lt"/>
-                <a:ea typeface="+mn-ea"/>
-                <a:cs typeface="+mn-cs"/>
-              </a:defRPr>
-            </a:lvl8pPr>
-            <a:lvl9pPr marL="3886200" indent="-228600" algn="l" defTabSz="914400" rtl="0" eaLnBrk="1" latinLnBrk="0" hangingPunct="1">
-              <a:spcBef>
-                <a:spcPct val="20000"/>
-              </a:spcBef>
-              <a:buFont typeface="Arial" pitchFamily="34" charset="0"/>
-              <a:buChar char="•"/>
-              <a:defRPr sz="2000" kern="1200">
-                <a:solidFill>
-                  <a:schemeClr val="tx1"/>
-                </a:solidFill>
-                <a:latin typeface="+mn-lt"/>
-                <a:ea typeface="+mn-ea"/>
-                <a:cs typeface="+mn-cs"/>
-              </a:defRPr>
-            </a:lvl9pPr>
-          </a:lstStyle>
-          <a:p>
-            <a:r>
-              <a:rPr lang="de-DE" smtClean="0">
-                <a:solidFill>
-                  <a:schemeClr val="bg1"/>
-                </a:solidFill>
-              </a:rPr>
-              <a:t>Harmloser Titel für elementares Problem: wir verstehen das Werden nicht.</a:t>
-            </a:r>
-          </a:p>
-          <a:p>
-            <a:r>
-              <a:rPr lang="de-DE" smtClean="0">
-                <a:solidFill>
-                  <a:schemeClr val="bg1"/>
-                </a:solidFill>
-              </a:rPr>
-              <a:t>Wahrscheinlichkeitsinterpretation</a:t>
-            </a:r>
-            <a:endParaRPr lang="de-DE" smtClean="0">
-              <a:solidFill>
-                <a:schemeClr val="bg1"/>
-              </a:solidFill>
-            </a:endParaRPr>
-          </a:p>
-          <a:p>
-            <a:r>
-              <a:rPr lang="de-DE" smtClean="0">
-                <a:solidFill>
-                  <a:schemeClr val="bg1"/>
-                </a:solidFill>
-              </a:rPr>
-              <a:t>Die Schrödingerkatze</a:t>
-            </a:r>
-          </a:p>
-          <a:p>
-            <a:r>
-              <a:rPr lang="de-DE" smtClean="0">
-                <a:solidFill>
-                  <a:schemeClr val="bg1"/>
-                </a:solidFill>
-              </a:rPr>
-              <a:t>Wigners Freund</a:t>
-            </a:r>
-          </a:p>
-          <a:p>
-            <a:r>
-              <a:rPr lang="de-DE" smtClean="0">
-                <a:solidFill>
-                  <a:schemeClr val="bg1"/>
-                </a:solidFill>
-              </a:rPr>
-              <a:t>Everetts Auswege</a:t>
-            </a:r>
-          </a:p>
-          <a:p>
-            <a:r>
-              <a:rPr lang="de-DE" smtClean="0">
-                <a:solidFill>
-                  <a:schemeClr val="bg1"/>
-                </a:solidFill>
-              </a:rPr>
-              <a:t>Was die Dekohärenztheorie löst und was nicht</a:t>
-            </a:r>
-          </a:p>
-          <a:p>
-            <a:r>
-              <a:rPr lang="de-DE" smtClean="0">
-                <a:solidFill>
-                  <a:schemeClr val="bg1"/>
-                </a:solidFill>
-              </a:rPr>
-              <a:t>Heisenbergschnitte</a:t>
-            </a:r>
-          </a:p>
-          <a:p>
-            <a:r>
-              <a:rPr lang="de-DE" smtClean="0">
-                <a:solidFill>
-                  <a:schemeClr val="bg1"/>
-                </a:solidFill>
-              </a:rPr>
-              <a:t>Many Minds Interpretation</a:t>
-            </a:r>
-          </a:p>
-          <a:p>
-            <a:endParaRPr lang="de-DE" smtClean="0">
-              <a:solidFill>
-                <a:schemeClr val="bg1"/>
-              </a:solidFill>
-            </a:endParaRPr>
-          </a:p>
-        </p:txBody>
-      </p:sp>
     </p:spTree>
     <p:extLst>
       <p:ext uri="{BB962C8B-B14F-4D97-AF65-F5344CB8AC3E}">
-        <p14:creationId xmlns:p14="http://schemas.microsoft.com/office/powerpoint/2010/main" val="1027756781"/>
+        <p14:creationId xmlns:p14="http://schemas.microsoft.com/office/powerpoint/2010/main" val="2104422934"/>
       </p:ext>
     </p:extLst>
   </p:cSld>
@@ -10417,7 +10209,7 @@
                   <a:schemeClr val="bg1"/>
                 </a:solidFill>
               </a:rPr>
-              <a:t>Information</a:t>
+              <a:t>Das Messproblem</a:t>
             </a:r>
             <a:endParaRPr lang="de-DE">
               <a:solidFill>
@@ -10774,8 +10566,8 @@
         </p:nvSpPr>
         <p:spPr>
           <a:xfrm>
-            <a:off x="467544" y="1340769"/>
-            <a:ext cx="8229600" cy="5040560"/>
+            <a:off x="467544" y="1628800"/>
+            <a:ext cx="8229600" cy="4968552"/>
           </a:xfrm>
           <a:prstGeom prst="rect">
             <a:avLst/>
@@ -10783,7 +10575,7 @@
         </p:spPr>
         <p:txBody>
           <a:bodyPr vert="horz" lIns="91440" tIns="45720" rIns="91440" bIns="45720" rtlCol="0">
-            <a:normAutofit/>
+            <a:normAutofit fontScale="92500" lnSpcReduction="10000"/>
           </a:bodyPr>
           <a:lstStyle>
             <a:lvl1pPr marL="342900" indent="-342900" algn="l" defTabSz="914400" rtl="0" eaLnBrk="1" latinLnBrk="0" hangingPunct="1">
@@ -10929,15 +10721,121 @@
                   <a:schemeClr val="bg1"/>
                 </a:solidFill>
               </a:rPr>
-              <a:t>Zeilinger:</a:t>
-            </a:r>
+              <a:t>Harmloser Titel für elementares Problem: wir verstehen das </a:t>
+            </a:r>
+            <a:r>
+              <a:rPr lang="de-DE" smtClean="0">
+                <a:solidFill>
+                  <a:schemeClr val="bg1"/>
+                </a:solidFill>
+              </a:rPr>
+              <a:t>Werden (den Prozess) </a:t>
+            </a:r>
+            <a:r>
+              <a:rPr lang="de-DE" smtClean="0">
+                <a:solidFill>
+                  <a:schemeClr val="bg1"/>
+                </a:solidFill>
+              </a:rPr>
+              <a:t>nicht</a:t>
+            </a:r>
+            <a:r>
+              <a:rPr lang="de-DE" smtClean="0">
+                <a:solidFill>
+                  <a:schemeClr val="bg1"/>
+                </a:solidFill>
+              </a:rPr>
+              <a:t>. Seit 100 Jahren nicht.</a:t>
+            </a:r>
+            <a:endParaRPr lang="de-DE" smtClean="0">
+              <a:solidFill>
+                <a:schemeClr val="bg1"/>
+              </a:solidFill>
+            </a:endParaRPr>
+          </a:p>
+          <a:p>
+            <a:r>
+              <a:rPr lang="de-DE" smtClean="0">
+                <a:solidFill>
+                  <a:schemeClr val="bg1"/>
+                </a:solidFill>
+              </a:rPr>
+              <a:t>Wahrscheinlichkeitsinterpretation</a:t>
+            </a:r>
+          </a:p>
+          <a:p>
+            <a:r>
+              <a:rPr lang="de-DE" smtClean="0">
+                <a:solidFill>
+                  <a:schemeClr val="bg1"/>
+                </a:solidFill>
+              </a:rPr>
+              <a:t>Die Schrödingerkatze</a:t>
+            </a:r>
+          </a:p>
+          <a:p>
+            <a:r>
+              <a:rPr lang="de-DE" smtClean="0">
+                <a:solidFill>
+                  <a:schemeClr val="bg1"/>
+                </a:solidFill>
+              </a:rPr>
+              <a:t>Wigners Freund</a:t>
+            </a:r>
+          </a:p>
+          <a:p>
+            <a:r>
+              <a:rPr lang="de-DE" smtClean="0">
+                <a:solidFill>
+                  <a:schemeClr val="bg1"/>
+                </a:solidFill>
+              </a:rPr>
+              <a:t>Everetts Auswege</a:t>
+            </a:r>
+          </a:p>
+          <a:p>
+            <a:r>
+              <a:rPr lang="de-DE" smtClean="0">
+                <a:solidFill>
+                  <a:schemeClr val="bg1"/>
+                </a:solidFill>
+              </a:rPr>
+              <a:t>Was die Dekohärenztheorie löst und was nicht</a:t>
+            </a:r>
+          </a:p>
+          <a:p>
+            <a:r>
+              <a:rPr lang="de-DE" smtClean="0">
+                <a:solidFill>
+                  <a:schemeClr val="bg1"/>
+                </a:solidFill>
+              </a:rPr>
+              <a:t>Heisenbergschnitte</a:t>
+            </a:r>
+          </a:p>
+          <a:p>
+            <a:r>
+              <a:rPr lang="de-DE" smtClean="0">
+                <a:solidFill>
+                  <a:schemeClr val="bg1"/>
+                </a:solidFill>
+              </a:rPr>
+              <a:t>Many Minds Interpretation</a:t>
+            </a:r>
+          </a:p>
+          <a:p>
+            <a:endParaRPr lang="de-DE" smtClean="0">
+              <a:solidFill>
+                <a:schemeClr val="bg1"/>
+              </a:solidFill>
+            </a:endParaRPr>
           </a:p>
         </p:txBody>
       </p:sp>
     </p:spTree>
     <p:extLst>
       <p:ext uri="{BB962C8B-B14F-4D97-AF65-F5344CB8AC3E}">
-        <p14:creationId xmlns:p14="http://schemas.microsoft.com/office/powerpoint/2010/main" val="4153705159"/>
+        <p14:creationId xmlns:p14="http://schemas.microsoft.com/office/powerpoint/2010/main" val="1027756781"/>
       </p:ext>
     </p:extLst>
   </p:cSld>
@@ -11026,7 +10924,7 @@
                   <a:schemeClr val="bg1"/>
                 </a:solidFill>
               </a:rPr>
-              <a:t>Ontologie: was ist?</a:t>
+              <a:t>Ist Masse ein falsches Konzept?</a:t>
             </a:r>
             <a:endParaRPr lang="de-DE">
               <a:solidFill>
@@ -11383,8 +11281,8 @@
         </p:nvSpPr>
         <p:spPr>
           <a:xfrm>
-            <a:off x="467544" y="1340769"/>
-            <a:ext cx="8229600" cy="5040560"/>
+            <a:off x="467544" y="1628800"/>
+            <a:ext cx="8229600" cy="4525963"/>
           </a:xfrm>
           <a:prstGeom prst="rect">
             <a:avLst/>
@@ -11392,7 +11290,7 @@
         </p:spPr>
         <p:txBody>
           <a:bodyPr vert="horz" lIns="91440" tIns="45720" rIns="91440" bIns="45720" rtlCol="0">
-            <a:normAutofit fontScale="77500" lnSpcReduction="20000"/>
+            <a:normAutofit fontScale="92500" lnSpcReduction="10000"/>
           </a:bodyPr>
           <a:lstStyle>
             <a:lvl1pPr marL="342900" indent="-342900" algn="l" defTabSz="914400" rtl="0" eaLnBrk="1" latinLnBrk="0" hangingPunct="1">
@@ -11538,7 +11436,7 @@
                   <a:schemeClr val="bg1"/>
                 </a:solidFill>
               </a:rPr>
-              <a:t>QM halbklassische Theorie mit gemeinsamer Zeit → Energie &amp; Co. ist nur ein anderes Wort für das Seiende. [H,Co.] = 0. QM ist nicht der finale Maßstab!</a:t>
+              <a:t>Massendefekte bei starker und e.m. Kraft heute messbar</a:t>
             </a:r>
           </a:p>
           <a:p>
@@ -11548,7 +11446,7 @@
                   <a:schemeClr val="bg1"/>
                 </a:solidFill>
               </a:rPr>
-              <a:t>QFT: Zeit ist subjektiv, Energie auch? Ist jetzt nur noch Werden?</a:t>
+              <a:t>Bewegung kann wie Masse erscheinen (siehe vorher)</a:t>
             </a:r>
           </a:p>
           <a:p>
@@ -11558,7 +11456,7 @@
                   <a:schemeClr val="bg1"/>
                 </a:solidFill>
               </a:rPr>
-              <a:t>Gesetze des Wandels scheinen da zu sein (ohne Gesetz keine Struktur)</a:t>
+              <a:t>Higgs-Mechanismus: alle Massen in Wirklichkeit Kräfte? Keine Eigenschaft von Teilen sondern Beziehung!</a:t>
             </a:r>
           </a:p>
           <a:p>
@@ -11568,47 +11466,7 @@
                   <a:schemeClr val="bg1"/>
                 </a:solidFill>
               </a:rPr>
-              <a:t>Symmetrien (sehr strenge Gesetze)</a:t>
-            </a:r>
-          </a:p>
-          <a:p>
-            <a:r>
-              <a:rPr lang="de-DE" smtClean="0">
-                <a:solidFill>
-                  <a:schemeClr val="bg1"/>
-                </a:solidFill>
-              </a:rPr>
-              <a:t>Q-Bits als Ersatz für die klassischen Lego-Bausteine?</a:t>
-            </a:r>
-          </a:p>
-          <a:p>
-            <a:r>
-              <a:rPr lang="de-DE" smtClean="0">
-                <a:solidFill>
-                  <a:schemeClr val="bg1"/>
-                </a:solidFill>
-              </a:rPr>
-              <a:t>Bewusstsein und der Pfeil der Zeit</a:t>
-            </a:r>
-          </a:p>
-          <a:p>
-            <a:r>
-              <a:rPr lang="de-DE" smtClean="0">
-                <a:solidFill>
-                  <a:schemeClr val="bg1"/>
-                </a:solidFill>
-              </a:rPr>
-              <a:t>Lust, Schmerz, Liebe, Hass und Wille</a:t>
-            </a:r>
-          </a:p>
-          <a:p>
-            <a:r>
-              <a:rPr lang="de-DE" smtClean="0">
-                <a:solidFill>
-                  <a:schemeClr val="bg1"/>
-                </a:solidFill>
-              </a:rPr>
-              <a:t>Es gibt keine getrennten Dinge. Die Welt besteht nicht aus Dingen. Ihr seid alle dasselbe Ding. Geburt und Tod sind Illusion.</a:t>
+              <a:t>Quark- und Leptonenmassen: komplett unerklärlich krumme Zahlen. Wieviel Unbekanntes steckt dahinter?</a:t>
             </a:r>
             <a:endParaRPr lang="de-DE" smtClean="0">
               <a:solidFill>
@@ -11621,7 +11479,7 @@
     </p:spTree>
     <p:extLst>
       <p:ext uri="{BB962C8B-B14F-4D97-AF65-F5344CB8AC3E}">
-        <p14:creationId xmlns:p14="http://schemas.microsoft.com/office/powerpoint/2010/main" val="2732609948"/>
+        <p14:creationId xmlns:p14="http://schemas.microsoft.com/office/powerpoint/2010/main" val="88242114"/>
       </p:ext>
     </p:extLst>
   </p:cSld>
@@ -11641,6 +11499,38 @@
 <file path=ppt/slides/slide17.xml><?xml version="1.0" encoding="utf-8"?>
 <p:sld xmlns:a="http://schemas.openxmlformats.org/drawingml/2006/main" xmlns:r="http://schemas.openxmlformats.org/officeDocument/2006/relationships" xmlns:p="http://schemas.openxmlformats.org/presentationml/2006/main">
   <p:cSld>
+    <p:bg>
+      <p:bgPr>
+        <a:gradFill flip="none" rotWithShape="1">
+          <a:gsLst>
+            <a:gs pos="50854">
+              <a:schemeClr val="tx1"/>
+            </a:gs>
+            <a:gs pos="0">
+              <a:schemeClr val="tx1"/>
+            </a:gs>
+            <a:gs pos="21681">
+              <a:schemeClr val="accent1">
+                <a:lumMod val="20000"/>
+                <a:lumOff val="80000"/>
+              </a:schemeClr>
+            </a:gs>
+            <a:gs pos="78000">
+              <a:schemeClr val="accent2">
+                <a:lumMod val="20000"/>
+                <a:lumOff val="80000"/>
+              </a:schemeClr>
+            </a:gs>
+            <a:gs pos="100000">
+              <a:schemeClr val="tx1"/>
+            </a:gs>
+          </a:gsLst>
+          <a:lin ang="2700000" scaled="1"/>
+          <a:tileRect/>
+        </a:gradFill>
+        <a:effectLst/>
+      </p:bgPr>
+    </p:bg>
     <p:spTree>
       <p:nvGrpSpPr>
         <p:cNvPr id="1" name=""/>
@@ -11673,108 +11563,644 @@
           <a:lstStyle/>
           <a:p>
             <a:r>
-              <a:rPr lang="de-DE" smtClean="0"/>
-              <a:t>Mathematische Grundlagen der QT</a:t>
-            </a:r>
-            <a:endParaRPr lang="de-DE"/>
+              <a:rPr lang="de-DE" smtClean="0">
+                <a:solidFill>
+                  <a:schemeClr val="bg1"/>
+                </a:solidFill>
+              </a:rPr>
+              <a:t>Information</a:t>
+            </a:r>
+            <a:endParaRPr lang="de-DE">
+              <a:solidFill>
+                <a:schemeClr val="bg1"/>
+              </a:solidFill>
+            </a:endParaRPr>
+          </a:p>
+        </p:txBody>
+      </p:sp>
+      <p:sp>
+        <p:nvSpPr>
+          <p:cNvPr id="4" name="Inhaltsplatzhalter 5"/>
+          <p:cNvSpPr txBox="1">
+            <a:spLocks/>
+          </p:cNvSpPr>
+          <p:nvPr/>
+        </p:nvSpPr>
+        <p:spPr>
+          <a:xfrm>
+            <a:off x="609600" y="1752600"/>
+            <a:ext cx="8229600" cy="4525963"/>
+          </a:xfrm>
+          <a:prstGeom prst="rect">
+            <a:avLst/>
+          </a:prstGeom>
+        </p:spPr>
+        <p:txBody>
+          <a:bodyPr vert="horz" lIns="91440" tIns="45720" rIns="91440" bIns="45720" rtlCol="0">
+            <a:normAutofit/>
+          </a:bodyPr>
+          <a:lstStyle>
+            <a:lvl1pPr marL="342900" indent="-342900" algn="l" defTabSz="914400" rtl="0" eaLnBrk="1" latinLnBrk="0" hangingPunct="1">
+              <a:spcBef>
+                <a:spcPct val="20000"/>
+              </a:spcBef>
+              <a:buFont typeface="Arial" pitchFamily="34" charset="0"/>
+              <a:buChar char="•"/>
+              <a:defRPr sz="3200" kern="1200">
+                <a:solidFill>
+                  <a:schemeClr val="tx1"/>
+                </a:solidFill>
+                <a:latin typeface="+mn-lt"/>
+                <a:ea typeface="+mn-ea"/>
+                <a:cs typeface="+mn-cs"/>
+              </a:defRPr>
+            </a:lvl1pPr>
+            <a:lvl2pPr marL="742950" indent="-285750" algn="l" defTabSz="914400" rtl="0" eaLnBrk="1" latinLnBrk="0" hangingPunct="1">
+              <a:spcBef>
+                <a:spcPct val="20000"/>
+              </a:spcBef>
+              <a:buFont typeface="Arial" pitchFamily="34" charset="0"/>
+              <a:buChar char="–"/>
+              <a:defRPr sz="2800" kern="1200">
+                <a:solidFill>
+                  <a:schemeClr val="tx1"/>
+                </a:solidFill>
+                <a:latin typeface="+mn-lt"/>
+                <a:ea typeface="+mn-ea"/>
+                <a:cs typeface="+mn-cs"/>
+              </a:defRPr>
+            </a:lvl2pPr>
+            <a:lvl3pPr marL="1143000" indent="-228600" algn="l" defTabSz="914400" rtl="0" eaLnBrk="1" latinLnBrk="0" hangingPunct="1">
+              <a:spcBef>
+                <a:spcPct val="20000"/>
+              </a:spcBef>
+              <a:buFont typeface="Arial" pitchFamily="34" charset="0"/>
+              <a:buChar char="•"/>
+              <a:defRPr sz="2400" kern="1200">
+                <a:solidFill>
+                  <a:schemeClr val="tx1"/>
+                </a:solidFill>
+                <a:latin typeface="+mn-lt"/>
+                <a:ea typeface="+mn-ea"/>
+                <a:cs typeface="+mn-cs"/>
+              </a:defRPr>
+            </a:lvl3pPr>
+            <a:lvl4pPr marL="1600200" indent="-228600" algn="l" defTabSz="914400" rtl="0" eaLnBrk="1" latinLnBrk="0" hangingPunct="1">
+              <a:spcBef>
+                <a:spcPct val="20000"/>
+              </a:spcBef>
+              <a:buFont typeface="Arial" pitchFamily="34" charset="0"/>
+              <a:buChar char="–"/>
+              <a:defRPr sz="2000" kern="1200">
+                <a:solidFill>
+                  <a:schemeClr val="tx1"/>
+                </a:solidFill>
+                <a:latin typeface="+mn-lt"/>
+                <a:ea typeface="+mn-ea"/>
+                <a:cs typeface="+mn-cs"/>
+              </a:defRPr>
+            </a:lvl4pPr>
+            <a:lvl5pPr marL="2057400" indent="-228600" algn="l" defTabSz="914400" rtl="0" eaLnBrk="1" latinLnBrk="0" hangingPunct="1">
+              <a:spcBef>
+                <a:spcPct val="20000"/>
+              </a:spcBef>
+              <a:buFont typeface="Arial" pitchFamily="34" charset="0"/>
+              <a:buChar char="»"/>
+              <a:defRPr sz="2000" kern="1200">
+                <a:solidFill>
+                  <a:schemeClr val="tx1"/>
+                </a:solidFill>
+                <a:latin typeface="+mn-lt"/>
+                <a:ea typeface="+mn-ea"/>
+                <a:cs typeface="+mn-cs"/>
+              </a:defRPr>
+            </a:lvl5pPr>
+            <a:lvl6pPr marL="2514600" indent="-228600" algn="l" defTabSz="914400" rtl="0" eaLnBrk="1" latinLnBrk="0" hangingPunct="1">
+              <a:spcBef>
+                <a:spcPct val="20000"/>
+              </a:spcBef>
+              <a:buFont typeface="Arial" pitchFamily="34" charset="0"/>
+              <a:buChar char="•"/>
+              <a:defRPr sz="2000" kern="1200">
+                <a:solidFill>
+                  <a:schemeClr val="tx1"/>
+                </a:solidFill>
+                <a:latin typeface="+mn-lt"/>
+                <a:ea typeface="+mn-ea"/>
+                <a:cs typeface="+mn-cs"/>
+              </a:defRPr>
+            </a:lvl6pPr>
+            <a:lvl7pPr marL="2971800" indent="-228600" algn="l" defTabSz="914400" rtl="0" eaLnBrk="1" latinLnBrk="0" hangingPunct="1">
+              <a:spcBef>
+                <a:spcPct val="20000"/>
+              </a:spcBef>
+              <a:buFont typeface="Arial" pitchFamily="34" charset="0"/>
+              <a:buChar char="•"/>
+              <a:defRPr sz="2000" kern="1200">
+                <a:solidFill>
+                  <a:schemeClr val="tx1"/>
+                </a:solidFill>
+                <a:latin typeface="+mn-lt"/>
+                <a:ea typeface="+mn-ea"/>
+                <a:cs typeface="+mn-cs"/>
+              </a:defRPr>
+            </a:lvl7pPr>
+            <a:lvl8pPr marL="3429000" indent="-228600" algn="l" defTabSz="914400" rtl="0" eaLnBrk="1" latinLnBrk="0" hangingPunct="1">
+              <a:spcBef>
+                <a:spcPct val="20000"/>
+              </a:spcBef>
+              <a:buFont typeface="Arial" pitchFamily="34" charset="0"/>
+              <a:buChar char="•"/>
+              <a:defRPr sz="2000" kern="1200">
+                <a:solidFill>
+                  <a:schemeClr val="tx1"/>
+                </a:solidFill>
+                <a:latin typeface="+mn-lt"/>
+                <a:ea typeface="+mn-ea"/>
+                <a:cs typeface="+mn-cs"/>
+              </a:defRPr>
+            </a:lvl8pPr>
+            <a:lvl9pPr marL="3886200" indent="-228600" algn="l" defTabSz="914400" rtl="0" eaLnBrk="1" latinLnBrk="0" hangingPunct="1">
+              <a:spcBef>
+                <a:spcPct val="20000"/>
+              </a:spcBef>
+              <a:buFont typeface="Arial" pitchFamily="34" charset="0"/>
+              <a:buChar char="•"/>
+              <a:defRPr sz="2000" kern="1200">
+                <a:solidFill>
+                  <a:schemeClr val="tx1"/>
+                </a:solidFill>
+                <a:latin typeface="+mn-lt"/>
+                <a:ea typeface="+mn-ea"/>
+                <a:cs typeface="+mn-cs"/>
+              </a:defRPr>
+            </a:lvl9pPr>
+          </a:lstStyle>
+          <a:p>
+            <a:endParaRPr lang="de-DE" smtClean="0">
+              <a:solidFill>
+                <a:schemeClr val="bg1"/>
+              </a:solidFill>
+            </a:endParaRPr>
+          </a:p>
+        </p:txBody>
+      </p:sp>
+      <p:sp>
+        <p:nvSpPr>
+          <p:cNvPr id="8" name="Inhaltsplatzhalter 5"/>
+          <p:cNvSpPr txBox="1">
+            <a:spLocks/>
+          </p:cNvSpPr>
+          <p:nvPr/>
+        </p:nvSpPr>
+        <p:spPr>
+          <a:xfrm>
+            <a:off x="467544" y="1700808"/>
+            <a:ext cx="8229600" cy="4752527"/>
+          </a:xfrm>
+          <a:prstGeom prst="rect">
+            <a:avLst/>
+          </a:prstGeom>
+        </p:spPr>
+        <p:txBody>
+          <a:bodyPr vert="horz" lIns="91440" tIns="45720" rIns="91440" bIns="45720" rtlCol="0">
+            <a:normAutofit/>
+          </a:bodyPr>
+          <a:lstStyle>
+            <a:lvl1pPr marL="342900" indent="-342900" algn="l" defTabSz="914400" rtl="0" eaLnBrk="1" latinLnBrk="0" hangingPunct="1">
+              <a:spcBef>
+                <a:spcPct val="20000"/>
+              </a:spcBef>
+              <a:buFont typeface="Arial" pitchFamily="34" charset="0"/>
+              <a:buChar char="•"/>
+              <a:defRPr sz="3200" kern="1200">
+                <a:solidFill>
+                  <a:schemeClr val="tx1"/>
+                </a:solidFill>
+                <a:latin typeface="+mn-lt"/>
+                <a:ea typeface="+mn-ea"/>
+                <a:cs typeface="+mn-cs"/>
+              </a:defRPr>
+            </a:lvl1pPr>
+            <a:lvl2pPr marL="742950" indent="-285750" algn="l" defTabSz="914400" rtl="0" eaLnBrk="1" latinLnBrk="0" hangingPunct="1">
+              <a:spcBef>
+                <a:spcPct val="20000"/>
+              </a:spcBef>
+              <a:buFont typeface="Arial" pitchFamily="34" charset="0"/>
+              <a:buChar char="–"/>
+              <a:defRPr sz="2800" kern="1200">
+                <a:solidFill>
+                  <a:schemeClr val="tx1"/>
+                </a:solidFill>
+                <a:latin typeface="+mn-lt"/>
+                <a:ea typeface="+mn-ea"/>
+                <a:cs typeface="+mn-cs"/>
+              </a:defRPr>
+            </a:lvl2pPr>
+            <a:lvl3pPr marL="1143000" indent="-228600" algn="l" defTabSz="914400" rtl="0" eaLnBrk="1" latinLnBrk="0" hangingPunct="1">
+              <a:spcBef>
+                <a:spcPct val="20000"/>
+              </a:spcBef>
+              <a:buFont typeface="Arial" pitchFamily="34" charset="0"/>
+              <a:buChar char="•"/>
+              <a:defRPr sz="2400" kern="1200">
+                <a:solidFill>
+                  <a:schemeClr val="tx1"/>
+                </a:solidFill>
+                <a:latin typeface="+mn-lt"/>
+                <a:ea typeface="+mn-ea"/>
+                <a:cs typeface="+mn-cs"/>
+              </a:defRPr>
+            </a:lvl3pPr>
+            <a:lvl4pPr marL="1600200" indent="-228600" algn="l" defTabSz="914400" rtl="0" eaLnBrk="1" latinLnBrk="0" hangingPunct="1">
+              <a:spcBef>
+                <a:spcPct val="20000"/>
+              </a:spcBef>
+              <a:buFont typeface="Arial" pitchFamily="34" charset="0"/>
+              <a:buChar char="–"/>
+              <a:defRPr sz="2000" kern="1200">
+                <a:solidFill>
+                  <a:schemeClr val="tx1"/>
+                </a:solidFill>
+                <a:latin typeface="+mn-lt"/>
+                <a:ea typeface="+mn-ea"/>
+                <a:cs typeface="+mn-cs"/>
+              </a:defRPr>
+            </a:lvl4pPr>
+            <a:lvl5pPr marL="2057400" indent="-228600" algn="l" defTabSz="914400" rtl="0" eaLnBrk="1" latinLnBrk="0" hangingPunct="1">
+              <a:spcBef>
+                <a:spcPct val="20000"/>
+              </a:spcBef>
+              <a:buFont typeface="Arial" pitchFamily="34" charset="0"/>
+              <a:buChar char="»"/>
+              <a:defRPr sz="2000" kern="1200">
+                <a:solidFill>
+                  <a:schemeClr val="tx1"/>
+                </a:solidFill>
+                <a:latin typeface="+mn-lt"/>
+                <a:ea typeface="+mn-ea"/>
+                <a:cs typeface="+mn-cs"/>
+              </a:defRPr>
+            </a:lvl5pPr>
+            <a:lvl6pPr marL="2514600" indent="-228600" algn="l" defTabSz="914400" rtl="0" eaLnBrk="1" latinLnBrk="0" hangingPunct="1">
+              <a:spcBef>
+                <a:spcPct val="20000"/>
+              </a:spcBef>
+              <a:buFont typeface="Arial" pitchFamily="34" charset="0"/>
+              <a:buChar char="•"/>
+              <a:defRPr sz="2000" kern="1200">
+                <a:solidFill>
+                  <a:schemeClr val="tx1"/>
+                </a:solidFill>
+                <a:latin typeface="+mn-lt"/>
+                <a:ea typeface="+mn-ea"/>
+                <a:cs typeface="+mn-cs"/>
+              </a:defRPr>
+            </a:lvl6pPr>
+            <a:lvl7pPr marL="2971800" indent="-228600" algn="l" defTabSz="914400" rtl="0" eaLnBrk="1" latinLnBrk="0" hangingPunct="1">
+              <a:spcBef>
+                <a:spcPct val="20000"/>
+              </a:spcBef>
+              <a:buFont typeface="Arial" pitchFamily="34" charset="0"/>
+              <a:buChar char="•"/>
+              <a:defRPr sz="2000" kern="1200">
+                <a:solidFill>
+                  <a:schemeClr val="tx1"/>
+                </a:solidFill>
+                <a:latin typeface="+mn-lt"/>
+                <a:ea typeface="+mn-ea"/>
+                <a:cs typeface="+mn-cs"/>
+              </a:defRPr>
+            </a:lvl7pPr>
+            <a:lvl8pPr marL="3429000" indent="-228600" algn="l" defTabSz="914400" rtl="0" eaLnBrk="1" latinLnBrk="0" hangingPunct="1">
+              <a:spcBef>
+                <a:spcPct val="20000"/>
+              </a:spcBef>
+              <a:buFont typeface="Arial" pitchFamily="34" charset="0"/>
+              <a:buChar char="•"/>
+              <a:defRPr sz="2000" kern="1200">
+                <a:solidFill>
+                  <a:schemeClr val="tx1"/>
+                </a:solidFill>
+                <a:latin typeface="+mn-lt"/>
+                <a:ea typeface="+mn-ea"/>
+                <a:cs typeface="+mn-cs"/>
+              </a:defRPr>
+            </a:lvl8pPr>
+            <a:lvl9pPr marL="3886200" indent="-228600" algn="l" defTabSz="914400" rtl="0" eaLnBrk="1" latinLnBrk="0" hangingPunct="1">
+              <a:spcBef>
+                <a:spcPct val="20000"/>
+              </a:spcBef>
+              <a:buFont typeface="Arial" pitchFamily="34" charset="0"/>
+              <a:buChar char="•"/>
+              <a:defRPr sz="2000" kern="1200">
+                <a:solidFill>
+                  <a:schemeClr val="tx1"/>
+                </a:solidFill>
+                <a:latin typeface="+mn-lt"/>
+                <a:ea typeface="+mn-ea"/>
+                <a:cs typeface="+mn-cs"/>
+              </a:defRPr>
+            </a:lvl9pPr>
+          </a:lstStyle>
+          <a:p>
+            <a:pPr marL="0" indent="0">
+              <a:buNone/>
+            </a:pPr>
+            <a:endParaRPr lang="de-DE">
+              <a:solidFill>
+                <a:schemeClr val="bg1"/>
+              </a:solidFill>
+            </a:endParaRPr>
           </a:p>
         </p:txBody>
       </p:sp>
       <p:sp>
         <p:nvSpPr>
           <p:cNvPr id="6" name="Inhaltsplatzhalter 5"/>
-          <p:cNvSpPr>
-            <a:spLocks noGrp="1"/>
+          <p:cNvSpPr txBox="1">
+            <a:spLocks/>
           </p:cNvSpPr>
-          <p:nvPr>
-            <p:ph idx="1"/>
-          </p:nvPr>
+          <p:nvPr/>
         </p:nvSpPr>
-        <p:spPr/>
+        <p:spPr>
+          <a:xfrm>
+            <a:off x="467544" y="1340769"/>
+            <a:ext cx="8229600" cy="5040560"/>
+          </a:xfrm>
+          <a:prstGeom prst="rect">
+            <a:avLst/>
+          </a:prstGeom>
+        </p:spPr>
         <p:txBody>
-          <a:bodyPr>
-            <a:normAutofit fontScale="55000" lnSpcReduction="20000"/>
+          <a:bodyPr vert="horz" lIns="91440" tIns="45720" rIns="91440" bIns="45720" rtlCol="0">
+            <a:normAutofit fontScale="85000" lnSpcReduction="20000"/>
           </a:bodyPr>
-          <a:lstStyle/>
-          <a:p>
-            <a:r>
-              <a:rPr lang="de-DE" smtClean="0"/>
-              <a:t>Funktionen mehrerer Veränderlicher in Differentialgleichungen</a:t>
-            </a:r>
-          </a:p>
-          <a:p>
-            <a:r>
-              <a:rPr lang="de-DE" smtClean="0"/>
-              <a:t>n-Tupel: Vektoren, Spinoren</a:t>
-            </a:r>
-          </a:p>
-          <a:p>
-            <a:r>
-              <a:rPr lang="de-DE" smtClean="0"/>
-              <a:t>Differentialoperatoren für die Funktionen</a:t>
-            </a:r>
-          </a:p>
-          <a:p>
-            <a:r>
-              <a:rPr lang="de-DE" smtClean="0"/>
-              <a:t>Matrixoperatoren für die n-Tupel</a:t>
-            </a:r>
-          </a:p>
-          <a:p>
-            <a:r>
-              <a:rPr lang="de-DE" smtClean="0"/>
-              <a:t>wir bekommen gekoppelte lineare DGL-Systeme</a:t>
-            </a:r>
-          </a:p>
-          <a:p>
-            <a:r>
-              <a:rPr lang="de-DE" smtClean="0"/>
-              <a:t>komplexe Zahlen: nur eine besondere Algebra für die Multiplikation (es geht auch mit reellen Matrizen, es gibt noch mehr solche Algebras…)</a:t>
-            </a:r>
-          </a:p>
-          <a:p>
-            <a:r>
-              <a:rPr lang="de-DE" smtClean="0"/>
-              <a:t>alles über 1 Kamm scheren: Hilbertraum und lineare Operatoren als abstraktes Modell für Funktionen/n-Tupel und lineare Differential- und Matrixoperatoren</a:t>
-            </a:r>
-          </a:p>
-          <a:p>
-            <a:r>
-              <a:rPr lang="de-DE" smtClean="0"/>
-              <a:t>Die aufgrund der Linearität beliebige Zerlegbarkeit (freie Wahl der Basis), z.B. Fouriertransformation</a:t>
-            </a:r>
-          </a:p>
-          <a:p>
-            <a:r>
-              <a:rPr lang="de-DE" smtClean="0"/>
-              <a:t>Eigenwerte linearer Operatoren</a:t>
-            </a:r>
-          </a:p>
-          <a:p>
-            <a:r>
-              <a:rPr lang="de-DE" smtClean="0"/>
-              <a:t>Das Skalarprodukt. Die Zweischichtigkeit: linear und nichtlinear</a:t>
-            </a:r>
-          </a:p>
-          <a:p>
-            <a:r>
-              <a:rPr lang="de-DE" smtClean="0"/>
-              <a:t>Produkträume, offene Quantensysteme, Dichteoperatoren, Verschränkung und Ganzheit</a:t>
-            </a:r>
-            <a:br>
-              <a:rPr lang="de-DE" smtClean="0"/>
-            </a:br>
-            <a:endParaRPr lang="de-DE" smtClean="0"/>
-          </a:p>
-          <a:p>
-            <a:endParaRPr lang="de-DE" smtClean="0"/>
+          <a:lstStyle>
+            <a:lvl1pPr marL="342900" indent="-342900" algn="l" defTabSz="914400" rtl="0" eaLnBrk="1" latinLnBrk="0" hangingPunct="1">
+              <a:spcBef>
+                <a:spcPct val="20000"/>
+              </a:spcBef>
+              <a:buFont typeface="Arial" pitchFamily="34" charset="0"/>
+              <a:buChar char="•"/>
+              <a:defRPr sz="3200" kern="1200">
+                <a:solidFill>
+                  <a:schemeClr val="tx1"/>
+                </a:solidFill>
+                <a:latin typeface="+mn-lt"/>
+                <a:ea typeface="+mn-ea"/>
+                <a:cs typeface="+mn-cs"/>
+              </a:defRPr>
+            </a:lvl1pPr>
+            <a:lvl2pPr marL="742950" indent="-285750" algn="l" defTabSz="914400" rtl="0" eaLnBrk="1" latinLnBrk="0" hangingPunct="1">
+              <a:spcBef>
+                <a:spcPct val="20000"/>
+              </a:spcBef>
+              <a:buFont typeface="Arial" pitchFamily="34" charset="0"/>
+              <a:buChar char="–"/>
+              <a:defRPr sz="2800" kern="1200">
+                <a:solidFill>
+                  <a:schemeClr val="tx1"/>
+                </a:solidFill>
+                <a:latin typeface="+mn-lt"/>
+                <a:ea typeface="+mn-ea"/>
+                <a:cs typeface="+mn-cs"/>
+              </a:defRPr>
+            </a:lvl2pPr>
+            <a:lvl3pPr marL="1143000" indent="-228600" algn="l" defTabSz="914400" rtl="0" eaLnBrk="1" latinLnBrk="0" hangingPunct="1">
+              <a:spcBef>
+                <a:spcPct val="20000"/>
+              </a:spcBef>
+              <a:buFont typeface="Arial" pitchFamily="34" charset="0"/>
+              <a:buChar char="•"/>
+              <a:defRPr sz="2400" kern="1200">
+                <a:solidFill>
+                  <a:schemeClr val="tx1"/>
+                </a:solidFill>
+                <a:latin typeface="+mn-lt"/>
+                <a:ea typeface="+mn-ea"/>
+                <a:cs typeface="+mn-cs"/>
+              </a:defRPr>
+            </a:lvl3pPr>
+            <a:lvl4pPr marL="1600200" indent="-228600" algn="l" defTabSz="914400" rtl="0" eaLnBrk="1" latinLnBrk="0" hangingPunct="1">
+              <a:spcBef>
+                <a:spcPct val="20000"/>
+              </a:spcBef>
+              <a:buFont typeface="Arial" pitchFamily="34" charset="0"/>
+              <a:buChar char="–"/>
+              <a:defRPr sz="2000" kern="1200">
+                <a:solidFill>
+                  <a:schemeClr val="tx1"/>
+                </a:solidFill>
+                <a:latin typeface="+mn-lt"/>
+                <a:ea typeface="+mn-ea"/>
+                <a:cs typeface="+mn-cs"/>
+              </a:defRPr>
+            </a:lvl4pPr>
+            <a:lvl5pPr marL="2057400" indent="-228600" algn="l" defTabSz="914400" rtl="0" eaLnBrk="1" latinLnBrk="0" hangingPunct="1">
+              <a:spcBef>
+                <a:spcPct val="20000"/>
+              </a:spcBef>
+              <a:buFont typeface="Arial" pitchFamily="34" charset="0"/>
+              <a:buChar char="»"/>
+              <a:defRPr sz="2000" kern="1200">
+                <a:solidFill>
+                  <a:schemeClr val="tx1"/>
+                </a:solidFill>
+                <a:latin typeface="+mn-lt"/>
+                <a:ea typeface="+mn-ea"/>
+                <a:cs typeface="+mn-cs"/>
+              </a:defRPr>
+            </a:lvl5pPr>
+            <a:lvl6pPr marL="2514600" indent="-228600" algn="l" defTabSz="914400" rtl="0" eaLnBrk="1" latinLnBrk="0" hangingPunct="1">
+              <a:spcBef>
+                <a:spcPct val="20000"/>
+              </a:spcBef>
+              <a:buFont typeface="Arial" pitchFamily="34" charset="0"/>
+              <a:buChar char="•"/>
+              <a:defRPr sz="2000" kern="1200">
+                <a:solidFill>
+                  <a:schemeClr val="tx1"/>
+                </a:solidFill>
+                <a:latin typeface="+mn-lt"/>
+                <a:ea typeface="+mn-ea"/>
+                <a:cs typeface="+mn-cs"/>
+              </a:defRPr>
+            </a:lvl6pPr>
+            <a:lvl7pPr marL="2971800" indent="-228600" algn="l" defTabSz="914400" rtl="0" eaLnBrk="1" latinLnBrk="0" hangingPunct="1">
+              <a:spcBef>
+                <a:spcPct val="20000"/>
+              </a:spcBef>
+              <a:buFont typeface="Arial" pitchFamily="34" charset="0"/>
+              <a:buChar char="•"/>
+              <a:defRPr sz="2000" kern="1200">
+                <a:solidFill>
+                  <a:schemeClr val="tx1"/>
+                </a:solidFill>
+                <a:latin typeface="+mn-lt"/>
+                <a:ea typeface="+mn-ea"/>
+                <a:cs typeface="+mn-cs"/>
+              </a:defRPr>
+            </a:lvl7pPr>
+            <a:lvl8pPr marL="3429000" indent="-228600" algn="l" defTabSz="914400" rtl="0" eaLnBrk="1" latinLnBrk="0" hangingPunct="1">
+              <a:spcBef>
+                <a:spcPct val="20000"/>
+              </a:spcBef>
+              <a:buFont typeface="Arial" pitchFamily="34" charset="0"/>
+              <a:buChar char="•"/>
+              <a:defRPr sz="2000" kern="1200">
+                <a:solidFill>
+                  <a:schemeClr val="tx1"/>
+                </a:solidFill>
+                <a:latin typeface="+mn-lt"/>
+                <a:ea typeface="+mn-ea"/>
+                <a:cs typeface="+mn-cs"/>
+              </a:defRPr>
+            </a:lvl8pPr>
+            <a:lvl9pPr marL="3886200" indent="-228600" algn="l" defTabSz="914400" rtl="0" eaLnBrk="1" latinLnBrk="0" hangingPunct="1">
+              <a:spcBef>
+                <a:spcPct val="20000"/>
+              </a:spcBef>
+              <a:buFont typeface="Arial" pitchFamily="34" charset="0"/>
+              <a:buChar char="•"/>
+              <a:defRPr sz="2000" kern="1200">
+                <a:solidFill>
+                  <a:schemeClr val="tx1"/>
+                </a:solidFill>
+                <a:latin typeface="+mn-lt"/>
+                <a:ea typeface="+mn-ea"/>
+                <a:cs typeface="+mn-cs"/>
+              </a:defRPr>
+            </a:lvl9pPr>
+          </a:lstStyle>
+          <a:p>
+            <a:r>
+              <a:rPr lang="de-DE" smtClean="0">
+                <a:solidFill>
+                  <a:schemeClr val="bg1"/>
+                </a:solidFill>
+              </a:rPr>
+              <a:t>Zeilinger</a:t>
+            </a:r>
+            <a:r>
+              <a:rPr lang="de-DE" smtClean="0">
+                <a:solidFill>
+                  <a:schemeClr val="bg1"/>
+                </a:solidFill>
+              </a:rPr>
+              <a:t>: </a:t>
+            </a:r>
+            <a:r>
+              <a:rPr lang="de-DE" i="1">
+                <a:solidFill>
+                  <a:schemeClr val="bg1"/>
+                </a:solidFill>
+              </a:rPr>
+              <a:t>Ich bin überzeugt, dass Information das fundamentale Konzept unserer Welt </a:t>
+            </a:r>
+            <a:r>
+              <a:rPr lang="de-DE" i="1">
+                <a:solidFill>
+                  <a:schemeClr val="bg1"/>
+                </a:solidFill>
+              </a:rPr>
+              <a:t>ist</a:t>
+            </a:r>
+            <a:r>
+              <a:rPr lang="de-DE" i="1" smtClean="0">
+                <a:solidFill>
+                  <a:schemeClr val="bg1"/>
+                </a:solidFill>
+              </a:rPr>
+              <a:t>.</a:t>
+            </a:r>
+          </a:p>
+          <a:p>
+            <a:r>
+              <a:rPr lang="de-DE" smtClean="0">
+                <a:solidFill>
+                  <a:schemeClr val="bg1"/>
+                </a:solidFill>
+              </a:rPr>
+              <a:t>Was ist eigentlich Information? Vom Bit zur Shannon-Entropie</a:t>
+            </a:r>
+          </a:p>
+          <a:p>
+            <a:r>
+              <a:rPr lang="de-DE" smtClean="0">
+                <a:solidFill>
+                  <a:schemeClr val="bg1"/>
+                </a:solidFill>
+              </a:rPr>
+              <a:t>Was ist eigentlich Bedeutung?</a:t>
+            </a:r>
+            <a:endParaRPr lang="de-DE" smtClean="0">
+              <a:solidFill>
+                <a:schemeClr val="bg1"/>
+              </a:solidFill>
+            </a:endParaRPr>
+          </a:p>
+          <a:p>
+            <a:r>
+              <a:rPr lang="de-DE" smtClean="0">
+                <a:solidFill>
+                  <a:schemeClr val="bg1"/>
+                </a:solidFill>
+              </a:rPr>
+              <a:t>Ist also überall immer unendlich viel Information enthalten? Also überall gleich viel?</a:t>
+            </a:r>
+          </a:p>
+          <a:p>
+            <a:r>
+              <a:rPr lang="de-DE" smtClean="0">
+                <a:solidFill>
+                  <a:schemeClr val="bg1"/>
+                </a:solidFill>
+              </a:rPr>
+              <a:t>Thermodynamik: ein Fingerzeig</a:t>
+            </a:r>
+          </a:p>
+          <a:p>
+            <a:r>
+              <a:rPr lang="de-DE" smtClean="0">
+                <a:solidFill>
+                  <a:schemeClr val="bg1"/>
+                </a:solidFill>
+              </a:rPr>
+              <a:t>Zusammenhang zw. Q-Bits und klassischen Bits</a:t>
+            </a:r>
+          </a:p>
+          <a:p>
+            <a:r>
+              <a:rPr lang="de-DE">
+                <a:solidFill>
+                  <a:schemeClr val="bg1"/>
+                </a:solidFill>
+              </a:rPr>
+              <a:t>erstmals eine Obergrenze: die Bekenstein-Hawking-Entropie schwarzer Löcher</a:t>
+            </a:r>
+          </a:p>
+          <a:p>
+            <a:r>
+              <a:rPr lang="de-DE" smtClean="0">
+                <a:solidFill>
+                  <a:schemeClr val="bg1"/>
+                </a:solidFill>
+              </a:rPr>
+              <a:t>Kann das stimmen (Informationsparadoxon)?</a:t>
+            </a:r>
+            <a:endParaRPr lang="de-DE" smtClean="0">
+              <a:solidFill>
+                <a:schemeClr val="bg1"/>
+              </a:solidFill>
+            </a:endParaRPr>
           </a:p>
         </p:txBody>
       </p:sp>
     </p:spTree>
     <p:extLst>
       <p:ext uri="{BB962C8B-B14F-4D97-AF65-F5344CB8AC3E}">
-        <p14:creationId xmlns:p14="http://schemas.microsoft.com/office/powerpoint/2010/main" val="2426154753"/>
+        <p14:creationId xmlns:p14="http://schemas.microsoft.com/office/powerpoint/2010/main" val="4153705159"/>
       </p:ext>
     </p:extLst>
   </p:cSld>
@@ -11794,6 +12220,38 @@
 <file path=ppt/slides/slide18.xml><?xml version="1.0" encoding="utf-8"?>
 <p:sld xmlns:a="http://schemas.openxmlformats.org/drawingml/2006/main" xmlns:r="http://schemas.openxmlformats.org/officeDocument/2006/relationships" xmlns:p="http://schemas.openxmlformats.org/presentationml/2006/main">
   <p:cSld>
+    <p:bg>
+      <p:bgPr>
+        <a:gradFill flip="none" rotWithShape="1">
+          <a:gsLst>
+            <a:gs pos="50854">
+              <a:schemeClr val="tx1"/>
+            </a:gs>
+            <a:gs pos="0">
+              <a:schemeClr val="tx1"/>
+            </a:gs>
+            <a:gs pos="21681">
+              <a:schemeClr val="accent1">
+                <a:lumMod val="20000"/>
+                <a:lumOff val="80000"/>
+              </a:schemeClr>
+            </a:gs>
+            <a:gs pos="78000">
+              <a:schemeClr val="accent2">
+                <a:lumMod val="20000"/>
+                <a:lumOff val="80000"/>
+              </a:schemeClr>
+            </a:gs>
+            <a:gs pos="100000">
+              <a:schemeClr val="tx1"/>
+            </a:gs>
+          </a:gsLst>
+          <a:lin ang="2700000" scaled="1"/>
+          <a:tileRect/>
+        </a:gradFill>
+        <a:effectLst/>
+      </p:bgPr>
+    </p:bg>
     <p:spTree>
       <p:nvGrpSpPr>
         <p:cNvPr id="1" name=""/>
@@ -11826,95 +12284,618 @@
           <a:lstStyle/>
           <a:p>
             <a:r>
-              <a:rPr lang="de-DE" smtClean="0"/>
-              <a:t>Quantenmechanik</a:t>
-            </a:r>
-            <a:endParaRPr lang="de-DE"/>
+              <a:rPr lang="de-DE" smtClean="0">
+                <a:solidFill>
+                  <a:schemeClr val="bg1"/>
+                </a:solidFill>
+              </a:rPr>
+              <a:t>Ontologie: was ist?</a:t>
+            </a:r>
+            <a:endParaRPr lang="de-DE">
+              <a:solidFill>
+                <a:schemeClr val="bg1"/>
+              </a:solidFill>
+            </a:endParaRPr>
+          </a:p>
+        </p:txBody>
+      </p:sp>
+      <p:sp>
+        <p:nvSpPr>
+          <p:cNvPr id="4" name="Inhaltsplatzhalter 5"/>
+          <p:cNvSpPr txBox="1">
+            <a:spLocks/>
+          </p:cNvSpPr>
+          <p:nvPr/>
+        </p:nvSpPr>
+        <p:spPr>
+          <a:xfrm>
+            <a:off x="609600" y="1752600"/>
+            <a:ext cx="8229600" cy="4525963"/>
+          </a:xfrm>
+          <a:prstGeom prst="rect">
+            <a:avLst/>
+          </a:prstGeom>
+        </p:spPr>
+        <p:txBody>
+          <a:bodyPr vert="horz" lIns="91440" tIns="45720" rIns="91440" bIns="45720" rtlCol="0">
+            <a:normAutofit/>
+          </a:bodyPr>
+          <a:lstStyle>
+            <a:lvl1pPr marL="342900" indent="-342900" algn="l" defTabSz="914400" rtl="0" eaLnBrk="1" latinLnBrk="0" hangingPunct="1">
+              <a:spcBef>
+                <a:spcPct val="20000"/>
+              </a:spcBef>
+              <a:buFont typeface="Arial" pitchFamily="34" charset="0"/>
+              <a:buChar char="•"/>
+              <a:defRPr sz="3200" kern="1200">
+                <a:solidFill>
+                  <a:schemeClr val="tx1"/>
+                </a:solidFill>
+                <a:latin typeface="+mn-lt"/>
+                <a:ea typeface="+mn-ea"/>
+                <a:cs typeface="+mn-cs"/>
+              </a:defRPr>
+            </a:lvl1pPr>
+            <a:lvl2pPr marL="742950" indent="-285750" algn="l" defTabSz="914400" rtl="0" eaLnBrk="1" latinLnBrk="0" hangingPunct="1">
+              <a:spcBef>
+                <a:spcPct val="20000"/>
+              </a:spcBef>
+              <a:buFont typeface="Arial" pitchFamily="34" charset="0"/>
+              <a:buChar char="–"/>
+              <a:defRPr sz="2800" kern="1200">
+                <a:solidFill>
+                  <a:schemeClr val="tx1"/>
+                </a:solidFill>
+                <a:latin typeface="+mn-lt"/>
+                <a:ea typeface="+mn-ea"/>
+                <a:cs typeface="+mn-cs"/>
+              </a:defRPr>
+            </a:lvl2pPr>
+            <a:lvl3pPr marL="1143000" indent="-228600" algn="l" defTabSz="914400" rtl="0" eaLnBrk="1" latinLnBrk="0" hangingPunct="1">
+              <a:spcBef>
+                <a:spcPct val="20000"/>
+              </a:spcBef>
+              <a:buFont typeface="Arial" pitchFamily="34" charset="0"/>
+              <a:buChar char="•"/>
+              <a:defRPr sz="2400" kern="1200">
+                <a:solidFill>
+                  <a:schemeClr val="tx1"/>
+                </a:solidFill>
+                <a:latin typeface="+mn-lt"/>
+                <a:ea typeface="+mn-ea"/>
+                <a:cs typeface="+mn-cs"/>
+              </a:defRPr>
+            </a:lvl3pPr>
+            <a:lvl4pPr marL="1600200" indent="-228600" algn="l" defTabSz="914400" rtl="0" eaLnBrk="1" latinLnBrk="0" hangingPunct="1">
+              <a:spcBef>
+                <a:spcPct val="20000"/>
+              </a:spcBef>
+              <a:buFont typeface="Arial" pitchFamily="34" charset="0"/>
+              <a:buChar char="–"/>
+              <a:defRPr sz="2000" kern="1200">
+                <a:solidFill>
+                  <a:schemeClr val="tx1"/>
+                </a:solidFill>
+                <a:latin typeface="+mn-lt"/>
+                <a:ea typeface="+mn-ea"/>
+                <a:cs typeface="+mn-cs"/>
+              </a:defRPr>
+            </a:lvl4pPr>
+            <a:lvl5pPr marL="2057400" indent="-228600" algn="l" defTabSz="914400" rtl="0" eaLnBrk="1" latinLnBrk="0" hangingPunct="1">
+              <a:spcBef>
+                <a:spcPct val="20000"/>
+              </a:spcBef>
+              <a:buFont typeface="Arial" pitchFamily="34" charset="0"/>
+              <a:buChar char="»"/>
+              <a:defRPr sz="2000" kern="1200">
+                <a:solidFill>
+                  <a:schemeClr val="tx1"/>
+                </a:solidFill>
+                <a:latin typeface="+mn-lt"/>
+                <a:ea typeface="+mn-ea"/>
+                <a:cs typeface="+mn-cs"/>
+              </a:defRPr>
+            </a:lvl5pPr>
+            <a:lvl6pPr marL="2514600" indent="-228600" algn="l" defTabSz="914400" rtl="0" eaLnBrk="1" latinLnBrk="0" hangingPunct="1">
+              <a:spcBef>
+                <a:spcPct val="20000"/>
+              </a:spcBef>
+              <a:buFont typeface="Arial" pitchFamily="34" charset="0"/>
+              <a:buChar char="•"/>
+              <a:defRPr sz="2000" kern="1200">
+                <a:solidFill>
+                  <a:schemeClr val="tx1"/>
+                </a:solidFill>
+                <a:latin typeface="+mn-lt"/>
+                <a:ea typeface="+mn-ea"/>
+                <a:cs typeface="+mn-cs"/>
+              </a:defRPr>
+            </a:lvl6pPr>
+            <a:lvl7pPr marL="2971800" indent="-228600" algn="l" defTabSz="914400" rtl="0" eaLnBrk="1" latinLnBrk="0" hangingPunct="1">
+              <a:spcBef>
+                <a:spcPct val="20000"/>
+              </a:spcBef>
+              <a:buFont typeface="Arial" pitchFamily="34" charset="0"/>
+              <a:buChar char="•"/>
+              <a:defRPr sz="2000" kern="1200">
+                <a:solidFill>
+                  <a:schemeClr val="tx1"/>
+                </a:solidFill>
+                <a:latin typeface="+mn-lt"/>
+                <a:ea typeface="+mn-ea"/>
+                <a:cs typeface="+mn-cs"/>
+              </a:defRPr>
+            </a:lvl7pPr>
+            <a:lvl8pPr marL="3429000" indent="-228600" algn="l" defTabSz="914400" rtl="0" eaLnBrk="1" latinLnBrk="0" hangingPunct="1">
+              <a:spcBef>
+                <a:spcPct val="20000"/>
+              </a:spcBef>
+              <a:buFont typeface="Arial" pitchFamily="34" charset="0"/>
+              <a:buChar char="•"/>
+              <a:defRPr sz="2000" kern="1200">
+                <a:solidFill>
+                  <a:schemeClr val="tx1"/>
+                </a:solidFill>
+                <a:latin typeface="+mn-lt"/>
+                <a:ea typeface="+mn-ea"/>
+                <a:cs typeface="+mn-cs"/>
+              </a:defRPr>
+            </a:lvl8pPr>
+            <a:lvl9pPr marL="3886200" indent="-228600" algn="l" defTabSz="914400" rtl="0" eaLnBrk="1" latinLnBrk="0" hangingPunct="1">
+              <a:spcBef>
+                <a:spcPct val="20000"/>
+              </a:spcBef>
+              <a:buFont typeface="Arial" pitchFamily="34" charset="0"/>
+              <a:buChar char="•"/>
+              <a:defRPr sz="2000" kern="1200">
+                <a:solidFill>
+                  <a:schemeClr val="tx1"/>
+                </a:solidFill>
+                <a:latin typeface="+mn-lt"/>
+                <a:ea typeface="+mn-ea"/>
+                <a:cs typeface="+mn-cs"/>
+              </a:defRPr>
+            </a:lvl9pPr>
+          </a:lstStyle>
+          <a:p>
+            <a:endParaRPr lang="de-DE" smtClean="0">
+              <a:solidFill>
+                <a:schemeClr val="bg1"/>
+              </a:solidFill>
+            </a:endParaRPr>
+          </a:p>
+        </p:txBody>
+      </p:sp>
+      <p:sp>
+        <p:nvSpPr>
+          <p:cNvPr id="8" name="Inhaltsplatzhalter 5"/>
+          <p:cNvSpPr txBox="1">
+            <a:spLocks/>
+          </p:cNvSpPr>
+          <p:nvPr/>
+        </p:nvSpPr>
+        <p:spPr>
+          <a:xfrm>
+            <a:off x="467544" y="1700808"/>
+            <a:ext cx="8229600" cy="4752527"/>
+          </a:xfrm>
+          <a:prstGeom prst="rect">
+            <a:avLst/>
+          </a:prstGeom>
+        </p:spPr>
+        <p:txBody>
+          <a:bodyPr vert="horz" lIns="91440" tIns="45720" rIns="91440" bIns="45720" rtlCol="0">
+            <a:normAutofit/>
+          </a:bodyPr>
+          <a:lstStyle>
+            <a:lvl1pPr marL="342900" indent="-342900" algn="l" defTabSz="914400" rtl="0" eaLnBrk="1" latinLnBrk="0" hangingPunct="1">
+              <a:spcBef>
+                <a:spcPct val="20000"/>
+              </a:spcBef>
+              <a:buFont typeface="Arial" pitchFamily="34" charset="0"/>
+              <a:buChar char="•"/>
+              <a:defRPr sz="3200" kern="1200">
+                <a:solidFill>
+                  <a:schemeClr val="tx1"/>
+                </a:solidFill>
+                <a:latin typeface="+mn-lt"/>
+                <a:ea typeface="+mn-ea"/>
+                <a:cs typeface="+mn-cs"/>
+              </a:defRPr>
+            </a:lvl1pPr>
+            <a:lvl2pPr marL="742950" indent="-285750" algn="l" defTabSz="914400" rtl="0" eaLnBrk="1" latinLnBrk="0" hangingPunct="1">
+              <a:spcBef>
+                <a:spcPct val="20000"/>
+              </a:spcBef>
+              <a:buFont typeface="Arial" pitchFamily="34" charset="0"/>
+              <a:buChar char="–"/>
+              <a:defRPr sz="2800" kern="1200">
+                <a:solidFill>
+                  <a:schemeClr val="tx1"/>
+                </a:solidFill>
+                <a:latin typeface="+mn-lt"/>
+                <a:ea typeface="+mn-ea"/>
+                <a:cs typeface="+mn-cs"/>
+              </a:defRPr>
+            </a:lvl2pPr>
+            <a:lvl3pPr marL="1143000" indent="-228600" algn="l" defTabSz="914400" rtl="0" eaLnBrk="1" latinLnBrk="0" hangingPunct="1">
+              <a:spcBef>
+                <a:spcPct val="20000"/>
+              </a:spcBef>
+              <a:buFont typeface="Arial" pitchFamily="34" charset="0"/>
+              <a:buChar char="•"/>
+              <a:defRPr sz="2400" kern="1200">
+                <a:solidFill>
+                  <a:schemeClr val="tx1"/>
+                </a:solidFill>
+                <a:latin typeface="+mn-lt"/>
+                <a:ea typeface="+mn-ea"/>
+                <a:cs typeface="+mn-cs"/>
+              </a:defRPr>
+            </a:lvl3pPr>
+            <a:lvl4pPr marL="1600200" indent="-228600" algn="l" defTabSz="914400" rtl="0" eaLnBrk="1" latinLnBrk="0" hangingPunct="1">
+              <a:spcBef>
+                <a:spcPct val="20000"/>
+              </a:spcBef>
+              <a:buFont typeface="Arial" pitchFamily="34" charset="0"/>
+              <a:buChar char="–"/>
+              <a:defRPr sz="2000" kern="1200">
+                <a:solidFill>
+                  <a:schemeClr val="tx1"/>
+                </a:solidFill>
+                <a:latin typeface="+mn-lt"/>
+                <a:ea typeface="+mn-ea"/>
+                <a:cs typeface="+mn-cs"/>
+              </a:defRPr>
+            </a:lvl4pPr>
+            <a:lvl5pPr marL="2057400" indent="-228600" algn="l" defTabSz="914400" rtl="0" eaLnBrk="1" latinLnBrk="0" hangingPunct="1">
+              <a:spcBef>
+                <a:spcPct val="20000"/>
+              </a:spcBef>
+              <a:buFont typeface="Arial" pitchFamily="34" charset="0"/>
+              <a:buChar char="»"/>
+              <a:defRPr sz="2000" kern="1200">
+                <a:solidFill>
+                  <a:schemeClr val="tx1"/>
+                </a:solidFill>
+                <a:latin typeface="+mn-lt"/>
+                <a:ea typeface="+mn-ea"/>
+                <a:cs typeface="+mn-cs"/>
+              </a:defRPr>
+            </a:lvl5pPr>
+            <a:lvl6pPr marL="2514600" indent="-228600" algn="l" defTabSz="914400" rtl="0" eaLnBrk="1" latinLnBrk="0" hangingPunct="1">
+              <a:spcBef>
+                <a:spcPct val="20000"/>
+              </a:spcBef>
+              <a:buFont typeface="Arial" pitchFamily="34" charset="0"/>
+              <a:buChar char="•"/>
+              <a:defRPr sz="2000" kern="1200">
+                <a:solidFill>
+                  <a:schemeClr val="tx1"/>
+                </a:solidFill>
+                <a:latin typeface="+mn-lt"/>
+                <a:ea typeface="+mn-ea"/>
+                <a:cs typeface="+mn-cs"/>
+              </a:defRPr>
+            </a:lvl6pPr>
+            <a:lvl7pPr marL="2971800" indent="-228600" algn="l" defTabSz="914400" rtl="0" eaLnBrk="1" latinLnBrk="0" hangingPunct="1">
+              <a:spcBef>
+                <a:spcPct val="20000"/>
+              </a:spcBef>
+              <a:buFont typeface="Arial" pitchFamily="34" charset="0"/>
+              <a:buChar char="•"/>
+              <a:defRPr sz="2000" kern="1200">
+                <a:solidFill>
+                  <a:schemeClr val="tx1"/>
+                </a:solidFill>
+                <a:latin typeface="+mn-lt"/>
+                <a:ea typeface="+mn-ea"/>
+                <a:cs typeface="+mn-cs"/>
+              </a:defRPr>
+            </a:lvl7pPr>
+            <a:lvl8pPr marL="3429000" indent="-228600" algn="l" defTabSz="914400" rtl="0" eaLnBrk="1" latinLnBrk="0" hangingPunct="1">
+              <a:spcBef>
+                <a:spcPct val="20000"/>
+              </a:spcBef>
+              <a:buFont typeface="Arial" pitchFamily="34" charset="0"/>
+              <a:buChar char="•"/>
+              <a:defRPr sz="2000" kern="1200">
+                <a:solidFill>
+                  <a:schemeClr val="tx1"/>
+                </a:solidFill>
+                <a:latin typeface="+mn-lt"/>
+                <a:ea typeface="+mn-ea"/>
+                <a:cs typeface="+mn-cs"/>
+              </a:defRPr>
+            </a:lvl8pPr>
+            <a:lvl9pPr marL="3886200" indent="-228600" algn="l" defTabSz="914400" rtl="0" eaLnBrk="1" latinLnBrk="0" hangingPunct="1">
+              <a:spcBef>
+                <a:spcPct val="20000"/>
+              </a:spcBef>
+              <a:buFont typeface="Arial" pitchFamily="34" charset="0"/>
+              <a:buChar char="•"/>
+              <a:defRPr sz="2000" kern="1200">
+                <a:solidFill>
+                  <a:schemeClr val="tx1"/>
+                </a:solidFill>
+                <a:latin typeface="+mn-lt"/>
+                <a:ea typeface="+mn-ea"/>
+                <a:cs typeface="+mn-cs"/>
+              </a:defRPr>
+            </a:lvl9pPr>
+          </a:lstStyle>
+          <a:p>
+            <a:pPr marL="0" indent="0">
+              <a:buNone/>
+            </a:pPr>
+            <a:endParaRPr lang="de-DE">
+              <a:solidFill>
+                <a:schemeClr val="bg1"/>
+              </a:solidFill>
+            </a:endParaRPr>
           </a:p>
         </p:txBody>
       </p:sp>
       <p:sp>
         <p:nvSpPr>
           <p:cNvPr id="6" name="Inhaltsplatzhalter 5"/>
-          <p:cNvSpPr>
-            <a:spLocks noGrp="1"/>
+          <p:cNvSpPr txBox="1">
+            <a:spLocks/>
           </p:cNvSpPr>
-          <p:nvPr>
-            <p:ph idx="1"/>
-          </p:nvPr>
+          <p:nvPr/>
         </p:nvSpPr>
         <p:spPr>
           <a:xfrm>
-            <a:off x="457200" y="4077072"/>
-            <a:ext cx="8229600" cy="2049091"/>
+            <a:off x="467544" y="1340769"/>
+            <a:ext cx="8229600" cy="5040560"/>
           </a:xfrm>
+          <a:prstGeom prst="rect">
+            <a:avLst/>
+          </a:prstGeom>
         </p:spPr>
         <p:txBody>
-          <a:bodyPr>
-            <a:normAutofit fontScale="62500" lnSpcReduction="20000"/>
+          <a:bodyPr vert="horz" lIns="91440" tIns="45720" rIns="91440" bIns="45720" rtlCol="0">
+            <a:normAutofit fontScale="77500" lnSpcReduction="20000"/>
           </a:bodyPr>
-          <a:lstStyle/>
-          <a:p>
-            <a:r>
-              <a:rPr lang="de-DE" smtClean="0"/>
-              <a:t>halbklassisch, Korrespondenzprinzip</a:t>
-            </a:r>
-          </a:p>
-          <a:p>
-            <a:r>
-              <a:rPr lang="de-DE" smtClean="0"/>
-              <a:t>es gibt eine absolute Zeit (passend zu unserer Alltagsvorstellung, erst mal ausreichend für Quantenrechner)</a:t>
-            </a:r>
-          </a:p>
-          <a:p>
-            <a:r>
-              <a:rPr lang="de-DE" smtClean="0"/>
-              <a:t>Schrödingergleichung, Pauligleichung</a:t>
-            </a:r>
-          </a:p>
-          <a:p>
-            <a:r>
-              <a:rPr lang="de-DE" smtClean="0"/>
-              <a:t>Beispiele (Wasserstoffproblem, harmonischer Oszillator)</a:t>
-            </a:r>
-          </a:p>
-          <a:p>
-            <a:r>
-              <a:rPr lang="de-DE" smtClean="0"/>
-              <a:t>Die unitäre Zeitentwicklung: „es geschieht nichts“ (Heisenberg). Integration der Schrödingergleichung.</a:t>
-            </a:r>
-          </a:p>
-          <a:p>
-            <a:endParaRPr lang="de-DE" smtClean="0"/>
+          <a:lstStyle>
+            <a:lvl1pPr marL="342900" indent="-342900" algn="l" defTabSz="914400" rtl="0" eaLnBrk="1" latinLnBrk="0" hangingPunct="1">
+              <a:spcBef>
+                <a:spcPct val="20000"/>
+              </a:spcBef>
+              <a:buFont typeface="Arial" pitchFamily="34" charset="0"/>
+              <a:buChar char="•"/>
+              <a:defRPr sz="3200" kern="1200">
+                <a:solidFill>
+                  <a:schemeClr val="tx1"/>
+                </a:solidFill>
+                <a:latin typeface="+mn-lt"/>
+                <a:ea typeface="+mn-ea"/>
+                <a:cs typeface="+mn-cs"/>
+              </a:defRPr>
+            </a:lvl1pPr>
+            <a:lvl2pPr marL="742950" indent="-285750" algn="l" defTabSz="914400" rtl="0" eaLnBrk="1" latinLnBrk="0" hangingPunct="1">
+              <a:spcBef>
+                <a:spcPct val="20000"/>
+              </a:spcBef>
+              <a:buFont typeface="Arial" pitchFamily="34" charset="0"/>
+              <a:buChar char="–"/>
+              <a:defRPr sz="2800" kern="1200">
+                <a:solidFill>
+                  <a:schemeClr val="tx1"/>
+                </a:solidFill>
+                <a:latin typeface="+mn-lt"/>
+                <a:ea typeface="+mn-ea"/>
+                <a:cs typeface="+mn-cs"/>
+              </a:defRPr>
+            </a:lvl2pPr>
+            <a:lvl3pPr marL="1143000" indent="-228600" algn="l" defTabSz="914400" rtl="0" eaLnBrk="1" latinLnBrk="0" hangingPunct="1">
+              <a:spcBef>
+                <a:spcPct val="20000"/>
+              </a:spcBef>
+              <a:buFont typeface="Arial" pitchFamily="34" charset="0"/>
+              <a:buChar char="•"/>
+              <a:defRPr sz="2400" kern="1200">
+                <a:solidFill>
+                  <a:schemeClr val="tx1"/>
+                </a:solidFill>
+                <a:latin typeface="+mn-lt"/>
+                <a:ea typeface="+mn-ea"/>
+                <a:cs typeface="+mn-cs"/>
+              </a:defRPr>
+            </a:lvl3pPr>
+            <a:lvl4pPr marL="1600200" indent="-228600" algn="l" defTabSz="914400" rtl="0" eaLnBrk="1" latinLnBrk="0" hangingPunct="1">
+              <a:spcBef>
+                <a:spcPct val="20000"/>
+              </a:spcBef>
+              <a:buFont typeface="Arial" pitchFamily="34" charset="0"/>
+              <a:buChar char="–"/>
+              <a:defRPr sz="2000" kern="1200">
+                <a:solidFill>
+                  <a:schemeClr val="tx1"/>
+                </a:solidFill>
+                <a:latin typeface="+mn-lt"/>
+                <a:ea typeface="+mn-ea"/>
+                <a:cs typeface="+mn-cs"/>
+              </a:defRPr>
+            </a:lvl4pPr>
+            <a:lvl5pPr marL="2057400" indent="-228600" algn="l" defTabSz="914400" rtl="0" eaLnBrk="1" latinLnBrk="0" hangingPunct="1">
+              <a:spcBef>
+                <a:spcPct val="20000"/>
+              </a:spcBef>
+              <a:buFont typeface="Arial" pitchFamily="34" charset="0"/>
+              <a:buChar char="»"/>
+              <a:defRPr sz="2000" kern="1200">
+                <a:solidFill>
+                  <a:schemeClr val="tx1"/>
+                </a:solidFill>
+                <a:latin typeface="+mn-lt"/>
+                <a:ea typeface="+mn-ea"/>
+                <a:cs typeface="+mn-cs"/>
+              </a:defRPr>
+            </a:lvl5pPr>
+            <a:lvl6pPr marL="2514600" indent="-228600" algn="l" defTabSz="914400" rtl="0" eaLnBrk="1" latinLnBrk="0" hangingPunct="1">
+              <a:spcBef>
+                <a:spcPct val="20000"/>
+              </a:spcBef>
+              <a:buFont typeface="Arial" pitchFamily="34" charset="0"/>
+              <a:buChar char="•"/>
+              <a:defRPr sz="2000" kern="1200">
+                <a:solidFill>
+                  <a:schemeClr val="tx1"/>
+                </a:solidFill>
+                <a:latin typeface="+mn-lt"/>
+                <a:ea typeface="+mn-ea"/>
+                <a:cs typeface="+mn-cs"/>
+              </a:defRPr>
+            </a:lvl6pPr>
+            <a:lvl7pPr marL="2971800" indent="-228600" algn="l" defTabSz="914400" rtl="0" eaLnBrk="1" latinLnBrk="0" hangingPunct="1">
+              <a:spcBef>
+                <a:spcPct val="20000"/>
+              </a:spcBef>
+              <a:buFont typeface="Arial" pitchFamily="34" charset="0"/>
+              <a:buChar char="•"/>
+              <a:defRPr sz="2000" kern="1200">
+                <a:solidFill>
+                  <a:schemeClr val="tx1"/>
+                </a:solidFill>
+                <a:latin typeface="+mn-lt"/>
+                <a:ea typeface="+mn-ea"/>
+                <a:cs typeface="+mn-cs"/>
+              </a:defRPr>
+            </a:lvl7pPr>
+            <a:lvl8pPr marL="3429000" indent="-228600" algn="l" defTabSz="914400" rtl="0" eaLnBrk="1" latinLnBrk="0" hangingPunct="1">
+              <a:spcBef>
+                <a:spcPct val="20000"/>
+              </a:spcBef>
+              <a:buFont typeface="Arial" pitchFamily="34" charset="0"/>
+              <a:buChar char="•"/>
+              <a:defRPr sz="2000" kern="1200">
+                <a:solidFill>
+                  <a:schemeClr val="tx1"/>
+                </a:solidFill>
+                <a:latin typeface="+mn-lt"/>
+                <a:ea typeface="+mn-ea"/>
+                <a:cs typeface="+mn-cs"/>
+              </a:defRPr>
+            </a:lvl8pPr>
+            <a:lvl9pPr marL="3886200" indent="-228600" algn="l" defTabSz="914400" rtl="0" eaLnBrk="1" latinLnBrk="0" hangingPunct="1">
+              <a:spcBef>
+                <a:spcPct val="20000"/>
+              </a:spcBef>
+              <a:buFont typeface="Arial" pitchFamily="34" charset="0"/>
+              <a:buChar char="•"/>
+              <a:defRPr sz="2000" kern="1200">
+                <a:solidFill>
+                  <a:schemeClr val="tx1"/>
+                </a:solidFill>
+                <a:latin typeface="+mn-lt"/>
+                <a:ea typeface="+mn-ea"/>
+                <a:cs typeface="+mn-cs"/>
+              </a:defRPr>
+            </a:lvl9pPr>
+          </a:lstStyle>
+          <a:p>
+            <a:r>
+              <a:rPr lang="de-DE" smtClean="0">
+                <a:solidFill>
+                  <a:schemeClr val="bg1"/>
+                </a:solidFill>
+              </a:rPr>
+              <a:t>QM halbklassische Theorie mit gemeinsamer Zeit → Energie &amp; Co. ist nur ein anderes Wort für das Seiende. [H,Co.] = 0. QM ist nicht der finale Maßstab!</a:t>
+            </a:r>
+          </a:p>
+          <a:p>
+            <a:r>
+              <a:rPr lang="de-DE" smtClean="0">
+                <a:solidFill>
+                  <a:schemeClr val="bg1"/>
+                </a:solidFill>
+              </a:rPr>
+              <a:t>QFT: Zeit ist </a:t>
+            </a:r>
+            <a:r>
+              <a:rPr lang="de-DE" smtClean="0">
+                <a:solidFill>
+                  <a:schemeClr val="bg1"/>
+                </a:solidFill>
+              </a:rPr>
+              <a:t>subjektiv, Energie auch. </a:t>
+            </a:r>
+            <a:r>
+              <a:rPr lang="de-DE" smtClean="0">
+                <a:solidFill>
+                  <a:schemeClr val="bg1"/>
+                </a:solidFill>
+              </a:rPr>
+              <a:t>Ist jetzt nur noch Werden?</a:t>
+            </a:r>
+          </a:p>
+          <a:p>
+            <a:r>
+              <a:rPr lang="de-DE" smtClean="0">
+                <a:solidFill>
+                  <a:schemeClr val="bg1"/>
+                </a:solidFill>
+              </a:rPr>
+              <a:t>Gesetze des Wandels scheinen da zu sein (ohne Gesetz keine Struktur)</a:t>
+            </a:r>
+          </a:p>
+          <a:p>
+            <a:r>
+              <a:rPr lang="de-DE" smtClean="0">
+                <a:solidFill>
+                  <a:schemeClr val="bg1"/>
+                </a:solidFill>
+              </a:rPr>
+              <a:t>Symmetrien (sehr strenge Gesetze)</a:t>
+            </a:r>
+          </a:p>
+          <a:p>
+            <a:r>
+              <a:rPr lang="de-DE" smtClean="0">
+                <a:solidFill>
+                  <a:schemeClr val="bg1"/>
+                </a:solidFill>
+              </a:rPr>
+              <a:t>Q-Bits als Ersatz für die klassischen Lego-Bausteine?</a:t>
+            </a:r>
+          </a:p>
+          <a:p>
+            <a:r>
+              <a:rPr lang="de-DE" smtClean="0">
+                <a:solidFill>
+                  <a:schemeClr val="bg1"/>
+                </a:solidFill>
+              </a:rPr>
+              <a:t>Bewusstsein und der Pfeil der Zeit</a:t>
+            </a:r>
+          </a:p>
+          <a:p>
+            <a:r>
+              <a:rPr lang="de-DE" smtClean="0">
+                <a:solidFill>
+                  <a:schemeClr val="bg1"/>
+                </a:solidFill>
+              </a:rPr>
+              <a:t>Lust, Schmerz, Liebe, Hass und Wille</a:t>
+            </a:r>
+          </a:p>
+          <a:p>
+            <a:r>
+              <a:rPr lang="de-DE" smtClean="0">
+                <a:solidFill>
+                  <a:schemeClr val="bg1"/>
+                </a:solidFill>
+              </a:rPr>
+              <a:t>Es gibt keine getrennten Dinge. Die Welt besteht nicht aus Dingen. Ihr seid alle dasselbe Ding. Geburt und Tod sind Illusion.</a:t>
+            </a:r>
           </a:p>
         </p:txBody>
       </p:sp>
-      <p:graphicFrame>
-        <p:nvGraphicFramePr>
-          <p:cNvPr id="3" name="Diagramm 2"/>
-          <p:cNvGraphicFramePr/>
-          <p:nvPr>
-            <p:extLst>
-              <p:ext uri="{D42A27DB-BD31-4B8C-83A1-F6EECF244321}">
-                <p14:modId xmlns:p14="http://schemas.microsoft.com/office/powerpoint/2010/main" val="3341593099"/>
-              </p:ext>
-            </p:extLst>
-          </p:nvPr>
-        </p:nvGraphicFramePr>
-        <p:xfrm>
-          <a:off x="323528" y="1268760"/>
-          <a:ext cx="8424936" cy="2664296"/>
-        </p:xfrm>
-        <a:graphic>
-          <a:graphicData uri="http://schemas.openxmlformats.org/drawingml/2006/diagram">
-            <dgm:relIds xmlns:dgm="http://schemas.openxmlformats.org/drawingml/2006/diagram" xmlns:r="http://schemas.openxmlformats.org/officeDocument/2006/relationships" r:dm="rId2" r:lo="rId3" r:qs="rId4" r:cs="rId5"/>
-          </a:graphicData>
-        </a:graphic>
-      </p:graphicFrame>
     </p:spTree>
     <p:extLst>
       <p:ext uri="{BB962C8B-B14F-4D97-AF65-F5344CB8AC3E}">
-        <p14:creationId xmlns:p14="http://schemas.microsoft.com/office/powerpoint/2010/main" val="15928081"/>
+        <p14:creationId xmlns:p14="http://schemas.microsoft.com/office/powerpoint/2010/main" val="2732609948"/>
       </p:ext>
     </p:extLst>
   </p:cSld>
@@ -11950,31 +12931,6 @@
       </p:grpSpPr>
       <p:sp>
         <p:nvSpPr>
-          <p:cNvPr id="5" name="Titel 4"/>
-          <p:cNvSpPr>
-            <a:spLocks noGrp="1"/>
-          </p:cNvSpPr>
-          <p:nvPr>
-            <p:ph type="title"/>
-          </p:nvPr>
-        </p:nvSpPr>
-        <p:spPr/>
-        <p:txBody>
-          <a:bodyPr>
-            <a:normAutofit/>
-          </a:bodyPr>
-          <a:lstStyle/>
-          <a:p>
-            <a:r>
-              <a:rPr lang="de-DE" smtClean="0"/>
-              <a:t>Interpretationen der QT</a:t>
-            </a:r>
-            <a:endParaRPr lang="de-DE"/>
-          </a:p>
-        </p:txBody>
-      </p:sp>
-      <p:sp>
-        <p:nvSpPr>
           <p:cNvPr id="6" name="Inhaltsplatzhalter 5"/>
           <p:cNvSpPr>
             <a:spLocks noGrp="1"/>
@@ -11992,43 +12948,55 @@
           <a:p>
             <a:r>
               <a:rPr lang="de-DE" smtClean="0"/>
-              <a:t>Das Messproblem: seine Dreifaltigkeit und 2/3 Lösung durch Dekohärenztheorie</a:t>
-            </a:r>
-          </a:p>
-          <a:p>
-            <a:r>
-              <a:rPr lang="de-DE" smtClean="0"/>
-              <a:t>Das verbleibende schlimme 1/3: die totlebendige Schrödingerkatze.</a:t>
-            </a:r>
-          </a:p>
-          <a:p>
-            <a:r>
-              <a:rPr lang="de-DE" smtClean="0"/>
-              <a:t>Die Wahrscheinlichkeitsinterpretation (z.B. Stern-Gerlach-Experimente) mit Kollaps der Wellenfunktion</a:t>
-            </a:r>
-          </a:p>
-          <a:p>
-            <a:r>
-              <a:rPr lang="de-DE" smtClean="0"/>
-              <a:t>Wigners Freund, Heisenbergsche Schnitte</a:t>
-            </a:r>
-          </a:p>
-          <a:p>
-            <a:r>
-              <a:rPr lang="de-DE" smtClean="0"/>
-              <a:t>Die Viele-Welten-Interpretation („many minds“)</a:t>
-            </a:r>
-          </a:p>
-          <a:p>
-            <a:r>
-              <a:rPr lang="de-DE" smtClean="0"/>
-              <a:t>[Die „shut up and calculate“ Interpretation]</a:t>
-            </a:r>
-          </a:p>
-          <a:p>
-            <a:r>
-              <a:rPr lang="de-DE" smtClean="0"/>
-              <a:t>Es gibt keine Teilchen, es gibt keine Materiefelder, es gibt Symmetrien, mathematikartige Gesetze, Bewusstsein.</a:t>
+              <a:t>Heisenberg:</a:t>
+            </a:r>
+            <a:r>
+              <a:rPr lang="de-DE" i="1" smtClean="0"/>
+              <a:t> Bei </a:t>
+            </a:r>
+            <a:r>
+              <a:rPr lang="de-DE" i="1"/>
+              <a:t>diesen kleinsten Lebewesen aber wird die Frage, ob sie aus lebendiger oder toter Materie bestehen, unentscheidbar. Man kann dies so ausdrücken, daß es überhaupt nur lebendige Materie gebe</a:t>
+            </a:r>
+            <a:r>
+              <a:rPr lang="de-DE" i="1"/>
+              <a:t>; </a:t>
+            </a:r>
+            <a:r>
+              <a:rPr lang="de-DE" i="1" smtClean="0"/>
+              <a:t>...</a:t>
+            </a:r>
+          </a:p>
+          <a:p>
+            <a:r>
+              <a:rPr lang="de-DE" smtClean="0"/>
+              <a:t>Dürr</a:t>
+            </a:r>
+            <a:r>
+              <a:rPr lang="de-DE" i="1" smtClean="0"/>
+              <a:t>: </a:t>
+            </a:r>
+            <a:r>
+              <a:rPr lang="de-DE" i="1"/>
+              <a:t>Dass ein Tisch im Grunde auch lebendig ist, bemerken wir nicht, weil wir ihn nur vergröbert betrachten und damit vereinfacht </a:t>
+            </a:r>
+            <a:r>
+              <a:rPr lang="de-DE" i="1"/>
+              <a:t>sehen</a:t>
+            </a:r>
+            <a:r>
+              <a:rPr lang="de-DE" i="1" smtClean="0"/>
+              <a:t>.</a:t>
+            </a:r>
+          </a:p>
+          <a:p>
+            <a:r>
+              <a:rPr lang="de-DE" smtClean="0"/>
+              <a:t>Der umgangssprachliche Begriff von Leben bedeutet eine willkürliche Grenzziehung. Enstehung von lebender aus toter Materie wäre wieder „creatio ex nihilo“. Materie ist eine sekundäre Erscheinung, darunter liegt das Lebendige - immer und überall.</a:t>
+            </a:r>
+            <a:r>
+              <a:rPr lang="de-DE" smtClean="0"/>
+              <a:t/>
             </a:r>
             <a:br>
               <a:rPr lang="de-DE" smtClean="0"/>
@@ -12037,13 +13005,36 @@
           </a:p>
           <a:p>
             <a:endParaRPr lang="de-DE" smtClean="0"/>
+          </a:p>
+        </p:txBody>
+      </p:sp>
+      <p:sp>
+        <p:nvSpPr>
+          <p:cNvPr id="2" name="Titel 1"/>
+          <p:cNvSpPr>
+            <a:spLocks noGrp="1"/>
+          </p:cNvSpPr>
+          <p:nvPr>
+            <p:ph type="title"/>
+          </p:nvPr>
+        </p:nvSpPr>
+        <p:spPr/>
+        <p:txBody>
+          <a:bodyPr/>
+          <a:lstStyle/>
+          <a:p>
+            <a:r>
+              <a:rPr lang="de-DE" smtClean="0"/>
+              <a:t>Leben</a:t>
+            </a:r>
+            <a:endParaRPr lang="de-DE"/>
           </a:p>
         </p:txBody>
       </p:sp>
     </p:spTree>
     <p:extLst>
       <p:ext uri="{BB962C8B-B14F-4D97-AF65-F5344CB8AC3E}">
-        <p14:creationId xmlns:p14="http://schemas.microsoft.com/office/powerpoint/2010/main" val="3675307341"/>
+        <p14:creationId xmlns:p14="http://schemas.microsoft.com/office/powerpoint/2010/main" val="2426154753"/>
       </p:ext>
     </p:extLst>
   </p:cSld>
@@ -12209,7 +13200,104 @@
       </p:grpSpPr>
       <p:sp>
         <p:nvSpPr>
-          <p:cNvPr id="5" name="Titel 4"/>
+          <p:cNvPr id="6" name="Inhaltsplatzhalter 5"/>
+          <p:cNvSpPr>
+            <a:spLocks noGrp="1"/>
+          </p:cNvSpPr>
+          <p:nvPr>
+            <p:ph idx="1"/>
+          </p:nvPr>
+        </p:nvSpPr>
+        <p:spPr>
+          <a:xfrm>
+            <a:off x="457200" y="1600200"/>
+            <a:ext cx="8229600" cy="4997152"/>
+          </a:xfrm>
+        </p:spPr>
+        <p:txBody>
+          <a:bodyPr>
+            <a:normAutofit fontScale="77500" lnSpcReduction="20000"/>
+          </a:bodyPr>
+          <a:lstStyle/>
+          <a:p>
+            <a:r>
+              <a:rPr lang="de-DE" smtClean="0"/>
+              <a:t>Auf unserem Planeten gibt es überall Organismen: in der Tiefsee, in Wüsten, unterm ewigen Eis, in Höhlen, in der Luft.</a:t>
+            </a:r>
+          </a:p>
+          <a:p>
+            <a:r>
+              <a:rPr lang="de-DE" smtClean="0"/>
+              <a:t>Leider wissen wir nix dergleichen über andere Planeten.</a:t>
+            </a:r>
+          </a:p>
+          <a:p>
+            <a:r>
+              <a:rPr lang="de-DE" smtClean="0"/>
+              <a:t>Die Zahl der entdeckten Exoplaneten steigt rasant, damit die Wahrscheinlichkeit für Außerirdische Zivilisationen.</a:t>
+            </a:r>
+          </a:p>
+          <a:p>
+            <a:r>
+              <a:rPr lang="de-DE" smtClean="0"/>
+              <a:t>Wenn es Außerirdische gibt, warum fliegt nicht täglich ein Raumschiff an der Erde vorbei?</a:t>
+            </a:r>
+          </a:p>
+          <a:p>
+            <a:pPr lvl="1"/>
+            <a:r>
+              <a:rPr lang="de-DE" smtClean="0"/>
+              <a:t>wir sind die einzigen?</a:t>
+            </a:r>
+          </a:p>
+          <a:p>
+            <a:pPr lvl="1"/>
+            <a:r>
+              <a:rPr lang="de-DE" smtClean="0"/>
+              <a:t>wir sind die ersten, also auch wieder die einzigen?</a:t>
+            </a:r>
+          </a:p>
+          <a:p>
+            <a:pPr lvl="1"/>
+            <a:r>
+              <a:rPr lang="de-DE" smtClean="0"/>
+              <a:t>es macht keinen Sinn für sie? </a:t>
+            </a:r>
+            <a:r>
+              <a:rPr lang="de-DE" b="1" smtClean="0"/>
+              <a:t>Warum nicht?</a:t>
+            </a:r>
+          </a:p>
+          <a:p>
+            <a:pPr lvl="1"/>
+            <a:r>
+              <a:rPr lang="de-DE" smtClean="0"/>
+              <a:t>warum macht es für uns dann Sinn?</a:t>
+            </a:r>
+          </a:p>
+          <a:p>
+            <a:pPr lvl="1"/>
+            <a:r>
+              <a:rPr lang="de-DE" smtClean="0"/>
+              <a:t>sie sind delokalisiert und längst überall da?</a:t>
+            </a:r>
+            <a:r>
+              <a:rPr lang="de-DE" smtClean="0"/>
+              <a:t/>
+            </a:r>
+            <a:br>
+              <a:rPr lang="de-DE" smtClean="0"/>
+            </a:br>
+            <a:endParaRPr lang="de-DE" smtClean="0"/>
+          </a:p>
+          <a:p>
+            <a:endParaRPr lang="de-DE" smtClean="0"/>
+          </a:p>
+        </p:txBody>
+      </p:sp>
+      <p:sp>
+        <p:nvSpPr>
+          <p:cNvPr id="2" name="Titel 1"/>
           <p:cNvSpPr>
             <a:spLocks noGrp="1"/>
           </p:cNvSpPr>
@@ -12219,80 +13307,21 @@
         </p:nvSpPr>
         <p:spPr/>
         <p:txBody>
-          <a:bodyPr>
-            <a:normAutofit/>
-          </a:bodyPr>
+          <a:bodyPr/>
           <a:lstStyle/>
           <a:p>
             <a:r>
               <a:rPr lang="de-DE" smtClean="0"/>
-              <a:t>Quantenrechner</a:t>
+              <a:t>Science Fiction</a:t>
             </a:r>
             <a:endParaRPr lang="de-DE"/>
-          </a:p>
-        </p:txBody>
-      </p:sp>
-      <p:sp>
-        <p:nvSpPr>
-          <p:cNvPr id="6" name="Inhaltsplatzhalter 5"/>
-          <p:cNvSpPr>
-            <a:spLocks noGrp="1"/>
-          </p:cNvSpPr>
-          <p:nvPr>
-            <p:ph idx="1"/>
-          </p:nvPr>
-        </p:nvSpPr>
-        <p:spPr/>
-        <p:txBody>
-          <a:bodyPr>
-            <a:normAutofit fontScale="77500" lnSpcReduction="20000"/>
-          </a:bodyPr>
-          <a:lstStyle/>
-          <a:p>
-            <a:r>
-              <a:rPr lang="de-DE" smtClean="0"/>
-              <a:t>Klassische Informationstheorie: Information und Entropie nach Shannon</a:t>
-            </a:r>
-          </a:p>
-          <a:p>
-            <a:r>
-              <a:rPr lang="de-DE" smtClean="0"/>
-              <a:t>[Das Problem des Kontinuums mit der Information, die Willkür der Einteilung, absolute Information durch schwarze Löcher?]</a:t>
-            </a:r>
-          </a:p>
-          <a:p>
-            <a:r>
-              <a:rPr lang="de-DE" smtClean="0"/>
-              <a:t>Q-Bit als kleinste sinnvolle Einheit, die Beziehung zwischen Q-Bit und klassischem Bit</a:t>
-            </a:r>
-          </a:p>
-          <a:p>
-            <a:r>
-              <a:rPr lang="de-DE" smtClean="0"/>
-              <a:t>Q-Bit Beispiele (es gibt auch Q-Trits, …)</a:t>
-            </a:r>
-          </a:p>
-          <a:p>
-            <a:r>
-              <a:rPr lang="de-DE" smtClean="0"/>
-              <a:t>Produkträume von Q-Bits und unitäre Zeitentwicklung = Quantenrechner</a:t>
-            </a:r>
-          </a:p>
-          <a:p>
-            <a:r>
-              <a:rPr lang="de-DE" smtClean="0"/>
-              <a:t>In etwa bis zur Hälfte von https://quantiki.org/wiki/basic-concepts-quantum-computation</a:t>
-            </a:r>
-          </a:p>
-          <a:p>
-            <a:endParaRPr lang="de-DE" smtClean="0"/>
           </a:p>
         </p:txBody>
       </p:sp>
     </p:spTree>
     <p:extLst>
       <p:ext uri="{BB962C8B-B14F-4D97-AF65-F5344CB8AC3E}">
-        <p14:creationId xmlns:p14="http://schemas.microsoft.com/office/powerpoint/2010/main" val="1223933892"/>
+        <p14:creationId xmlns:p14="http://schemas.microsoft.com/office/powerpoint/2010/main" val="1692569341"/>
       </p:ext>
     </p:extLst>
   </p:cSld>
@@ -12368,6 +13397,13 @@
           </a:bodyPr>
           <a:lstStyle/>
           <a:p>
+            <a:pPr marL="0" indent="0">
+              <a:buNone/>
+            </a:pPr>
+            <a:r>
+              <a:rPr lang="de-DE" smtClean="0"/>
+              <a:t>kommt noch …</a:t>
+            </a:r>
             <a:endParaRPr lang="de-DE" smtClean="0"/>
           </a:p>
         </p:txBody>
@@ -12464,13 +13500,8 @@
           <a:p>
             <a:r>
               <a:rPr lang="de-DE" sz="2400" smtClean="0"/>
-              <a:t>Das zeitliche Abgrenzungsproblem: bin ich wirklich geboren worden oder habe ich mich allmählich herauskristallisiert? Wieviele Ichs ist ein Säugling</a:t>
-            </a:r>
-            <a:r>
-              <a:rPr lang="de-DE" sz="2400" smtClean="0"/>
-              <a:t>? Null?</a:t>
-            </a:r>
-            <a:endParaRPr lang="de-DE" sz="2400" smtClean="0"/>
+              <a:t>Das zeitliche Abgrenzungsproblem: bin ich wirklich geboren worden oder habe ich mich allmählich herauskristallisiert? Wieviele Ichs ist ein Säugling? Null?</a:t>
+            </a:r>
           </a:p>
           <a:p>
             <a:r>
@@ -12481,11 +13512,7 @@
           <a:p>
             <a:r>
               <a:rPr lang="de-DE" sz="2400" smtClean="0"/>
-              <a:t>Zeitliche </a:t>
-            </a:r>
-            <a:r>
-              <a:rPr lang="de-DE" sz="2400" smtClean="0"/>
-              <a:t>Abgrenzung am Ende: </a:t>
+              <a:t>Zeitliche Abgrenzung am Ende: </a:t>
             </a:r>
             <a:r>
               <a:rPr lang="de-DE" sz="2400" i="1" smtClean="0"/>
@@ -12538,15 +13565,7 @@
           <a:p>
             <a:r>
               <a:rPr lang="de-DE" sz="2400" smtClean="0"/>
-              <a:t>Entsteht Geist aus </a:t>
-            </a:r>
-            <a:r>
-              <a:rPr lang="de-DE" sz="2400" smtClean="0"/>
-              <a:t>Lego-Bausteinen</a:t>
-            </a:r>
-            <a:r>
-              <a:rPr lang="de-DE" sz="2400" smtClean="0"/>
-              <a:t>? „creatio ex nihilo“?</a:t>
+              <a:t>Entsteht Geist aus Lego-Bausteinen? „creatio ex nihilo“?</a:t>
             </a:r>
           </a:p>
         </p:txBody>
@@ -12638,17 +13657,12 @@
           <a:p>
             <a:r>
               <a:rPr lang="de-DE" smtClean="0"/>
-              <a:t>Erzeugt Information durch ihr zerhackendes </a:t>
-            </a:r>
-            <a:r>
-              <a:rPr lang="de-DE" smtClean="0"/>
-              <a:t>Schubladenprinzip. Aber Heraklit mahnt: </a:t>
+              <a:t>Erzeugt Information durch ihr zerhackendes Schubladenprinzip. Aber Heraklit mahnt: </a:t>
             </a:r>
             <a:r>
               <a:rPr lang="de-DE" i="1" smtClean="0"/>
               <a:t>Man kann nicht zweimal in denselben Fluss steigen.</a:t>
             </a:r>
-            <a:endParaRPr lang="de-DE" i="1" smtClean="0"/>
           </a:p>
           <a:p>
             <a:r>
@@ -12667,15 +13681,7 @@
           <a:p>
             <a:r>
               <a:rPr lang="de-DE" smtClean="0"/>
-              <a:t>Sie ist nicht zum Zweck der Erkenntnisfindung erfunden </a:t>
-            </a:r>
-            <a:r>
-              <a:rPr lang="de-DE" smtClean="0"/>
-              <a:t>worden, </a:t>
-            </a:r>
-            <a:r>
-              <a:rPr lang="de-DE" smtClean="0"/>
-              <a:t>sondern zum Überleben. Deswegen vertrauen wir ihr so sehr.</a:t>
+              <a:t>Sie ist nicht zum Zweck der Erkenntnisfindung erfunden worden, sondern zum Überleben. Deswegen vertrauen wir ihr so sehr.</a:t>
             </a:r>
           </a:p>
           <a:p>
@@ -12973,7 +13979,6 @@
               <a:rPr lang="de-DE" smtClean="0"/>
               <a:t>Dadurch wird der Wille geleitet.</a:t>
             </a:r>
-            <a:endParaRPr lang="de-DE" smtClean="0"/>
           </a:p>
         </p:txBody>
       </p:sp>
@@ -13082,22 +14087,13 @@
           <a:p>
             <a:r>
               <a:rPr lang="de-DE" smtClean="0"/>
-              <a:t>Wieso Genies und Wahnsinnige </a:t>
-            </a:r>
-            <a:r>
-              <a:rPr lang="de-DE" smtClean="0"/>
-              <a:t>verwechselbar sind</a:t>
-            </a:r>
-            <a:endParaRPr lang="de-DE" smtClean="0"/>
-          </a:p>
-          <a:p>
-            <a:r>
-              <a:rPr lang="de-DE" smtClean="0"/>
-              <a:t>Am </a:t>
-            </a:r>
-            <a:r>
-              <a:rPr lang="de-DE" smtClean="0"/>
-              <a:t>Ende: der Altersstarrsinn</a:t>
+              <a:t>Wieso Genies und Wahnsinnige verwechselbar sind</a:t>
+            </a:r>
+          </a:p>
+          <a:p>
+            <a:r>
+              <a:rPr lang="de-DE" smtClean="0"/>
+              <a:t>Am Ende: der Altersstarrsinn</a:t>
             </a:r>
           </a:p>
           <a:p>
@@ -13355,7 +14351,15 @@
             </a:pPr>
             <a:r>
               <a:rPr lang="de-DE" smtClean="0"/>
-              <a:t>Die Tautologie: eine Form, die durch ihr Dasein die Wahrscheinlichkeit für die Entstehung ähnlicher Formen erhöht, erscheint uns in ähnlicher Form häufiger (dann lohnt sich dafür eine extra Begriff).</a:t>
+              <a:t>Die Tautologie: eine Form, die durch ihr Dasein die Wahrscheinlichkeit für die Entstehung ähnlicher Formen erhöht, erscheint uns in ähnlicher Form häufiger (dann lohnt sich dafür </a:t>
+            </a:r>
+            <a:r>
+              <a:rPr lang="de-DE" smtClean="0"/>
+              <a:t>ein eigener Begriff</a:t>
+            </a:r>
+            <a:r>
+              <a:rPr lang="de-DE" smtClean="0"/>
+              <a:t>).</a:t>
             </a:r>
           </a:p>
           <a:p>
@@ -13373,7 +14377,11 @@
           <a:p>
             <a:r>
               <a:rPr lang="de-DE" smtClean="0"/>
-              <a:t>Endliche Resourcen </a:t>
+              <a:t>Endliche </a:t>
+            </a:r>
+            <a:r>
+              <a:rPr lang="de-DE" smtClean="0"/>
+              <a:t>Ressourcen </a:t>
             </a:r>
             <a:r>
               <a:rPr lang="de-DE"/>
@@ -13383,7 +14391,6 @@
               <a:rPr lang="de-DE" smtClean="0"/>
               <a:t> Kampf, Kooperation</a:t>
             </a:r>
-            <a:endParaRPr lang="de-DE" smtClean="0"/>
           </a:p>
           <a:p>
             <a:endParaRPr lang="de-DE" smtClean="0"/>
@@ -13643,86 +14650,31 @@
           <a:p>
             <a:r>
               <a:rPr lang="de-DE" smtClean="0"/>
-              <a:t>Der Wille </a:t>
-            </a:r>
-            <a:r>
-              <a:rPr lang="de-DE" smtClean="0"/>
-              <a:t>der verschiedener </a:t>
-            </a:r>
-            <a:r>
-              <a:rPr lang="de-DE" smtClean="0"/>
-              <a:t>Formen: Steine (Schopenhauer, Animismus), Bakterien, </a:t>
-            </a:r>
-            <a:r>
-              <a:rPr lang="de-DE" smtClean="0"/>
-              <a:t>…, </a:t>
-            </a:r>
-            <a:r>
-              <a:rPr lang="de-DE" smtClean="0"/>
-              <a:t>Staaten. Daraus die </a:t>
-            </a:r>
-            <a:r>
-              <a:rPr lang="de-DE" smtClean="0"/>
-              <a:t>verschiedenen </a:t>
-            </a:r>
-            <a:r>
-              <a:rPr lang="de-DE" smtClean="0"/>
-              <a:t>gut &amp; </a:t>
-            </a:r>
-            <a:r>
-              <a:rPr lang="de-DE" smtClean="0"/>
-              <a:t>schlecht und die ziellosen Diskussionen.</a:t>
-            </a:r>
-            <a:endParaRPr lang="de-DE" smtClean="0"/>
-          </a:p>
-          <a:p>
-            <a:r>
-              <a:rPr lang="de-DE" smtClean="0"/>
-              <a:t>K</a:t>
-            </a:r>
-            <a:r>
-              <a:rPr lang="de-DE" smtClean="0"/>
-              <a:t>ategorischer Imperativ/goldene Regel als Antwort?</a:t>
-            </a:r>
-            <a:endParaRPr lang="de-DE" smtClean="0"/>
-          </a:p>
-          <a:p>
-            <a:r>
-              <a:rPr lang="de-DE" smtClean="0"/>
-              <a:t>Der Sinn des </a:t>
-            </a:r>
-            <a:r>
-              <a:rPr lang="de-DE" smtClean="0"/>
-              <a:t>Lebens</a:t>
-            </a:r>
-          </a:p>
-          <a:p>
-            <a:r>
-              <a:rPr lang="de-DE" smtClean="0"/>
-              <a:t>Die </a:t>
-            </a:r>
-            <a:r>
-              <a:rPr lang="de-DE" smtClean="0"/>
-              <a:t>Lösung der </a:t>
-            </a:r>
-            <a:r>
-              <a:rPr lang="de-DE" smtClean="0"/>
-              <a:t>Theodizee: Verwechslung mit Gott</a:t>
-            </a:r>
-            <a:endParaRPr lang="de-DE" smtClean="0"/>
-          </a:p>
-          <a:p>
-            <a:r>
-              <a:rPr lang="de-DE" smtClean="0"/>
-              <a:t>Als Trost: die vorübergehenden </a:t>
-            </a:r>
-            <a:r>
-              <a:rPr lang="de-DE" smtClean="0"/>
-              <a:t>Augenblicke der </a:t>
-            </a:r>
-            <a:r>
-              <a:rPr lang="de-DE" smtClean="0"/>
-              <a:t>Liebe</a:t>
+              <a:t>Der Wille der verschiedener Formen: Steine (Schopenhauer, Animismus), Bakterien, …, Staaten. Daraus die verschiedenen gut &amp; schlecht und die ziellosen Diskussionen.</a:t>
+            </a:r>
+          </a:p>
+          <a:p>
+            <a:r>
+              <a:rPr lang="de-DE" smtClean="0"/>
+              <a:t>Kategorischer Imperativ/goldene Regel als Antwort?</a:t>
+            </a:r>
+          </a:p>
+          <a:p>
+            <a:r>
+              <a:rPr lang="de-DE" smtClean="0"/>
+              <a:t>Der Sinn des Lebens</a:t>
+            </a:r>
+          </a:p>
+          <a:p>
+            <a:r>
+              <a:rPr lang="de-DE" smtClean="0"/>
+              <a:t>Die Lösung der Theodizee: Verwechslung mit Gott</a:t>
+            </a:r>
+          </a:p>
+          <a:p>
+            <a:r>
+              <a:rPr lang="de-DE" smtClean="0"/>
+              <a:t>Als Trost: die vorübergehenden Augenblicke der Liebe</a:t>
             </a:r>
           </a:p>
         </p:txBody>
@@ -13988,11 +14940,7 @@
             </a:pPr>
             <a:r>
               <a:rPr lang="de-DE"/>
-              <a:t>Der </a:t>
-            </a:r>
-            <a:r>
-              <a:rPr lang="de-DE"/>
-              <a:t>leibliche </a:t>
+              <a:t>Der leibliche </a:t>
             </a:r>
             <a:r>
               <a:rPr lang="de-DE" smtClean="0"/>
@@ -14051,7 +14999,6 @@
               <a:rPr lang="de-DE" smtClean="0"/>
               <a:t>Dient wieder der Formung, nicht der Erkenntnis.</a:t>
             </a:r>
-            <a:endParaRPr lang="de-DE" smtClean="0"/>
           </a:p>
         </p:txBody>
       </p:sp>
@@ -14078,11 +15025,11 @@
 <file path=ppt/tags/tag1.xml><?xml version="1.0" encoding="utf-8"?>
 <p:tagLst xmlns:a="http://schemas.openxmlformats.org/drawingml/2006/main" xmlns:r="http://schemas.openxmlformats.org/officeDocument/2006/relationships" xmlns:p="http://schemas.openxmlformats.org/presentationml/2006/main">
   <p:tag name="OUTPUTDPI" val="1200"/>
-  <p:tag name="ORIGINALHEIGHT" val="104,9868"/>
-  <p:tag name="ORIGINALWIDTH" val="468,6914"/>
-  <p:tag name="LATEXADDIN" val="\documentclass{article}&#10;\usepackage{amsmath}&#10;\pagestyle{empty}&#10;\begin{document}&#10;&#10;\(E = m c^2\)&#10;&#10;&#10;\end{document}"/>
+  <p:tag name="ORIGINALHEIGHT" val="236,2205"/>
+  <p:tag name="ORIGINALWIDTH" val="782,1523"/>
+  <p:tag name="LATEXADDIN" val="\documentclass{article}&#10;\usepackage{amsmath}&#10;\pagestyle{empty}&#10;\begin{document}&#10;&#10;\(E = \frac{m_0 c^2}{\sqrt{1 - (v/c)^2}} \)&#10;&#10;&#10;\end{document}"/>
   <p:tag name="IGUANATEXSIZE" val="20"/>
-  <p:tag name="IGUANATEXCURSOR" val="94"/>
+  <p:tag name="IGUANATEXCURSOR" val="100"/>
   <p:tag name="TRANSPARENCY" val="Wahr"/>
   <p:tag name="FILENAME" val=""/>
   <p:tag name="LATEXENGINEID" val="0"/>
